--- a/presentations/01_cnn_intro.pptx
+++ b/presentations/01_cnn_intro.pptx
@@ -5,7 +5,7 @@
     <p:sldMasterId id="2147483648" r:id="rId1"/>
   </p:sldMasterIdLst>
   <p:notesMasterIdLst>
-    <p:notesMasterId r:id="rId17"/>
+    <p:notesMasterId r:id="rId18"/>
   </p:notesMasterIdLst>
   <p:sldIdLst>
     <p:sldId id="322" r:id="rId2"/>
@@ -22,7 +22,8 @@
     <p:sldId id="325" r:id="rId13"/>
     <p:sldId id="299" r:id="rId14"/>
     <p:sldId id="326" r:id="rId15"/>
-    <p:sldId id="327" r:id="rId16"/>
+    <p:sldId id="324" r:id="rId16"/>
+    <p:sldId id="327" r:id="rId17"/>
   </p:sldIdLst>
   <p:sldSz cx="12192000" cy="6858000"/>
   <p:notesSz cx="7077075" cy="9363075"/>
@@ -222,7 +223,7 @@
           <a:p>
             <a:fld id="{FD93C9B2-20F6-4DB1-B471-224337D0AC79}" type="datetimeFigureOut">
               <a:rPr lang="en-US" smtClean="0"/>
-              <a:t>2/23/2022</a:t>
+              <a:t>5/26/2022</a:t>
             </a:fld>
             <a:endParaRPr lang="en-US"/>
           </a:p>
@@ -1970,6 +1971,18 @@
           <a:bodyPr/>
           <a:lstStyle/>
           <a:p>
+            <a:pPr defTabSz="939363">
+              <a:defRPr/>
+            </a:pPr>
+            <a:r>
+              <a:rPr lang="en-US" dirty="0"/>
+              <a:t>The exercise for this workshop starts on page 123 of the textbook. </a:t>
+            </a:r>
+          </a:p>
+          <a:p>
+            <a:pPr defTabSz="939363">
+              <a:defRPr/>
+            </a:pPr>
             <a:endParaRPr lang="en-US" dirty="0"/>
           </a:p>
         </p:txBody>
@@ -1992,6 +2005,90 @@
             <a:fld id="{3148858F-F1DB-4027-9C85-CCA6849540DD}" type="slidenum">
               <a:rPr lang="en-US" smtClean="0"/>
               <a:t>15</a:t>
+            </a:fld>
+            <a:endParaRPr lang="en-US"/>
+          </a:p>
+        </p:txBody>
+      </p:sp>
+    </p:spTree>
+    <p:extLst>
+      <p:ext uri="{BB962C8B-B14F-4D97-AF65-F5344CB8AC3E}">
+        <p14:creationId xmlns:p14="http://schemas.microsoft.com/office/powerpoint/2010/main" val="1984289498"/>
+      </p:ext>
+    </p:extLst>
+  </p:cSld>
+  <p:clrMapOvr>
+    <a:masterClrMapping/>
+  </p:clrMapOvr>
+</p:notes>
+</file>
+
+<file path=ppt/notesSlides/notesSlide16.xml><?xml version="1.0" encoding="utf-8"?>
+<p:notes xmlns:a="http://schemas.openxmlformats.org/drawingml/2006/main" xmlns:r="http://schemas.openxmlformats.org/officeDocument/2006/relationships" xmlns:p="http://schemas.openxmlformats.org/presentationml/2006/main">
+  <p:cSld>
+    <p:spTree>
+      <p:nvGrpSpPr>
+        <p:cNvPr id="1" name=""/>
+        <p:cNvGrpSpPr/>
+        <p:nvPr/>
+      </p:nvGrpSpPr>
+      <p:grpSpPr>
+        <a:xfrm>
+          <a:off x="0" y="0"/>
+          <a:ext cx="0" cy="0"/>
+          <a:chOff x="0" y="0"/>
+          <a:chExt cx="0" cy="0"/>
+        </a:xfrm>
+      </p:grpSpPr>
+      <p:sp>
+        <p:nvSpPr>
+          <p:cNvPr id="2" name="Slide Image Placeholder 1"/>
+          <p:cNvSpPr>
+            <a:spLocks noGrp="1" noRot="1" noChangeAspect="1"/>
+          </p:cNvSpPr>
+          <p:nvPr>
+            <p:ph type="sldImg"/>
+          </p:nvPr>
+        </p:nvSpPr>
+        <p:spPr/>
+      </p:sp>
+      <p:sp>
+        <p:nvSpPr>
+          <p:cNvPr id="3" name="Notes Placeholder 2"/>
+          <p:cNvSpPr>
+            <a:spLocks noGrp="1"/>
+          </p:cNvSpPr>
+          <p:nvPr>
+            <p:ph type="body" idx="1"/>
+          </p:nvPr>
+        </p:nvSpPr>
+        <p:spPr/>
+        <p:txBody>
+          <a:bodyPr/>
+          <a:lstStyle/>
+          <a:p>
+            <a:endParaRPr lang="en-US" dirty="0"/>
+          </a:p>
+        </p:txBody>
+      </p:sp>
+      <p:sp>
+        <p:nvSpPr>
+          <p:cNvPr id="4" name="Slide Number Placeholder 3"/>
+          <p:cNvSpPr>
+            <a:spLocks noGrp="1"/>
+          </p:cNvSpPr>
+          <p:nvPr>
+            <p:ph type="sldNum" sz="quarter" idx="5"/>
+          </p:nvPr>
+        </p:nvSpPr>
+        <p:spPr/>
+        <p:txBody>
+          <a:bodyPr/>
+          <a:lstStyle/>
+          <a:p>
+            <a:fld id="{3148858F-F1DB-4027-9C85-CCA6849540DD}" type="slidenum">
+              <a:rPr lang="en-US" smtClean="0"/>
+              <a:t>16</a:t>
             </a:fld>
             <a:endParaRPr lang="en-US"/>
           </a:p>
@@ -2053,6 +2150,24 @@
         <p:txBody>
           <a:bodyPr/>
           <a:lstStyle/>
+          <a:p>
+            <a:pPr defTabSz="939363">
+              <a:defRPr/>
+            </a:pPr>
+            <a:r>
+              <a:rPr lang="en-US" dirty="0"/>
+              <a:t>Students who have not yet validated their HiperGator account should work through the steps in this document:</a:t>
+            </a:r>
+          </a:p>
+          <a:p>
+            <a:pPr defTabSz="939363">
+              <a:defRPr/>
+            </a:pPr>
+            <a:r>
+              <a:rPr lang="en-US" b="1" i="1"/>
+              <a:t>https://github.com/PracticumAI-Test/HPG_Jupyter_Setup</a:t>
+            </a:r>
+          </a:p>
           <a:p>
             <a:endParaRPr lang="en-US" dirty="0">
               <a:latin typeface="Palatino Linotype" panose="02040502050505030304" pitchFamily="18" charset="0"/>
@@ -3820,7 +3935,7 @@
           <a:p>
             <a:fld id="{C3F78080-8D0A-4BE8-A5B4-CB115102D524}" type="datetimeFigureOut">
               <a:rPr lang="en-US" smtClean="0"/>
-              <a:t>2/23/2022</a:t>
+              <a:t>5/26/2022</a:t>
             </a:fld>
             <a:endParaRPr lang="en-US"/>
           </a:p>
@@ -4018,7 +4133,7 @@
           <a:p>
             <a:fld id="{C3F78080-8D0A-4BE8-A5B4-CB115102D524}" type="datetimeFigureOut">
               <a:rPr lang="en-US" smtClean="0"/>
-              <a:t>2/23/2022</a:t>
+              <a:t>5/26/2022</a:t>
             </a:fld>
             <a:endParaRPr lang="en-US"/>
           </a:p>
@@ -4226,7 +4341,7 @@
           <a:p>
             <a:fld id="{C3F78080-8D0A-4BE8-A5B4-CB115102D524}" type="datetimeFigureOut">
               <a:rPr lang="en-US" smtClean="0"/>
-              <a:t>2/23/2022</a:t>
+              <a:t>5/26/2022</a:t>
             </a:fld>
             <a:endParaRPr lang="en-US"/>
           </a:p>
@@ -4424,7 +4539,7 @@
           <a:p>
             <a:fld id="{C3F78080-8D0A-4BE8-A5B4-CB115102D524}" type="datetimeFigureOut">
               <a:rPr lang="en-US" smtClean="0"/>
-              <a:t>2/23/2022</a:t>
+              <a:t>5/26/2022</a:t>
             </a:fld>
             <a:endParaRPr lang="en-US"/>
           </a:p>
@@ -4699,7 +4814,7 @@
           <a:p>
             <a:fld id="{C3F78080-8D0A-4BE8-A5B4-CB115102D524}" type="datetimeFigureOut">
               <a:rPr lang="en-US" smtClean="0"/>
-              <a:t>2/23/2022</a:t>
+              <a:t>5/26/2022</a:t>
             </a:fld>
             <a:endParaRPr lang="en-US"/>
           </a:p>
@@ -4964,7 +5079,7 @@
           <a:p>
             <a:fld id="{C3F78080-8D0A-4BE8-A5B4-CB115102D524}" type="datetimeFigureOut">
               <a:rPr lang="en-US" smtClean="0"/>
-              <a:t>2/23/2022</a:t>
+              <a:t>5/26/2022</a:t>
             </a:fld>
             <a:endParaRPr lang="en-US"/>
           </a:p>
@@ -5376,7 +5491,7 @@
           <a:p>
             <a:fld id="{C3F78080-8D0A-4BE8-A5B4-CB115102D524}" type="datetimeFigureOut">
               <a:rPr lang="en-US" smtClean="0"/>
-              <a:t>2/23/2022</a:t>
+              <a:t>5/26/2022</a:t>
             </a:fld>
             <a:endParaRPr lang="en-US"/>
           </a:p>
@@ -5517,7 +5632,7 @@
           <a:p>
             <a:fld id="{C3F78080-8D0A-4BE8-A5B4-CB115102D524}" type="datetimeFigureOut">
               <a:rPr lang="en-US" smtClean="0"/>
-              <a:t>2/23/2022</a:t>
+              <a:t>5/26/2022</a:t>
             </a:fld>
             <a:endParaRPr lang="en-US"/>
           </a:p>
@@ -5630,7 +5745,7 @@
           <a:p>
             <a:fld id="{C3F78080-8D0A-4BE8-A5B4-CB115102D524}" type="datetimeFigureOut">
               <a:rPr lang="en-US" smtClean="0"/>
-              <a:t>2/23/2022</a:t>
+              <a:t>5/26/2022</a:t>
             </a:fld>
             <a:endParaRPr lang="en-US"/>
           </a:p>
@@ -5941,7 +6056,7 @@
           <a:p>
             <a:fld id="{C3F78080-8D0A-4BE8-A5B4-CB115102D524}" type="datetimeFigureOut">
               <a:rPr lang="en-US" smtClean="0"/>
-              <a:t>2/23/2022</a:t>
+              <a:t>5/26/2022</a:t>
             </a:fld>
             <a:endParaRPr lang="en-US"/>
           </a:p>
@@ -6229,7 +6344,7 @@
           <a:p>
             <a:fld id="{C3F78080-8D0A-4BE8-A5B4-CB115102D524}" type="datetimeFigureOut">
               <a:rPr lang="en-US" smtClean="0"/>
-              <a:t>2/23/2022</a:t>
+              <a:t>5/26/2022</a:t>
             </a:fld>
             <a:endParaRPr lang="en-US"/>
           </a:p>
@@ -6470,7 +6585,7 @@
           <a:p>
             <a:fld id="{C3F78080-8D0A-4BE8-A5B4-CB115102D524}" type="datetimeFigureOut">
               <a:rPr lang="en-US" smtClean="0"/>
-              <a:t>2/23/2022</a:t>
+              <a:t>5/26/2022</a:t>
             </a:fld>
             <a:endParaRPr lang="en-US"/>
           </a:p>
@@ -7791,6 +7906,197 @@
 </file>
 
 <file path=ppt/slides/slide15.xml><?xml version="1.0" encoding="utf-8"?>
+<p:sld xmlns:a="http://schemas.openxmlformats.org/drawingml/2006/main" xmlns:r="http://schemas.openxmlformats.org/officeDocument/2006/relationships" xmlns:p="http://schemas.openxmlformats.org/presentationml/2006/main">
+  <p:cSld>
+    <p:spTree>
+      <p:nvGrpSpPr>
+        <p:cNvPr id="1" name=""/>
+        <p:cNvGrpSpPr/>
+        <p:nvPr/>
+      </p:nvGrpSpPr>
+      <p:grpSpPr>
+        <a:xfrm>
+          <a:off x="0" y="0"/>
+          <a:ext cx="0" cy="0"/>
+          <a:chOff x="0" y="0"/>
+          <a:chExt cx="0" cy="0"/>
+        </a:xfrm>
+      </p:grpSpPr>
+      <p:sp>
+        <p:nvSpPr>
+          <p:cNvPr id="3" name="Text Placeholder 2">
+            <a:extLst>
+              <a:ext uri="{FF2B5EF4-FFF2-40B4-BE49-F238E27FC236}">
+                <a16:creationId xmlns:a16="http://schemas.microsoft.com/office/drawing/2014/main" id="{098BC2D2-CCF7-4C63-8489-B46BF394FCA2}"/>
+              </a:ext>
+            </a:extLst>
+          </p:cNvPr>
+          <p:cNvSpPr>
+            <a:spLocks noGrp="1"/>
+          </p:cNvSpPr>
+          <p:nvPr>
+            <p:ph type="body" idx="1"/>
+          </p:nvPr>
+        </p:nvSpPr>
+        <p:spPr>
+          <a:xfrm>
+            <a:off x="0" y="4285400"/>
+            <a:ext cx="12192000" cy="518830"/>
+          </a:xfrm>
+        </p:spPr>
+        <p:txBody>
+          <a:bodyPr>
+            <a:normAutofit/>
+          </a:bodyPr>
+          <a:lstStyle/>
+          <a:p>
+            <a:endParaRPr lang="en-US" dirty="0">
+              <a:latin typeface="Palatino Linotype" panose="02040502050505030304" pitchFamily="18" charset="0"/>
+              <a:cs typeface="Segoe UI" panose="020B0502040204020203" pitchFamily="34" charset="0"/>
+            </a:endParaRPr>
+          </a:p>
+          <a:p>
+            <a:endParaRPr lang="en-US" dirty="0">
+              <a:latin typeface="Palatino Linotype" panose="02040502050505030304" pitchFamily="18" charset="0"/>
+              <a:cs typeface="Segoe UI" panose="020B0502040204020203" pitchFamily="34" charset="0"/>
+            </a:endParaRPr>
+          </a:p>
+          <a:p>
+            <a:endParaRPr lang="en-US" dirty="0">
+              <a:latin typeface="Palatino Linotype" panose="02040502050505030304" pitchFamily="18" charset="0"/>
+              <a:cs typeface="Segoe UI" panose="020B0502040204020203" pitchFamily="34" charset="0"/>
+            </a:endParaRPr>
+          </a:p>
+          <a:p>
+            <a:endParaRPr lang="en-US" dirty="0">
+              <a:latin typeface="Palatino Linotype" panose="02040502050505030304" pitchFamily="18" charset="0"/>
+              <a:cs typeface="Segoe UI" panose="020B0502040204020203" pitchFamily="34" charset="0"/>
+            </a:endParaRPr>
+          </a:p>
+          <a:p>
+            <a:endParaRPr lang="en-US" dirty="0">
+              <a:latin typeface="Palatino Linotype" panose="02040502050505030304" pitchFamily="18" charset="0"/>
+              <a:cs typeface="Segoe UI" panose="020B0502040204020203" pitchFamily="34" charset="0"/>
+            </a:endParaRPr>
+          </a:p>
+        </p:txBody>
+      </p:sp>
+      <p:pic>
+        <p:nvPicPr>
+          <p:cNvPr id="6" name="Picture 5">
+            <a:extLst>
+              <a:ext uri="{FF2B5EF4-FFF2-40B4-BE49-F238E27FC236}">
+                <a16:creationId xmlns:a16="http://schemas.microsoft.com/office/drawing/2014/main" id="{4FD57F50-B889-4603-9436-B0404F566685}"/>
+              </a:ext>
+            </a:extLst>
+          </p:cNvPr>
+          <p:cNvPicPr>
+            <a:picLocks noChangeAspect="1"/>
+          </p:cNvPicPr>
+          <p:nvPr/>
+        </p:nvPicPr>
+        <p:blipFill>
+          <a:blip r:embed="rId3"/>
+          <a:stretch>
+            <a:fillRect/>
+          </a:stretch>
+        </p:blipFill>
+        <p:spPr>
+          <a:xfrm>
+            <a:off x="0" y="365760"/>
+            <a:ext cx="3233668" cy="805144"/>
+          </a:xfrm>
+          <a:prstGeom prst="rect">
+            <a:avLst/>
+          </a:prstGeom>
+        </p:spPr>
+      </p:pic>
+      <p:sp>
+        <p:nvSpPr>
+          <p:cNvPr id="5" name="TextBox 4">
+            <a:extLst>
+              <a:ext uri="{FF2B5EF4-FFF2-40B4-BE49-F238E27FC236}">
+                <a16:creationId xmlns:a16="http://schemas.microsoft.com/office/drawing/2014/main" id="{3FB0C709-F873-4998-9262-CCFA219A0026}"/>
+              </a:ext>
+            </a:extLst>
+          </p:cNvPr>
+          <p:cNvSpPr txBox="1"/>
+          <p:nvPr/>
+        </p:nvSpPr>
+        <p:spPr>
+          <a:xfrm>
+            <a:off x="0" y="3291840"/>
+            <a:ext cx="12192000" cy="1200329"/>
+          </a:xfrm>
+          <a:prstGeom prst="rect">
+            <a:avLst/>
+          </a:prstGeom>
+          <a:noFill/>
+        </p:spPr>
+        <p:txBody>
+          <a:bodyPr wrap="square" rtlCol="0">
+            <a:spAutoFit/>
+          </a:bodyPr>
+          <a:lstStyle/>
+          <a:p>
+            <a:pPr algn="ctr"/>
+            <a:r>
+              <a:rPr lang="en-US" sz="3600" dirty="0">
+                <a:solidFill>
+                  <a:schemeClr val="tx1">
+                    <a:lumMod val="65000"/>
+                    <a:lumOff val="35000"/>
+                  </a:schemeClr>
+                </a:solidFill>
+                <a:latin typeface="Palatino Linotype" panose="02040502050505030304" pitchFamily="18" charset="0"/>
+              </a:rPr>
+              <a:t>The MNIST classifier</a:t>
+            </a:r>
+          </a:p>
+          <a:p>
+            <a:pPr algn="ctr"/>
+            <a:r>
+              <a:rPr lang="en-US" sz="3600" dirty="0">
+                <a:solidFill>
+                  <a:schemeClr val="tx1">
+                    <a:lumMod val="65000"/>
+                    <a:lumOff val="35000"/>
+                  </a:schemeClr>
+                </a:solidFill>
+                <a:latin typeface="Palatino Linotype" panose="02040502050505030304" pitchFamily="18" charset="0"/>
+              </a:rPr>
+              <a:t>01_mnist.ipynb</a:t>
+            </a:r>
+            <a:endParaRPr lang="en-US" sz="3600" dirty="0"/>
+          </a:p>
+        </p:txBody>
+      </p:sp>
+    </p:spTree>
+    <p:extLst>
+      <p:ext uri="{BB962C8B-B14F-4D97-AF65-F5344CB8AC3E}">
+        <p14:creationId xmlns:p14="http://schemas.microsoft.com/office/powerpoint/2010/main" val="3202979621"/>
+      </p:ext>
+    </p:extLst>
+  </p:cSld>
+  <p:clrMapOvr>
+    <a:masterClrMapping/>
+  </p:clrMapOvr>
+  <mc:AlternateContent xmlns:mc="http://schemas.openxmlformats.org/markup-compatibility/2006" xmlns:p14="http://schemas.microsoft.com/office/powerpoint/2010/main">
+    <mc:Choice Requires="p14">
+      <p:transition spd="med" p14:dur="700">
+        <p:fade/>
+      </p:transition>
+    </mc:Choice>
+    <mc:Fallback xmlns="">
+      <p:transition spd="med">
+        <p:fade/>
+      </p:transition>
+    </mc:Fallback>
+  </mc:AlternateContent>
+</p:sld>
+</file>
+
+<file path=ppt/slides/slide16.xml><?xml version="1.0" encoding="utf-8"?>
 <p:sld xmlns:a="http://schemas.openxmlformats.org/drawingml/2006/main" xmlns:r="http://schemas.openxmlformats.org/officeDocument/2006/relationships" xmlns:p="http://schemas.openxmlformats.org/presentationml/2006/main">
   <p:cSld>
     <p:spTree>

--- a/presentations/01_cnn_intro.pptx
+++ b/presentations/01_cnn_intro.pptx
@@ -23,7 +23,7 @@
     <p:sldId id="323" r:id="rId14"/>
     <p:sldId id="332" r:id="rId15"/>
     <p:sldId id="333" r:id="rId16"/>
-    <p:sldId id="334" r:id="rId17"/>
+    <p:sldId id="354" r:id="rId17"/>
     <p:sldId id="325" r:id="rId18"/>
     <p:sldId id="326" r:id="rId19"/>
     <p:sldId id="324" r:id="rId20"/>
@@ -227,7 +227,7 @@
           <a:p>
             <a:fld id="{FD93C9B2-20F6-4DB1-B471-224337D0AC79}" type="datetimeFigureOut">
               <a:rPr lang="en-US" smtClean="0"/>
-              <a:t>8/26/2022</a:t>
+              <a:t>8/29/2022</a:t>
             </a:fld>
             <a:endParaRPr lang="en-US"/>
           </a:p>
@@ -1534,6 +1534,23 @@
           <a:bodyPr/>
           <a:lstStyle/>
           <a:p>
+            <a:pPr marL="0" marR="0" lvl="0" indent="0" algn="l" defTabSz="914400" rtl="0" eaLnBrk="1" fontAlgn="auto" latinLnBrk="0" hangingPunct="1">
+              <a:lnSpc>
+                <a:spcPct val="100000"/>
+              </a:lnSpc>
+              <a:spcBef>
+                <a:spcPts val="0"/>
+              </a:spcBef>
+              <a:spcAft>
+                <a:spcPts val="0"/>
+              </a:spcAft>
+              <a:buClrTx/>
+              <a:buSzTx/>
+              <a:buFontTx/>
+              <a:buNone/>
+              <a:tabLst/>
+              <a:defRPr/>
+            </a:pPr>
             <a:r>
               <a:rPr lang="en-US" dirty="0">
                 <a:latin typeface="+mn-lt"/>
@@ -1552,6 +1569,11 @@
               </a:rPr>
               <a:t>.</a:t>
             </a:r>
+          </a:p>
+          <a:p>
+            <a:endParaRPr lang="en-US" dirty="0">
+              <a:latin typeface="+mn-lt"/>
+            </a:endParaRPr>
           </a:p>
           <a:p>
             <a:endParaRPr lang="en-US" dirty="0">
@@ -4474,7 +4496,7 @@
           <a:p>
             <a:fld id="{C3F78080-8D0A-4BE8-A5B4-CB115102D524}" type="datetimeFigureOut">
               <a:rPr lang="en-US" smtClean="0"/>
-              <a:t>8/26/2022</a:t>
+              <a:t>8/29/2022</a:t>
             </a:fld>
             <a:endParaRPr lang="en-US"/>
           </a:p>
@@ -4672,7 +4694,7 @@
           <a:p>
             <a:fld id="{C3F78080-8D0A-4BE8-A5B4-CB115102D524}" type="datetimeFigureOut">
               <a:rPr lang="en-US" smtClean="0"/>
-              <a:t>8/26/2022</a:t>
+              <a:t>8/29/2022</a:t>
             </a:fld>
             <a:endParaRPr lang="en-US"/>
           </a:p>
@@ -4880,7 +4902,7 @@
           <a:p>
             <a:fld id="{C3F78080-8D0A-4BE8-A5B4-CB115102D524}" type="datetimeFigureOut">
               <a:rPr lang="en-US" smtClean="0"/>
-              <a:t>8/26/2022</a:t>
+              <a:t>8/29/2022</a:t>
             </a:fld>
             <a:endParaRPr lang="en-US"/>
           </a:p>
@@ -5078,7 +5100,7 @@
           <a:p>
             <a:fld id="{C3F78080-8D0A-4BE8-A5B4-CB115102D524}" type="datetimeFigureOut">
               <a:rPr lang="en-US" smtClean="0"/>
-              <a:t>8/26/2022</a:t>
+              <a:t>8/29/2022</a:t>
             </a:fld>
             <a:endParaRPr lang="en-US"/>
           </a:p>
@@ -5353,7 +5375,7 @@
           <a:p>
             <a:fld id="{C3F78080-8D0A-4BE8-A5B4-CB115102D524}" type="datetimeFigureOut">
               <a:rPr lang="en-US" smtClean="0"/>
-              <a:t>8/26/2022</a:t>
+              <a:t>8/29/2022</a:t>
             </a:fld>
             <a:endParaRPr lang="en-US"/>
           </a:p>
@@ -5618,7 +5640,7 @@
           <a:p>
             <a:fld id="{C3F78080-8D0A-4BE8-A5B4-CB115102D524}" type="datetimeFigureOut">
               <a:rPr lang="en-US" smtClean="0"/>
-              <a:t>8/26/2022</a:t>
+              <a:t>8/29/2022</a:t>
             </a:fld>
             <a:endParaRPr lang="en-US"/>
           </a:p>
@@ -6030,7 +6052,7 @@
           <a:p>
             <a:fld id="{C3F78080-8D0A-4BE8-A5B4-CB115102D524}" type="datetimeFigureOut">
               <a:rPr lang="en-US" smtClean="0"/>
-              <a:t>8/26/2022</a:t>
+              <a:t>8/29/2022</a:t>
             </a:fld>
             <a:endParaRPr lang="en-US"/>
           </a:p>
@@ -6171,7 +6193,7 @@
           <a:p>
             <a:fld id="{C3F78080-8D0A-4BE8-A5B4-CB115102D524}" type="datetimeFigureOut">
               <a:rPr lang="en-US" smtClean="0"/>
-              <a:t>8/26/2022</a:t>
+              <a:t>8/29/2022</a:t>
             </a:fld>
             <a:endParaRPr lang="en-US"/>
           </a:p>
@@ -6284,7 +6306,7 @@
           <a:p>
             <a:fld id="{C3F78080-8D0A-4BE8-A5B4-CB115102D524}" type="datetimeFigureOut">
               <a:rPr lang="en-US" smtClean="0"/>
-              <a:t>8/26/2022</a:t>
+              <a:t>8/29/2022</a:t>
             </a:fld>
             <a:endParaRPr lang="en-US"/>
           </a:p>
@@ -6595,7 +6617,7 @@
           <a:p>
             <a:fld id="{C3F78080-8D0A-4BE8-A5B4-CB115102D524}" type="datetimeFigureOut">
               <a:rPr lang="en-US" smtClean="0"/>
-              <a:t>8/26/2022</a:t>
+              <a:t>8/29/2022</a:t>
             </a:fld>
             <a:endParaRPr lang="en-US"/>
           </a:p>
@@ -6883,7 +6905,7 @@
           <a:p>
             <a:fld id="{C3F78080-8D0A-4BE8-A5B4-CB115102D524}" type="datetimeFigureOut">
               <a:rPr lang="en-US" smtClean="0"/>
-              <a:t>8/26/2022</a:t>
+              <a:t>8/29/2022</a:t>
             </a:fld>
             <a:endParaRPr lang="en-US"/>
           </a:p>
@@ -7124,7 +7146,7 @@
           <a:p>
             <a:fld id="{C3F78080-8D0A-4BE8-A5B4-CB115102D524}" type="datetimeFigureOut">
               <a:rPr lang="en-US" smtClean="0"/>
-              <a:t>8/26/2022</a:t>
+              <a:t>8/29/2022</a:t>
             </a:fld>
             <a:endParaRPr lang="en-US"/>
           </a:p>
@@ -10226,384 +10248,12 @@
           </a:prstGeom>
         </p:spPr>
       </p:pic>
-      <p:grpSp>
-        <p:nvGrpSpPr>
-          <p:cNvPr id="5" name="Group 4">
+      <p:sp>
+        <p:nvSpPr>
+          <p:cNvPr id="19" name="Freeform 18">
             <a:extLst>
               <a:ext uri="{FF2B5EF4-FFF2-40B4-BE49-F238E27FC236}">
-                <a16:creationId xmlns:a16="http://schemas.microsoft.com/office/drawing/2014/main" id="{2FCC3C6A-15BB-5E24-BCA1-8F84EEB9B392}"/>
-              </a:ext>
-            </a:extLst>
-          </p:cNvPr>
-          <p:cNvGrpSpPr/>
-          <p:nvPr/>
-        </p:nvGrpSpPr>
-        <p:grpSpPr>
-          <a:xfrm>
-            <a:off x="5208489" y="2824654"/>
-            <a:ext cx="1802521" cy="1636890"/>
-            <a:chOff x="5422366" y="3014133"/>
-            <a:chExt cx="1802521" cy="1636890"/>
-          </a:xfrm>
-          <a:solidFill>
-            <a:srgbClr val="417AAC"/>
-          </a:solidFill>
-        </p:grpSpPr>
-        <p:sp>
-          <p:nvSpPr>
-            <p:cNvPr id="2" name="Rectangle 1">
-              <a:extLst>
-                <a:ext uri="{FF2B5EF4-FFF2-40B4-BE49-F238E27FC236}">
-                  <a16:creationId xmlns:a16="http://schemas.microsoft.com/office/drawing/2014/main" id="{A6A4075A-0FCA-DB1A-4E88-99B559648BD1}"/>
-                </a:ext>
-              </a:extLst>
-            </p:cNvPr>
-            <p:cNvSpPr/>
-            <p:nvPr/>
-          </p:nvSpPr>
-          <p:spPr>
-            <a:xfrm>
-              <a:off x="5422367" y="3014133"/>
-              <a:ext cx="323676" cy="1636890"/>
-            </a:xfrm>
-            <a:prstGeom prst="rect">
-              <a:avLst/>
-            </a:prstGeom>
-            <a:grpFill/>
-            <a:ln>
-              <a:noFill/>
-            </a:ln>
-          </p:spPr>
-          <p:style>
-            <a:lnRef idx="2">
-              <a:schemeClr val="accent1">
-                <a:shade val="50000"/>
-              </a:schemeClr>
-            </a:lnRef>
-            <a:fillRef idx="1">
-              <a:schemeClr val="accent1"/>
-            </a:fillRef>
-            <a:effectRef idx="0">
-              <a:schemeClr val="accent1"/>
-            </a:effectRef>
-            <a:fontRef idx="minor">
-              <a:schemeClr val="lt1"/>
-            </a:fontRef>
-          </p:style>
-          <p:txBody>
-            <a:bodyPr rtlCol="0" anchor="ctr"/>
-            <a:lstStyle/>
-            <a:p>
-              <a:pPr algn="ctr"/>
-              <a:endParaRPr lang="en-US" dirty="0"/>
-            </a:p>
-          </p:txBody>
-        </p:sp>
-        <p:sp>
-          <p:nvSpPr>
-            <p:cNvPr id="3" name="Rectangle 2">
-              <a:extLst>
-                <a:ext uri="{FF2B5EF4-FFF2-40B4-BE49-F238E27FC236}">
-                  <a16:creationId xmlns:a16="http://schemas.microsoft.com/office/drawing/2014/main" id="{D76969CF-2C54-103C-28EB-6B00F021D050}"/>
-                </a:ext>
-              </a:extLst>
-            </p:cNvPr>
-            <p:cNvSpPr/>
-            <p:nvPr/>
-          </p:nvSpPr>
-          <p:spPr>
-            <a:xfrm rot="5400000">
-              <a:off x="6183927" y="2342883"/>
-              <a:ext cx="279400" cy="1802521"/>
-            </a:xfrm>
-            <a:prstGeom prst="rect">
-              <a:avLst/>
-            </a:prstGeom>
-            <a:grpFill/>
-            <a:ln>
-              <a:noFill/>
-            </a:ln>
-          </p:spPr>
-          <p:style>
-            <a:lnRef idx="2">
-              <a:schemeClr val="accent1">
-                <a:shade val="50000"/>
-              </a:schemeClr>
-            </a:lnRef>
-            <a:fillRef idx="1">
-              <a:schemeClr val="accent1"/>
-            </a:fillRef>
-            <a:effectRef idx="0">
-              <a:schemeClr val="accent1"/>
-            </a:effectRef>
-            <a:fontRef idx="minor">
-              <a:schemeClr val="lt1"/>
-            </a:fontRef>
-          </p:style>
-          <p:txBody>
-            <a:bodyPr rtlCol="0" anchor="ctr"/>
-            <a:lstStyle/>
-            <a:p>
-              <a:pPr algn="ctr"/>
-              <a:endParaRPr lang="en-US" dirty="0"/>
-            </a:p>
-          </p:txBody>
-        </p:sp>
-      </p:grpSp>
-      <p:grpSp>
-        <p:nvGrpSpPr>
-          <p:cNvPr id="6" name="Group 5">
-            <a:extLst>
-              <a:ext uri="{FF2B5EF4-FFF2-40B4-BE49-F238E27FC236}">
-                <a16:creationId xmlns:a16="http://schemas.microsoft.com/office/drawing/2014/main" id="{395E8A0B-7406-76E0-A9F5-350962BB9724}"/>
-              </a:ext>
-            </a:extLst>
-          </p:cNvPr>
-          <p:cNvGrpSpPr/>
-          <p:nvPr/>
-        </p:nvGrpSpPr>
-        <p:grpSpPr>
-          <a:xfrm>
-            <a:off x="5275431" y="2882398"/>
-            <a:ext cx="1802521" cy="1636890"/>
-            <a:chOff x="5422366" y="3014133"/>
-            <a:chExt cx="1802521" cy="1636890"/>
-          </a:xfrm>
-          <a:solidFill>
-            <a:srgbClr val="417AAC"/>
-          </a:solidFill>
-        </p:grpSpPr>
-        <p:sp>
-          <p:nvSpPr>
-            <p:cNvPr id="7" name="Rectangle 6">
-              <a:extLst>
-                <a:ext uri="{FF2B5EF4-FFF2-40B4-BE49-F238E27FC236}">
-                  <a16:creationId xmlns:a16="http://schemas.microsoft.com/office/drawing/2014/main" id="{CB90166F-546D-C020-1058-820AB5EB1FEC}"/>
-                </a:ext>
-              </a:extLst>
-            </p:cNvPr>
-            <p:cNvSpPr/>
-            <p:nvPr/>
-          </p:nvSpPr>
-          <p:spPr>
-            <a:xfrm>
-              <a:off x="5422367" y="3014133"/>
-              <a:ext cx="323676" cy="1636890"/>
-            </a:xfrm>
-            <a:prstGeom prst="rect">
-              <a:avLst/>
-            </a:prstGeom>
-            <a:grpFill/>
-            <a:ln>
-              <a:noFill/>
-            </a:ln>
-          </p:spPr>
-          <p:style>
-            <a:lnRef idx="2">
-              <a:schemeClr val="accent1">
-                <a:shade val="50000"/>
-              </a:schemeClr>
-            </a:lnRef>
-            <a:fillRef idx="1">
-              <a:schemeClr val="accent1"/>
-            </a:fillRef>
-            <a:effectRef idx="0">
-              <a:schemeClr val="accent1"/>
-            </a:effectRef>
-            <a:fontRef idx="minor">
-              <a:schemeClr val="lt1"/>
-            </a:fontRef>
-          </p:style>
-          <p:txBody>
-            <a:bodyPr rtlCol="0" anchor="ctr"/>
-            <a:lstStyle/>
-            <a:p>
-              <a:pPr algn="ctr"/>
-              <a:endParaRPr lang="en-US" dirty="0"/>
-            </a:p>
-          </p:txBody>
-        </p:sp>
-        <p:sp>
-          <p:nvSpPr>
-            <p:cNvPr id="8" name="Rectangle 7">
-              <a:extLst>
-                <a:ext uri="{FF2B5EF4-FFF2-40B4-BE49-F238E27FC236}">
-                  <a16:creationId xmlns:a16="http://schemas.microsoft.com/office/drawing/2014/main" id="{D82E1631-97D2-C440-A41B-2EB32C0A6843}"/>
-                </a:ext>
-              </a:extLst>
-            </p:cNvPr>
-            <p:cNvSpPr/>
-            <p:nvPr/>
-          </p:nvSpPr>
-          <p:spPr>
-            <a:xfrm rot="5400000">
-              <a:off x="6183927" y="2342883"/>
-              <a:ext cx="279400" cy="1802521"/>
-            </a:xfrm>
-            <a:prstGeom prst="rect">
-              <a:avLst/>
-            </a:prstGeom>
-            <a:grpFill/>
-            <a:ln>
-              <a:noFill/>
-            </a:ln>
-          </p:spPr>
-          <p:style>
-            <a:lnRef idx="2">
-              <a:schemeClr val="accent1">
-                <a:shade val="50000"/>
-              </a:schemeClr>
-            </a:lnRef>
-            <a:fillRef idx="1">
-              <a:schemeClr val="accent1"/>
-            </a:fillRef>
-            <a:effectRef idx="0">
-              <a:schemeClr val="accent1"/>
-            </a:effectRef>
-            <a:fontRef idx="minor">
-              <a:schemeClr val="lt1"/>
-            </a:fontRef>
-          </p:style>
-          <p:txBody>
-            <a:bodyPr rtlCol="0" anchor="ctr"/>
-            <a:lstStyle/>
-            <a:p>
-              <a:pPr algn="ctr"/>
-              <a:endParaRPr lang="en-US" dirty="0"/>
-            </a:p>
-          </p:txBody>
-        </p:sp>
-      </p:grpSp>
-      <p:grpSp>
-        <p:nvGrpSpPr>
-          <p:cNvPr id="9" name="Group 8">
-            <a:extLst>
-              <a:ext uri="{FF2B5EF4-FFF2-40B4-BE49-F238E27FC236}">
-                <a16:creationId xmlns:a16="http://schemas.microsoft.com/office/drawing/2014/main" id="{69210F7A-A1AB-E1BF-05F6-7C34B72FEB29}"/>
-              </a:ext>
-            </a:extLst>
-          </p:cNvPr>
-          <p:cNvGrpSpPr/>
-          <p:nvPr/>
-        </p:nvGrpSpPr>
-        <p:grpSpPr>
-          <a:xfrm>
-            <a:off x="5356124" y="2953892"/>
-            <a:ext cx="1802521" cy="1636890"/>
-            <a:chOff x="5422366" y="3014133"/>
-            <a:chExt cx="1802521" cy="1636890"/>
-          </a:xfrm>
-          <a:solidFill>
-            <a:srgbClr val="417AAC"/>
-          </a:solidFill>
-        </p:grpSpPr>
-        <p:sp>
-          <p:nvSpPr>
-            <p:cNvPr id="10" name="Rectangle 9">
-              <a:extLst>
-                <a:ext uri="{FF2B5EF4-FFF2-40B4-BE49-F238E27FC236}">
-                  <a16:creationId xmlns:a16="http://schemas.microsoft.com/office/drawing/2014/main" id="{DBCA00A6-EA8B-4719-3DD2-00CE85128C4E}"/>
-                </a:ext>
-              </a:extLst>
-            </p:cNvPr>
-            <p:cNvSpPr/>
-            <p:nvPr/>
-          </p:nvSpPr>
-          <p:spPr>
-            <a:xfrm>
-              <a:off x="5422367" y="3014133"/>
-              <a:ext cx="323676" cy="1636890"/>
-            </a:xfrm>
-            <a:prstGeom prst="rect">
-              <a:avLst/>
-            </a:prstGeom>
-            <a:grpFill/>
-            <a:ln>
-              <a:noFill/>
-            </a:ln>
-          </p:spPr>
-          <p:style>
-            <a:lnRef idx="2">
-              <a:schemeClr val="accent1">
-                <a:shade val="50000"/>
-              </a:schemeClr>
-            </a:lnRef>
-            <a:fillRef idx="1">
-              <a:schemeClr val="accent1"/>
-            </a:fillRef>
-            <a:effectRef idx="0">
-              <a:schemeClr val="accent1"/>
-            </a:effectRef>
-            <a:fontRef idx="minor">
-              <a:schemeClr val="lt1"/>
-            </a:fontRef>
-          </p:style>
-          <p:txBody>
-            <a:bodyPr rtlCol="0" anchor="ctr"/>
-            <a:lstStyle/>
-            <a:p>
-              <a:pPr algn="ctr"/>
-              <a:endParaRPr lang="en-US" dirty="0"/>
-            </a:p>
-          </p:txBody>
-        </p:sp>
-        <p:sp>
-          <p:nvSpPr>
-            <p:cNvPr id="11" name="Rectangle 10">
-              <a:extLst>
-                <a:ext uri="{FF2B5EF4-FFF2-40B4-BE49-F238E27FC236}">
-                  <a16:creationId xmlns:a16="http://schemas.microsoft.com/office/drawing/2014/main" id="{33E53E4E-6225-D3B1-5521-095010D698A5}"/>
-                </a:ext>
-              </a:extLst>
-            </p:cNvPr>
-            <p:cNvSpPr/>
-            <p:nvPr/>
-          </p:nvSpPr>
-          <p:spPr>
-            <a:xfrm rot="5400000">
-              <a:off x="6183927" y="2342883"/>
-              <a:ext cx="279400" cy="1802521"/>
-            </a:xfrm>
-            <a:prstGeom prst="rect">
-              <a:avLst/>
-            </a:prstGeom>
-            <a:grpFill/>
-            <a:ln>
-              <a:noFill/>
-            </a:ln>
-          </p:spPr>
-          <p:style>
-            <a:lnRef idx="2">
-              <a:schemeClr val="accent1">
-                <a:shade val="50000"/>
-              </a:schemeClr>
-            </a:lnRef>
-            <a:fillRef idx="1">
-              <a:schemeClr val="accent1"/>
-            </a:fillRef>
-            <a:effectRef idx="0">
-              <a:schemeClr val="accent1"/>
-            </a:effectRef>
-            <a:fontRef idx="minor">
-              <a:schemeClr val="lt1"/>
-            </a:fontRef>
-          </p:style>
-          <p:txBody>
-            <a:bodyPr rtlCol="0" anchor="ctr"/>
-            <a:lstStyle/>
-            <a:p>
-              <a:pPr algn="ctr"/>
-              <a:endParaRPr lang="en-US" dirty="0"/>
-            </a:p>
-          </p:txBody>
-        </p:sp>
-      </p:grpSp>
-      <p:sp>
-        <p:nvSpPr>
-          <p:cNvPr id="12" name="Rectangle 11">
-            <a:extLst>
-              <a:ext uri="{FF2B5EF4-FFF2-40B4-BE49-F238E27FC236}">
-                <a16:creationId xmlns:a16="http://schemas.microsoft.com/office/drawing/2014/main" id="{2E982ABC-E21C-2528-25D2-134519AA921B}"/>
+                <a16:creationId xmlns:a16="http://schemas.microsoft.com/office/drawing/2014/main" id="{27EB33A9-5023-F140-C566-7C15F0AEA296}"/>
               </a:ext>
             </a:extLst>
           </p:cNvPr>
@@ -10612,17 +10262,86 @@
         </p:nvSpPr>
         <p:spPr>
           <a:xfrm>
-            <a:off x="5693308" y="3306929"/>
-            <a:ext cx="1550193" cy="1418874"/>
+            <a:off x="5344038" y="3006022"/>
+            <a:ext cx="1505749" cy="1390764"/>
           </a:xfrm>
-          <a:prstGeom prst="rect">
+          <a:custGeom>
             <a:avLst/>
-          </a:prstGeom>
+            <a:gdLst>
+              <a:gd name="connsiteX0" fmla="*/ 104034 w 1505749"/>
+              <a:gd name="connsiteY0" fmla="*/ 1275779 h 1319583"/>
+              <a:gd name="connsiteX1" fmla="*/ 104034 w 1505749"/>
+              <a:gd name="connsiteY1" fmla="*/ 98558 h 1319583"/>
+              <a:gd name="connsiteX2" fmla="*/ 1505749 w 1505749"/>
+              <a:gd name="connsiteY2" fmla="*/ 98558 h 1319583"/>
+              <a:gd name="connsiteX3" fmla="*/ 1500273 w 1505749"/>
+              <a:gd name="connsiteY3" fmla="*/ 0 h 1319583"/>
+              <a:gd name="connsiteX4" fmla="*/ 0 w 1505749"/>
+              <a:gd name="connsiteY4" fmla="*/ 0 h 1319583"/>
+              <a:gd name="connsiteX5" fmla="*/ 0 w 1505749"/>
+              <a:gd name="connsiteY5" fmla="*/ 1319583 h 1319583"/>
+              <a:gd name="connsiteX6" fmla="*/ 104034 w 1505749"/>
+              <a:gd name="connsiteY6" fmla="*/ 1275779 h 1319583"/>
+            </a:gdLst>
+            <a:ahLst/>
+            <a:cxnLst>
+              <a:cxn ang="0">
+                <a:pos x="connsiteX0" y="connsiteY0"/>
+              </a:cxn>
+              <a:cxn ang="0">
+                <a:pos x="connsiteX1" y="connsiteY1"/>
+              </a:cxn>
+              <a:cxn ang="0">
+                <a:pos x="connsiteX2" y="connsiteY2"/>
+              </a:cxn>
+              <a:cxn ang="0">
+                <a:pos x="connsiteX3" y="connsiteY3"/>
+              </a:cxn>
+              <a:cxn ang="0">
+                <a:pos x="connsiteX4" y="connsiteY4"/>
+              </a:cxn>
+              <a:cxn ang="0">
+                <a:pos x="connsiteX5" y="connsiteY5"/>
+              </a:cxn>
+              <a:cxn ang="0">
+                <a:pos x="connsiteX6" y="connsiteY6"/>
+              </a:cxn>
+            </a:cxnLst>
+            <a:rect l="l" t="t" r="r" b="b"/>
+            <a:pathLst>
+              <a:path w="1505749" h="1319583">
+                <a:moveTo>
+                  <a:pt x="104034" y="1275779"/>
+                </a:moveTo>
+                <a:lnTo>
+                  <a:pt x="104034" y="98558"/>
+                </a:lnTo>
+                <a:lnTo>
+                  <a:pt x="1505749" y="98558"/>
+                </a:lnTo>
+                <a:lnTo>
+                  <a:pt x="1500273" y="0"/>
+                </a:lnTo>
+                <a:lnTo>
+                  <a:pt x="0" y="0"/>
+                </a:lnTo>
+                <a:lnTo>
+                  <a:pt x="0" y="1319583"/>
+                </a:lnTo>
+                <a:lnTo>
+                  <a:pt x="104034" y="1275779"/>
+                </a:lnTo>
+                <a:close/>
+              </a:path>
+            </a:pathLst>
+          </a:custGeom>
           <a:solidFill>
             <a:srgbClr val="417AAC"/>
           </a:solidFill>
           <a:ln>
-            <a:noFill/>
+            <a:solidFill>
+              <a:srgbClr val="417AAC"/>
+            </a:solidFill>
           </a:ln>
         </p:spPr>
         <p:style>
@@ -10646,138 +10365,552 @@
           <a:lstStyle/>
           <a:p>
             <a:pPr algn="ctr"/>
-            <a:endParaRPr lang="en-US"/>
+            <a:endParaRPr lang="en-US" dirty="0"/>
           </a:p>
         </p:txBody>
       </p:sp>
-      <p:grpSp>
-        <p:nvGrpSpPr>
-          <p:cNvPr id="13" name="Group 12">
+      <p:sp>
+        <p:nvSpPr>
+          <p:cNvPr id="20" name="Freeform 19">
             <a:extLst>
               <a:ext uri="{FF2B5EF4-FFF2-40B4-BE49-F238E27FC236}">
-                <a16:creationId xmlns:a16="http://schemas.microsoft.com/office/drawing/2014/main" id="{3AF4C966-7248-0544-EA41-42074CC17EA6}"/>
+                <a16:creationId xmlns:a16="http://schemas.microsoft.com/office/drawing/2014/main" id="{608BB287-5FC9-D176-6A9E-D68FD4D7C937}"/>
               </a:ext>
             </a:extLst>
           </p:cNvPr>
-          <p:cNvGrpSpPr/>
+          <p:cNvSpPr/>
           <p:nvPr/>
-        </p:nvGrpSpPr>
-        <p:grpSpPr>
+        </p:nvSpPr>
+        <p:spPr>
           <a:xfrm>
-            <a:off x="5443955" y="3027528"/>
-            <a:ext cx="1802521" cy="1636890"/>
-            <a:chOff x="5422366" y="3014133"/>
-            <a:chExt cx="1802521" cy="1636890"/>
+            <a:off x="5419782" y="3076291"/>
+            <a:ext cx="1505749" cy="1390764"/>
           </a:xfrm>
+          <a:custGeom>
+            <a:avLst/>
+            <a:gdLst>
+              <a:gd name="connsiteX0" fmla="*/ 104034 w 1505749"/>
+              <a:gd name="connsiteY0" fmla="*/ 1275779 h 1319583"/>
+              <a:gd name="connsiteX1" fmla="*/ 104034 w 1505749"/>
+              <a:gd name="connsiteY1" fmla="*/ 98558 h 1319583"/>
+              <a:gd name="connsiteX2" fmla="*/ 1505749 w 1505749"/>
+              <a:gd name="connsiteY2" fmla="*/ 98558 h 1319583"/>
+              <a:gd name="connsiteX3" fmla="*/ 1500273 w 1505749"/>
+              <a:gd name="connsiteY3" fmla="*/ 0 h 1319583"/>
+              <a:gd name="connsiteX4" fmla="*/ 0 w 1505749"/>
+              <a:gd name="connsiteY4" fmla="*/ 0 h 1319583"/>
+              <a:gd name="connsiteX5" fmla="*/ 0 w 1505749"/>
+              <a:gd name="connsiteY5" fmla="*/ 1319583 h 1319583"/>
+              <a:gd name="connsiteX6" fmla="*/ 104034 w 1505749"/>
+              <a:gd name="connsiteY6" fmla="*/ 1275779 h 1319583"/>
+            </a:gdLst>
+            <a:ahLst/>
+            <a:cxnLst>
+              <a:cxn ang="0">
+                <a:pos x="connsiteX0" y="connsiteY0"/>
+              </a:cxn>
+              <a:cxn ang="0">
+                <a:pos x="connsiteX1" y="connsiteY1"/>
+              </a:cxn>
+              <a:cxn ang="0">
+                <a:pos x="connsiteX2" y="connsiteY2"/>
+              </a:cxn>
+              <a:cxn ang="0">
+                <a:pos x="connsiteX3" y="connsiteY3"/>
+              </a:cxn>
+              <a:cxn ang="0">
+                <a:pos x="connsiteX4" y="connsiteY4"/>
+              </a:cxn>
+              <a:cxn ang="0">
+                <a:pos x="connsiteX5" y="connsiteY5"/>
+              </a:cxn>
+              <a:cxn ang="0">
+                <a:pos x="connsiteX6" y="connsiteY6"/>
+              </a:cxn>
+            </a:cxnLst>
+            <a:rect l="l" t="t" r="r" b="b"/>
+            <a:pathLst>
+              <a:path w="1505749" h="1319583">
+                <a:moveTo>
+                  <a:pt x="104034" y="1275779"/>
+                </a:moveTo>
+                <a:lnTo>
+                  <a:pt x="104034" y="98558"/>
+                </a:lnTo>
+                <a:lnTo>
+                  <a:pt x="1505749" y="98558"/>
+                </a:lnTo>
+                <a:lnTo>
+                  <a:pt x="1500273" y="0"/>
+                </a:lnTo>
+                <a:lnTo>
+                  <a:pt x="0" y="0"/>
+                </a:lnTo>
+                <a:lnTo>
+                  <a:pt x="0" y="1319583"/>
+                </a:lnTo>
+                <a:lnTo>
+                  <a:pt x="104034" y="1275779"/>
+                </a:lnTo>
+                <a:close/>
+              </a:path>
+            </a:pathLst>
+          </a:custGeom>
           <a:solidFill>
             <a:srgbClr val="417AAC"/>
           </a:solidFill>
-        </p:grpSpPr>
-        <p:sp>
-          <p:nvSpPr>
-            <p:cNvPr id="14" name="Rectangle 13">
-              <a:extLst>
-                <a:ext uri="{FF2B5EF4-FFF2-40B4-BE49-F238E27FC236}">
-                  <a16:creationId xmlns:a16="http://schemas.microsoft.com/office/drawing/2014/main" id="{75B1AA16-1111-D0A3-F444-0C6EF31CD575}"/>
-                </a:ext>
-              </a:extLst>
-            </p:cNvPr>
-            <p:cNvSpPr/>
-            <p:nvPr/>
-          </p:nvSpPr>
-          <p:spPr>
-            <a:xfrm>
-              <a:off x="5422367" y="3014133"/>
-              <a:ext cx="323676" cy="1636890"/>
-            </a:xfrm>
-            <a:prstGeom prst="rect">
-              <a:avLst/>
-            </a:prstGeom>
-            <a:grpFill/>
-            <a:ln>
-              <a:noFill/>
-            </a:ln>
-          </p:spPr>
-          <p:style>
-            <a:lnRef idx="2">
-              <a:schemeClr val="accent1">
-                <a:shade val="50000"/>
-              </a:schemeClr>
-            </a:lnRef>
-            <a:fillRef idx="1">
-              <a:schemeClr val="accent1"/>
-            </a:fillRef>
-            <a:effectRef idx="0">
-              <a:schemeClr val="accent1"/>
-            </a:effectRef>
-            <a:fontRef idx="minor">
-              <a:schemeClr val="lt1"/>
-            </a:fontRef>
-          </p:style>
-          <p:txBody>
-            <a:bodyPr rtlCol="0" anchor="ctr"/>
-            <a:lstStyle/>
-            <a:p>
-              <a:pPr algn="ctr"/>
-              <a:endParaRPr lang="en-US" dirty="0"/>
-            </a:p>
-          </p:txBody>
-        </p:sp>
-        <p:sp>
-          <p:nvSpPr>
-            <p:cNvPr id="15" name="Rectangle 14">
-              <a:extLst>
-                <a:ext uri="{FF2B5EF4-FFF2-40B4-BE49-F238E27FC236}">
-                  <a16:creationId xmlns:a16="http://schemas.microsoft.com/office/drawing/2014/main" id="{43E9BD78-5F15-0966-9B93-91DDE5B6DC40}"/>
-                </a:ext>
-              </a:extLst>
-            </p:cNvPr>
-            <p:cNvSpPr/>
-            <p:nvPr/>
-          </p:nvSpPr>
-          <p:spPr>
-            <a:xfrm rot="5400000">
-              <a:off x="6183927" y="2342883"/>
-              <a:ext cx="279400" cy="1802521"/>
-            </a:xfrm>
-            <a:prstGeom prst="rect">
-              <a:avLst/>
-            </a:prstGeom>
-            <a:grpFill/>
-            <a:ln>
-              <a:noFill/>
-            </a:ln>
-          </p:spPr>
-          <p:style>
-            <a:lnRef idx="2">
-              <a:schemeClr val="accent1">
-                <a:shade val="50000"/>
-              </a:schemeClr>
-            </a:lnRef>
-            <a:fillRef idx="1">
-              <a:schemeClr val="accent1"/>
-            </a:fillRef>
-            <a:effectRef idx="0">
-              <a:schemeClr val="accent1"/>
-            </a:effectRef>
-            <a:fontRef idx="minor">
-              <a:schemeClr val="lt1"/>
-            </a:fontRef>
-          </p:style>
-          <p:txBody>
-            <a:bodyPr rtlCol="0" anchor="ctr"/>
-            <a:lstStyle/>
-            <a:p>
-              <a:pPr algn="ctr"/>
-              <a:endParaRPr lang="en-US" dirty="0"/>
-            </a:p>
-          </p:txBody>
-        </p:sp>
-      </p:grpSp>
+          <a:ln>
+            <a:solidFill>
+              <a:srgbClr val="417AAC"/>
+            </a:solidFill>
+          </a:ln>
+        </p:spPr>
+        <p:style>
+          <a:lnRef idx="2">
+            <a:schemeClr val="accent1">
+              <a:shade val="50000"/>
+            </a:schemeClr>
+          </a:lnRef>
+          <a:fillRef idx="1">
+            <a:schemeClr val="accent1"/>
+          </a:fillRef>
+          <a:effectRef idx="0">
+            <a:schemeClr val="accent1"/>
+          </a:effectRef>
+          <a:fontRef idx="minor">
+            <a:schemeClr val="lt1"/>
+          </a:fontRef>
+        </p:style>
+        <p:txBody>
+          <a:bodyPr rtlCol="0" anchor="ctr"/>
+          <a:lstStyle/>
+          <a:p>
+            <a:pPr algn="ctr"/>
+            <a:endParaRPr lang="en-US" dirty="0"/>
+          </a:p>
+        </p:txBody>
+      </p:sp>
+      <p:sp>
+        <p:nvSpPr>
+          <p:cNvPr id="21" name="Freeform 20">
+            <a:extLst>
+              <a:ext uri="{FF2B5EF4-FFF2-40B4-BE49-F238E27FC236}">
+                <a16:creationId xmlns:a16="http://schemas.microsoft.com/office/drawing/2014/main" id="{E27A2EB6-8C74-D585-69E9-A7C7296B8493}"/>
+              </a:ext>
+            </a:extLst>
+          </p:cNvPr>
+          <p:cNvSpPr/>
+          <p:nvPr/>
+        </p:nvSpPr>
+        <p:spPr>
+          <a:xfrm>
+            <a:off x="5495526" y="3146560"/>
+            <a:ext cx="1505749" cy="1390764"/>
+          </a:xfrm>
+          <a:custGeom>
+            <a:avLst/>
+            <a:gdLst>
+              <a:gd name="connsiteX0" fmla="*/ 104034 w 1505749"/>
+              <a:gd name="connsiteY0" fmla="*/ 1275779 h 1319583"/>
+              <a:gd name="connsiteX1" fmla="*/ 104034 w 1505749"/>
+              <a:gd name="connsiteY1" fmla="*/ 98558 h 1319583"/>
+              <a:gd name="connsiteX2" fmla="*/ 1505749 w 1505749"/>
+              <a:gd name="connsiteY2" fmla="*/ 98558 h 1319583"/>
+              <a:gd name="connsiteX3" fmla="*/ 1500273 w 1505749"/>
+              <a:gd name="connsiteY3" fmla="*/ 0 h 1319583"/>
+              <a:gd name="connsiteX4" fmla="*/ 0 w 1505749"/>
+              <a:gd name="connsiteY4" fmla="*/ 0 h 1319583"/>
+              <a:gd name="connsiteX5" fmla="*/ 0 w 1505749"/>
+              <a:gd name="connsiteY5" fmla="*/ 1319583 h 1319583"/>
+              <a:gd name="connsiteX6" fmla="*/ 104034 w 1505749"/>
+              <a:gd name="connsiteY6" fmla="*/ 1275779 h 1319583"/>
+            </a:gdLst>
+            <a:ahLst/>
+            <a:cxnLst>
+              <a:cxn ang="0">
+                <a:pos x="connsiteX0" y="connsiteY0"/>
+              </a:cxn>
+              <a:cxn ang="0">
+                <a:pos x="connsiteX1" y="connsiteY1"/>
+              </a:cxn>
+              <a:cxn ang="0">
+                <a:pos x="connsiteX2" y="connsiteY2"/>
+              </a:cxn>
+              <a:cxn ang="0">
+                <a:pos x="connsiteX3" y="connsiteY3"/>
+              </a:cxn>
+              <a:cxn ang="0">
+                <a:pos x="connsiteX4" y="connsiteY4"/>
+              </a:cxn>
+              <a:cxn ang="0">
+                <a:pos x="connsiteX5" y="connsiteY5"/>
+              </a:cxn>
+              <a:cxn ang="0">
+                <a:pos x="connsiteX6" y="connsiteY6"/>
+              </a:cxn>
+            </a:cxnLst>
+            <a:rect l="l" t="t" r="r" b="b"/>
+            <a:pathLst>
+              <a:path w="1505749" h="1319583">
+                <a:moveTo>
+                  <a:pt x="104034" y="1275779"/>
+                </a:moveTo>
+                <a:lnTo>
+                  <a:pt x="104034" y="98558"/>
+                </a:lnTo>
+                <a:lnTo>
+                  <a:pt x="1505749" y="98558"/>
+                </a:lnTo>
+                <a:lnTo>
+                  <a:pt x="1500273" y="0"/>
+                </a:lnTo>
+                <a:lnTo>
+                  <a:pt x="0" y="0"/>
+                </a:lnTo>
+                <a:lnTo>
+                  <a:pt x="0" y="1319583"/>
+                </a:lnTo>
+                <a:lnTo>
+                  <a:pt x="104034" y="1275779"/>
+                </a:lnTo>
+                <a:close/>
+              </a:path>
+            </a:pathLst>
+          </a:custGeom>
+          <a:solidFill>
+            <a:srgbClr val="417AAC"/>
+          </a:solidFill>
+          <a:ln>
+            <a:solidFill>
+              <a:srgbClr val="417AAC"/>
+            </a:solidFill>
+          </a:ln>
+        </p:spPr>
+        <p:style>
+          <a:lnRef idx="2">
+            <a:schemeClr val="accent1">
+              <a:shade val="50000"/>
+            </a:schemeClr>
+          </a:lnRef>
+          <a:fillRef idx="1">
+            <a:schemeClr val="accent1"/>
+          </a:fillRef>
+          <a:effectRef idx="0">
+            <a:schemeClr val="accent1"/>
+          </a:effectRef>
+          <a:fontRef idx="minor">
+            <a:schemeClr val="lt1"/>
+          </a:fontRef>
+        </p:style>
+        <p:txBody>
+          <a:bodyPr rtlCol="0" anchor="ctr"/>
+          <a:lstStyle/>
+          <a:p>
+            <a:pPr algn="ctr"/>
+            <a:endParaRPr lang="en-US" dirty="0"/>
+          </a:p>
+        </p:txBody>
+      </p:sp>
+      <p:sp>
+        <p:nvSpPr>
+          <p:cNvPr id="22" name="Freeform 21">
+            <a:extLst>
+              <a:ext uri="{FF2B5EF4-FFF2-40B4-BE49-F238E27FC236}">
+                <a16:creationId xmlns:a16="http://schemas.microsoft.com/office/drawing/2014/main" id="{21AE7873-1989-9B76-E743-EEE1873F7BF6}"/>
+              </a:ext>
+            </a:extLst>
+          </p:cNvPr>
+          <p:cNvSpPr/>
+          <p:nvPr/>
+        </p:nvSpPr>
+        <p:spPr>
+          <a:xfrm>
+            <a:off x="5571270" y="3216829"/>
+            <a:ext cx="1505749" cy="1390764"/>
+          </a:xfrm>
+          <a:custGeom>
+            <a:avLst/>
+            <a:gdLst>
+              <a:gd name="connsiteX0" fmla="*/ 104034 w 1505749"/>
+              <a:gd name="connsiteY0" fmla="*/ 1275779 h 1319583"/>
+              <a:gd name="connsiteX1" fmla="*/ 104034 w 1505749"/>
+              <a:gd name="connsiteY1" fmla="*/ 98558 h 1319583"/>
+              <a:gd name="connsiteX2" fmla="*/ 1505749 w 1505749"/>
+              <a:gd name="connsiteY2" fmla="*/ 98558 h 1319583"/>
+              <a:gd name="connsiteX3" fmla="*/ 1500273 w 1505749"/>
+              <a:gd name="connsiteY3" fmla="*/ 0 h 1319583"/>
+              <a:gd name="connsiteX4" fmla="*/ 0 w 1505749"/>
+              <a:gd name="connsiteY4" fmla="*/ 0 h 1319583"/>
+              <a:gd name="connsiteX5" fmla="*/ 0 w 1505749"/>
+              <a:gd name="connsiteY5" fmla="*/ 1319583 h 1319583"/>
+              <a:gd name="connsiteX6" fmla="*/ 104034 w 1505749"/>
+              <a:gd name="connsiteY6" fmla="*/ 1275779 h 1319583"/>
+            </a:gdLst>
+            <a:ahLst/>
+            <a:cxnLst>
+              <a:cxn ang="0">
+                <a:pos x="connsiteX0" y="connsiteY0"/>
+              </a:cxn>
+              <a:cxn ang="0">
+                <a:pos x="connsiteX1" y="connsiteY1"/>
+              </a:cxn>
+              <a:cxn ang="0">
+                <a:pos x="connsiteX2" y="connsiteY2"/>
+              </a:cxn>
+              <a:cxn ang="0">
+                <a:pos x="connsiteX3" y="connsiteY3"/>
+              </a:cxn>
+              <a:cxn ang="0">
+                <a:pos x="connsiteX4" y="connsiteY4"/>
+              </a:cxn>
+              <a:cxn ang="0">
+                <a:pos x="connsiteX5" y="connsiteY5"/>
+              </a:cxn>
+              <a:cxn ang="0">
+                <a:pos x="connsiteX6" y="connsiteY6"/>
+              </a:cxn>
+            </a:cxnLst>
+            <a:rect l="l" t="t" r="r" b="b"/>
+            <a:pathLst>
+              <a:path w="1505749" h="1319583">
+                <a:moveTo>
+                  <a:pt x="104034" y="1275779"/>
+                </a:moveTo>
+                <a:lnTo>
+                  <a:pt x="104034" y="98558"/>
+                </a:lnTo>
+                <a:lnTo>
+                  <a:pt x="1505749" y="98558"/>
+                </a:lnTo>
+                <a:lnTo>
+                  <a:pt x="1500273" y="0"/>
+                </a:lnTo>
+                <a:lnTo>
+                  <a:pt x="0" y="0"/>
+                </a:lnTo>
+                <a:lnTo>
+                  <a:pt x="0" y="1319583"/>
+                </a:lnTo>
+                <a:lnTo>
+                  <a:pt x="104034" y="1275779"/>
+                </a:lnTo>
+                <a:close/>
+              </a:path>
+            </a:pathLst>
+          </a:custGeom>
+          <a:solidFill>
+            <a:srgbClr val="417AAC"/>
+          </a:solidFill>
+          <a:ln>
+            <a:solidFill>
+              <a:srgbClr val="417AAC"/>
+            </a:solidFill>
+          </a:ln>
+        </p:spPr>
+        <p:style>
+          <a:lnRef idx="2">
+            <a:schemeClr val="accent1">
+              <a:shade val="50000"/>
+            </a:schemeClr>
+          </a:lnRef>
+          <a:fillRef idx="1">
+            <a:schemeClr val="accent1"/>
+          </a:fillRef>
+          <a:effectRef idx="0">
+            <a:schemeClr val="accent1"/>
+          </a:effectRef>
+          <a:fontRef idx="minor">
+            <a:schemeClr val="lt1"/>
+          </a:fontRef>
+        </p:style>
+        <p:txBody>
+          <a:bodyPr rtlCol="0" anchor="ctr"/>
+          <a:lstStyle/>
+          <a:p>
+            <a:pPr algn="ctr"/>
+            <a:endParaRPr lang="en-US" dirty="0"/>
+          </a:p>
+        </p:txBody>
+      </p:sp>
+      <p:sp>
+        <p:nvSpPr>
+          <p:cNvPr id="23" name="Freeform 22">
+            <a:extLst>
+              <a:ext uri="{FF2B5EF4-FFF2-40B4-BE49-F238E27FC236}">
+                <a16:creationId xmlns:a16="http://schemas.microsoft.com/office/drawing/2014/main" id="{037DCFAA-7EA7-59D7-5DD3-BE1B27FCAF17}"/>
+              </a:ext>
+            </a:extLst>
+          </p:cNvPr>
+          <p:cNvSpPr/>
+          <p:nvPr/>
+        </p:nvSpPr>
+        <p:spPr>
+          <a:xfrm>
+            <a:off x="5641539" y="3287098"/>
+            <a:ext cx="1505749" cy="1390764"/>
+          </a:xfrm>
+          <a:custGeom>
+            <a:avLst/>
+            <a:gdLst>
+              <a:gd name="connsiteX0" fmla="*/ 104034 w 1505749"/>
+              <a:gd name="connsiteY0" fmla="*/ 1275779 h 1319583"/>
+              <a:gd name="connsiteX1" fmla="*/ 104034 w 1505749"/>
+              <a:gd name="connsiteY1" fmla="*/ 98558 h 1319583"/>
+              <a:gd name="connsiteX2" fmla="*/ 1505749 w 1505749"/>
+              <a:gd name="connsiteY2" fmla="*/ 98558 h 1319583"/>
+              <a:gd name="connsiteX3" fmla="*/ 1500273 w 1505749"/>
+              <a:gd name="connsiteY3" fmla="*/ 0 h 1319583"/>
+              <a:gd name="connsiteX4" fmla="*/ 0 w 1505749"/>
+              <a:gd name="connsiteY4" fmla="*/ 0 h 1319583"/>
+              <a:gd name="connsiteX5" fmla="*/ 0 w 1505749"/>
+              <a:gd name="connsiteY5" fmla="*/ 1319583 h 1319583"/>
+              <a:gd name="connsiteX6" fmla="*/ 104034 w 1505749"/>
+              <a:gd name="connsiteY6" fmla="*/ 1275779 h 1319583"/>
+            </a:gdLst>
+            <a:ahLst/>
+            <a:cxnLst>
+              <a:cxn ang="0">
+                <a:pos x="connsiteX0" y="connsiteY0"/>
+              </a:cxn>
+              <a:cxn ang="0">
+                <a:pos x="connsiteX1" y="connsiteY1"/>
+              </a:cxn>
+              <a:cxn ang="0">
+                <a:pos x="connsiteX2" y="connsiteY2"/>
+              </a:cxn>
+              <a:cxn ang="0">
+                <a:pos x="connsiteX3" y="connsiteY3"/>
+              </a:cxn>
+              <a:cxn ang="0">
+                <a:pos x="connsiteX4" y="connsiteY4"/>
+              </a:cxn>
+              <a:cxn ang="0">
+                <a:pos x="connsiteX5" y="connsiteY5"/>
+              </a:cxn>
+              <a:cxn ang="0">
+                <a:pos x="connsiteX6" y="connsiteY6"/>
+              </a:cxn>
+            </a:cxnLst>
+            <a:rect l="l" t="t" r="r" b="b"/>
+            <a:pathLst>
+              <a:path w="1505749" h="1319583">
+                <a:moveTo>
+                  <a:pt x="104034" y="1275779"/>
+                </a:moveTo>
+                <a:lnTo>
+                  <a:pt x="104034" y="98558"/>
+                </a:lnTo>
+                <a:lnTo>
+                  <a:pt x="1505749" y="98558"/>
+                </a:lnTo>
+                <a:lnTo>
+                  <a:pt x="1500273" y="0"/>
+                </a:lnTo>
+                <a:lnTo>
+                  <a:pt x="0" y="0"/>
+                </a:lnTo>
+                <a:lnTo>
+                  <a:pt x="0" y="1319583"/>
+                </a:lnTo>
+                <a:lnTo>
+                  <a:pt x="104034" y="1275779"/>
+                </a:lnTo>
+                <a:close/>
+              </a:path>
+            </a:pathLst>
+          </a:custGeom>
+          <a:solidFill>
+            <a:srgbClr val="417AAC"/>
+          </a:solidFill>
+          <a:ln>
+            <a:solidFill>
+              <a:srgbClr val="417AAC"/>
+            </a:solidFill>
+          </a:ln>
+        </p:spPr>
+        <p:style>
+          <a:lnRef idx="2">
+            <a:schemeClr val="accent1">
+              <a:shade val="50000"/>
+            </a:schemeClr>
+          </a:lnRef>
+          <a:fillRef idx="1">
+            <a:schemeClr val="accent1"/>
+          </a:fillRef>
+          <a:effectRef idx="0">
+            <a:schemeClr val="accent1"/>
+          </a:effectRef>
+          <a:fontRef idx="minor">
+            <a:schemeClr val="lt1"/>
+          </a:fontRef>
+        </p:style>
+        <p:txBody>
+          <a:bodyPr rtlCol="0" anchor="ctr"/>
+          <a:lstStyle/>
+          <a:p>
+            <a:pPr algn="ctr"/>
+            <a:endParaRPr lang="en-US" dirty="0"/>
+          </a:p>
+        </p:txBody>
+      </p:sp>
+      <p:sp>
+        <p:nvSpPr>
+          <p:cNvPr id="24" name="Rectangle 23">
+            <a:extLst>
+              <a:ext uri="{FF2B5EF4-FFF2-40B4-BE49-F238E27FC236}">
+                <a16:creationId xmlns:a16="http://schemas.microsoft.com/office/drawing/2014/main" id="{6313D384-DC1B-613B-86FE-20C2677CB4BD}"/>
+              </a:ext>
+            </a:extLst>
+          </p:cNvPr>
+          <p:cNvSpPr/>
+          <p:nvPr/>
+        </p:nvSpPr>
+        <p:spPr>
+          <a:xfrm>
+            <a:off x="5721844" y="3350975"/>
+            <a:ext cx="1511224" cy="1326887"/>
+          </a:xfrm>
+          <a:prstGeom prst="rect">
+            <a:avLst/>
+          </a:prstGeom>
+          <a:solidFill>
+            <a:srgbClr val="417AAC"/>
+          </a:solidFill>
+          <a:ln>
+            <a:solidFill>
+              <a:srgbClr val="417AAC"/>
+            </a:solidFill>
+          </a:ln>
+        </p:spPr>
+        <p:style>
+          <a:lnRef idx="2">
+            <a:schemeClr val="accent1">
+              <a:shade val="50000"/>
+            </a:schemeClr>
+          </a:lnRef>
+          <a:fillRef idx="1">
+            <a:schemeClr val="accent1"/>
+          </a:fillRef>
+          <a:effectRef idx="0">
+            <a:schemeClr val="accent1"/>
+          </a:effectRef>
+          <a:fontRef idx="minor">
+            <a:schemeClr val="lt1"/>
+          </a:fontRef>
+        </p:style>
+        <p:txBody>
+          <a:bodyPr rtlCol="0" anchor="ctr"/>
+          <a:lstStyle/>
+          <a:p>
+            <a:pPr algn="ctr"/>
+            <a:endParaRPr lang="en-US"/>
+          </a:p>
+        </p:txBody>
+      </p:sp>
     </p:spTree>
     <p:extLst>
       <p:ext uri="{BB962C8B-B14F-4D97-AF65-F5344CB8AC3E}">
-        <p14:creationId xmlns:p14="http://schemas.microsoft.com/office/powerpoint/2010/main" val="242917792"/>
+        <p14:creationId xmlns:p14="http://schemas.microsoft.com/office/powerpoint/2010/main" val="265104891"/>
       </p:ext>
     </p:extLst>
   </p:cSld>
@@ -10808,9 +10941,6 @@
                     <p:cTn id="3" fill="hold">
                       <p:stCondLst>
                         <p:cond delay="indefinite"/>
-                        <p:cond evt="onBegin" delay="0">
-                          <p:tn val="2"/>
-                        </p:cond>
                       </p:stCondLst>
                       <p:childTnLst>
                         <p:par>
@@ -10820,7 +10950,7 @@
                             </p:stCondLst>
                             <p:childTnLst>
                               <p:par>
-                                <p:cTn id="5" presetID="1" presetClass="exit" presetSubtype="0" fill="hold" grpId="0" nodeType="withEffect">
+                                <p:cTn id="5" presetID="1" presetClass="exit" presetSubtype="0" fill="hold" grpId="0" nodeType="clickEffect">
                                   <p:stCondLst>
                                     <p:cond delay="0"/>
                                   </p:stCondLst>
@@ -10833,7 +10963,7 @@
                                           </p:stCondLst>
                                         </p:cTn>
                                         <p:tgtEl>
-                                          <p:spTgt spid="12"/>
+                                          <p:spTgt spid="24"/>
                                         </p:tgtEl>
                                         <p:attrNameLst>
                                           <p:attrName>style.visibility</p:attrName>
@@ -10856,7 +10986,7 @@
                             </p:stCondLst>
                             <p:childTnLst>
                               <p:par>
-                                <p:cTn id="8" presetID="1" presetClass="exit" presetSubtype="0" fill="hold" nodeType="afterEffect">
+                                <p:cTn id="8" presetID="1" presetClass="exit" presetSubtype="0" fill="hold" grpId="0" nodeType="afterEffect">
                                   <p:stCondLst>
                                     <p:cond delay="1000"/>
                                   </p:stCondLst>
@@ -10869,7 +10999,7 @@
                                           </p:stCondLst>
                                         </p:cTn>
                                         <p:tgtEl>
-                                          <p:spTgt spid="13"/>
+                                          <p:spTgt spid="23"/>
                                         </p:tgtEl>
                                         <p:attrNameLst>
                                           <p:attrName>style.visibility</p:attrName>
@@ -10892,7 +11022,7 @@
                             </p:stCondLst>
                             <p:childTnLst>
                               <p:par>
-                                <p:cTn id="11" presetID="1" presetClass="exit" presetSubtype="0" fill="hold" nodeType="afterEffect">
+                                <p:cTn id="11" presetID="1" presetClass="exit" presetSubtype="0" fill="hold" grpId="0" nodeType="afterEffect">
                                   <p:stCondLst>
                                     <p:cond delay="1000"/>
                                   </p:stCondLst>
@@ -10905,7 +11035,7 @@
                                           </p:stCondLst>
                                         </p:cTn>
                                         <p:tgtEl>
-                                          <p:spTgt spid="9"/>
+                                          <p:spTgt spid="22"/>
                                         </p:tgtEl>
                                         <p:attrNameLst>
                                           <p:attrName>style.visibility</p:attrName>
@@ -10928,7 +11058,7 @@
                             </p:stCondLst>
                             <p:childTnLst>
                               <p:par>
-                                <p:cTn id="14" presetID="1" presetClass="exit" presetSubtype="0" fill="hold" nodeType="afterEffect">
+                                <p:cTn id="14" presetID="1" presetClass="exit" presetSubtype="0" fill="hold" grpId="0" nodeType="afterEffect">
                                   <p:stCondLst>
                                     <p:cond delay="1000"/>
                                   </p:stCondLst>
@@ -10941,7 +11071,79 @@
                                           </p:stCondLst>
                                         </p:cTn>
                                         <p:tgtEl>
-                                          <p:spTgt spid="6"/>
+                                          <p:spTgt spid="21"/>
+                                        </p:tgtEl>
+                                        <p:attrNameLst>
+                                          <p:attrName>style.visibility</p:attrName>
+                                        </p:attrNameLst>
+                                      </p:cBhvr>
+                                      <p:to>
+                                        <p:strVal val="hidden"/>
+                                      </p:to>
+                                    </p:set>
+                                  </p:childTnLst>
+                                </p:cTn>
+                              </p:par>
+                            </p:childTnLst>
+                          </p:cTn>
+                        </p:par>
+                        <p:par>
+                          <p:cTn id="16" fill="hold">
+                            <p:stCondLst>
+                              <p:cond delay="3000"/>
+                            </p:stCondLst>
+                            <p:childTnLst>
+                              <p:par>
+                                <p:cTn id="17" presetID="1" presetClass="exit" presetSubtype="0" fill="hold" grpId="0" nodeType="afterEffect">
+                                  <p:stCondLst>
+                                    <p:cond delay="1000"/>
+                                  </p:stCondLst>
+                                  <p:childTnLst>
+                                    <p:set>
+                                      <p:cBhvr>
+                                        <p:cTn id="18" dur="1" fill="hold">
+                                          <p:stCondLst>
+                                            <p:cond delay="0"/>
+                                          </p:stCondLst>
+                                        </p:cTn>
+                                        <p:tgtEl>
+                                          <p:spTgt spid="20"/>
+                                        </p:tgtEl>
+                                        <p:attrNameLst>
+                                          <p:attrName>style.visibility</p:attrName>
+                                        </p:attrNameLst>
+                                      </p:cBhvr>
+                                      <p:to>
+                                        <p:strVal val="hidden"/>
+                                      </p:to>
+                                    </p:set>
+                                  </p:childTnLst>
+                                </p:cTn>
+                              </p:par>
+                            </p:childTnLst>
+                          </p:cTn>
+                        </p:par>
+                        <p:par>
+                          <p:cTn id="19" fill="hold">
+                            <p:stCondLst>
+                              <p:cond delay="4000"/>
+                            </p:stCondLst>
+                            <p:childTnLst>
+                              <p:par>
+                                <p:cTn id="20" presetID="1" presetClass="exit" presetSubtype="0" fill="hold" grpId="0" nodeType="afterEffect">
+                                  <p:stCondLst>
+                                    <p:cond delay="1000"/>
+                                  </p:stCondLst>
+                                  <p:childTnLst>
+                                    <p:set>
+                                      <p:cBhvr>
+                                        <p:cTn id="21" dur="1" fill="hold">
+                                          <p:stCondLst>
+                                            <p:cond delay="0"/>
+                                          </p:stCondLst>
+                                        </p:cTn>
+                                        <p:tgtEl>
+                                          <p:spTgt spid="19"/>
                                         </p:tgtEl>
                                         <p:attrNameLst>
                                           <p:attrName>style.visibility</p:attrName>
@@ -10982,7 +11184,12 @@
       </p:par>
     </p:tnLst>
     <p:bldLst>
-      <p:bldP spid="12" grpId="0" animBg="1"/>
+      <p:bldP spid="19" grpId="0" animBg="1"/>
+      <p:bldP spid="20" grpId="0" animBg="1"/>
+      <p:bldP spid="21" grpId="0" animBg="1"/>
+      <p:bldP spid="22" grpId="0" animBg="1"/>
+      <p:bldP spid="23" grpId="0" animBg="1"/>
+      <p:bldP spid="24" grpId="0" animBg="1"/>
     </p:bldLst>
   </p:timing>
 </p:sld>

--- a/presentations/01_cnn_intro.pptx
+++ b/presentations/01_cnn_intro.pptx
@@ -227,7 +227,7 @@
           <a:p>
             <a:fld id="{FD93C9B2-20F6-4DB1-B471-224337D0AC79}" type="datetimeFigureOut">
               <a:rPr lang="en-US" smtClean="0"/>
-              <a:t>8/29/2022</a:t>
+              <a:t>9/8/2022</a:t>
             </a:fld>
             <a:endParaRPr lang="en-US"/>
           </a:p>
@@ -645,7 +645,9 @@
           <a:bodyPr/>
           <a:lstStyle/>
           <a:p>
-            <a:pPr algn="l"/>
+            <a:pPr marL="228600" indent="-228600">
+              <a:buAutoNum type="arabicPeriod"/>
+            </a:pPr>
             <a:r>
               <a:rPr lang="en-US" b="0" i="0" dirty="0">
                 <a:solidFill>
@@ -655,11 +657,250 @@
                 <a:latin typeface="Calibri" panose="020F0502020204030204" pitchFamily="34" charset="0"/>
                 <a:cs typeface="Calibri" panose="020F0502020204030204" pitchFamily="34" charset="0"/>
               </a:rPr>
-              <a:t>Humans can see through their eyes by transforming light into electrical signals that are then processed by the brain. But computers do not have physical eyes to capture light. They can only process information in digital forms composed of bits (0 or 1). So, to be able to “see", computers require a digitized version of an image.</a:t>
-            </a:r>
-          </a:p>
-          <a:p>
-            <a:pPr algn="l"/>
+              <a:t>CNN performance has increased dramatically – some CNN models process and interpret images faster and more accurately than humans – Radiology example.</a:t>
+            </a:r>
+          </a:p>
+          <a:p>
+            <a:pPr marL="228600" indent="-228600">
+              <a:buAutoNum type="arabicPeriod"/>
+            </a:pPr>
+            <a:r>
+              <a:rPr lang="en-US" b="0" i="0" dirty="0">
+                <a:solidFill>
+                  <a:srgbClr val="3C3C3B"/>
+                </a:solidFill>
+                <a:effectLst/>
+                <a:latin typeface="Calibri" panose="020F0502020204030204" pitchFamily="34" charset="0"/>
+                <a:cs typeface="Calibri" panose="020F0502020204030204" pitchFamily="34" charset="0"/>
+              </a:rPr>
+              <a:t>The four different domains:</a:t>
+            </a:r>
+          </a:p>
+          <a:p>
+            <a:pPr marL="685800" marR="0" lvl="1" indent="-228600" algn="l" defTabSz="914400" rtl="0" eaLnBrk="1" fontAlgn="auto" latinLnBrk="0" hangingPunct="1">
+              <a:lnSpc>
+                <a:spcPct val="100000"/>
+              </a:lnSpc>
+              <a:spcBef>
+                <a:spcPts val="0"/>
+              </a:spcBef>
+              <a:spcAft>
+                <a:spcPts val="0"/>
+              </a:spcAft>
+              <a:buClrTx/>
+              <a:buSzTx/>
+              <a:buFontTx/>
+              <a:buAutoNum type="arabicPeriod"/>
+              <a:tabLst/>
+              <a:defRPr/>
+            </a:pPr>
+            <a:r>
+              <a:rPr lang="en-US" b="1" i="0" dirty="0">
+                <a:solidFill>
+                  <a:srgbClr val="3C3C3B"/>
+                </a:solidFill>
+                <a:effectLst/>
+                <a:latin typeface="Calibri" panose="020F0502020204030204" pitchFamily="34" charset="0"/>
+                <a:cs typeface="Calibri" panose="020F0502020204030204" pitchFamily="34" charset="0"/>
+              </a:rPr>
+              <a:t>Image classification</a:t>
+            </a:r>
+            <a:r>
+              <a:rPr lang="en-US" b="0" i="0" dirty="0">
+                <a:solidFill>
+                  <a:srgbClr val="3C3C3B"/>
+                </a:solidFill>
+                <a:effectLst/>
+                <a:latin typeface="Calibri" panose="020F0502020204030204" pitchFamily="34" charset="0"/>
+                <a:cs typeface="Calibri" panose="020F0502020204030204" pitchFamily="34" charset="0"/>
+              </a:rPr>
+              <a:t>, where we need to recognize the main object in an image.</a:t>
+            </a:r>
+          </a:p>
+          <a:p>
+            <a:pPr marL="685800" marR="0" lvl="1" indent="-228600" algn="l" defTabSz="914400" rtl="0" eaLnBrk="1" fontAlgn="auto" latinLnBrk="0" hangingPunct="1">
+              <a:lnSpc>
+                <a:spcPct val="100000"/>
+              </a:lnSpc>
+              <a:spcBef>
+                <a:spcPts val="0"/>
+              </a:spcBef>
+              <a:spcAft>
+                <a:spcPts val="0"/>
+              </a:spcAft>
+              <a:buClrTx/>
+              <a:buSzTx/>
+              <a:buFontTx/>
+              <a:buAutoNum type="arabicPeriod"/>
+              <a:tabLst/>
+              <a:defRPr/>
+            </a:pPr>
+            <a:r>
+              <a:rPr lang="en-US" b="1" i="0" dirty="0">
+                <a:solidFill>
+                  <a:srgbClr val="3C3C3B"/>
+                </a:solidFill>
+                <a:effectLst/>
+                <a:latin typeface="Calibri" panose="020F0502020204030204" pitchFamily="34" charset="0"/>
+                <a:cs typeface="Calibri" panose="020F0502020204030204" pitchFamily="34" charset="0"/>
+              </a:rPr>
+              <a:t>Image classification and localization</a:t>
+            </a:r>
+            <a:r>
+              <a:rPr lang="en-US" b="0" i="0" dirty="0">
+                <a:solidFill>
+                  <a:srgbClr val="3C3C3B"/>
+                </a:solidFill>
+                <a:effectLst/>
+                <a:latin typeface="Calibri" panose="020F0502020204030204" pitchFamily="34" charset="0"/>
+                <a:cs typeface="Calibri" panose="020F0502020204030204" pitchFamily="34" charset="0"/>
+              </a:rPr>
+              <a:t>, where we need to recognize and localize the main object in an image with a bounding box.</a:t>
+            </a:r>
+          </a:p>
+          <a:p>
+            <a:pPr marL="685800" marR="0" lvl="1" indent="-228600" algn="l" defTabSz="914400" rtl="0" eaLnBrk="1" fontAlgn="auto" latinLnBrk="0" hangingPunct="1">
+              <a:lnSpc>
+                <a:spcPct val="100000"/>
+              </a:lnSpc>
+              <a:spcBef>
+                <a:spcPts val="0"/>
+              </a:spcBef>
+              <a:spcAft>
+                <a:spcPts val="0"/>
+              </a:spcAft>
+              <a:buClrTx/>
+              <a:buSzTx/>
+              <a:buFontTx/>
+              <a:buAutoNum type="arabicPeriod"/>
+              <a:tabLst/>
+              <a:defRPr/>
+            </a:pPr>
+            <a:r>
+              <a:rPr lang="en-US" b="1" i="0" dirty="0">
+                <a:solidFill>
+                  <a:srgbClr val="3C3C3B"/>
+                </a:solidFill>
+                <a:effectLst/>
+                <a:latin typeface="Calibri" panose="020F0502020204030204" pitchFamily="34" charset="0"/>
+                <a:cs typeface="Calibri" panose="020F0502020204030204" pitchFamily="34" charset="0"/>
+              </a:rPr>
+              <a:t>Object detection</a:t>
+            </a:r>
+            <a:r>
+              <a:rPr lang="en-US" b="0" i="0" dirty="0">
+                <a:solidFill>
+                  <a:srgbClr val="3C3C3B"/>
+                </a:solidFill>
+                <a:effectLst/>
+                <a:latin typeface="Calibri" panose="020F0502020204030204" pitchFamily="34" charset="0"/>
+                <a:cs typeface="Calibri" panose="020F0502020204030204" pitchFamily="34" charset="0"/>
+              </a:rPr>
+              <a:t>, where we need to recognize multiple objects in an image with bounding boxes.</a:t>
+            </a:r>
+          </a:p>
+          <a:p>
+            <a:pPr marL="685800" marR="0" lvl="1" indent="-228600" algn="l" defTabSz="914400" rtl="0" eaLnBrk="1" fontAlgn="auto" latinLnBrk="0" hangingPunct="1">
+              <a:lnSpc>
+                <a:spcPct val="100000"/>
+              </a:lnSpc>
+              <a:spcBef>
+                <a:spcPts val="0"/>
+              </a:spcBef>
+              <a:spcAft>
+                <a:spcPts val="0"/>
+              </a:spcAft>
+              <a:buClrTx/>
+              <a:buSzTx/>
+              <a:buFontTx/>
+              <a:buAutoNum type="arabicPeriod"/>
+              <a:tabLst/>
+              <a:defRPr/>
+            </a:pPr>
+            <a:r>
+              <a:rPr lang="en-US" b="1" i="0" dirty="0">
+                <a:solidFill>
+                  <a:srgbClr val="3C3C3B"/>
+                </a:solidFill>
+                <a:effectLst/>
+                <a:latin typeface="Calibri" panose="020F0502020204030204" pitchFamily="34" charset="0"/>
+                <a:cs typeface="Calibri" panose="020F0502020204030204" pitchFamily="34" charset="0"/>
+              </a:rPr>
+              <a:t>Image segmentation</a:t>
+            </a:r>
+            <a:r>
+              <a:rPr lang="en-US" b="0" i="0" dirty="0">
+                <a:solidFill>
+                  <a:srgbClr val="3C3C3B"/>
+                </a:solidFill>
+                <a:effectLst/>
+                <a:latin typeface="Calibri" panose="020F0502020204030204" pitchFamily="34" charset="0"/>
+                <a:cs typeface="Calibri" panose="020F0502020204030204" pitchFamily="34" charset="0"/>
+              </a:rPr>
+              <a:t>, where we need to identify the boundaries of objects in an image.</a:t>
+            </a:r>
+          </a:p>
+          <a:p>
+            <a:pPr marL="0" marR="0" lvl="0" indent="0" algn="l" defTabSz="914400" rtl="0" eaLnBrk="1" fontAlgn="auto" latinLnBrk="0" hangingPunct="1">
+              <a:lnSpc>
+                <a:spcPct val="100000"/>
+              </a:lnSpc>
+              <a:spcBef>
+                <a:spcPts val="0"/>
+              </a:spcBef>
+              <a:spcAft>
+                <a:spcPts val="0"/>
+              </a:spcAft>
+              <a:buClrTx/>
+              <a:buSzTx/>
+              <a:buFontTx/>
+              <a:buNone/>
+              <a:tabLst/>
+              <a:defRPr/>
+            </a:pPr>
+            <a:endParaRPr lang="en-US" dirty="0">
+              <a:latin typeface="+mn-lt"/>
+            </a:endParaRPr>
+          </a:p>
+          <a:p>
+            <a:pPr marL="0" marR="0" lvl="0" indent="0" algn="l" defTabSz="914400" rtl="0" eaLnBrk="1" fontAlgn="auto" latinLnBrk="0" hangingPunct="1">
+              <a:lnSpc>
+                <a:spcPct val="100000"/>
+              </a:lnSpc>
+              <a:spcBef>
+                <a:spcPts val="0"/>
+              </a:spcBef>
+              <a:spcAft>
+                <a:spcPts val="0"/>
+              </a:spcAft>
+              <a:buClrTx/>
+              <a:buSzTx/>
+              <a:buFontTx/>
+              <a:buNone/>
+              <a:tabLst/>
+              <a:defRPr/>
+            </a:pPr>
+            <a:r>
+              <a:rPr lang="en-US" dirty="0">
+                <a:latin typeface="+mn-lt"/>
+              </a:rPr>
+              <a:t>=====</a:t>
+            </a:r>
+          </a:p>
+          <a:p>
+            <a:r>
+              <a:rPr lang="en-US" b="0" i="0" dirty="0">
+                <a:solidFill>
+                  <a:srgbClr val="3C3C3B"/>
+                </a:solidFill>
+                <a:effectLst/>
+                <a:latin typeface="Calibri" panose="020F0502020204030204" pitchFamily="34" charset="0"/>
+                <a:cs typeface="Calibri" panose="020F0502020204030204" pitchFamily="34" charset="0"/>
+              </a:rPr>
+              <a:t>With the advent of convolutional neural networks, the field of computer vision saw some incredible improvements and results. Today, the field of computer vision has advanced to such an extent that, in some cases, computer vision AI systems can process and interpret certain kinds of images faster and more accurately than humans.</a:t>
+            </a:r>
+          </a:p>
+          <a:p>
             <a:endParaRPr lang="en-US" b="0" i="0" dirty="0">
               <a:solidFill>
                 <a:srgbClr val="3C3C3B"/>
@@ -670,7 +911,6 @@
             </a:endParaRPr>
           </a:p>
           <a:p>
-            <a:pPr algn="l"/>
             <a:r>
               <a:rPr lang="en-US" b="0" i="0" dirty="0">
                 <a:solidFill>
@@ -680,7 +920,129 @@
                 <a:latin typeface="Calibri" panose="020F0502020204030204" pitchFamily="34" charset="0"/>
                 <a:cs typeface="Calibri" panose="020F0502020204030204" pitchFamily="34" charset="0"/>
               </a:rPr>
-              <a:t>A digital image is formed by a two-dimensional matrix of pixels. For a grayscale image, each of these pixels can take a value between 0 and 255 that represents its intensity or level of gray. A digital image can be composed of one channel for a black and white image or three channels (red, blue, and green) for a color image:</a:t>
+              <a:t>Computer vision can be split into four different domains:</a:t>
+            </a:r>
+          </a:p>
+          <a:p>
+            <a:endParaRPr lang="en-US" b="0" i="0" dirty="0">
+              <a:solidFill>
+                <a:srgbClr val="3C3C3B"/>
+              </a:solidFill>
+              <a:effectLst/>
+              <a:latin typeface="Calibri" panose="020F0502020204030204" pitchFamily="34" charset="0"/>
+              <a:cs typeface="Calibri" panose="020F0502020204030204" pitchFamily="34" charset="0"/>
+            </a:endParaRPr>
+          </a:p>
+          <a:p>
+            <a:pPr marL="228600" indent="-228600" algn="l">
+              <a:buFont typeface="Arial" panose="020B0604020202020204" pitchFamily="34" charset="0"/>
+              <a:buAutoNum type="arabicPeriod"/>
+            </a:pPr>
+            <a:r>
+              <a:rPr lang="en-US" b="1" i="0" dirty="0">
+                <a:solidFill>
+                  <a:srgbClr val="3C3C3B"/>
+                </a:solidFill>
+                <a:effectLst/>
+                <a:latin typeface="Calibri" panose="020F0502020204030204" pitchFamily="34" charset="0"/>
+                <a:cs typeface="Calibri" panose="020F0502020204030204" pitchFamily="34" charset="0"/>
+              </a:rPr>
+              <a:t>Image classification</a:t>
+            </a:r>
+            <a:r>
+              <a:rPr lang="en-US" b="0" i="0" dirty="0">
+                <a:solidFill>
+                  <a:srgbClr val="3C3C3B"/>
+                </a:solidFill>
+                <a:effectLst/>
+                <a:latin typeface="Calibri" panose="020F0502020204030204" pitchFamily="34" charset="0"/>
+                <a:cs typeface="Calibri" panose="020F0502020204030204" pitchFamily="34" charset="0"/>
+              </a:rPr>
+              <a:t>, where we need to recognize the main object in an image.</a:t>
+            </a:r>
+          </a:p>
+          <a:p>
+            <a:pPr marL="228600" indent="-228600" algn="l">
+              <a:buFont typeface="Arial" panose="020B0604020202020204" pitchFamily="34" charset="0"/>
+              <a:buAutoNum type="arabicPeriod"/>
+            </a:pPr>
+            <a:r>
+              <a:rPr lang="en-US" b="1" i="0" dirty="0">
+                <a:solidFill>
+                  <a:srgbClr val="3C3C3B"/>
+                </a:solidFill>
+                <a:effectLst/>
+                <a:latin typeface="Calibri" panose="020F0502020204030204" pitchFamily="34" charset="0"/>
+                <a:cs typeface="Calibri" panose="020F0502020204030204" pitchFamily="34" charset="0"/>
+              </a:rPr>
+              <a:t>Image classification and localization</a:t>
+            </a:r>
+            <a:r>
+              <a:rPr lang="en-US" b="0" i="0" dirty="0">
+                <a:solidFill>
+                  <a:srgbClr val="3C3C3B"/>
+                </a:solidFill>
+                <a:effectLst/>
+                <a:latin typeface="Calibri" panose="020F0502020204030204" pitchFamily="34" charset="0"/>
+                <a:cs typeface="Calibri" panose="020F0502020204030204" pitchFamily="34" charset="0"/>
+              </a:rPr>
+              <a:t>, where we need to recognize and localize the main object in an image with a bounding box.</a:t>
+            </a:r>
+          </a:p>
+          <a:p>
+            <a:pPr marL="228600" indent="-228600" algn="l">
+              <a:buFont typeface="Arial" panose="020B0604020202020204" pitchFamily="34" charset="0"/>
+              <a:buAutoNum type="arabicPeriod"/>
+            </a:pPr>
+            <a:r>
+              <a:rPr lang="en-US" b="1" i="0" dirty="0">
+                <a:solidFill>
+                  <a:srgbClr val="3C3C3B"/>
+                </a:solidFill>
+                <a:effectLst/>
+                <a:latin typeface="Calibri" panose="020F0502020204030204" pitchFamily="34" charset="0"/>
+                <a:cs typeface="Calibri" panose="020F0502020204030204" pitchFamily="34" charset="0"/>
+              </a:rPr>
+              <a:t>Object detection</a:t>
+            </a:r>
+            <a:r>
+              <a:rPr lang="en-US" b="0" i="0" dirty="0">
+                <a:solidFill>
+                  <a:srgbClr val="3C3C3B"/>
+                </a:solidFill>
+                <a:effectLst/>
+                <a:latin typeface="Calibri" panose="020F0502020204030204" pitchFamily="34" charset="0"/>
+                <a:cs typeface="Calibri" panose="020F0502020204030204" pitchFamily="34" charset="0"/>
+              </a:rPr>
+              <a:t>, where we need to recognize multiple objects in an image with bounding boxes.</a:t>
+            </a:r>
+          </a:p>
+          <a:p>
+            <a:pPr marL="228600" indent="-228600" algn="l">
+              <a:buFont typeface="Arial" panose="020B0604020202020204" pitchFamily="34" charset="0"/>
+              <a:buAutoNum type="arabicPeriod"/>
+            </a:pPr>
+            <a:r>
+              <a:rPr lang="en-US" b="1" i="0" dirty="0">
+                <a:solidFill>
+                  <a:srgbClr val="3C3C3B"/>
+                </a:solidFill>
+                <a:effectLst/>
+                <a:latin typeface="Calibri" panose="020F0502020204030204" pitchFamily="34" charset="0"/>
+                <a:cs typeface="Calibri" panose="020F0502020204030204" pitchFamily="34" charset="0"/>
+              </a:rPr>
+              <a:t>Image segmentation</a:t>
+            </a:r>
+            <a:r>
+              <a:rPr lang="en-US" b="0" i="0" dirty="0">
+                <a:solidFill>
+                  <a:srgbClr val="3C3C3B"/>
+                </a:solidFill>
+                <a:effectLst/>
+                <a:latin typeface="Calibri" panose="020F0502020204030204" pitchFamily="34" charset="0"/>
+                <a:cs typeface="Calibri" panose="020F0502020204030204" pitchFamily="34" charset="0"/>
+              </a:rPr>
+              <a:t>, where we need to identify the boundaries of objects in an image</a:t>
             </a:r>
           </a:p>
         </p:txBody>
@@ -702,7 +1064,7 @@
           <a:p>
             <a:fld id="{3148858F-F1DB-4027-9C85-CCA6849540DD}" type="slidenum">
               <a:rPr lang="en-US" smtClean="0"/>
-              <a:t>11</a:t>
+              <a:t>10</a:t>
             </a:fld>
             <a:endParaRPr lang="en-US"/>
           </a:p>
@@ -711,7 +1073,7 @@
     </p:spTree>
     <p:extLst>
       <p:ext uri="{BB962C8B-B14F-4D97-AF65-F5344CB8AC3E}">
-        <p14:creationId xmlns:p14="http://schemas.microsoft.com/office/powerpoint/2010/main" val="3821239721"/>
+        <p14:creationId xmlns:p14="http://schemas.microsoft.com/office/powerpoint/2010/main" val="3755491919"/>
       </p:ext>
     </p:extLst>
   </p:cSld>
@@ -772,9 +1134,10 @@
                   <a:srgbClr val="3C3C3B"/>
                 </a:solidFill>
                 <a:effectLst/>
-                <a:latin typeface="+mn-lt"/>
-              </a:rPr>
-              <a:t>A digital image is characterized by its dimensions (height, width, and channel):</a:t>
+                <a:latin typeface="Calibri" panose="020F0502020204030204" pitchFamily="34" charset="0"/>
+                <a:cs typeface="Calibri" panose="020F0502020204030204" pitchFamily="34" charset="0"/>
+              </a:rPr>
+              <a:t>Humans can see through their eyes by transforming light into electrical signals that are then processed by the brain. But computers do not have physical eyes to capture light. They can only process information in digital forms composed of bits (0 or 1). So, to be able to “see", computers require a digitized version of an image.</a:t>
             </a:r>
           </a:p>
           <a:p>
@@ -784,89 +1147,23 @@
                 <a:srgbClr val="3C3C3B"/>
               </a:solidFill>
               <a:effectLst/>
-              <a:latin typeface="+mn-lt"/>
+              <a:latin typeface="Calibri" panose="020F0502020204030204" pitchFamily="34" charset="0"/>
+              <a:cs typeface="Calibri" panose="020F0502020204030204" pitchFamily="34" charset="0"/>
             </a:endParaRPr>
           </a:p>
           <a:p>
-            <a:pPr marL="228600" indent="-228600" algn="l">
-              <a:buFont typeface="Arial" panose="020B0604020202020204" pitchFamily="34" charset="0"/>
-              <a:buAutoNum type="arabicPeriod"/>
-            </a:pPr>
-            <a:r>
-              <a:rPr lang="en-US" b="1" i="0" dirty="0">
+            <a:pPr algn="l"/>
+            <a:r>
+              <a:rPr lang="en-US" b="0" i="0" dirty="0">
                 <a:solidFill>
                   <a:srgbClr val="3C3C3B"/>
                 </a:solidFill>
                 <a:effectLst/>
-                <a:latin typeface="+mn-lt"/>
-              </a:rPr>
-              <a:t>Height:</a:t>
-            </a:r>
-            <a:r>
-              <a:rPr lang="en-US" b="0" i="0" dirty="0">
-                <a:solidFill>
-                  <a:srgbClr val="3C3C3B"/>
-                </a:solidFill>
-                <a:effectLst/>
-                <a:latin typeface="+mn-lt"/>
-              </a:rPr>
-              <a:t> The number of pixels on the vertical axis.</a:t>
-            </a:r>
-          </a:p>
-          <a:p>
-            <a:pPr marL="228600" indent="-228600" algn="l">
-              <a:buFont typeface="Arial" panose="020B0604020202020204" pitchFamily="34" charset="0"/>
-              <a:buAutoNum type="arabicPeriod"/>
-            </a:pPr>
-            <a:r>
-              <a:rPr lang="en-US" b="1" i="0" dirty="0">
-                <a:solidFill>
-                  <a:srgbClr val="3C3C3B"/>
-                </a:solidFill>
-                <a:effectLst/>
-                <a:latin typeface="+mn-lt"/>
-              </a:rPr>
-              <a:t>Width:</a:t>
-            </a:r>
-            <a:r>
-              <a:rPr lang="en-US" b="0" i="0" dirty="0">
-                <a:solidFill>
-                  <a:srgbClr val="3C3C3B"/>
-                </a:solidFill>
-                <a:effectLst/>
-                <a:latin typeface="+mn-lt"/>
-              </a:rPr>
-              <a:t> The number of pixels on the horizontal axis.</a:t>
-            </a:r>
-          </a:p>
-          <a:p>
-            <a:pPr marL="228600" indent="-228600" algn="l">
-              <a:buFont typeface="Arial" panose="020B0604020202020204" pitchFamily="34" charset="0"/>
-              <a:buAutoNum type="arabicPeriod"/>
-            </a:pPr>
-            <a:r>
-              <a:rPr lang="en-US" b="1" i="0" dirty="0">
-                <a:solidFill>
-                  <a:srgbClr val="3C3C3B"/>
-                </a:solidFill>
-                <a:effectLst/>
-                <a:latin typeface="+mn-lt"/>
-              </a:rPr>
-              <a:t>Channel:</a:t>
-            </a:r>
-            <a:r>
-              <a:rPr lang="en-US" b="0" i="0" dirty="0">
-                <a:solidFill>
-                  <a:srgbClr val="3C3C3B"/>
-                </a:solidFill>
-                <a:effectLst/>
-                <a:latin typeface="+mn-lt"/>
-              </a:rPr>
-              <a:t> The number of channels. If there is only one channel, an image is grayscale. If there are three channels, the image is in color.</a:t>
-            </a:r>
-          </a:p>
-          <a:p>
-            <a:endParaRPr lang="en-US" dirty="0"/>
+                <a:latin typeface="Calibri" panose="020F0502020204030204" pitchFamily="34" charset="0"/>
+                <a:cs typeface="Calibri" panose="020F0502020204030204" pitchFamily="34" charset="0"/>
+              </a:rPr>
+              <a:t>A digital image is formed by a two-dimensional matrix of pixels. For a grayscale image, each of these pixels can take a value between 0 and 255 that represents its intensity or level of gray. A digital image can be composed of one channel for a black and white image or three channels (red, blue, and green) for a color image:</a:t>
+            </a:r>
           </a:p>
         </p:txBody>
       </p:sp>
@@ -887,7 +1184,7 @@
           <a:p>
             <a:fld id="{3148858F-F1DB-4027-9C85-CCA6849540DD}" type="slidenum">
               <a:rPr lang="en-US" smtClean="0"/>
-              <a:t>12</a:t>
+              <a:t>11</a:t>
             </a:fld>
             <a:endParaRPr lang="en-US"/>
           </a:p>
@@ -896,7 +1193,7 @@
     </p:spTree>
     <p:extLst>
       <p:ext uri="{BB962C8B-B14F-4D97-AF65-F5344CB8AC3E}">
-        <p14:creationId xmlns:p14="http://schemas.microsoft.com/office/powerpoint/2010/main" val="2399320073"/>
+        <p14:creationId xmlns:p14="http://schemas.microsoft.com/office/powerpoint/2010/main" val="3821239721"/>
       </p:ext>
     </p:extLst>
   </p:cSld>
@@ -950,6 +1247,191 @@
           <a:bodyPr/>
           <a:lstStyle/>
           <a:p>
+            <a:pPr algn="l"/>
+            <a:r>
+              <a:rPr lang="en-US" b="0" i="0" dirty="0">
+                <a:solidFill>
+                  <a:srgbClr val="3C3C3B"/>
+                </a:solidFill>
+                <a:effectLst/>
+                <a:latin typeface="+mn-lt"/>
+              </a:rPr>
+              <a:t>A digital image is characterized by its dimensions (height, width, and channel):</a:t>
+            </a:r>
+          </a:p>
+          <a:p>
+            <a:pPr algn="l"/>
+            <a:endParaRPr lang="en-US" b="0" i="0" dirty="0">
+              <a:solidFill>
+                <a:srgbClr val="3C3C3B"/>
+              </a:solidFill>
+              <a:effectLst/>
+              <a:latin typeface="+mn-lt"/>
+            </a:endParaRPr>
+          </a:p>
+          <a:p>
+            <a:pPr marL="228600" indent="-228600" algn="l">
+              <a:buFont typeface="Arial" panose="020B0604020202020204" pitchFamily="34" charset="0"/>
+              <a:buAutoNum type="arabicPeriod"/>
+            </a:pPr>
+            <a:r>
+              <a:rPr lang="en-US" b="1" i="0" dirty="0">
+                <a:solidFill>
+                  <a:srgbClr val="3C3C3B"/>
+                </a:solidFill>
+                <a:effectLst/>
+                <a:latin typeface="+mn-lt"/>
+              </a:rPr>
+              <a:t>Height:</a:t>
+            </a:r>
+            <a:r>
+              <a:rPr lang="en-US" b="0" i="0" dirty="0">
+                <a:solidFill>
+                  <a:srgbClr val="3C3C3B"/>
+                </a:solidFill>
+                <a:effectLst/>
+                <a:latin typeface="+mn-lt"/>
+              </a:rPr>
+              <a:t> The number of pixels on the vertical axis.</a:t>
+            </a:r>
+          </a:p>
+          <a:p>
+            <a:pPr marL="228600" indent="-228600" algn="l">
+              <a:buFont typeface="Arial" panose="020B0604020202020204" pitchFamily="34" charset="0"/>
+              <a:buAutoNum type="arabicPeriod"/>
+            </a:pPr>
+            <a:r>
+              <a:rPr lang="en-US" b="1" i="0" dirty="0">
+                <a:solidFill>
+                  <a:srgbClr val="3C3C3B"/>
+                </a:solidFill>
+                <a:effectLst/>
+                <a:latin typeface="+mn-lt"/>
+              </a:rPr>
+              <a:t>Width:</a:t>
+            </a:r>
+            <a:r>
+              <a:rPr lang="en-US" b="0" i="0" dirty="0">
+                <a:solidFill>
+                  <a:srgbClr val="3C3C3B"/>
+                </a:solidFill>
+                <a:effectLst/>
+                <a:latin typeface="+mn-lt"/>
+              </a:rPr>
+              <a:t> The number of pixels on the horizontal axis.</a:t>
+            </a:r>
+          </a:p>
+          <a:p>
+            <a:pPr marL="228600" indent="-228600" algn="l">
+              <a:buFont typeface="Arial" panose="020B0604020202020204" pitchFamily="34" charset="0"/>
+              <a:buAutoNum type="arabicPeriod"/>
+            </a:pPr>
+            <a:r>
+              <a:rPr lang="en-US" b="1" i="0" dirty="0">
+                <a:solidFill>
+                  <a:srgbClr val="3C3C3B"/>
+                </a:solidFill>
+                <a:effectLst/>
+                <a:latin typeface="+mn-lt"/>
+              </a:rPr>
+              <a:t>Channel:</a:t>
+            </a:r>
+            <a:r>
+              <a:rPr lang="en-US" b="0" i="0" dirty="0">
+                <a:solidFill>
+                  <a:srgbClr val="3C3C3B"/>
+                </a:solidFill>
+                <a:effectLst/>
+                <a:latin typeface="+mn-lt"/>
+              </a:rPr>
+              <a:t> The number of channels. If there is only one channel, an image is grayscale. If there are three channels, the image is in color.</a:t>
+            </a:r>
+          </a:p>
+          <a:p>
+            <a:endParaRPr lang="en-US" dirty="0"/>
+          </a:p>
+        </p:txBody>
+      </p:sp>
+      <p:sp>
+        <p:nvSpPr>
+          <p:cNvPr id="4" name="Slide Number Placeholder 3"/>
+          <p:cNvSpPr>
+            <a:spLocks noGrp="1"/>
+          </p:cNvSpPr>
+          <p:nvPr>
+            <p:ph type="sldNum" sz="quarter" idx="5"/>
+          </p:nvPr>
+        </p:nvSpPr>
+        <p:spPr/>
+        <p:txBody>
+          <a:bodyPr/>
+          <a:lstStyle/>
+          <a:p>
+            <a:fld id="{3148858F-F1DB-4027-9C85-CCA6849540DD}" type="slidenum">
+              <a:rPr lang="en-US" smtClean="0"/>
+              <a:t>12</a:t>
+            </a:fld>
+            <a:endParaRPr lang="en-US"/>
+          </a:p>
+        </p:txBody>
+      </p:sp>
+    </p:spTree>
+    <p:extLst>
+      <p:ext uri="{BB962C8B-B14F-4D97-AF65-F5344CB8AC3E}">
+        <p14:creationId xmlns:p14="http://schemas.microsoft.com/office/powerpoint/2010/main" val="2399320073"/>
+      </p:ext>
+    </p:extLst>
+  </p:cSld>
+  <p:clrMapOvr>
+    <a:masterClrMapping/>
+  </p:clrMapOvr>
+</p:notes>
+</file>
+
+<file path=ppt/notesSlides/notesSlide13.xml><?xml version="1.0" encoding="utf-8"?>
+<p:notes xmlns:a="http://schemas.openxmlformats.org/drawingml/2006/main" xmlns:r="http://schemas.openxmlformats.org/officeDocument/2006/relationships" xmlns:p="http://schemas.openxmlformats.org/presentationml/2006/main">
+  <p:cSld>
+    <p:spTree>
+      <p:nvGrpSpPr>
+        <p:cNvPr id="1" name=""/>
+        <p:cNvGrpSpPr/>
+        <p:nvPr/>
+      </p:nvGrpSpPr>
+      <p:grpSpPr>
+        <a:xfrm>
+          <a:off x="0" y="0"/>
+          <a:ext cx="0" cy="0"/>
+          <a:chOff x="0" y="0"/>
+          <a:chExt cx="0" cy="0"/>
+        </a:xfrm>
+      </p:grpSpPr>
+      <p:sp>
+        <p:nvSpPr>
+          <p:cNvPr id="2" name="Slide Image Placeholder 1"/>
+          <p:cNvSpPr>
+            <a:spLocks noGrp="1" noRot="1" noChangeAspect="1"/>
+          </p:cNvSpPr>
+          <p:nvPr>
+            <p:ph type="sldImg"/>
+          </p:nvPr>
+        </p:nvSpPr>
+        <p:spPr/>
+      </p:sp>
+      <p:sp>
+        <p:nvSpPr>
+          <p:cNvPr id="3" name="Notes Placeholder 2"/>
+          <p:cNvSpPr>
+            <a:spLocks noGrp="1"/>
+          </p:cNvSpPr>
+          <p:nvPr>
+            <p:ph type="body" idx="1"/>
+          </p:nvPr>
+        </p:nvSpPr>
+        <p:spPr/>
+        <p:txBody>
+          <a:bodyPr/>
+          <a:lstStyle/>
+          <a:p>
             <a:pPr marL="0" marR="0" lvl="0" indent="0" algn="l" defTabSz="914400" rtl="0" eaLnBrk="1" fontAlgn="auto" latinLnBrk="0" hangingPunct="1">
               <a:lnSpc>
                 <a:spcPct val="100000"/>
@@ -978,7 +1460,7 @@
                 <a:latin typeface="+mj-lt"/>
                 <a:ea typeface="Verdana" panose="020B0604030504040204" pitchFamily="34" charset="0"/>
               </a:rPr>
-              <a:t>Link: </a:t>
+              <a:t>Source: Google Teachable Machine: </a:t>
             </a:r>
             <a:r>
               <a:rPr lang="en-US" sz="1200" dirty="0">
@@ -1054,6 +1536,118 @@
               <a:tabLst/>
               <a:defRPr/>
             </a:pPr>
+            <a:r>
+              <a:rPr lang="en-US" sz="1200" dirty="0">
+                <a:solidFill>
+                  <a:schemeClr val="tx1">
+                    <a:lumMod val="65000"/>
+                    <a:lumOff val="35000"/>
+                  </a:schemeClr>
+                </a:solidFill>
+                <a:latin typeface="Palatino Linotype" panose="02040502050505030304" pitchFamily="18" charset="0"/>
+              </a:rPr>
+              <a:t>Two Locations for the Hanfu/Hanbok dataset</a:t>
+            </a:r>
+          </a:p>
+          <a:p>
+            <a:pPr marL="0" marR="0" lvl="0" indent="0" algn="l" defTabSz="914400" rtl="0" eaLnBrk="1" fontAlgn="auto" latinLnBrk="0" hangingPunct="1">
+              <a:lnSpc>
+                <a:spcPct val="100000"/>
+              </a:lnSpc>
+              <a:spcBef>
+                <a:spcPts val="0"/>
+              </a:spcBef>
+              <a:spcAft>
+                <a:spcPts val="0"/>
+              </a:spcAft>
+              <a:buClrTx/>
+              <a:buSzTx/>
+              <a:buFontTx/>
+              <a:buNone/>
+              <a:tabLst/>
+              <a:defRPr/>
+            </a:pPr>
+            <a:r>
+              <a:rPr lang="en-US" b="0" i="0" dirty="0">
+                <a:effectLst/>
+                <a:latin typeface="Lato" panose="020F0502020204030203" pitchFamily="34" charset="0"/>
+              </a:rPr>
+              <a:t>	https://drive.google.com/file/d/1q3RIgIoeePNW-fEgNyCgh45gBvMAdeOU/view</a:t>
+            </a:r>
+          </a:p>
+          <a:p>
+            <a:pPr marL="0" marR="0" lvl="0" indent="0" algn="l" defTabSz="914400" rtl="0" eaLnBrk="1" fontAlgn="auto" latinLnBrk="0" hangingPunct="1">
+              <a:lnSpc>
+                <a:spcPct val="100000"/>
+              </a:lnSpc>
+              <a:spcBef>
+                <a:spcPts val="0"/>
+              </a:spcBef>
+              <a:spcAft>
+                <a:spcPts val="0"/>
+              </a:spcAft>
+              <a:buClrTx/>
+              <a:buSzTx/>
+              <a:buFontTx/>
+              <a:buNone/>
+              <a:tabLst/>
+              <a:defRPr/>
+            </a:pPr>
+            <a:r>
+              <a:rPr lang="en-US" b="0" i="0" dirty="0">
+                <a:effectLst/>
+                <a:latin typeface="Lato" panose="020F0502020204030203" pitchFamily="34" charset="0"/>
+              </a:rPr>
+              <a:t>	https://drive.google.com/file/d/1WbZPzunh6u9f0leymbzmVrJjSxq6JW5w/view?usp=sharing</a:t>
+            </a:r>
+          </a:p>
+          <a:p>
+            <a:pPr marL="0" marR="0" lvl="0" indent="0" algn="l" defTabSz="914400" rtl="0" eaLnBrk="1" fontAlgn="auto" latinLnBrk="0" hangingPunct="1">
+              <a:lnSpc>
+                <a:spcPct val="100000"/>
+              </a:lnSpc>
+              <a:spcBef>
+                <a:spcPts val="0"/>
+              </a:spcBef>
+              <a:spcAft>
+                <a:spcPts val="0"/>
+              </a:spcAft>
+              <a:buClrTx/>
+              <a:buSzTx/>
+              <a:buFontTx/>
+              <a:buNone/>
+              <a:tabLst/>
+              <a:defRPr/>
+            </a:pPr>
+            <a:endParaRPr lang="en-US" sz="1200" dirty="0">
+              <a:solidFill>
+                <a:schemeClr val="tx1">
+                  <a:lumMod val="65000"/>
+                  <a:lumOff val="35000"/>
+                </a:schemeClr>
+              </a:solidFill>
+              <a:latin typeface="+mj-lt"/>
+              <a:ea typeface="Verdana" panose="020B0604030504040204" pitchFamily="34" charset="0"/>
+            </a:endParaRPr>
+          </a:p>
+          <a:p>
+            <a:pPr marL="0" marR="0" lvl="0" indent="0" algn="l" defTabSz="914400" rtl="0" eaLnBrk="1" fontAlgn="auto" latinLnBrk="0" hangingPunct="1">
+              <a:lnSpc>
+                <a:spcPct val="100000"/>
+              </a:lnSpc>
+              <a:spcBef>
+                <a:spcPts val="0"/>
+              </a:spcBef>
+              <a:spcAft>
+                <a:spcPts val="0"/>
+              </a:spcAft>
+              <a:buClrTx/>
+              <a:buSzTx/>
+              <a:buFontTx/>
+              <a:buNone/>
+              <a:tabLst/>
+              <a:defRPr/>
+            </a:pPr>
             <a:endParaRPr lang="en-US" sz="1200" dirty="0">
               <a:solidFill>
                 <a:schemeClr val="tx1">
@@ -1064,6 +1658,34 @@
               <a:latin typeface="Palatino Linotype" panose="02040502050505030304" pitchFamily="18" charset="0"/>
             </a:endParaRPr>
           </a:p>
+          <a:p>
+            <a:pPr marL="0" marR="0" lvl="0" indent="0" algn="l" defTabSz="914400" rtl="0" eaLnBrk="1" fontAlgn="auto" latinLnBrk="0" hangingPunct="1">
+              <a:lnSpc>
+                <a:spcPct val="100000"/>
+              </a:lnSpc>
+              <a:spcBef>
+                <a:spcPts val="0"/>
+              </a:spcBef>
+              <a:spcAft>
+                <a:spcPts val="0"/>
+              </a:spcAft>
+              <a:buClrTx/>
+              <a:buSzTx/>
+              <a:buFontTx/>
+              <a:buNone/>
+              <a:tabLst/>
+              <a:defRPr/>
+            </a:pPr>
+            <a:endParaRPr lang="en-US" sz="1200" dirty="0">
+              <a:solidFill>
+                <a:schemeClr val="tx1">
+                  <a:lumMod val="65000"/>
+                  <a:lumOff val="35000"/>
+                </a:schemeClr>
+              </a:solidFill>
+              <a:latin typeface="Palatino Linotype" panose="02040502050505030304" pitchFamily="18" charset="0"/>
+            </a:endParaRPr>
+          </a:p>
         </p:txBody>
       </p:sp>
       <p:sp>
@@ -1093,153 +1715,6 @@
     <p:extLst>
       <p:ext uri="{BB962C8B-B14F-4D97-AF65-F5344CB8AC3E}">
         <p14:creationId xmlns:p14="http://schemas.microsoft.com/office/powerpoint/2010/main" val="1404376956"/>
-      </p:ext>
-    </p:extLst>
-  </p:cSld>
-  <p:clrMapOvr>
-    <a:masterClrMapping/>
-  </p:clrMapOvr>
-</p:notes>
-</file>
-
-<file path=ppt/notesSlides/notesSlide13.xml><?xml version="1.0" encoding="utf-8"?>
-<p:notes xmlns:a="http://schemas.openxmlformats.org/drawingml/2006/main" xmlns:r="http://schemas.openxmlformats.org/officeDocument/2006/relationships" xmlns:p="http://schemas.openxmlformats.org/presentationml/2006/main">
-  <p:cSld>
-    <p:spTree>
-      <p:nvGrpSpPr>
-        <p:cNvPr id="1" name=""/>
-        <p:cNvGrpSpPr/>
-        <p:nvPr/>
-      </p:nvGrpSpPr>
-      <p:grpSpPr>
-        <a:xfrm>
-          <a:off x="0" y="0"/>
-          <a:ext cx="0" cy="0"/>
-          <a:chOff x="0" y="0"/>
-          <a:chExt cx="0" cy="0"/>
-        </a:xfrm>
-      </p:grpSpPr>
-      <p:sp>
-        <p:nvSpPr>
-          <p:cNvPr id="2" name="Slide Image Placeholder 1"/>
-          <p:cNvSpPr>
-            <a:spLocks noGrp="1" noRot="1" noChangeAspect="1"/>
-          </p:cNvSpPr>
-          <p:nvPr>
-            <p:ph type="sldImg"/>
-          </p:nvPr>
-        </p:nvSpPr>
-        <p:spPr/>
-      </p:sp>
-      <p:sp>
-        <p:nvSpPr>
-          <p:cNvPr id="3" name="Notes Placeholder 2"/>
-          <p:cNvSpPr>
-            <a:spLocks noGrp="1"/>
-          </p:cNvSpPr>
-          <p:nvPr>
-            <p:ph type="body" idx="1"/>
-          </p:nvPr>
-        </p:nvSpPr>
-        <p:spPr/>
-        <p:txBody>
-          <a:bodyPr/>
-          <a:lstStyle/>
-          <a:p>
-            <a:r>
-              <a:rPr lang="en-US" dirty="0">
-                <a:latin typeface="+mn-lt"/>
-              </a:rPr>
-              <a:t>So, how does a CNN like the Teachable Machine classify images?  Keep in mind that computers only understand numbers.  At the end of the vision notebook, we saw how a function could detect the presence or absence of a stripe, just by multiplying two sets of numbers.</a:t>
-            </a:r>
-          </a:p>
-          <a:p>
-            <a:endParaRPr lang="en-US" dirty="0">
-              <a:latin typeface="+mn-lt"/>
-            </a:endParaRPr>
-          </a:p>
-          <a:p>
-            <a:r>
-              <a:rPr lang="en-US" dirty="0">
-                <a:latin typeface="+mn-lt"/>
-              </a:rPr>
-              <a:t>In AI, we use special words to describe the different ways numbers are combined.  These combinations assume shapes and those shapes have names.  Thus, we need to introduce some data vocabulary.  Note: data vocabulary is foundational and used extensively in machine learning and deep learning.</a:t>
-            </a:r>
-          </a:p>
-          <a:p>
-            <a:endParaRPr lang="en-US" dirty="0">
-              <a:latin typeface="+mn-lt"/>
-            </a:endParaRPr>
-          </a:p>
-          <a:p>
-            <a:r>
-              <a:rPr lang="en-US" dirty="0">
-                <a:latin typeface="+mn-lt"/>
-              </a:rPr>
-              <a:t>A single number is </a:t>
-            </a:r>
-            <a:r>
-              <a:rPr lang="en-US" b="1" dirty="0">
-                <a:latin typeface="+mn-lt"/>
-              </a:rPr>
-              <a:t>atomic</a:t>
-            </a:r>
-            <a:r>
-              <a:rPr lang="en-US" dirty="0">
-                <a:latin typeface="+mn-lt"/>
-              </a:rPr>
-              <a:t>.  A series of numbers in a single row is a </a:t>
-            </a:r>
-            <a:r>
-              <a:rPr lang="en-US" b="1" dirty="0">
-                <a:latin typeface="+mn-lt"/>
-              </a:rPr>
-              <a:t>vector</a:t>
-            </a:r>
-            <a:r>
-              <a:rPr lang="en-US" dirty="0">
-                <a:latin typeface="+mn-lt"/>
-              </a:rPr>
-              <a:t>.</a:t>
-            </a:r>
-          </a:p>
-          <a:p>
-            <a:endParaRPr lang="en-US" dirty="0">
-              <a:latin typeface="+mn-lt"/>
-            </a:endParaRPr>
-          </a:p>
-          <a:p>
-            <a:endParaRPr lang="en-US" dirty="0"/>
-          </a:p>
-        </p:txBody>
-      </p:sp>
-      <p:sp>
-        <p:nvSpPr>
-          <p:cNvPr id="4" name="Slide Number Placeholder 3"/>
-          <p:cNvSpPr>
-            <a:spLocks noGrp="1"/>
-          </p:cNvSpPr>
-          <p:nvPr>
-            <p:ph type="sldNum" sz="quarter" idx="5"/>
-          </p:nvPr>
-        </p:nvSpPr>
-        <p:spPr/>
-        <p:txBody>
-          <a:bodyPr/>
-          <a:lstStyle/>
-          <a:p>
-            <a:fld id="{3148858F-F1DB-4027-9C85-CCA6849540DD}" type="slidenum">
-              <a:rPr lang="en-US" smtClean="0"/>
-              <a:t>14</a:t>
-            </a:fld>
-            <a:endParaRPr lang="en-US"/>
-          </a:p>
-        </p:txBody>
-      </p:sp>
-    </p:spTree>
-    <p:extLst>
-      <p:ext uri="{BB962C8B-B14F-4D97-AF65-F5344CB8AC3E}">
-        <p14:creationId xmlns:p14="http://schemas.microsoft.com/office/powerpoint/2010/main" val="1267751403"/>
       </p:ext>
     </p:extLst>
   </p:cSld>
@@ -1293,156 +1768,62 @@
           <a:bodyPr/>
           <a:lstStyle/>
           <a:p>
-            <a:pPr marL="0" marR="0" lvl="0" indent="0" algn="l" defTabSz="914400" rtl="0" eaLnBrk="1" fontAlgn="auto" latinLnBrk="0" hangingPunct="1">
-              <a:lnSpc>
-                <a:spcPct val="100000"/>
-              </a:lnSpc>
-              <a:spcBef>
-                <a:spcPts val="0"/>
-              </a:spcBef>
-              <a:spcAft>
-                <a:spcPts val="0"/>
-              </a:spcAft>
-              <a:buClrTx/>
-              <a:buSzTx/>
-              <a:buFontTx/>
-              <a:buNone/>
-              <a:tabLst/>
-              <a:defRPr/>
-            </a:pPr>
-            <a:r>
-              <a:rPr lang="en-US" sz="1800" dirty="0">
-                <a:effectLst/>
-                <a:latin typeface="Palatino Linotype" panose="02040502050505030304" pitchFamily="18" charset="0"/>
-                <a:ea typeface="Malgun Gothic" panose="020B0503020000020004" pitchFamily="34" charset="-127"/>
-                <a:cs typeface="Times New Roman" panose="02020603050405020304" pitchFamily="18" charset="0"/>
-              </a:rPr>
-              <a:t>A 2-dimensional block of numbers comprised of…</a:t>
-            </a:r>
-          </a:p>
-          <a:p>
-            <a:pPr marL="0" marR="0" lvl="0" indent="0" algn="l" defTabSz="914400" rtl="0" eaLnBrk="1" fontAlgn="auto" latinLnBrk="0" hangingPunct="1">
-              <a:lnSpc>
-                <a:spcPct val="100000"/>
-              </a:lnSpc>
-              <a:spcBef>
-                <a:spcPts val="0"/>
-              </a:spcBef>
-              <a:spcAft>
-                <a:spcPts val="0"/>
-              </a:spcAft>
-              <a:buClrTx/>
-              <a:buSzTx/>
-              <a:buFontTx/>
-              <a:buNone/>
-              <a:tabLst/>
-              <a:defRPr/>
-            </a:pPr>
-            <a:endParaRPr lang="en-US" sz="1800" dirty="0">
-              <a:effectLst/>
-              <a:latin typeface="Palatino Linotype" panose="02040502050505030304" pitchFamily="18" charset="0"/>
-              <a:ea typeface="Malgun Gothic" panose="020B0503020000020004" pitchFamily="34" charset="-127"/>
-              <a:cs typeface="Times New Roman" panose="02020603050405020304" pitchFamily="18" charset="0"/>
+            <a:r>
+              <a:rPr lang="en-US" dirty="0">
+                <a:latin typeface="+mn-lt"/>
+              </a:rPr>
+              <a:t>So, how does a CNN like the Teachable Machine classify images?  Keep in mind that computers only understand numbers.  At the end of the vision notebook, we saw how a function could detect the presence or absence of a stripe, just by multiplying two matrices.</a:t>
+            </a:r>
+          </a:p>
+          <a:p>
+            <a:endParaRPr lang="en-US" dirty="0">
+              <a:latin typeface="+mn-lt"/>
             </a:endParaRPr>
           </a:p>
           <a:p>
-            <a:pPr marL="342900" marR="0" lvl="0" indent="-342900" algn="l" defTabSz="914400" rtl="0" eaLnBrk="1" fontAlgn="auto" latinLnBrk="0" hangingPunct="1">
-              <a:lnSpc>
-                <a:spcPct val="100000"/>
-              </a:lnSpc>
-              <a:spcBef>
-                <a:spcPts val="0"/>
-              </a:spcBef>
-              <a:spcAft>
-                <a:spcPts val="0"/>
-              </a:spcAft>
-              <a:buClrTx/>
-              <a:buSzTx/>
-              <a:buFontTx/>
-              <a:buAutoNum type="arabicPeriod"/>
-              <a:tabLst/>
-              <a:defRPr/>
-            </a:pPr>
-            <a:r>
-              <a:rPr lang="en-US" sz="1800" dirty="0">
-                <a:effectLst/>
-                <a:latin typeface="Palatino Linotype" panose="02040502050505030304" pitchFamily="18" charset="0"/>
-                <a:ea typeface="Malgun Gothic" panose="020B0503020000020004" pitchFamily="34" charset="-127"/>
-                <a:cs typeface="Times New Roman" panose="02020603050405020304" pitchFamily="18" charset="0"/>
-              </a:rPr>
-              <a:t>Rows</a:t>
-            </a:r>
-          </a:p>
-          <a:p>
-            <a:pPr marL="342900" marR="0" lvl="0" indent="-342900" algn="l" defTabSz="914400" rtl="0" eaLnBrk="1" fontAlgn="auto" latinLnBrk="0" hangingPunct="1">
-              <a:lnSpc>
-                <a:spcPct val="100000"/>
-              </a:lnSpc>
-              <a:spcBef>
-                <a:spcPts val="0"/>
-              </a:spcBef>
-              <a:spcAft>
-                <a:spcPts val="0"/>
-              </a:spcAft>
-              <a:buClrTx/>
-              <a:buSzTx/>
-              <a:buFontTx/>
-              <a:buAutoNum type="arabicPeriod"/>
-              <a:tabLst/>
-              <a:defRPr/>
-            </a:pPr>
-            <a:r>
-              <a:rPr lang="en-US" sz="1800" dirty="0">
-                <a:effectLst/>
-                <a:latin typeface="Palatino Linotype" panose="02040502050505030304" pitchFamily="18" charset="0"/>
-                <a:ea typeface="Malgun Gothic" panose="020B0503020000020004" pitchFamily="34" charset="-127"/>
-                <a:cs typeface="Times New Roman" panose="02020603050405020304" pitchFamily="18" charset="0"/>
-              </a:rPr>
-              <a:t>And blocks is a </a:t>
-            </a:r>
-            <a:r>
-              <a:rPr lang="en-US" sz="1800" b="1" dirty="0">
-                <a:effectLst/>
-                <a:latin typeface="Palatino Linotype" panose="02040502050505030304" pitchFamily="18" charset="0"/>
-                <a:ea typeface="Malgun Gothic" panose="020B0503020000020004" pitchFamily="34" charset="-127"/>
-                <a:cs typeface="Times New Roman" panose="02020603050405020304" pitchFamily="18" charset="0"/>
-              </a:rPr>
-              <a:t>matrix</a:t>
-            </a:r>
-            <a:r>
-              <a:rPr lang="en-US" sz="1800" dirty="0">
-                <a:effectLst/>
-                <a:latin typeface="Palatino Linotype" panose="02040502050505030304" pitchFamily="18" charset="0"/>
-                <a:ea typeface="Malgun Gothic" panose="020B0503020000020004" pitchFamily="34" charset="-127"/>
-                <a:cs typeface="Times New Roman" panose="02020603050405020304" pitchFamily="18" charset="0"/>
+            <a:r>
+              <a:rPr lang="en-US" dirty="0">
+                <a:latin typeface="+mn-lt"/>
+              </a:rPr>
+              <a:t>In AI, we use special words to describe the different ways numbers are combined.  These combinations assume shapes and those shapes have names.  Thus, we need to introduce some data vocabulary.  Note: data vocabulary is foundational and used extensively in machine learning and deep learning.</a:t>
+            </a:r>
+          </a:p>
+          <a:p>
+            <a:endParaRPr lang="en-US" dirty="0">
+              <a:latin typeface="+mn-lt"/>
+            </a:endParaRPr>
+          </a:p>
+          <a:p>
+            <a:r>
+              <a:rPr lang="en-US" dirty="0">
+                <a:latin typeface="+mn-lt"/>
+              </a:rPr>
+              <a:t>A single number is </a:t>
+            </a:r>
+            <a:r>
+              <a:rPr lang="en-US" b="1" dirty="0">
+                <a:latin typeface="+mn-lt"/>
+              </a:rPr>
+              <a:t>atomic</a:t>
+            </a:r>
+            <a:r>
+              <a:rPr lang="en-US" dirty="0">
+                <a:latin typeface="+mn-lt"/>
+              </a:rPr>
+              <a:t>.  A series of numbers in a single row is a </a:t>
+            </a:r>
+            <a:r>
+              <a:rPr lang="en-US" b="1" dirty="0">
+                <a:latin typeface="+mn-lt"/>
+              </a:rPr>
+              <a:t>vector</a:t>
+            </a:r>
+            <a:r>
+              <a:rPr lang="en-US" dirty="0">
+                <a:latin typeface="+mn-lt"/>
               </a:rPr>
               <a:t>.</a:t>
             </a:r>
-          </a:p>
-          <a:p>
-            <a:pPr marL="0" marR="0" lvl="0" indent="0" algn="l" defTabSz="914400" rtl="0" eaLnBrk="1" fontAlgn="auto" latinLnBrk="0" hangingPunct="1">
-              <a:lnSpc>
-                <a:spcPct val="100000"/>
-              </a:lnSpc>
-              <a:spcBef>
-                <a:spcPts val="0"/>
-              </a:spcBef>
-              <a:spcAft>
-                <a:spcPts val="0"/>
-              </a:spcAft>
-              <a:buClrTx/>
-              <a:buSzTx/>
-              <a:buFontTx/>
-              <a:buNone/>
-              <a:tabLst/>
-              <a:defRPr/>
-            </a:pPr>
-            <a:endParaRPr lang="en-US" sz="1800" dirty="0">
-              <a:effectLst/>
-              <a:latin typeface="Palatino Linotype" panose="02040502050505030304" pitchFamily="18" charset="0"/>
-              <a:ea typeface="Malgun Gothic" panose="020B0503020000020004" pitchFamily="34" charset="-127"/>
-              <a:cs typeface="Times New Roman" panose="02020603050405020304" pitchFamily="18" charset="0"/>
-            </a:endParaRPr>
           </a:p>
           <a:p>
             <a:endParaRPr lang="en-US" dirty="0">
@@ -1471,7 +1852,7 @@
           <a:p>
             <a:fld id="{3148858F-F1DB-4027-9C85-CCA6849540DD}" type="slidenum">
               <a:rPr lang="en-US" smtClean="0"/>
-              <a:t>15</a:t>
+              <a:t>14</a:t>
             </a:fld>
             <a:endParaRPr lang="en-US"/>
           </a:p>
@@ -1480,7 +1861,7 @@
     </p:spTree>
     <p:extLst>
       <p:ext uri="{BB962C8B-B14F-4D97-AF65-F5344CB8AC3E}">
-        <p14:creationId xmlns:p14="http://schemas.microsoft.com/office/powerpoint/2010/main" val="2933283484"/>
+        <p14:creationId xmlns:p14="http://schemas.microsoft.com/office/powerpoint/2010/main" val="1267751403"/>
       </p:ext>
     </p:extLst>
   </p:cSld>
@@ -1552,32 +1933,137 @@
               <a:defRPr/>
             </a:pPr>
             <a:r>
-              <a:rPr lang="en-US" dirty="0">
-                <a:latin typeface="+mn-lt"/>
-              </a:rPr>
-              <a:t>We can “stack” matrices and the # in the stack (the dimensions) is the tensor’s </a:t>
-            </a:r>
-            <a:r>
-              <a:rPr lang="en-US" b="1" dirty="0">
-                <a:latin typeface="+mn-lt"/>
-              </a:rPr>
-              <a:t>rank</a:t>
-            </a:r>
-            <a:r>
-              <a:rPr lang="en-US" dirty="0">
-                <a:latin typeface="+mn-lt"/>
+              <a:rPr lang="en-US" sz="1800" dirty="0">
+                <a:effectLst/>
+                <a:latin typeface="Palatino Linotype" panose="02040502050505030304" pitchFamily="18" charset="0"/>
+                <a:ea typeface="Malgun Gothic" panose="020B0503020000020004" pitchFamily="34" charset="-127"/>
+                <a:cs typeface="Times New Roman" panose="02020603050405020304" pitchFamily="18" charset="0"/>
+              </a:rPr>
+              <a:t>A 2-dimensional block of numbers comprised of…</a:t>
+            </a:r>
+          </a:p>
+          <a:p>
+            <a:pPr marL="0" marR="0" lvl="0" indent="0" algn="l" defTabSz="914400" rtl="0" eaLnBrk="1" fontAlgn="auto" latinLnBrk="0" hangingPunct="1">
+              <a:lnSpc>
+                <a:spcPct val="100000"/>
+              </a:lnSpc>
+              <a:spcBef>
+                <a:spcPts val="0"/>
+              </a:spcBef>
+              <a:spcAft>
+                <a:spcPts val="0"/>
+              </a:spcAft>
+              <a:buClrTx/>
+              <a:buSzTx/>
+              <a:buFontTx/>
+              <a:buNone/>
+              <a:tabLst/>
+              <a:defRPr/>
+            </a:pPr>
+            <a:endParaRPr lang="en-US" sz="1800" dirty="0">
+              <a:effectLst/>
+              <a:latin typeface="Palatino Linotype" panose="02040502050505030304" pitchFamily="18" charset="0"/>
+              <a:ea typeface="Malgun Gothic" panose="020B0503020000020004" pitchFamily="34" charset="-127"/>
+              <a:cs typeface="Times New Roman" panose="02020603050405020304" pitchFamily="18" charset="0"/>
+            </a:endParaRPr>
+          </a:p>
+          <a:p>
+            <a:pPr marL="342900" marR="0" lvl="0" indent="-342900" algn="l" defTabSz="914400" rtl="0" eaLnBrk="1" fontAlgn="auto" latinLnBrk="0" hangingPunct="1">
+              <a:lnSpc>
+                <a:spcPct val="100000"/>
+              </a:lnSpc>
+              <a:spcBef>
+                <a:spcPts val="0"/>
+              </a:spcBef>
+              <a:spcAft>
+                <a:spcPts val="0"/>
+              </a:spcAft>
+              <a:buClrTx/>
+              <a:buSzTx/>
+              <a:buFontTx/>
+              <a:buAutoNum type="arabicPeriod"/>
+              <a:tabLst/>
+              <a:defRPr/>
+            </a:pPr>
+            <a:r>
+              <a:rPr lang="en-US" sz="1800" dirty="0">
+                <a:effectLst/>
+                <a:latin typeface="Palatino Linotype" panose="02040502050505030304" pitchFamily="18" charset="0"/>
+                <a:ea typeface="Malgun Gothic" panose="020B0503020000020004" pitchFamily="34" charset="-127"/>
+                <a:cs typeface="Times New Roman" panose="02020603050405020304" pitchFamily="18" charset="0"/>
+              </a:rPr>
+              <a:t>Rows</a:t>
+            </a:r>
+          </a:p>
+          <a:p>
+            <a:pPr marL="342900" marR="0" lvl="0" indent="-342900" algn="l" defTabSz="914400" rtl="0" eaLnBrk="1" fontAlgn="auto" latinLnBrk="0" hangingPunct="1">
+              <a:lnSpc>
+                <a:spcPct val="100000"/>
+              </a:lnSpc>
+              <a:spcBef>
+                <a:spcPts val="0"/>
+              </a:spcBef>
+              <a:spcAft>
+                <a:spcPts val="0"/>
+              </a:spcAft>
+              <a:buClrTx/>
+              <a:buSzTx/>
+              <a:buFontTx/>
+              <a:buAutoNum type="arabicPeriod"/>
+              <a:tabLst/>
+              <a:defRPr/>
+            </a:pPr>
+            <a:r>
+              <a:rPr lang="en-US" sz="1800" dirty="0">
+                <a:effectLst/>
+                <a:latin typeface="Palatino Linotype" panose="02040502050505030304" pitchFamily="18" charset="0"/>
+                <a:ea typeface="Malgun Gothic" panose="020B0503020000020004" pitchFamily="34" charset="-127"/>
+                <a:cs typeface="Times New Roman" panose="02020603050405020304" pitchFamily="18" charset="0"/>
+              </a:rPr>
+              <a:t>And blocks is a </a:t>
+            </a:r>
+            <a:r>
+              <a:rPr lang="en-US" sz="1800" b="1" dirty="0">
+                <a:effectLst/>
+                <a:latin typeface="Palatino Linotype" panose="02040502050505030304" pitchFamily="18" charset="0"/>
+                <a:ea typeface="Malgun Gothic" panose="020B0503020000020004" pitchFamily="34" charset="-127"/>
+                <a:cs typeface="Times New Roman" panose="02020603050405020304" pitchFamily="18" charset="0"/>
+              </a:rPr>
+              <a:t>matrix</a:t>
+            </a:r>
+            <a:r>
+              <a:rPr lang="en-US" sz="1800" dirty="0">
+                <a:effectLst/>
+                <a:latin typeface="Palatino Linotype" panose="02040502050505030304" pitchFamily="18" charset="0"/>
+                <a:ea typeface="Malgun Gothic" panose="020B0503020000020004" pitchFamily="34" charset="-127"/>
+                <a:cs typeface="Times New Roman" panose="02020603050405020304" pitchFamily="18" charset="0"/>
               </a:rPr>
               <a:t>.</a:t>
             </a:r>
           </a:p>
           <a:p>
-            <a:endParaRPr lang="en-US" dirty="0">
-              <a:latin typeface="+mn-lt"/>
-            </a:endParaRPr>
-          </a:p>
-          <a:p>
-            <a:endParaRPr lang="en-US" dirty="0">
-              <a:latin typeface="+mn-lt"/>
+            <a:pPr marL="0" marR="0" lvl="0" indent="0" algn="l" defTabSz="914400" rtl="0" eaLnBrk="1" fontAlgn="auto" latinLnBrk="0" hangingPunct="1">
+              <a:lnSpc>
+                <a:spcPct val="100000"/>
+              </a:lnSpc>
+              <a:spcBef>
+                <a:spcPts val="0"/>
+              </a:spcBef>
+              <a:spcAft>
+                <a:spcPts val="0"/>
+              </a:spcAft>
+              <a:buClrTx/>
+              <a:buSzTx/>
+              <a:buFontTx/>
+              <a:buNone/>
+              <a:tabLst/>
+              <a:defRPr/>
+            </a:pPr>
+            <a:endParaRPr lang="en-US" sz="1800" dirty="0">
+              <a:effectLst/>
+              <a:latin typeface="Palatino Linotype" panose="02040502050505030304" pitchFamily="18" charset="0"/>
+              <a:ea typeface="Malgun Gothic" panose="020B0503020000020004" pitchFamily="34" charset="-127"/>
+              <a:cs typeface="Times New Roman" panose="02020603050405020304" pitchFamily="18" charset="0"/>
             </a:endParaRPr>
           </a:p>
           <a:p>
@@ -1607,7 +2093,7 @@
           <a:p>
             <a:fld id="{3148858F-F1DB-4027-9C85-CCA6849540DD}" type="slidenum">
               <a:rPr lang="en-US" smtClean="0"/>
-              <a:t>16</a:t>
+              <a:t>15</a:t>
             </a:fld>
             <a:endParaRPr lang="en-US"/>
           </a:p>
@@ -1616,7 +2102,7 @@
     </p:spTree>
     <p:extLst>
       <p:ext uri="{BB962C8B-B14F-4D97-AF65-F5344CB8AC3E}">
-        <p14:creationId xmlns:p14="http://schemas.microsoft.com/office/powerpoint/2010/main" val="3603754797"/>
+        <p14:creationId xmlns:p14="http://schemas.microsoft.com/office/powerpoint/2010/main" val="2933283484"/>
       </p:ext>
     </p:extLst>
   </p:cSld>
@@ -1670,201 +2156,6 @@
           <a:bodyPr/>
           <a:lstStyle/>
           <a:p>
-            <a:pPr marL="0" indent="0">
-              <a:buNone/>
-            </a:pPr>
-            <a:r>
-              <a:rPr lang="en-US" dirty="0">
-                <a:latin typeface="+mn-lt"/>
-              </a:rPr>
-              <a:t>Let’s summarize what we just learned in the last three slides…</a:t>
-            </a:r>
-          </a:p>
-          <a:p>
-            <a:pPr marL="0" indent="0">
-              <a:buNone/>
-            </a:pPr>
-            <a:endParaRPr lang="en-US" dirty="0">
-              <a:latin typeface="+mn-lt"/>
-            </a:endParaRPr>
-          </a:p>
-          <a:p>
-            <a:pPr marL="228600" indent="-228600">
-              <a:buAutoNum type="arabicPeriod"/>
-            </a:pPr>
-            <a:r>
-              <a:rPr lang="en-US" dirty="0">
-                <a:latin typeface="+mn-lt"/>
-              </a:rPr>
-              <a:t>A </a:t>
-            </a:r>
-            <a:r>
-              <a:rPr lang="en-US" b="1" dirty="0">
-                <a:latin typeface="+mn-lt"/>
-              </a:rPr>
-              <a:t>tensor</a:t>
-            </a:r>
-            <a:r>
-              <a:rPr lang="en-US" dirty="0">
-                <a:latin typeface="+mn-lt"/>
-              </a:rPr>
-              <a:t> is a data structure.  It’s a block of numbers with a given number of dimensions and a size in each dimension. A tensor has no holes and no bits sticking out.  A tensor’s shape is determined by the number of dimensions and the size of each dimension. </a:t>
-            </a:r>
-            <a:endParaRPr lang="en-US" b="0" dirty="0">
-              <a:latin typeface="+mn-lt"/>
-            </a:endParaRPr>
-          </a:p>
-          <a:p>
-            <a:pPr marL="228600" lvl="0" indent="-228600">
-              <a:buAutoNum type="arabicPeriod"/>
-            </a:pPr>
-            <a:r>
-              <a:rPr lang="en-US" b="0" dirty="0">
-                <a:latin typeface="+mn-lt"/>
-              </a:rPr>
-              <a:t>A tensor’s shape is a determinant feature.</a:t>
-            </a:r>
-          </a:p>
-          <a:p>
-            <a:pPr marL="685800" lvl="1" indent="-228600">
-              <a:buAutoNum type="arabicPeriod"/>
-            </a:pPr>
-            <a:r>
-              <a:rPr lang="en-US" b="0" dirty="0">
-                <a:latin typeface="+mn-lt"/>
-              </a:rPr>
-              <a:t>A single number is </a:t>
-            </a:r>
-            <a:r>
-              <a:rPr lang="en-US" b="1" dirty="0">
-                <a:latin typeface="+mn-lt"/>
-              </a:rPr>
-              <a:t>atomic</a:t>
-            </a:r>
-            <a:r>
-              <a:rPr lang="en-US" b="0" dirty="0">
-                <a:latin typeface="+mn-lt"/>
-              </a:rPr>
-              <a:t>.</a:t>
-            </a:r>
-          </a:p>
-          <a:p>
-            <a:pPr marL="685800" lvl="1" indent="-228600">
-              <a:buAutoNum type="arabicPeriod"/>
-            </a:pPr>
-            <a:r>
-              <a:rPr lang="en-US" dirty="0">
-                <a:latin typeface="+mn-lt"/>
-              </a:rPr>
-              <a:t>A row of numbers is a </a:t>
-            </a:r>
-            <a:r>
-              <a:rPr lang="en-US" b="1" dirty="0">
-                <a:latin typeface="+mn-lt"/>
-              </a:rPr>
-              <a:t>vector</a:t>
-            </a:r>
-            <a:r>
-              <a:rPr lang="en-US" dirty="0">
-                <a:latin typeface="+mn-lt"/>
-              </a:rPr>
-              <a:t>.  (Rank 1 Tensor)</a:t>
-            </a:r>
-          </a:p>
-          <a:p>
-            <a:pPr marL="685800" lvl="1" indent="-228600">
-              <a:buAutoNum type="arabicPeriod"/>
-            </a:pPr>
-            <a:r>
-              <a:rPr lang="en-US" dirty="0">
-                <a:latin typeface="+mn-lt"/>
-              </a:rPr>
-              <a:t>A set of numbers arranged in rows and columns is a </a:t>
-            </a:r>
-            <a:r>
-              <a:rPr lang="en-US" b="1" dirty="0">
-                <a:latin typeface="+mn-lt"/>
-              </a:rPr>
-              <a:t>matrix</a:t>
-            </a:r>
-            <a:r>
-              <a:rPr lang="en-US" dirty="0">
-                <a:latin typeface="+mn-lt"/>
-              </a:rPr>
-              <a:t>. (Rank 2 Tensor)</a:t>
-            </a:r>
-          </a:p>
-          <a:p>
-            <a:pPr marL="685800" lvl="1" indent="-228600">
-              <a:buAutoNum type="arabicPeriod"/>
-            </a:pPr>
-            <a:r>
-              <a:rPr lang="en-US" dirty="0">
-                <a:latin typeface="+mn-lt"/>
-              </a:rPr>
-              <a:t>A 3-dimensional object filled with numbers is a </a:t>
-            </a:r>
-            <a:r>
-              <a:rPr lang="en-US" b="1" dirty="0">
-                <a:latin typeface="+mn-lt"/>
-              </a:rPr>
-              <a:t>block</a:t>
-            </a:r>
-            <a:r>
-              <a:rPr lang="en-US" dirty="0">
-                <a:latin typeface="+mn-lt"/>
-              </a:rPr>
-              <a:t> / </a:t>
-            </a:r>
-            <a:r>
-              <a:rPr lang="en-US" b="1" dirty="0">
-                <a:latin typeface="+mn-lt"/>
-              </a:rPr>
-              <a:t>volume</a:t>
-            </a:r>
-            <a:r>
-              <a:rPr lang="en-US" dirty="0">
-                <a:latin typeface="+mn-lt"/>
-              </a:rPr>
-              <a:t>. (Rank 3 Tensor)</a:t>
-            </a:r>
-          </a:p>
-          <a:p>
-            <a:pPr marL="685800" lvl="1" indent="-228600">
-              <a:buAutoNum type="arabicPeriod"/>
-            </a:pPr>
-            <a:r>
-              <a:rPr lang="en-US" b="0" dirty="0">
-                <a:latin typeface="+mn-lt"/>
-              </a:rPr>
-              <a:t>And finally, a</a:t>
-            </a:r>
-            <a:r>
-              <a:rPr lang="en-US" b="1" dirty="0">
-                <a:latin typeface="+mn-lt"/>
-              </a:rPr>
-              <a:t> tensor</a:t>
-            </a:r>
-            <a:r>
-              <a:rPr lang="en-US" dirty="0">
-                <a:latin typeface="+mn-lt"/>
-              </a:rPr>
-              <a:t> is a generic word we use for any collection of numbers arranged in a box shape with any number of dimensions.  Each dimension is called a </a:t>
-            </a:r>
-            <a:r>
-              <a:rPr lang="en-US" b="1" dirty="0">
-                <a:latin typeface="+mn-lt"/>
-              </a:rPr>
-              <a:t>rank</a:t>
-            </a:r>
-            <a:r>
-              <a:rPr lang="en-US" dirty="0">
-                <a:latin typeface="+mn-lt"/>
-              </a:rPr>
-              <a:t>.</a:t>
-            </a:r>
-          </a:p>
-          <a:p>
             <a:pPr marL="0" marR="0" lvl="0" indent="0" algn="l" defTabSz="914400" rtl="0" eaLnBrk="1" fontAlgn="auto" latinLnBrk="0" hangingPunct="1">
               <a:lnSpc>
                 <a:spcPct val="100000"/>
@@ -1882,117 +2173,23 @@
               <a:tabLst/>
               <a:defRPr/>
             </a:pPr>
-            <a:endParaRPr lang="en-US" dirty="0">
-              <a:latin typeface="+mn-lt"/>
-            </a:endParaRPr>
-          </a:p>
-          <a:p>
-            <a:pPr marL="0" marR="0" lvl="0" indent="0" algn="l" defTabSz="914400" rtl="0" eaLnBrk="1" fontAlgn="auto" latinLnBrk="0" hangingPunct="1">
-              <a:lnSpc>
-                <a:spcPct val="100000"/>
-              </a:lnSpc>
-              <a:spcBef>
-                <a:spcPts val="0"/>
-              </a:spcBef>
-              <a:spcAft>
-                <a:spcPts val="0"/>
-              </a:spcAft>
-              <a:buClrTx/>
-              <a:buSzTx/>
-              <a:buFontTx/>
-              <a:buNone/>
-              <a:tabLst/>
-              <a:defRPr/>
-            </a:pPr>
             <a:r>
               <a:rPr lang="en-US" dirty="0">
                 <a:latin typeface="+mn-lt"/>
               </a:rPr>
-              <a:t>=====</a:t>
-            </a:r>
-          </a:p>
-          <a:p>
+              <a:t>We can “stack” matrices and the # in the stack (the dimensions) is the tensor’s </a:t>
+            </a:r>
+            <a:r>
+              <a:rPr lang="en-US" b="1" dirty="0">
+                <a:latin typeface="+mn-lt"/>
+              </a:rPr>
+              <a:t>rank</a:t>
+            </a:r>
             <a:r>
               <a:rPr lang="en-US" dirty="0">
                 <a:latin typeface="+mn-lt"/>
               </a:rPr>
-              <a:t>So, how does a CNN like the Teachable Machine process images?  Keep in mind that computers only understand numbers.  Our starting point is a data structure called a </a:t>
-            </a:r>
-            <a:r>
-              <a:rPr lang="en-US" b="1" dirty="0">
-                <a:latin typeface="+mn-lt"/>
-              </a:rPr>
-              <a:t>tensor</a:t>
-            </a:r>
-            <a:r>
-              <a:rPr lang="en-US" dirty="0">
-                <a:latin typeface="+mn-lt"/>
-              </a:rPr>
-              <a:t>.  </a:t>
-            </a:r>
-          </a:p>
-          <a:p>
-            <a:endParaRPr lang="en-US" dirty="0">
-              <a:latin typeface="+mn-lt"/>
-            </a:endParaRPr>
-          </a:p>
-          <a:p>
-            <a:r>
-              <a:rPr lang="en-US" dirty="0">
-                <a:latin typeface="+mn-lt"/>
-              </a:rPr>
-              <a:t>In our Deep Learning Foundations workshop sequence, we learned that a neural network is built from a sequence of layers. And though the output of any neuron is a single number, we often want to talk about the output of an entire layer at once. The key idea that characterizes this collection of output numbers is its shape. If the layer contains a single neuron, the layer’s output is just a single number.</a:t>
-            </a:r>
-          </a:p>
-          <a:p>
-            <a:endParaRPr lang="en-US" dirty="0">
-              <a:latin typeface="+mn-lt"/>
-            </a:endParaRPr>
-          </a:p>
-          <a:p>
-            <a:r>
-              <a:rPr lang="en-US" dirty="0">
-                <a:latin typeface="+mn-lt"/>
-              </a:rPr>
-              <a:t>If we have multiple neurons in a layer, then we can describe their collective output as a list, otherwise known as a one-dimensional (1D) array.  Image (A) above shows such an array containing 12 elements.  We frequently organize our data into other box-like shapes. For instance, if the input to our system is a black and white image, it can be represented as a 2D array, as pictured in (B). And if it’s a color image, then it can be represented as a 3D array, as shown in (C). </a:t>
-            </a:r>
-          </a:p>
-          <a:p>
-            <a:endParaRPr lang="en-US" dirty="0">
-              <a:latin typeface="+mn-lt"/>
-            </a:endParaRPr>
-          </a:p>
-          <a:p>
-            <a:r>
-              <a:rPr lang="en-US" dirty="0">
-                <a:latin typeface="+mn-lt"/>
-              </a:rPr>
-              <a:t>We frequently call a 1D shape an array, list, or vector. To describe a 2D shape we often use the terms grid or matrix, and we can describe a 3D shape as a volume or block. We often use arrays with even more dimensions.  But rather than create a mountain of new terms, we use a single term for any collection of numbers arranged in a box shape with any number of dimensions: a </a:t>
-            </a:r>
-            <a:r>
-              <a:rPr lang="en-US" b="1" dirty="0">
-                <a:latin typeface="+mn-lt"/>
-              </a:rPr>
-              <a:t>tensor</a:t>
-            </a:r>
-            <a:r>
-              <a:rPr lang="en-US" dirty="0">
-                <a:latin typeface="+mn-lt"/>
-              </a:rPr>
-              <a:t> (pronounced ten′-sir).</a:t>
-            </a:r>
-          </a:p>
-          <a:p>
-            <a:endParaRPr lang="en-US" dirty="0">
-              <a:latin typeface="+mn-lt"/>
-            </a:endParaRPr>
-          </a:p>
-          <a:p>
-            <a:r>
-              <a:rPr lang="en-US" dirty="0">
-                <a:latin typeface="+mn-lt"/>
-              </a:rPr>
-              <a:t>A tensor is merely a block of numbers with a given number of dimensions and a size in each dimension. It has no holes and no bits sticking out. The term tensor has a more complex meaning in some fields of math and physics, but in machine learning, we use this word to mean a collection of numbers organized into a multidimensional block. Taken together, the number of dimensions and the size in each dimension provide the shape of the tensor.</a:t>
+              <a:t>.</a:t>
             </a:r>
           </a:p>
           <a:p>
@@ -2032,7 +2229,7 @@
           <a:p>
             <a:fld id="{3148858F-F1DB-4027-9C85-CCA6849540DD}" type="slidenum">
               <a:rPr lang="en-US" smtClean="0"/>
-              <a:t>17</a:t>
+              <a:t>16</a:t>
             </a:fld>
             <a:endParaRPr lang="en-US"/>
           </a:p>
@@ -2041,7 +2238,7 @@
     </p:spTree>
     <p:extLst>
       <p:ext uri="{BB962C8B-B14F-4D97-AF65-F5344CB8AC3E}">
-        <p14:creationId xmlns:p14="http://schemas.microsoft.com/office/powerpoint/2010/main" val="1267751403"/>
+        <p14:creationId xmlns:p14="http://schemas.microsoft.com/office/powerpoint/2010/main" val="3603754797"/>
       </p:ext>
     </p:extLst>
   </p:cSld>
@@ -2095,6 +2292,201 @@
           <a:bodyPr/>
           <a:lstStyle/>
           <a:p>
+            <a:pPr marL="0" indent="0">
+              <a:buNone/>
+            </a:pPr>
+            <a:r>
+              <a:rPr lang="en-US" dirty="0">
+                <a:latin typeface="+mn-lt"/>
+              </a:rPr>
+              <a:t>Let’s summarize what we just learned in the last three slides…</a:t>
+            </a:r>
+          </a:p>
+          <a:p>
+            <a:pPr marL="0" indent="0">
+              <a:buNone/>
+            </a:pPr>
+            <a:endParaRPr lang="en-US" dirty="0">
+              <a:latin typeface="+mn-lt"/>
+            </a:endParaRPr>
+          </a:p>
+          <a:p>
+            <a:pPr marL="228600" indent="-228600">
+              <a:buAutoNum type="arabicPeriod"/>
+            </a:pPr>
+            <a:r>
+              <a:rPr lang="en-US" dirty="0">
+                <a:latin typeface="+mn-lt"/>
+              </a:rPr>
+              <a:t>A </a:t>
+            </a:r>
+            <a:r>
+              <a:rPr lang="en-US" b="1" dirty="0">
+                <a:latin typeface="+mn-lt"/>
+              </a:rPr>
+              <a:t>tensor</a:t>
+            </a:r>
+            <a:r>
+              <a:rPr lang="en-US" dirty="0">
+                <a:latin typeface="+mn-lt"/>
+              </a:rPr>
+              <a:t> is a data structure.  It’s a block of numbers with a given number of dimensions and a size in each dimension. A tensor has no holes and no bits sticking out.  A tensor’s shape is determined by the number of dimensions and the size of each dimension. </a:t>
+            </a:r>
+            <a:endParaRPr lang="en-US" b="0" dirty="0">
+              <a:latin typeface="+mn-lt"/>
+            </a:endParaRPr>
+          </a:p>
+          <a:p>
+            <a:pPr marL="228600" lvl="0" indent="-228600">
+              <a:buAutoNum type="arabicPeriod"/>
+            </a:pPr>
+            <a:r>
+              <a:rPr lang="en-US" b="0" dirty="0">
+                <a:latin typeface="+mn-lt"/>
+              </a:rPr>
+              <a:t>A tensor’s shape is a determinant feature.</a:t>
+            </a:r>
+          </a:p>
+          <a:p>
+            <a:pPr marL="685800" lvl="1" indent="-228600">
+              <a:buAutoNum type="arabicPeriod"/>
+            </a:pPr>
+            <a:r>
+              <a:rPr lang="en-US" b="0" dirty="0">
+                <a:latin typeface="+mn-lt"/>
+              </a:rPr>
+              <a:t>A single number is </a:t>
+            </a:r>
+            <a:r>
+              <a:rPr lang="en-US" b="1" dirty="0">
+                <a:latin typeface="+mn-lt"/>
+              </a:rPr>
+              <a:t>atomic</a:t>
+            </a:r>
+            <a:r>
+              <a:rPr lang="en-US" b="0" dirty="0">
+                <a:latin typeface="+mn-lt"/>
+              </a:rPr>
+              <a:t>.</a:t>
+            </a:r>
+          </a:p>
+          <a:p>
+            <a:pPr marL="685800" lvl="1" indent="-228600">
+              <a:buAutoNum type="arabicPeriod"/>
+            </a:pPr>
+            <a:r>
+              <a:rPr lang="en-US" dirty="0">
+                <a:latin typeface="+mn-lt"/>
+              </a:rPr>
+              <a:t>A row of numbers is a </a:t>
+            </a:r>
+            <a:r>
+              <a:rPr lang="en-US" b="1" dirty="0">
+                <a:latin typeface="+mn-lt"/>
+              </a:rPr>
+              <a:t>vector</a:t>
+            </a:r>
+            <a:r>
+              <a:rPr lang="en-US" dirty="0">
+                <a:latin typeface="+mn-lt"/>
+              </a:rPr>
+              <a:t>.  (Rank 1 Tensor)</a:t>
+            </a:r>
+          </a:p>
+          <a:p>
+            <a:pPr marL="685800" lvl="1" indent="-228600">
+              <a:buAutoNum type="arabicPeriod"/>
+            </a:pPr>
+            <a:r>
+              <a:rPr lang="en-US" dirty="0">
+                <a:latin typeface="+mn-lt"/>
+              </a:rPr>
+              <a:t>A set of numbers arranged in rows and columns is a </a:t>
+            </a:r>
+            <a:r>
+              <a:rPr lang="en-US" b="1" dirty="0">
+                <a:latin typeface="+mn-lt"/>
+              </a:rPr>
+              <a:t>matrix</a:t>
+            </a:r>
+            <a:r>
+              <a:rPr lang="en-US" dirty="0">
+                <a:latin typeface="+mn-lt"/>
+              </a:rPr>
+              <a:t>. (Rank 2 Tensor)</a:t>
+            </a:r>
+          </a:p>
+          <a:p>
+            <a:pPr marL="685800" lvl="1" indent="-228600">
+              <a:buAutoNum type="arabicPeriod"/>
+            </a:pPr>
+            <a:r>
+              <a:rPr lang="en-US" dirty="0">
+                <a:latin typeface="+mn-lt"/>
+              </a:rPr>
+              <a:t>A 3-dimensional object filled with numbers is a </a:t>
+            </a:r>
+            <a:r>
+              <a:rPr lang="en-US" b="1" dirty="0">
+                <a:latin typeface="+mn-lt"/>
+              </a:rPr>
+              <a:t>block</a:t>
+            </a:r>
+            <a:r>
+              <a:rPr lang="en-US" dirty="0">
+                <a:latin typeface="+mn-lt"/>
+              </a:rPr>
+              <a:t> / </a:t>
+            </a:r>
+            <a:r>
+              <a:rPr lang="en-US" b="1" dirty="0">
+                <a:latin typeface="+mn-lt"/>
+              </a:rPr>
+              <a:t>volume</a:t>
+            </a:r>
+            <a:r>
+              <a:rPr lang="en-US" dirty="0">
+                <a:latin typeface="+mn-lt"/>
+              </a:rPr>
+              <a:t>. (Rank 3 Tensor)</a:t>
+            </a:r>
+          </a:p>
+          <a:p>
+            <a:pPr marL="685800" lvl="1" indent="-228600">
+              <a:buAutoNum type="arabicPeriod"/>
+            </a:pPr>
+            <a:r>
+              <a:rPr lang="en-US" b="0" dirty="0">
+                <a:latin typeface="+mn-lt"/>
+              </a:rPr>
+              <a:t>And finally, a</a:t>
+            </a:r>
+            <a:r>
+              <a:rPr lang="en-US" b="1" dirty="0">
+                <a:latin typeface="+mn-lt"/>
+              </a:rPr>
+              <a:t> tensor</a:t>
+            </a:r>
+            <a:r>
+              <a:rPr lang="en-US" dirty="0">
+                <a:latin typeface="+mn-lt"/>
+              </a:rPr>
+              <a:t> is a generic word we use for any collection of numbers arranged in a box shape with any number of dimensions.  Each dimension is called a </a:t>
+            </a:r>
+            <a:r>
+              <a:rPr lang="en-US" b="1" dirty="0">
+                <a:latin typeface="+mn-lt"/>
+              </a:rPr>
+              <a:t>rank</a:t>
+            </a:r>
+            <a:r>
+              <a:rPr lang="en-US" dirty="0">
+                <a:latin typeface="+mn-lt"/>
+              </a:rPr>
+              <a:t>.</a:t>
+            </a:r>
+          </a:p>
+          <a:p>
             <a:pPr marL="0" marR="0" lvl="0" indent="0" algn="l" defTabSz="914400" rtl="0" eaLnBrk="1" fontAlgn="auto" latinLnBrk="0" hangingPunct="1">
               <a:lnSpc>
                 <a:spcPct val="100000"/>
@@ -2112,18 +2504,133 @@
               <a:tabLst/>
               <a:defRPr/>
             </a:pPr>
-            <a:r>
-              <a:rPr lang="en-US" sz="1200" dirty="0">
-                <a:solidFill>
-                  <a:schemeClr val="tx1">
-                    <a:lumMod val="65000"/>
-                    <a:lumOff val="35000"/>
-                  </a:schemeClr>
-                </a:solidFill>
-                <a:latin typeface="Palatino Linotype" panose="02040502050505030304" pitchFamily="18" charset="0"/>
-              </a:rPr>
-              <a:t>https://developers.google.com/machine-learning/glossary</a:t>
-            </a:r>
+            <a:endParaRPr lang="en-US" dirty="0">
+              <a:latin typeface="+mn-lt"/>
+            </a:endParaRPr>
+          </a:p>
+          <a:p>
+            <a:pPr marL="0" marR="0" lvl="0" indent="0" algn="l" defTabSz="914400" rtl="0" eaLnBrk="1" fontAlgn="auto" latinLnBrk="0" hangingPunct="1">
+              <a:lnSpc>
+                <a:spcPct val="100000"/>
+              </a:lnSpc>
+              <a:spcBef>
+                <a:spcPts val="0"/>
+              </a:spcBef>
+              <a:spcAft>
+                <a:spcPts val="0"/>
+              </a:spcAft>
+              <a:buClrTx/>
+              <a:buSzTx/>
+              <a:buFontTx/>
+              <a:buNone/>
+              <a:tabLst/>
+              <a:defRPr/>
+            </a:pPr>
+            <a:r>
+              <a:rPr lang="en-US" dirty="0">
+                <a:latin typeface="+mn-lt"/>
+              </a:rPr>
+              <a:t>=====</a:t>
+            </a:r>
+          </a:p>
+          <a:p>
+            <a:r>
+              <a:rPr lang="en-US" dirty="0">
+                <a:latin typeface="+mn-lt"/>
+              </a:rPr>
+              <a:t>So, how does a CNN like the Teachable Machine process images?  Keep in mind that computers only understand numbers.  Our starting point is a data structure called a </a:t>
+            </a:r>
+            <a:r>
+              <a:rPr lang="en-US" b="1" dirty="0">
+                <a:latin typeface="+mn-lt"/>
+              </a:rPr>
+              <a:t>tensor</a:t>
+            </a:r>
+            <a:r>
+              <a:rPr lang="en-US" dirty="0">
+                <a:latin typeface="+mn-lt"/>
+              </a:rPr>
+              <a:t>.  </a:t>
+            </a:r>
+          </a:p>
+          <a:p>
+            <a:endParaRPr lang="en-US" dirty="0">
+              <a:latin typeface="+mn-lt"/>
+            </a:endParaRPr>
+          </a:p>
+          <a:p>
+            <a:r>
+              <a:rPr lang="en-US" dirty="0">
+                <a:latin typeface="+mn-lt"/>
+              </a:rPr>
+              <a:t>In our Deep Learning Foundations workshop sequence, we learned that a neural network is built from a sequence of layers. And though the output of any neuron is a single number, we often want to talk about the output of an entire layer at once. The key idea that characterizes this collection of output numbers is its shape. If the layer contains a single neuron, the layer’s output is just a single number.</a:t>
+            </a:r>
+          </a:p>
+          <a:p>
+            <a:endParaRPr lang="en-US" dirty="0">
+              <a:latin typeface="+mn-lt"/>
+            </a:endParaRPr>
+          </a:p>
+          <a:p>
+            <a:r>
+              <a:rPr lang="en-US" dirty="0">
+                <a:latin typeface="+mn-lt"/>
+              </a:rPr>
+              <a:t>If we have multiple neurons in a layer, then we can describe their collective output as a list, otherwise known as a one-dimensional (1D) array.  Image (A) above shows such an array containing 12 elements.  We frequently organize our data into other box-like shapes. For instance, if the input to our system is a black and white image, it can be represented as a 2D array, as pictured in (B). And if it’s a color image, then it can be represented as a 3D array, as shown in (C). </a:t>
+            </a:r>
+          </a:p>
+          <a:p>
+            <a:endParaRPr lang="en-US" dirty="0">
+              <a:latin typeface="+mn-lt"/>
+            </a:endParaRPr>
+          </a:p>
+          <a:p>
+            <a:r>
+              <a:rPr lang="en-US" dirty="0">
+                <a:latin typeface="+mn-lt"/>
+              </a:rPr>
+              <a:t>We frequently call a 1D shape an array, list, or vector. To describe a 2D shape we often use the terms grid or matrix, and we can describe a 3D shape as a volume or block. We often use arrays with even more dimensions.  But rather than create a mountain of new terms, we use a single term for any collection of numbers arranged in a box shape with any number of dimensions: a </a:t>
+            </a:r>
+            <a:r>
+              <a:rPr lang="en-US" b="1" dirty="0">
+                <a:latin typeface="+mn-lt"/>
+              </a:rPr>
+              <a:t>tensor</a:t>
+            </a:r>
+            <a:r>
+              <a:rPr lang="en-US" dirty="0">
+                <a:latin typeface="+mn-lt"/>
+              </a:rPr>
+              <a:t> (pronounced ten′-sir).</a:t>
+            </a:r>
+          </a:p>
+          <a:p>
+            <a:endParaRPr lang="en-US" dirty="0">
+              <a:latin typeface="+mn-lt"/>
+            </a:endParaRPr>
+          </a:p>
+          <a:p>
+            <a:r>
+              <a:rPr lang="en-US" dirty="0">
+                <a:latin typeface="+mn-lt"/>
+              </a:rPr>
+              <a:t>A tensor is merely a block of numbers with a given number of dimensions and a size in each dimension. It has no holes and no bits sticking out. The term tensor has a more complex meaning in some fields of math and physics, but in machine learning, we use this word to mean a collection of numbers organized into a multidimensional block. Taken together, the number of dimensions and the size in each dimension provide the shape of the tensor.</a:t>
+            </a:r>
+          </a:p>
+          <a:p>
+            <a:endParaRPr lang="en-US" dirty="0">
+              <a:latin typeface="+mn-lt"/>
+            </a:endParaRPr>
+          </a:p>
+          <a:p>
+            <a:endParaRPr lang="en-US" dirty="0">
+              <a:latin typeface="+mn-lt"/>
+            </a:endParaRPr>
+          </a:p>
+          <a:p>
+            <a:endParaRPr lang="en-US" dirty="0">
+              <a:latin typeface="+mn-lt"/>
+            </a:endParaRPr>
           </a:p>
           <a:p>
             <a:endParaRPr lang="en-US" dirty="0"/>
@@ -2147,7 +2654,7 @@
           <a:p>
             <a:fld id="{3148858F-F1DB-4027-9C85-CCA6849540DD}" type="slidenum">
               <a:rPr lang="en-US" smtClean="0"/>
-              <a:t>18</a:t>
+              <a:t>17</a:t>
             </a:fld>
             <a:endParaRPr lang="en-US"/>
           </a:p>
@@ -2156,7 +2663,7 @@
     </p:spTree>
     <p:extLst>
       <p:ext uri="{BB962C8B-B14F-4D97-AF65-F5344CB8AC3E}">
-        <p14:creationId xmlns:p14="http://schemas.microsoft.com/office/powerpoint/2010/main" val="251584934"/>
+        <p14:creationId xmlns:p14="http://schemas.microsoft.com/office/powerpoint/2010/main" val="1267751403"/>
       </p:ext>
     </p:extLst>
   </p:cSld>
@@ -2210,13 +2717,165 @@
           <a:bodyPr/>
           <a:lstStyle/>
           <a:p>
+            <a:pPr marL="0" marR="0" lvl="0" indent="0" algn="l" defTabSz="914400" rtl="0" eaLnBrk="1" fontAlgn="auto" latinLnBrk="0" hangingPunct="1">
+              <a:lnSpc>
+                <a:spcPct val="100000"/>
+              </a:lnSpc>
+              <a:spcBef>
+                <a:spcPts val="0"/>
+              </a:spcBef>
+              <a:spcAft>
+                <a:spcPts val="0"/>
+              </a:spcAft>
+              <a:buClrTx/>
+              <a:buSzTx/>
+              <a:buFontTx/>
+              <a:buNone/>
+              <a:tabLst/>
+              <a:defRPr/>
+            </a:pPr>
+            <a:r>
+              <a:rPr lang="en-US" sz="1200" dirty="0">
+                <a:solidFill>
+                  <a:schemeClr val="tx1">
+                    <a:lumMod val="65000"/>
+                    <a:lumOff val="35000"/>
+                  </a:schemeClr>
+                </a:solidFill>
+                <a:latin typeface="Palatino Linotype" panose="02040502050505030304" pitchFamily="18" charset="0"/>
+              </a:rPr>
+              <a:t>https://developers.google.com/machine-learning/glossary</a:t>
+            </a:r>
+          </a:p>
+          <a:p>
+            <a:endParaRPr lang="en-US" dirty="0"/>
+          </a:p>
+        </p:txBody>
+      </p:sp>
+      <p:sp>
+        <p:nvSpPr>
+          <p:cNvPr id="4" name="Slide Number Placeholder 3"/>
+          <p:cNvSpPr>
+            <a:spLocks noGrp="1"/>
+          </p:cNvSpPr>
+          <p:nvPr>
+            <p:ph type="sldNum" sz="quarter" idx="5"/>
+          </p:nvPr>
+        </p:nvSpPr>
+        <p:spPr/>
+        <p:txBody>
+          <a:bodyPr/>
+          <a:lstStyle/>
+          <a:p>
+            <a:fld id="{3148858F-F1DB-4027-9C85-CCA6849540DD}" type="slidenum">
+              <a:rPr lang="en-US" smtClean="0"/>
+              <a:t>18</a:t>
+            </a:fld>
+            <a:endParaRPr lang="en-US"/>
+          </a:p>
+        </p:txBody>
+      </p:sp>
+    </p:spTree>
+    <p:extLst>
+      <p:ext uri="{BB962C8B-B14F-4D97-AF65-F5344CB8AC3E}">
+        <p14:creationId xmlns:p14="http://schemas.microsoft.com/office/powerpoint/2010/main" val="251584934"/>
+      </p:ext>
+    </p:extLst>
+  </p:cSld>
+  <p:clrMapOvr>
+    <a:masterClrMapping/>
+  </p:clrMapOvr>
+</p:notes>
+</file>
+
+<file path=ppt/notesSlides/notesSlide19.xml><?xml version="1.0" encoding="utf-8"?>
+<p:notes xmlns:a="http://schemas.openxmlformats.org/drawingml/2006/main" xmlns:r="http://schemas.openxmlformats.org/officeDocument/2006/relationships" xmlns:p="http://schemas.openxmlformats.org/presentationml/2006/main">
+  <p:cSld>
+    <p:spTree>
+      <p:nvGrpSpPr>
+        <p:cNvPr id="1" name=""/>
+        <p:cNvGrpSpPr/>
+        <p:nvPr/>
+      </p:nvGrpSpPr>
+      <p:grpSpPr>
+        <a:xfrm>
+          <a:off x="0" y="0"/>
+          <a:ext cx="0" cy="0"/>
+          <a:chOff x="0" y="0"/>
+          <a:chExt cx="0" cy="0"/>
+        </a:xfrm>
+      </p:grpSpPr>
+      <p:sp>
+        <p:nvSpPr>
+          <p:cNvPr id="2" name="Slide Image Placeholder 1"/>
+          <p:cNvSpPr>
+            <a:spLocks noGrp="1" noRot="1" noChangeAspect="1"/>
+          </p:cNvSpPr>
+          <p:nvPr>
+            <p:ph type="sldImg"/>
+          </p:nvPr>
+        </p:nvSpPr>
+        <p:spPr/>
+      </p:sp>
+      <p:sp>
+        <p:nvSpPr>
+          <p:cNvPr id="3" name="Notes Placeholder 2"/>
+          <p:cNvSpPr>
+            <a:spLocks noGrp="1"/>
+          </p:cNvSpPr>
+          <p:nvPr>
+            <p:ph type="body" idx="1"/>
+          </p:nvPr>
+        </p:nvSpPr>
+        <p:spPr/>
+        <p:txBody>
+          <a:bodyPr/>
+          <a:lstStyle/>
+          <a:p>
             <a:pPr defTabSz="939363">
               <a:defRPr/>
             </a:pPr>
             <a:r>
               <a:rPr lang="en-US" dirty="0"/>
-              <a:t>The exercise for this workshop starts on page 123 of the textbook. </a:t>
-            </a:r>
+              <a:t>The MNIST (Modified National Institute of Standards &amp; Technology) dataset is famous in AI.  It was curated by Yann LeCun, Corinna Cortes, and Chris Burges in 1998.  It consists of 60,000 handwritten digits for model training and 10,000 more for validating the model’s performance on unseen data.  Each MNIST digit is a 28 x 28-pixel image.  Each pixel is 8-bit, meaning that the pixel darkness can vary from 0 (white) to 255 (black), with the intervening range of integers representing gradually darker shades of gray. </a:t>
+            </a:r>
+          </a:p>
+          <a:p>
+            <a:pPr defTabSz="939363">
+              <a:defRPr/>
+            </a:pPr>
+            <a:endParaRPr lang="en-US" dirty="0"/>
+          </a:p>
+          <a:p>
+            <a:pPr defTabSz="939363">
+              <a:defRPr/>
+            </a:pPr>
+            <a:r>
+              <a:rPr lang="en-US" dirty="0"/>
+              <a:t>The exercise for this workshop starts on page 123 of </a:t>
+            </a:r>
+            <a:r>
+              <a:rPr lang="en-US" i="1" dirty="0"/>
+              <a:t>The</a:t>
+            </a:r>
+            <a:r>
+              <a:rPr lang="en-US" dirty="0"/>
+              <a:t> </a:t>
+            </a:r>
+            <a:r>
+              <a:rPr lang="en-US" i="1" dirty="0"/>
+              <a:t>Deep Learning Workshop</a:t>
+            </a:r>
+            <a:r>
+              <a:rPr lang="en-US" dirty="0"/>
+              <a:t>. </a:t>
+            </a:r>
+          </a:p>
+          <a:p>
+            <a:pPr defTabSz="939363">
+              <a:defRPr/>
+            </a:pPr>
+            <a:endParaRPr lang="en-US" dirty="0"/>
           </a:p>
           <a:p>
             <a:pPr defTabSz="939363">
@@ -2306,32 +2965,7 @@
           <a:bodyPr/>
           <a:lstStyle/>
           <a:p>
-            <a:pPr defTabSz="939363">
-              <a:defRPr/>
-            </a:pPr>
-            <a:r>
-              <a:rPr lang="en-US" dirty="0"/>
-              <a:t>Students who have not yet validated their HiperGator account should work through the steps in this document:</a:t>
-            </a:r>
-          </a:p>
-          <a:p>
-            <a:pPr defTabSz="939363">
-              <a:defRPr/>
-            </a:pPr>
-            <a:r>
-              <a:rPr lang="en-US" b="1" i="1"/>
-              <a:t>https://github.com/PracticumAI-Test/HPG_Jupyter_Setup</a:t>
-            </a:r>
-          </a:p>
-          <a:p>
-            <a:endParaRPr lang="en-US" dirty="0">
-              <a:latin typeface="Palatino Linotype" panose="02040502050505030304" pitchFamily="18" charset="0"/>
-            </a:endParaRPr>
-          </a:p>
-          <a:p>
-            <a:endParaRPr lang="en-US" dirty="0">
-              <a:latin typeface="Palatino Linotype" panose="02040502050505030304" pitchFamily="18" charset="0"/>
-            </a:endParaRPr>
+            <a:endParaRPr lang="en-US" dirty="0"/>
           </a:p>
         </p:txBody>
       </p:sp>
@@ -2352,7 +2986,7 @@
           <a:p>
             <a:fld id="{3148858F-F1DB-4027-9C85-CCA6849540DD}" type="slidenum">
               <a:rPr lang="en-US" smtClean="0"/>
-              <a:t>3</a:t>
+              <a:t>2</a:t>
             </a:fld>
             <a:endParaRPr lang="en-US"/>
           </a:p>
@@ -2361,7 +2995,7 @@
     </p:spTree>
     <p:extLst>
       <p:ext uri="{BB962C8B-B14F-4D97-AF65-F5344CB8AC3E}">
-        <p14:creationId xmlns:p14="http://schemas.microsoft.com/office/powerpoint/2010/main" val="2023840696"/>
+        <p14:creationId xmlns:p14="http://schemas.microsoft.com/office/powerpoint/2010/main" val="2906959665"/>
       </p:ext>
     </p:extLst>
   </p:cSld>
@@ -2415,35 +3049,32 @@
           <a:bodyPr/>
           <a:lstStyle/>
           <a:p>
+            <a:pPr defTabSz="939363">
+              <a:defRPr/>
+            </a:pPr>
             <a:r>
               <a:rPr lang="en-US" dirty="0"/>
-              <a:t>Link:  </a:t>
-            </a:r>
-            <a:r>
-              <a:rPr lang="en-US" dirty="0">
-                <a:solidFill>
-                  <a:schemeClr val="accent5">
-                    <a:lumMod val="75000"/>
-                  </a:schemeClr>
-                </a:solidFill>
-              </a:rPr>
+              <a:t>Students who have not yet validated their HiperGator account should work through the steps in this document:</a:t>
+            </a:r>
+          </a:p>
+          <a:p>
+            <a:pPr defTabSz="939363">
+              <a:defRPr/>
+            </a:pPr>
+            <a:r>
+              <a:rPr lang="en-US" b="1" i="1"/>
               <a:t>https://github.com/PracticumAI-Test/HPG_Jupyter_Setup</a:t>
             </a:r>
           </a:p>
           <a:p>
-            <a:endParaRPr lang="en-US" dirty="0"/>
-          </a:p>
-          <a:p>
-            <a:endParaRPr lang="en-US" dirty="0"/>
-          </a:p>
-          <a:p>
-            <a:endParaRPr lang="en-US" dirty="0"/>
-          </a:p>
-          <a:p>
-            <a:endParaRPr lang="en-US" dirty="0"/>
-          </a:p>
-          <a:p>
-            <a:endParaRPr lang="en-US" dirty="0"/>
+            <a:endParaRPr lang="en-US" dirty="0">
+              <a:latin typeface="Palatino Linotype" panose="02040502050505030304" pitchFamily="18" charset="0"/>
+            </a:endParaRPr>
+          </a:p>
+          <a:p>
+            <a:endParaRPr lang="en-US" dirty="0">
+              <a:latin typeface="Palatino Linotype" panose="02040502050505030304" pitchFamily="18" charset="0"/>
+            </a:endParaRPr>
           </a:p>
         </p:txBody>
       </p:sp>
@@ -2464,7 +3095,7 @@
           <a:p>
             <a:fld id="{3148858F-F1DB-4027-9C85-CCA6849540DD}" type="slidenum">
               <a:rPr lang="en-US" smtClean="0"/>
-              <a:t>4</a:t>
+              <a:t>3</a:t>
             </a:fld>
             <a:endParaRPr lang="en-US"/>
           </a:p>
@@ -2473,7 +3104,7 @@
     </p:spTree>
     <p:extLst>
       <p:ext uri="{BB962C8B-B14F-4D97-AF65-F5344CB8AC3E}">
-        <p14:creationId xmlns:p14="http://schemas.microsoft.com/office/powerpoint/2010/main" val="1328824333"/>
+        <p14:creationId xmlns:p14="http://schemas.microsoft.com/office/powerpoint/2010/main" val="2023840696"/>
       </p:ext>
     </p:extLst>
   </p:cSld>
@@ -2527,127 +3158,35 @@
           <a:bodyPr/>
           <a:lstStyle/>
           <a:p>
-            <a:pPr marL="228600" indent="-228600" algn="l">
-              <a:buAutoNum type="arabicPeriod"/>
-            </a:pPr>
+            <a:r>
+              <a:rPr lang="en-US" dirty="0"/>
+              <a:t>Link:  </a:t>
+            </a:r>
             <a:r>
               <a:rPr lang="en-US" dirty="0">
-                <a:latin typeface="+mn-lt"/>
-              </a:rPr>
-              <a:t>David H. Hubel &amp; Torsten Wiesel (key names in vision research)</a:t>
-            </a:r>
-          </a:p>
-          <a:p>
-            <a:pPr marL="685800" lvl="1" indent="-228600" algn="l">
-              <a:buAutoNum type="arabicPeriod"/>
-            </a:pPr>
-            <a:r>
-              <a:rPr lang="en-US" dirty="0">
-                <a:latin typeface="+mn-lt"/>
-              </a:rPr>
-              <a:t>Visual cortex research / experiments on cats 1958 / 1959 – later monkeys.</a:t>
-            </a:r>
-          </a:p>
-          <a:p>
-            <a:pPr marL="685800" lvl="1" indent="-228600" algn="l">
-              <a:buAutoNum type="arabicPeriod"/>
-            </a:pPr>
-            <a:r>
-              <a:rPr lang="en-US" dirty="0">
-                <a:latin typeface="+mn-lt"/>
-              </a:rPr>
-              <a:t>Nobel Prize in Medicine (1981)</a:t>
-            </a:r>
-          </a:p>
-          <a:p>
-            <a:pPr algn="l"/>
-            <a:endParaRPr lang="en-US" dirty="0">
-              <a:latin typeface="+mn-lt"/>
-            </a:endParaRPr>
-          </a:p>
-          <a:p>
-            <a:pPr algn="l"/>
-            <a:r>
-              <a:rPr lang="en-US" dirty="0">
-                <a:latin typeface="+mn-lt"/>
-              </a:rPr>
-              <a:t>=====</a:t>
-            </a:r>
-          </a:p>
-          <a:p>
-            <a:pPr algn="l"/>
-            <a:r>
-              <a:rPr lang="en-US" dirty="0">
-                <a:latin typeface="+mn-lt"/>
-              </a:rPr>
-              <a:t>I want to start our CNN workshop series with a brief review of the research on the workings of the human eye.  Interestingly, eye research began decades ago. </a:t>
-            </a:r>
-            <a:r>
-              <a:rPr lang="en-US" dirty="0">
-                <a:solidFill>
-                  <a:srgbClr val="000000"/>
-                </a:solidFill>
-                <a:latin typeface="+mn-lt"/>
-              </a:rPr>
-              <a:t>David H. Hubel and Torsten Wiesel performed a series of experiments on cats in </a:t>
-            </a:r>
-            <a:r>
-              <a:rPr lang="en-US" dirty="0">
-                <a:solidFill>
-                  <a:srgbClr val="9A0000"/>
-                </a:solidFill>
-                <a:latin typeface="+mn-lt"/>
-              </a:rPr>
-              <a:t>1958</a:t>
-            </a:r>
-            <a:r>
-              <a:rPr lang="en-US" dirty="0">
-                <a:solidFill>
-                  <a:srgbClr val="000000"/>
-                </a:solidFill>
-                <a:latin typeface="+mn-lt"/>
-              </a:rPr>
-              <a:t> and </a:t>
-            </a:r>
-            <a:r>
-              <a:rPr lang="en-US" dirty="0">
-                <a:solidFill>
-                  <a:srgbClr val="9A0000"/>
-                </a:solidFill>
-                <a:latin typeface="+mn-lt"/>
-              </a:rPr>
-              <a:t>1959</a:t>
-            </a:r>
-            <a:r>
-              <a:rPr lang="en-US" dirty="0">
-                <a:solidFill>
-                  <a:srgbClr val="000000"/>
-                </a:solidFill>
-                <a:latin typeface="+mn-lt"/>
-              </a:rPr>
-              <a:t> (and a </a:t>
-            </a:r>
-            <a:r>
-              <a:rPr lang="en-US" dirty="0">
-                <a:solidFill>
-                  <a:srgbClr val="9A0000"/>
-                </a:solidFill>
-                <a:latin typeface="+mn-lt"/>
-              </a:rPr>
-              <a:t>few years later with monkeys</a:t>
-            </a:r>
-            <a:r>
-              <a:rPr lang="en-US" dirty="0">
-                <a:solidFill>
-                  <a:srgbClr val="000000"/>
-                </a:solidFill>
-                <a:latin typeface="+mn-lt"/>
-              </a:rPr>
-              <a:t>), giving crucial insights into the structure of the visual cortex.  The authors received the Nobel Prize in Physiology or Medicine in 1981 for this work. </a:t>
-            </a:r>
-            <a:endParaRPr lang="en-US" dirty="0">
-              <a:latin typeface="+mn-lt"/>
-            </a:endParaRPr>
+                <a:solidFill>
+                  <a:schemeClr val="accent5">
+                    <a:lumMod val="75000"/>
+                  </a:schemeClr>
+                </a:solidFill>
+              </a:rPr>
+              <a:t>https://github.com/PracticumAI-Test/HPG_Jupyter_Setup</a:t>
+            </a:r>
+          </a:p>
+          <a:p>
+            <a:endParaRPr lang="en-US" dirty="0"/>
+          </a:p>
+          <a:p>
+            <a:endParaRPr lang="en-US" dirty="0"/>
+          </a:p>
+          <a:p>
+            <a:endParaRPr lang="en-US" dirty="0"/>
+          </a:p>
+          <a:p>
+            <a:endParaRPr lang="en-US" dirty="0"/>
+          </a:p>
+          <a:p>
+            <a:endParaRPr lang="en-US" dirty="0"/>
           </a:p>
         </p:txBody>
       </p:sp>
@@ -2668,7 +3207,7 @@
           <a:p>
             <a:fld id="{3148858F-F1DB-4027-9C85-CCA6849540DD}" type="slidenum">
               <a:rPr lang="en-US" smtClean="0"/>
-              <a:t>5</a:t>
+              <a:t>4</a:t>
             </a:fld>
             <a:endParaRPr lang="en-US"/>
           </a:p>
@@ -2677,7 +3216,7 @@
     </p:spTree>
     <p:extLst>
       <p:ext uri="{BB962C8B-B14F-4D97-AF65-F5344CB8AC3E}">
-        <p14:creationId xmlns:p14="http://schemas.microsoft.com/office/powerpoint/2010/main" val="1453454417"/>
+        <p14:creationId xmlns:p14="http://schemas.microsoft.com/office/powerpoint/2010/main" val="1328824333"/>
       </p:ext>
     </p:extLst>
   </p:cSld>
@@ -2731,184 +3270,127 @@
           <a:bodyPr/>
           <a:lstStyle/>
           <a:p>
+            <a:pPr marL="228600" indent="-228600" algn="l">
+              <a:buAutoNum type="arabicPeriod"/>
+            </a:pPr>
+            <a:r>
+              <a:rPr lang="en-US" dirty="0">
+                <a:latin typeface="+mn-lt"/>
+              </a:rPr>
+              <a:t>David H. Hubel &amp; Torsten Wiesel (key names in vision research)</a:t>
+            </a:r>
+          </a:p>
+          <a:p>
+            <a:pPr marL="685800" lvl="1" indent="-228600" algn="l">
+              <a:buAutoNum type="arabicPeriod"/>
+            </a:pPr>
+            <a:r>
+              <a:rPr lang="en-US" dirty="0">
+                <a:latin typeface="+mn-lt"/>
+              </a:rPr>
+              <a:t>Visual cortex research / experiments on cats 1958 / 1959 – later monkeys.</a:t>
+            </a:r>
+          </a:p>
+          <a:p>
+            <a:pPr marL="685800" lvl="1" indent="-228600" algn="l">
+              <a:buAutoNum type="arabicPeriod"/>
+            </a:pPr>
+            <a:r>
+              <a:rPr lang="en-US" dirty="0">
+                <a:latin typeface="+mn-lt"/>
+              </a:rPr>
+              <a:t>Nobel Prize in Medicine (1981)</a:t>
+            </a:r>
+          </a:p>
+          <a:p>
             <a:pPr algn="l"/>
-            <a:r>
-              <a:rPr lang="en-US" sz="1200" dirty="0">
-                <a:solidFill>
-                  <a:srgbClr val="000000"/>
-                </a:solidFill>
-                <a:latin typeface="+mn-lt"/>
-              </a:rPr>
-              <a:t>What Hubel and Wiesel discovered is that many neurons in the visual cortex have a small </a:t>
-            </a:r>
-            <a:r>
-              <a:rPr lang="en-US" sz="1200" b="1" dirty="0">
-                <a:solidFill>
-                  <a:srgbClr val="000000"/>
-                </a:solidFill>
-                <a:latin typeface="+mn-lt"/>
-              </a:rPr>
-              <a:t>local receptive field</a:t>
-            </a:r>
-            <a:r>
-              <a:rPr lang="en-US" sz="1200" dirty="0">
-                <a:solidFill>
-                  <a:srgbClr val="000000"/>
-                </a:solidFill>
-                <a:latin typeface="+mn-lt"/>
-              </a:rPr>
-              <a:t>, meaning they only react to visual stimuli located in a limited region of the visual field (see </a:t>
-            </a:r>
-            <a:r>
-              <a:rPr lang="en-US" sz="1200" dirty="0">
-                <a:solidFill>
-                  <a:srgbClr val="9A0000"/>
-                </a:solidFill>
-                <a:latin typeface="+mn-lt"/>
-              </a:rPr>
-              <a:t>figure here</a:t>
-            </a:r>
-            <a:r>
-              <a:rPr lang="en-US" sz="1200" dirty="0">
-                <a:solidFill>
-                  <a:srgbClr val="000000"/>
-                </a:solidFill>
-                <a:latin typeface="+mn-lt"/>
-              </a:rPr>
-              <a:t>, in which the local receptive fields of five neurons are represented by dashed circles). The receptive fields of different neurons may overlap, and together they tile the whole visual field.  </a:t>
-            </a:r>
-          </a:p>
-          <a:p>
-            <a:pPr algn="l"/>
-            <a:endParaRPr lang="en-US" sz="1200" dirty="0">
-              <a:solidFill>
-                <a:srgbClr val="000000"/>
-              </a:solidFill>
+            <a:endParaRPr lang="en-US" dirty="0">
               <a:latin typeface="+mn-lt"/>
             </a:endParaRPr>
           </a:p>
           <a:p>
             <a:pPr algn="l"/>
             <a:r>
-              <a:rPr lang="en-US" sz="1200" dirty="0">
+              <a:rPr lang="en-US" dirty="0">
+                <a:latin typeface="+mn-lt"/>
+              </a:rPr>
+              <a:t>=====</a:t>
+            </a:r>
+          </a:p>
+          <a:p>
+            <a:pPr algn="l"/>
+            <a:r>
+              <a:rPr lang="en-US" dirty="0">
+                <a:latin typeface="+mn-lt"/>
+              </a:rPr>
+              <a:t>I want to start our CNN workshop series with a brief review of the research on the workings of the human eye.  Interestingly, eye research began decades ago. </a:t>
+            </a:r>
+            <a:r>
+              <a:rPr lang="en-US" dirty="0">
                 <a:solidFill>
                   <a:srgbClr val="000000"/>
                 </a:solidFill>
                 <a:latin typeface="+mn-lt"/>
               </a:rPr>
-              <a:t>The authors also showed that some neurons only react to images of horizontal lines, while others only react to lines with different orientations (two neurons may have the same receptive field but react to different line orientations). They also noticed that some neurons have larger receptive fields, and they react to more complex patterns that are combinations of the lower-level patterns. These observations led to the idea that the higher-level neurons are based on the outputs of neighboring lower-level neurons (in </a:t>
-            </a:r>
-            <a:r>
-              <a:rPr lang="en-US" sz="1200" dirty="0">
+              <a:t>David H. Hubel and Torsten Wiesel performed a series of experiments on cats in </a:t>
+            </a:r>
+            <a:r>
+              <a:rPr lang="en-US" dirty="0">
                 <a:solidFill>
                   <a:srgbClr val="9A0000"/>
                 </a:solidFill>
                 <a:latin typeface="+mn-lt"/>
               </a:rPr>
-              <a:t>this figure</a:t>
-            </a:r>
-            <a:r>
-              <a:rPr lang="en-US" sz="1200" dirty="0">
+              <a:t>1958</a:t>
+            </a:r>
+            <a:r>
+              <a:rPr lang="en-US" dirty="0">
                 <a:solidFill>
                   <a:srgbClr val="000000"/>
                 </a:solidFill>
                 <a:latin typeface="+mn-lt"/>
               </a:rPr>
-              <a:t>, notice that each neuron is connected only to a few neurons from the previous layer). This powerful architecture can detect all sorts of complex patterns in any area of the visual field.</a:t>
-            </a:r>
-          </a:p>
-          <a:p>
-            <a:pPr algn="l"/>
-            <a:endParaRPr lang="en-US" sz="1200" dirty="0">
-              <a:solidFill>
-                <a:srgbClr val="000000"/>
-              </a:solidFill>
+              <a:t> and </a:t>
+            </a:r>
+            <a:r>
+              <a:rPr lang="en-US" dirty="0">
+                <a:solidFill>
+                  <a:srgbClr val="9A0000"/>
+                </a:solidFill>
+                <a:latin typeface="+mn-lt"/>
+              </a:rPr>
+              <a:t>1959</a:t>
+            </a:r>
+            <a:r>
+              <a:rPr lang="en-US" dirty="0">
+                <a:solidFill>
+                  <a:srgbClr val="000000"/>
+                </a:solidFill>
+                <a:latin typeface="+mn-lt"/>
+              </a:rPr>
+              <a:t> (and a </a:t>
+            </a:r>
+            <a:r>
+              <a:rPr lang="en-US" dirty="0">
+                <a:solidFill>
+                  <a:srgbClr val="9A0000"/>
+                </a:solidFill>
+                <a:latin typeface="+mn-lt"/>
+              </a:rPr>
+              <a:t>few years later with monkeys</a:t>
+            </a:r>
+            <a:r>
+              <a:rPr lang="en-US" dirty="0">
+                <a:solidFill>
+                  <a:srgbClr val="000000"/>
+                </a:solidFill>
+                <a:latin typeface="+mn-lt"/>
+              </a:rPr>
+              <a:t>), giving crucial insights into the structure of the visual cortex.  The authors received the Nobel Prize in Physiology or Medicine in 1981 for this work. </a:t>
+            </a:r>
+            <a:endParaRPr lang="en-US" dirty="0">
               <a:latin typeface="+mn-lt"/>
             </a:endParaRPr>
-          </a:p>
-          <a:p>
-            <a:pPr algn="l"/>
-            <a:r>
-              <a:rPr lang="en-US" sz="1200" dirty="0">
-                <a:solidFill>
-                  <a:srgbClr val="000000"/>
-                </a:solidFill>
-                <a:latin typeface="+mn-lt"/>
-              </a:rPr>
-              <a:t>These studies of the visual cortex inspired the </a:t>
-            </a:r>
-            <a:r>
-              <a:rPr lang="en-US" sz="1200" b="1" dirty="0">
-                <a:solidFill>
-                  <a:srgbClr val="9A0000"/>
-                </a:solidFill>
-                <a:latin typeface="+mn-lt"/>
-              </a:rPr>
-              <a:t>neocognitron</a:t>
-            </a:r>
-            <a:r>
-              <a:rPr lang="en-US" sz="1200" dirty="0">
-                <a:solidFill>
-                  <a:srgbClr val="000000"/>
-                </a:solidFill>
-                <a:latin typeface="+mn-lt"/>
-              </a:rPr>
-              <a:t>, introduced in 1980, which gradually evolved into what we now call </a:t>
-            </a:r>
-            <a:r>
-              <a:rPr lang="en-US" sz="1200" b="1" dirty="0">
-                <a:solidFill>
-                  <a:srgbClr val="000000"/>
-                </a:solidFill>
-                <a:latin typeface="+mn-lt"/>
-              </a:rPr>
-              <a:t>convolutional neural networks</a:t>
-            </a:r>
-            <a:r>
-              <a:rPr lang="en-US" sz="1200" dirty="0">
-                <a:solidFill>
-                  <a:srgbClr val="000000"/>
-                </a:solidFill>
-                <a:latin typeface="+mn-lt"/>
-              </a:rPr>
-              <a:t>. An important milestone was a </a:t>
-            </a:r>
-            <a:r>
-              <a:rPr lang="en-US" sz="1200" dirty="0">
-                <a:solidFill>
-                  <a:srgbClr val="9A0000"/>
-                </a:solidFill>
-                <a:latin typeface="+mn-lt"/>
-              </a:rPr>
-              <a:t>1998 paper</a:t>
-            </a:r>
-            <a:r>
-              <a:rPr lang="en-US" sz="1200" dirty="0">
-                <a:solidFill>
-                  <a:srgbClr val="000000"/>
-                </a:solidFill>
-                <a:latin typeface="+mn-lt"/>
-              </a:rPr>
-              <a:t> by Yann LeCun et al. that introduced the famous </a:t>
-            </a:r>
-            <a:r>
-              <a:rPr lang="en-US" sz="1200" i="1" dirty="0">
-                <a:solidFill>
-                  <a:srgbClr val="000000"/>
-                </a:solidFill>
-                <a:latin typeface="+mn-lt"/>
-              </a:rPr>
-              <a:t>LeNet-5 </a:t>
-            </a:r>
-            <a:r>
-              <a:rPr lang="en-US" sz="1200" dirty="0">
-                <a:solidFill>
-                  <a:srgbClr val="000000"/>
-                </a:solidFill>
-                <a:latin typeface="+mn-lt"/>
-              </a:rPr>
-              <a:t>architecture.  At the time, this model was widely used by banks to recognize handwritten check numbers.  In an upcoming exercise, you will encounter the dataset they used to develop the LeNet-5 model.</a:t>
-            </a:r>
           </a:p>
         </p:txBody>
       </p:sp>
@@ -2929,7 +3411,7 @@
           <a:p>
             <a:fld id="{3148858F-F1DB-4027-9C85-CCA6849540DD}" type="slidenum">
               <a:rPr lang="en-US" smtClean="0"/>
-              <a:t>6</a:t>
+              <a:t>5</a:t>
             </a:fld>
             <a:endParaRPr lang="en-US"/>
           </a:p>
@@ -2938,7 +3420,7 @@
     </p:spTree>
     <p:extLst>
       <p:ext uri="{BB962C8B-B14F-4D97-AF65-F5344CB8AC3E}">
-        <p14:creationId xmlns:p14="http://schemas.microsoft.com/office/powerpoint/2010/main" val="388873883"/>
+        <p14:creationId xmlns:p14="http://schemas.microsoft.com/office/powerpoint/2010/main" val="1453454417"/>
       </p:ext>
     </p:extLst>
   </p:cSld>
@@ -2992,519 +3474,205 @@
           <a:bodyPr/>
           <a:lstStyle/>
           <a:p>
-            <a:pPr marL="0" marR="0" lvl="0" indent="0" algn="l" defTabSz="914400" rtl="0" eaLnBrk="1" fontAlgn="auto" latinLnBrk="0" hangingPunct="1">
-              <a:lnSpc>
-                <a:spcPct val="100000"/>
-              </a:lnSpc>
-              <a:spcBef>
-                <a:spcPts val="0"/>
-              </a:spcBef>
-              <a:spcAft>
-                <a:spcPts val="0"/>
-              </a:spcAft>
-              <a:buClrTx/>
-              <a:buSzTx/>
-              <a:buFontTx/>
-              <a:buNone/>
-              <a:tabLst/>
-              <a:defRPr/>
-            </a:pPr>
-            <a:r>
-              <a:rPr lang="en-US" b="0" i="0" dirty="0">
-                <a:solidFill>
-                  <a:srgbClr val="3C3C3B"/>
-                </a:solidFill>
-                <a:effectLst/>
-                <a:latin typeface="+mn-lt"/>
-              </a:rPr>
-              <a:t>So how can we mimic the eye’s ability to detect patterns in its visual field?</a:t>
-            </a:r>
-          </a:p>
-          <a:p>
-            <a:pPr marL="0" indent="0" algn="l">
-              <a:buNone/>
-            </a:pPr>
-            <a:endParaRPr lang="en-US" b="0" i="0" dirty="0">
+            <a:pPr algn="l"/>
+            <a:r>
+              <a:rPr lang="en-US" sz="1200" dirty="0">
+                <a:solidFill>
+                  <a:srgbClr val="000000"/>
+                </a:solidFill>
+                <a:latin typeface="+mn-lt"/>
+              </a:rPr>
+              <a:t>What Hubel and Wiesel discovered is that many neurons in the visual cortex have a small </a:t>
+            </a:r>
+            <a:r>
+              <a:rPr lang="en-US" sz="1200" b="1" dirty="0">
+                <a:solidFill>
+                  <a:srgbClr val="000000"/>
+                </a:solidFill>
+                <a:latin typeface="+mn-lt"/>
+              </a:rPr>
+              <a:t>local receptive field</a:t>
+            </a:r>
+            <a:r>
+              <a:rPr lang="en-US" sz="1200" dirty="0">
+                <a:solidFill>
+                  <a:srgbClr val="000000"/>
+                </a:solidFill>
+                <a:latin typeface="+mn-lt"/>
+              </a:rPr>
+              <a:t>, meaning they only react to visual stimuli located in a limited region of the visual field (see </a:t>
+            </a:r>
+            <a:r>
+              <a:rPr lang="en-US" sz="1200" dirty="0">
+                <a:solidFill>
+                  <a:srgbClr val="9A0000"/>
+                </a:solidFill>
+                <a:latin typeface="+mn-lt"/>
+              </a:rPr>
+              <a:t>figure here</a:t>
+            </a:r>
+            <a:r>
+              <a:rPr lang="en-US" sz="1200" dirty="0">
+                <a:solidFill>
+                  <a:srgbClr val="000000"/>
+                </a:solidFill>
+                <a:latin typeface="+mn-lt"/>
+              </a:rPr>
+              <a:t>, in which the local receptive fields of five neurons are represented by dashed circles). The receptive fields of different neurons may overlap, and together they tile the whole visual field.  </a:t>
+            </a:r>
+          </a:p>
+          <a:p>
+            <a:pPr algn="l"/>
+            <a:endParaRPr lang="en-US" sz="1200" dirty="0">
               <a:solidFill>
-                <a:srgbClr val="3C3C3B"/>
+                <a:srgbClr val="000000"/>
               </a:solidFill>
-              <a:effectLst/>
               <a:latin typeface="+mn-lt"/>
             </a:endParaRPr>
           </a:p>
           <a:p>
-            <a:pPr marL="228600" indent="-228600" algn="l">
-              <a:buAutoNum type="arabicPeriod"/>
-            </a:pPr>
-            <a:r>
-              <a:rPr lang="en-US" b="0" i="0" dirty="0">
-                <a:solidFill>
-                  <a:srgbClr val="3C3C3B"/>
-                </a:solidFill>
-                <a:effectLst/>
-                <a:latin typeface="+mn-lt"/>
-              </a:rPr>
-              <a:t>Images are unstructured data + features</a:t>
-            </a:r>
-          </a:p>
-          <a:p>
-            <a:pPr marL="228600" indent="-228600" algn="l">
-              <a:buAutoNum type="arabicPeriod"/>
-            </a:pPr>
-            <a:r>
-              <a:rPr lang="en-US" b="0" i="0" dirty="0">
-                <a:solidFill>
-                  <a:srgbClr val="3C3C3B"/>
-                </a:solidFill>
-                <a:effectLst/>
-                <a:latin typeface="+mn-lt"/>
-              </a:rPr>
-              <a:t>Features include (lines, circles, rectangles, and so on), colors (red, blue, orange, yellow, and so on), and specific characteristics related to different types of objects (hair, wheel, leaves, and so on)</a:t>
-            </a:r>
-          </a:p>
-          <a:p>
-            <a:pPr marL="228600" indent="-228600" algn="l">
-              <a:buAutoNum type="arabicPeriod"/>
-            </a:pPr>
-            <a:r>
-              <a:rPr lang="en-US" b="0" i="0" dirty="0">
-                <a:solidFill>
-                  <a:srgbClr val="3C3C3B"/>
-                </a:solidFill>
-                <a:effectLst/>
-                <a:latin typeface="+mn-lt"/>
-              </a:rPr>
-              <a:t>Our eyes automatically detect features – we mimic this ability with </a:t>
-            </a:r>
-            <a:r>
-              <a:rPr lang="en-US" b="1" i="0" dirty="0">
-                <a:solidFill>
-                  <a:srgbClr val="3C3C3B"/>
-                </a:solidFill>
-                <a:effectLst/>
-                <a:latin typeface="+mn-lt"/>
-              </a:rPr>
-              <a:t>images filters</a:t>
-            </a:r>
-            <a:r>
-              <a:rPr lang="en-US" b="0" i="0" dirty="0">
-                <a:solidFill>
-                  <a:srgbClr val="3C3C3B"/>
-                </a:solidFill>
-                <a:effectLst/>
-                <a:latin typeface="+mn-lt"/>
-              </a:rPr>
-              <a:t>, also called </a:t>
-            </a:r>
-            <a:r>
-              <a:rPr lang="en-US" b="1" i="0" dirty="0">
-                <a:solidFill>
-                  <a:srgbClr val="3C3C3B"/>
-                </a:solidFill>
-                <a:effectLst/>
-                <a:latin typeface="+mn-lt"/>
-              </a:rPr>
-              <a:t>kernels</a:t>
-            </a:r>
-            <a:r>
-              <a:rPr lang="en-US" b="0" i="0" dirty="0">
-                <a:solidFill>
-                  <a:srgbClr val="3C3C3B"/>
-                </a:solidFill>
-                <a:effectLst/>
-                <a:latin typeface="+mn-lt"/>
-              </a:rPr>
-              <a:t>.</a:t>
-            </a:r>
-          </a:p>
-          <a:p>
-            <a:pPr marL="228600" indent="-228600" algn="l">
-              <a:buAutoNum type="arabicPeriod"/>
-            </a:pPr>
-            <a:r>
-              <a:rPr lang="en-US" b="0" i="0" dirty="0">
-                <a:solidFill>
-                  <a:srgbClr val="3C3C3B"/>
-                </a:solidFill>
-                <a:effectLst/>
-                <a:latin typeface="+mn-lt"/>
-              </a:rPr>
-              <a:t>Image filters (kernels) are small matrices (tensors) specialized in detecting a defined pattern.</a:t>
-            </a:r>
-          </a:p>
-          <a:p>
-            <a:pPr marL="685800" lvl="1" indent="-228600" algn="l">
-              <a:buAutoNum type="arabicPeriod"/>
-            </a:pPr>
-            <a:r>
-              <a:rPr lang="en-US" b="0" i="0" dirty="0">
-                <a:solidFill>
-                  <a:srgbClr val="3C3C3B"/>
-                </a:solidFill>
-                <a:effectLst/>
-                <a:latin typeface="+mn-lt"/>
-              </a:rPr>
-              <a:t>Vertical lines</a:t>
-            </a:r>
-          </a:p>
-          <a:p>
-            <a:pPr marL="685800" lvl="1" indent="-228600" algn="l">
-              <a:buAutoNum type="arabicPeriod"/>
-            </a:pPr>
-            <a:r>
-              <a:rPr lang="en-US" b="0" i="0" dirty="0">
-                <a:solidFill>
-                  <a:srgbClr val="3C3C3B"/>
-                </a:solidFill>
-                <a:effectLst/>
-                <a:latin typeface="+mn-lt"/>
-              </a:rPr>
-              <a:t>Horizontal lines</a:t>
-            </a:r>
-          </a:p>
-          <a:p>
-            <a:pPr marL="228600" lvl="0" indent="-228600" algn="l">
-              <a:buAutoNum type="arabicPeriod"/>
-            </a:pPr>
-            <a:r>
-              <a:rPr lang="en-US" b="0" i="0" dirty="0">
-                <a:solidFill>
-                  <a:srgbClr val="3C3C3B"/>
-                </a:solidFill>
-                <a:effectLst/>
-                <a:latin typeface="+mn-lt"/>
-              </a:rPr>
-              <a:t>Computer vision systems run such filters on every part of the image, generating a new image with the detected patterns highlighted. These kinds of generated images are called </a:t>
-            </a:r>
-            <a:r>
-              <a:rPr lang="en-US" b="1" i="0" dirty="0">
-                <a:solidFill>
-                  <a:srgbClr val="3C3C3B"/>
-                </a:solidFill>
-                <a:effectLst/>
-                <a:latin typeface="+mn-lt"/>
-              </a:rPr>
-              <a:t>feature maps</a:t>
-            </a:r>
-            <a:r>
-              <a:rPr lang="en-US" b="0" i="0" dirty="0">
-                <a:solidFill>
-                  <a:srgbClr val="3C3C3B"/>
-                </a:solidFill>
-                <a:effectLst/>
-                <a:latin typeface="+mn-lt"/>
-              </a:rPr>
-              <a:t>.</a:t>
-            </a:r>
-          </a:p>
-          <a:p>
-            <a:pPr marL="228600" lvl="0" indent="-228600" algn="l">
-              <a:buAutoNum type="arabicPeriod"/>
-            </a:pPr>
-            <a:r>
-              <a:rPr lang="en-US" b="0" i="0" dirty="0">
-                <a:solidFill>
-                  <a:srgbClr val="3C3C3B"/>
-                </a:solidFill>
-                <a:effectLst/>
-                <a:latin typeface="+mn-lt"/>
-              </a:rPr>
-              <a:t>Adobe Photoshop – Gaussian and Sharpen filters</a:t>
-            </a:r>
-          </a:p>
-          <a:p>
-            <a:pPr marL="0" marR="0" lvl="0" indent="0" algn="l" defTabSz="914400" rtl="0" eaLnBrk="1" fontAlgn="auto" latinLnBrk="0" hangingPunct="1">
-              <a:lnSpc>
-                <a:spcPct val="100000"/>
-              </a:lnSpc>
-              <a:spcBef>
-                <a:spcPts val="0"/>
-              </a:spcBef>
-              <a:spcAft>
-                <a:spcPts val="0"/>
-              </a:spcAft>
-              <a:buClrTx/>
-              <a:buSzTx/>
-              <a:buFontTx/>
-              <a:buNone/>
-              <a:tabLst/>
-              <a:defRPr/>
-            </a:pPr>
-            <a:endParaRPr lang="en-US" dirty="0">
+            <a:pPr algn="l"/>
+            <a:r>
+              <a:rPr lang="en-US" sz="1200" dirty="0">
+                <a:solidFill>
+                  <a:srgbClr val="000000"/>
+                </a:solidFill>
+                <a:latin typeface="+mn-lt"/>
+              </a:rPr>
+              <a:t>The authors also showed that some neurons only react to images of horizontal lines, while others only react to lines with different orientations (two neurons may have the same receptive field but react to different line orientations). They also noticed that some neurons have larger receptive fields, and they react to more complex patterns that are combinations of the lower-level patterns. These observations led to the idea that the higher-level neurons are based on the outputs of neighboring lower-level neurons (in </a:t>
+            </a:r>
+            <a:r>
+              <a:rPr lang="en-US" sz="1200" dirty="0">
+                <a:solidFill>
+                  <a:srgbClr val="9A0000"/>
+                </a:solidFill>
+                <a:latin typeface="+mn-lt"/>
+              </a:rPr>
+              <a:t>this figure</a:t>
+            </a:r>
+            <a:r>
+              <a:rPr lang="en-US" sz="1200" dirty="0">
+                <a:solidFill>
+                  <a:srgbClr val="000000"/>
+                </a:solidFill>
+                <a:latin typeface="+mn-lt"/>
+              </a:rPr>
+              <a:t>, notice that each neuron is connected only to a few neurons from the previous layer). This powerful architecture can detect all sorts of complex patterns in any area of the visual field.</a:t>
+            </a:r>
+          </a:p>
+          <a:p>
+            <a:pPr algn="l"/>
+            <a:endParaRPr lang="en-US" sz="1200" dirty="0">
+              <a:solidFill>
+                <a:srgbClr val="000000"/>
+              </a:solidFill>
               <a:latin typeface="+mn-lt"/>
             </a:endParaRPr>
           </a:p>
           <a:p>
-            <a:pPr marL="0" marR="0" lvl="0" indent="0" algn="l" defTabSz="914400" rtl="0" eaLnBrk="1" fontAlgn="auto" latinLnBrk="0" hangingPunct="1">
-              <a:lnSpc>
-                <a:spcPct val="100000"/>
-              </a:lnSpc>
-              <a:spcBef>
-                <a:spcPts val="0"/>
-              </a:spcBef>
-              <a:spcAft>
-                <a:spcPts val="0"/>
-              </a:spcAft>
-              <a:buClrTx/>
-              <a:buSzTx/>
-              <a:buFontTx/>
-              <a:buNone/>
-              <a:tabLst/>
-              <a:defRPr/>
-            </a:pPr>
-            <a:r>
-              <a:rPr lang="en-US" dirty="0">
-                <a:latin typeface="+mn-lt"/>
-              </a:rPr>
-              <a:t>=====</a:t>
-            </a:r>
-          </a:p>
-          <a:p>
             <a:pPr algn="l"/>
             <a:r>
-              <a:rPr lang="en-US" b="0" i="0" dirty="0">
-                <a:solidFill>
-                  <a:srgbClr val="3C3C3B"/>
-                </a:solidFill>
-                <a:effectLst/>
-                <a:latin typeface="+mn-lt"/>
-              </a:rPr>
-              <a:t>Now once an image has been transformed into a tensor and fed into a CNN, how can we mimic the eye’s ability to detect patterns in its visual field?</a:t>
+              <a:rPr lang="en-US" sz="1200" dirty="0">
+                <a:solidFill>
+                  <a:srgbClr val="000000"/>
+                </a:solidFill>
+                <a:latin typeface="+mn-lt"/>
+              </a:rPr>
+              <a:t>These studies of the visual cortex inspired the </a:t>
+            </a:r>
+            <a:r>
+              <a:rPr lang="en-US" sz="1200" b="1" dirty="0">
+                <a:solidFill>
+                  <a:srgbClr val="9A0000"/>
+                </a:solidFill>
+                <a:latin typeface="+mn-lt"/>
+              </a:rPr>
+              <a:t>neocognitron</a:t>
+            </a:r>
+            <a:r>
+              <a:rPr lang="en-US" sz="1200" dirty="0">
+                <a:solidFill>
+                  <a:srgbClr val="000000"/>
+                </a:solidFill>
+                <a:latin typeface="+mn-lt"/>
+              </a:rPr>
+              <a:t>, introduced in 1980, which gradually evolved into what we now call </a:t>
+            </a:r>
+            <a:r>
+              <a:rPr lang="en-US" sz="1200" b="1" dirty="0">
+                <a:solidFill>
+                  <a:srgbClr val="000000"/>
+                </a:solidFill>
+                <a:latin typeface="+mn-lt"/>
+              </a:rPr>
+              <a:t>convolutional neural networks</a:t>
+            </a:r>
+            <a:r>
+              <a:rPr lang="en-US" sz="1200" dirty="0">
+                <a:solidFill>
+                  <a:srgbClr val="000000"/>
+                </a:solidFill>
+                <a:latin typeface="+mn-lt"/>
+              </a:rPr>
+              <a:t>. An important milestone was a </a:t>
+            </a:r>
+            <a:r>
+              <a:rPr lang="en-US" sz="1200" dirty="0">
+                <a:solidFill>
+                  <a:srgbClr val="9A0000"/>
+                </a:solidFill>
+                <a:latin typeface="+mn-lt"/>
+              </a:rPr>
+              <a:t>1998 paper</a:t>
+            </a:r>
+            <a:r>
+              <a:rPr lang="en-US" sz="1200" dirty="0">
+                <a:solidFill>
+                  <a:srgbClr val="000000"/>
+                </a:solidFill>
+                <a:latin typeface="+mn-lt"/>
+              </a:rPr>
+              <a:t> by Yann LeCun et al. that introduced the famous </a:t>
+            </a:r>
+            <a:r>
+              <a:rPr lang="en-US" sz="1200" i="1" dirty="0">
+                <a:solidFill>
+                  <a:srgbClr val="000000"/>
+                </a:solidFill>
+                <a:latin typeface="+mn-lt"/>
+              </a:rPr>
+              <a:t>LeNet-5 </a:t>
+            </a:r>
+            <a:r>
+              <a:rPr lang="en-US" sz="1200" dirty="0">
+                <a:solidFill>
+                  <a:srgbClr val="000000"/>
+                </a:solidFill>
+                <a:latin typeface="+mn-lt"/>
+              </a:rPr>
+              <a:t>architecture.  At the time, this model was widely used by banks to recognize handwritten check numbers.  In today’s final exercise, you will encounter the MNIST dataset they used to develop the LeNet-5 model.</a:t>
             </a:r>
           </a:p>
           <a:p>
             <a:pPr algn="l"/>
-            <a:endParaRPr lang="en-US" b="0" i="0" dirty="0">
+            <a:endParaRPr lang="en-US" sz="1200" dirty="0">
               <a:solidFill>
-                <a:srgbClr val="3C3C3B"/>
+                <a:srgbClr val="000000"/>
               </a:solidFill>
-              <a:effectLst/>
               <a:latin typeface="+mn-lt"/>
             </a:endParaRPr>
           </a:p>
           <a:p>
             <a:pPr algn="l"/>
             <a:r>
-              <a:rPr lang="en-US" b="0" i="0" dirty="0">
-                <a:solidFill>
-                  <a:srgbClr val="3C3C3B"/>
-                </a:solidFill>
-                <a:effectLst/>
-                <a:latin typeface="+mn-lt"/>
-              </a:rPr>
-              <a:t>Unlike structured data, images don't follow any specific pattern. It is impossible to say, for instance, that the third line will always contain the eye of an animal or that the bottom left corner will always represent a red, round-shaped object. Images can be of anything and don't follow any structure. That’s why images are classified as </a:t>
-            </a:r>
-            <a:r>
-              <a:rPr lang="en-US" b="1" i="0" dirty="0">
-                <a:solidFill>
-                  <a:srgbClr val="3C3C3B"/>
-                </a:solidFill>
-                <a:effectLst/>
-                <a:latin typeface="+mn-lt"/>
-              </a:rPr>
-              <a:t>unstructured data</a:t>
-            </a:r>
-            <a:r>
-              <a:rPr lang="en-US" b="0" i="0" dirty="0">
-                <a:solidFill>
-                  <a:srgbClr val="3C3C3B"/>
-                </a:solidFill>
-                <a:effectLst/>
-                <a:latin typeface="+mn-lt"/>
-              </a:rPr>
-              <a:t>.</a:t>
-            </a:r>
-          </a:p>
-          <a:p>
-            <a:pPr algn="l"/>
-            <a:endParaRPr lang="en-US" b="0" i="0" dirty="0">
-              <a:solidFill>
-                <a:srgbClr val="3C3C3B"/>
-              </a:solidFill>
-              <a:effectLst/>
-              <a:latin typeface="+mn-lt"/>
-            </a:endParaRPr>
-          </a:p>
-          <a:p>
-            <a:pPr algn="l"/>
-            <a:r>
-              <a:rPr lang="en-US" b="0" i="0" dirty="0">
-                <a:solidFill>
-                  <a:srgbClr val="3C3C3B"/>
-                </a:solidFill>
-                <a:effectLst/>
-                <a:latin typeface="+mn-lt"/>
-              </a:rPr>
-              <a:t>However, images do contain features. They contain different shapes (lines, circles, rectangles, and so on), colors (red, blue, orange, yellow, and so on), and specific characteristics related to different types of objects (hair, wheel, leaves, and so on). Our eyes and brain can easily analyze and interpret all these features and identify objects in images. Therefore, we need to simulate the same analytical process for computers. </a:t>
-            </a:r>
-            <a:r>
-              <a:rPr lang="en-US" b="0" i="0" dirty="0">
-                <a:solidFill>
-                  <a:srgbClr val="FFFFFF"/>
-                </a:solidFill>
-                <a:effectLst/>
-                <a:latin typeface="+mn-lt"/>
-              </a:rPr>
-              <a:t>This is where </a:t>
-            </a:r>
-            <a:r>
-              <a:rPr lang="en-US" b="1" i="0" dirty="0">
-                <a:solidFill>
-                  <a:srgbClr val="FFFFFF"/>
-                </a:solidFill>
-                <a:effectLst/>
-                <a:latin typeface="+mn-lt"/>
-              </a:rPr>
-              <a:t>image filters</a:t>
-            </a:r>
-            <a:r>
-              <a:rPr lang="en-US" b="0" i="0" dirty="0">
-                <a:solidFill>
-                  <a:srgbClr val="FFFFFF"/>
-                </a:solidFill>
-                <a:effectLst/>
-                <a:latin typeface="+mn-lt"/>
-              </a:rPr>
-              <a:t> (also called </a:t>
-            </a:r>
-            <a:r>
-              <a:rPr lang="en-US" b="1" i="0" dirty="0">
-                <a:solidFill>
-                  <a:srgbClr val="FFFFFF"/>
-                </a:solidFill>
-                <a:effectLst/>
-                <a:latin typeface="+mn-lt"/>
-              </a:rPr>
-              <a:t>kernels</a:t>
-            </a:r>
-            <a:r>
-              <a:rPr lang="en-US" b="0" i="0" dirty="0">
-                <a:solidFill>
-                  <a:srgbClr val="FFFFFF"/>
-                </a:solidFill>
-                <a:effectLst/>
-                <a:latin typeface="+mn-lt"/>
-              </a:rPr>
-              <a:t>) come into play.</a:t>
-            </a:r>
-          </a:p>
-          <a:p>
-            <a:pPr algn="l"/>
-            <a:endParaRPr lang="en-US" b="0" i="0" dirty="0">
-              <a:solidFill>
-                <a:srgbClr val="3C3C3B"/>
-              </a:solidFill>
-              <a:effectLst/>
-              <a:latin typeface="+mn-lt"/>
-            </a:endParaRPr>
-          </a:p>
-          <a:p>
-            <a:pPr algn="l"/>
-            <a:r>
-              <a:rPr lang="en-US" b="0" i="0" dirty="0">
-                <a:solidFill>
-                  <a:srgbClr val="3C3C3B"/>
-                </a:solidFill>
-                <a:effectLst/>
-                <a:latin typeface="+mn-lt"/>
-              </a:rPr>
-              <a:t>Image filters are small matrices (tensors) specialized in detecting a defined pattern. For instance, we can have a filter for detecting vertical lines only and another one only for horizontal lines. Computer vision systems run such filters in every part of the image and generate a new image with the detected patterns highlighted. These kinds of generated images are called </a:t>
-            </a:r>
-            <a:r>
-              <a:rPr lang="en-US" b="1" i="0" dirty="0">
-                <a:solidFill>
-                  <a:srgbClr val="3C3C3B"/>
-                </a:solidFill>
-                <a:effectLst/>
-                <a:latin typeface="+mn-lt"/>
-              </a:rPr>
-              <a:t>feature maps</a:t>
-            </a:r>
-            <a:r>
-              <a:rPr lang="en-US" b="0" i="0" dirty="0">
-                <a:solidFill>
-                  <a:srgbClr val="3C3C3B"/>
-                </a:solidFill>
-                <a:effectLst/>
-                <a:latin typeface="+mn-lt"/>
-              </a:rPr>
-              <a:t>. An example of a feature map where an edge-detection filter is used is shown here.</a:t>
-            </a:r>
-          </a:p>
-          <a:p>
-            <a:pPr algn="l"/>
-            <a:endParaRPr lang="en-US" b="0" i="0" dirty="0">
-              <a:solidFill>
-                <a:srgbClr val="3C3C3B"/>
-              </a:solidFill>
-              <a:effectLst/>
-              <a:latin typeface="+mn-lt"/>
-            </a:endParaRPr>
-          </a:p>
-          <a:p>
-            <a:pPr algn="l"/>
-            <a:r>
-              <a:rPr lang="en-US" b="0" i="0" dirty="0">
-                <a:solidFill>
-                  <a:srgbClr val="3C3C3B"/>
-                </a:solidFill>
-                <a:effectLst/>
-                <a:latin typeface="+mn-lt"/>
-              </a:rPr>
-              <a:t>Such filters are widely used in image processing. If you've used Adobe Photoshop before (or any other image processing tool), you will have most likely used filters such as </a:t>
-            </a:r>
-            <a:r>
-              <a:rPr lang="en-US" b="0" i="1" dirty="0">
-                <a:solidFill>
-                  <a:srgbClr val="3C3C3B"/>
-                </a:solidFill>
-                <a:effectLst/>
-                <a:latin typeface="+mn-lt"/>
-              </a:rPr>
-              <a:t>Gaussian</a:t>
-            </a:r>
-            <a:r>
-              <a:rPr lang="en-US" b="0" i="0" dirty="0">
-                <a:solidFill>
-                  <a:srgbClr val="3C3C3B"/>
-                </a:solidFill>
-                <a:effectLst/>
-                <a:latin typeface="+mn-lt"/>
-              </a:rPr>
-              <a:t> and </a:t>
-            </a:r>
-            <a:r>
-              <a:rPr lang="en-US" b="0" i="1" dirty="0">
-                <a:solidFill>
-                  <a:srgbClr val="3C3C3B"/>
-                </a:solidFill>
-                <a:effectLst/>
-                <a:latin typeface="+mn-lt"/>
-              </a:rPr>
-              <a:t>Sharpen</a:t>
-            </a:r>
-            <a:r>
-              <a:rPr lang="en-US" b="0" i="0" dirty="0">
-                <a:solidFill>
-                  <a:srgbClr val="3C3C3B"/>
-                </a:solidFill>
-                <a:effectLst/>
-                <a:latin typeface="+mn-lt"/>
-              </a:rPr>
-              <a:t>.</a:t>
-            </a:r>
-          </a:p>
-          <a:p>
-            <a:br>
-              <a:rPr lang="en-US" b="0" i="0" dirty="0">
-                <a:solidFill>
-                  <a:srgbClr val="3C3C3B"/>
-                </a:solidFill>
-                <a:effectLst/>
-                <a:latin typeface="Lato"/>
-              </a:rPr>
-            </a:br>
-            <a:endParaRPr lang="en-US" dirty="0"/>
+              <a:rPr lang="en-US" sz="1200" dirty="0">
+                <a:solidFill>
+                  <a:srgbClr val="000000"/>
+                </a:solidFill>
+                <a:latin typeface="+mn-lt"/>
+              </a:rPr>
+              <a:t>Additional information about Hubel and Wiesel’s research is provided in the BiologicalVision.pdf, located in our Practicum Teams workspace.  Path: Files -&gt; Textbooks</a:t>
+            </a:r>
           </a:p>
         </p:txBody>
       </p:sp>
@@ -3525,7 +3693,7 @@
           <a:p>
             <a:fld id="{3148858F-F1DB-4027-9C85-CCA6849540DD}" type="slidenum">
               <a:rPr lang="en-US" smtClean="0"/>
-              <a:t>7</a:t>
+              <a:t>6</a:t>
             </a:fld>
             <a:endParaRPr lang="en-US"/>
           </a:p>
@@ -3534,7 +3702,7 @@
     </p:spTree>
     <p:extLst>
       <p:ext uri="{BB962C8B-B14F-4D97-AF65-F5344CB8AC3E}">
-        <p14:creationId xmlns:p14="http://schemas.microsoft.com/office/powerpoint/2010/main" val="3206675144"/>
+        <p14:creationId xmlns:p14="http://schemas.microsoft.com/office/powerpoint/2010/main" val="388873883"/>
       </p:ext>
     </p:extLst>
   </p:cSld>
@@ -3588,9 +3756,518 @@
           <a:bodyPr/>
           <a:lstStyle/>
           <a:p>
-            <a:pPr defTabSz="939363">
+            <a:pPr marL="0" marR="0" lvl="0" indent="0" algn="l" defTabSz="914400" rtl="0" eaLnBrk="1" fontAlgn="auto" latinLnBrk="0" hangingPunct="1">
+              <a:lnSpc>
+                <a:spcPct val="100000"/>
+              </a:lnSpc>
+              <a:spcBef>
+                <a:spcPts val="0"/>
+              </a:spcBef>
+              <a:spcAft>
+                <a:spcPts val="0"/>
+              </a:spcAft>
+              <a:buClrTx/>
+              <a:buSzTx/>
+              <a:buFontTx/>
+              <a:buNone/>
+              <a:tabLst/>
               <a:defRPr/>
             </a:pPr>
+            <a:r>
+              <a:rPr lang="en-US" b="0" i="0" dirty="0">
+                <a:solidFill>
+                  <a:srgbClr val="3C3C3B"/>
+                </a:solidFill>
+                <a:effectLst/>
+                <a:latin typeface="+mn-lt"/>
+              </a:rPr>
+              <a:t>So how can we mimic the eye’s ability to detect patterns in its visual field?</a:t>
+            </a:r>
+          </a:p>
+          <a:p>
+            <a:pPr marL="0" indent="0" algn="l">
+              <a:buNone/>
+            </a:pPr>
+            <a:endParaRPr lang="en-US" b="0" i="0" dirty="0">
+              <a:solidFill>
+                <a:srgbClr val="3C3C3B"/>
+              </a:solidFill>
+              <a:effectLst/>
+              <a:latin typeface="+mn-lt"/>
+            </a:endParaRPr>
+          </a:p>
+          <a:p>
+            <a:pPr marL="228600" indent="-228600" algn="l">
+              <a:buAutoNum type="arabicPeriod"/>
+            </a:pPr>
+            <a:r>
+              <a:rPr lang="en-US" b="0" i="0" dirty="0">
+                <a:solidFill>
+                  <a:srgbClr val="3C3C3B"/>
+                </a:solidFill>
+                <a:effectLst/>
+                <a:latin typeface="+mn-lt"/>
+              </a:rPr>
+              <a:t>Images are unstructured data + features</a:t>
+            </a:r>
+          </a:p>
+          <a:p>
+            <a:pPr marL="228600" indent="-228600" algn="l">
+              <a:buAutoNum type="arabicPeriod"/>
+            </a:pPr>
+            <a:r>
+              <a:rPr lang="en-US" b="0" i="0" dirty="0">
+                <a:solidFill>
+                  <a:srgbClr val="3C3C3B"/>
+                </a:solidFill>
+                <a:effectLst/>
+                <a:latin typeface="+mn-lt"/>
+              </a:rPr>
+              <a:t>Features include (lines, circles, rectangles, and so on), colors (red, blue, orange, yellow, and so on), and specific characteristics related to different types of objects (hair, wheel, leaves, and so on)</a:t>
+            </a:r>
+          </a:p>
+          <a:p>
+            <a:pPr marL="228600" indent="-228600" algn="l">
+              <a:buAutoNum type="arabicPeriod"/>
+            </a:pPr>
+            <a:r>
+              <a:rPr lang="en-US" b="0" i="0" dirty="0">
+                <a:solidFill>
+                  <a:srgbClr val="3C3C3B"/>
+                </a:solidFill>
+                <a:effectLst/>
+                <a:latin typeface="+mn-lt"/>
+              </a:rPr>
+              <a:t>Our eyes automatically detect features – we mimic this ability with </a:t>
+            </a:r>
+            <a:r>
+              <a:rPr lang="en-US" b="1" i="0" dirty="0">
+                <a:solidFill>
+                  <a:srgbClr val="3C3C3B"/>
+                </a:solidFill>
+                <a:effectLst/>
+                <a:latin typeface="+mn-lt"/>
+              </a:rPr>
+              <a:t>images filters</a:t>
+            </a:r>
+            <a:r>
+              <a:rPr lang="en-US" b="0" i="0" dirty="0">
+                <a:solidFill>
+                  <a:srgbClr val="3C3C3B"/>
+                </a:solidFill>
+                <a:effectLst/>
+                <a:latin typeface="+mn-lt"/>
+              </a:rPr>
+              <a:t>, also called </a:t>
+            </a:r>
+            <a:r>
+              <a:rPr lang="en-US" b="1" i="0" dirty="0">
+                <a:solidFill>
+                  <a:srgbClr val="3C3C3B"/>
+                </a:solidFill>
+                <a:effectLst/>
+                <a:latin typeface="+mn-lt"/>
+              </a:rPr>
+              <a:t>kernels</a:t>
+            </a:r>
+            <a:r>
+              <a:rPr lang="en-US" b="0" i="0" dirty="0">
+                <a:solidFill>
+                  <a:srgbClr val="3C3C3B"/>
+                </a:solidFill>
+                <a:effectLst/>
+                <a:latin typeface="+mn-lt"/>
+              </a:rPr>
+              <a:t>.</a:t>
+            </a:r>
+          </a:p>
+          <a:p>
+            <a:pPr marL="228600" indent="-228600" algn="l">
+              <a:buAutoNum type="arabicPeriod"/>
+            </a:pPr>
+            <a:r>
+              <a:rPr lang="en-US" b="0" i="0" dirty="0">
+                <a:solidFill>
+                  <a:srgbClr val="3C3C3B"/>
+                </a:solidFill>
+                <a:effectLst/>
+                <a:latin typeface="+mn-lt"/>
+              </a:rPr>
+              <a:t>Image filters (kernels) are small matrices (tensors) specialized in detecting a defined pattern.</a:t>
+            </a:r>
+          </a:p>
+          <a:p>
+            <a:pPr marL="685800" lvl="1" indent="-228600" algn="l">
+              <a:buAutoNum type="arabicPeriod"/>
+            </a:pPr>
+            <a:r>
+              <a:rPr lang="en-US" b="0" i="0" dirty="0">
+                <a:solidFill>
+                  <a:srgbClr val="3C3C3B"/>
+                </a:solidFill>
+                <a:effectLst/>
+                <a:latin typeface="+mn-lt"/>
+              </a:rPr>
+              <a:t>Vertical lines</a:t>
+            </a:r>
+          </a:p>
+          <a:p>
+            <a:pPr marL="685800" lvl="1" indent="-228600" algn="l">
+              <a:buAutoNum type="arabicPeriod"/>
+            </a:pPr>
+            <a:r>
+              <a:rPr lang="en-US" b="0" i="0" dirty="0">
+                <a:solidFill>
+                  <a:srgbClr val="3C3C3B"/>
+                </a:solidFill>
+                <a:effectLst/>
+                <a:latin typeface="+mn-lt"/>
+              </a:rPr>
+              <a:t>Horizontal lines</a:t>
+            </a:r>
+          </a:p>
+          <a:p>
+            <a:pPr marL="228600" lvl="0" indent="-228600" algn="l">
+              <a:buAutoNum type="arabicPeriod"/>
+            </a:pPr>
+            <a:r>
+              <a:rPr lang="en-US" b="0" i="0" dirty="0">
+                <a:solidFill>
+                  <a:srgbClr val="3C3C3B"/>
+                </a:solidFill>
+                <a:effectLst/>
+                <a:latin typeface="+mn-lt"/>
+              </a:rPr>
+              <a:t>Computer vision systems run such filters on every part of the image, generating a new image with the detected patterns highlighted. These kinds of generated images are called </a:t>
+            </a:r>
+            <a:r>
+              <a:rPr lang="en-US" b="1" i="0" dirty="0">
+                <a:solidFill>
+                  <a:srgbClr val="3C3C3B"/>
+                </a:solidFill>
+                <a:effectLst/>
+                <a:latin typeface="+mn-lt"/>
+              </a:rPr>
+              <a:t>feature maps</a:t>
+            </a:r>
+            <a:r>
+              <a:rPr lang="en-US" b="0" i="0" dirty="0">
+                <a:solidFill>
+                  <a:srgbClr val="3C3C3B"/>
+                </a:solidFill>
+                <a:effectLst/>
+                <a:latin typeface="+mn-lt"/>
+              </a:rPr>
+              <a:t>.</a:t>
+            </a:r>
+          </a:p>
+          <a:p>
+            <a:pPr marL="228600" lvl="0" indent="-228600" algn="l">
+              <a:buAutoNum type="arabicPeriod"/>
+            </a:pPr>
+            <a:r>
+              <a:rPr lang="en-US" b="0" i="0" dirty="0">
+                <a:solidFill>
+                  <a:srgbClr val="3C3C3B"/>
+                </a:solidFill>
+                <a:effectLst/>
+                <a:latin typeface="+mn-lt"/>
+              </a:rPr>
+              <a:t>Adobe Photoshop – Gaussian and Sharpen filters</a:t>
+            </a:r>
+          </a:p>
+          <a:p>
+            <a:pPr marL="0" marR="0" lvl="0" indent="0" algn="l" defTabSz="914400" rtl="0" eaLnBrk="1" fontAlgn="auto" latinLnBrk="0" hangingPunct="1">
+              <a:lnSpc>
+                <a:spcPct val="100000"/>
+              </a:lnSpc>
+              <a:spcBef>
+                <a:spcPts val="0"/>
+              </a:spcBef>
+              <a:spcAft>
+                <a:spcPts val="0"/>
+              </a:spcAft>
+              <a:buClrTx/>
+              <a:buSzTx/>
+              <a:buFontTx/>
+              <a:buNone/>
+              <a:tabLst/>
+              <a:defRPr/>
+            </a:pPr>
+            <a:endParaRPr lang="en-US" dirty="0">
+              <a:latin typeface="+mn-lt"/>
+            </a:endParaRPr>
+          </a:p>
+          <a:p>
+            <a:pPr marL="0" marR="0" lvl="0" indent="0" algn="l" defTabSz="914400" rtl="0" eaLnBrk="1" fontAlgn="auto" latinLnBrk="0" hangingPunct="1">
+              <a:lnSpc>
+                <a:spcPct val="100000"/>
+              </a:lnSpc>
+              <a:spcBef>
+                <a:spcPts val="0"/>
+              </a:spcBef>
+              <a:spcAft>
+                <a:spcPts val="0"/>
+              </a:spcAft>
+              <a:buClrTx/>
+              <a:buSzTx/>
+              <a:buFontTx/>
+              <a:buNone/>
+              <a:tabLst/>
+              <a:defRPr/>
+            </a:pPr>
+            <a:r>
+              <a:rPr lang="en-US" dirty="0">
+                <a:latin typeface="+mn-lt"/>
+              </a:rPr>
+              <a:t>=====</a:t>
+            </a:r>
+          </a:p>
+          <a:p>
+            <a:pPr algn="l"/>
+            <a:r>
+              <a:rPr lang="en-US" b="0" i="0" dirty="0">
+                <a:solidFill>
+                  <a:srgbClr val="3C3C3B"/>
+                </a:solidFill>
+                <a:effectLst/>
+                <a:latin typeface="+mn-lt"/>
+              </a:rPr>
+              <a:t>Now once an image has been transformed into a tensor and fed into a CNN, how can we mimic the eye’s ability to detect patterns in its visual field?</a:t>
+            </a:r>
+          </a:p>
+          <a:p>
+            <a:pPr algn="l"/>
+            <a:endParaRPr lang="en-US" b="0" i="0" dirty="0">
+              <a:solidFill>
+                <a:srgbClr val="3C3C3B"/>
+              </a:solidFill>
+              <a:effectLst/>
+              <a:latin typeface="+mn-lt"/>
+            </a:endParaRPr>
+          </a:p>
+          <a:p>
+            <a:pPr algn="l"/>
+            <a:r>
+              <a:rPr lang="en-US" b="0" i="0" dirty="0">
+                <a:solidFill>
+                  <a:srgbClr val="3C3C3B"/>
+                </a:solidFill>
+                <a:effectLst/>
+                <a:latin typeface="+mn-lt"/>
+              </a:rPr>
+              <a:t>Unlike structured data, images don't follow any specific pattern. It is impossible to say, for instance, that the third line will always contain the eye of an animal or that the bottom left corner will always represent a red, round-shaped object. Images can be of anything and don't follow any structure. That’s why images are classified as </a:t>
+            </a:r>
+            <a:r>
+              <a:rPr lang="en-US" b="1" i="0" dirty="0">
+                <a:solidFill>
+                  <a:srgbClr val="3C3C3B"/>
+                </a:solidFill>
+                <a:effectLst/>
+                <a:latin typeface="+mn-lt"/>
+              </a:rPr>
+              <a:t>unstructured data</a:t>
+            </a:r>
+            <a:r>
+              <a:rPr lang="en-US" b="0" i="0" dirty="0">
+                <a:solidFill>
+                  <a:srgbClr val="3C3C3B"/>
+                </a:solidFill>
+                <a:effectLst/>
+                <a:latin typeface="+mn-lt"/>
+              </a:rPr>
+              <a:t>.</a:t>
+            </a:r>
+          </a:p>
+          <a:p>
+            <a:pPr algn="l"/>
+            <a:endParaRPr lang="en-US" b="0" i="0" dirty="0">
+              <a:solidFill>
+                <a:srgbClr val="3C3C3B"/>
+              </a:solidFill>
+              <a:effectLst/>
+              <a:latin typeface="+mn-lt"/>
+            </a:endParaRPr>
+          </a:p>
+          <a:p>
+            <a:pPr algn="l"/>
+            <a:r>
+              <a:rPr lang="en-US" b="0" i="0" dirty="0">
+                <a:solidFill>
+                  <a:srgbClr val="3C3C3B"/>
+                </a:solidFill>
+                <a:effectLst/>
+                <a:latin typeface="+mn-lt"/>
+              </a:rPr>
+              <a:t>However, images do contain features. They contain different shapes (lines, circles, rectangles, and so on), colors (red, blue, orange, yellow, and so on), and specific characteristics related to different types of objects (hair, wheel, leaves, and so on). Our eyes and brain can easily analyze and interpret all these features and identify objects in images. Therefore, we need to simulate the same analytical process for computers. </a:t>
+            </a:r>
+            <a:r>
+              <a:rPr lang="en-US" b="0" i="0" dirty="0">
+                <a:solidFill>
+                  <a:srgbClr val="FFFFFF"/>
+                </a:solidFill>
+                <a:effectLst/>
+                <a:latin typeface="+mn-lt"/>
+              </a:rPr>
+              <a:t>This is where </a:t>
+            </a:r>
+            <a:r>
+              <a:rPr lang="en-US" b="1" i="0" dirty="0">
+                <a:solidFill>
+                  <a:srgbClr val="FFFFFF"/>
+                </a:solidFill>
+                <a:effectLst/>
+                <a:latin typeface="+mn-lt"/>
+              </a:rPr>
+              <a:t>image filters</a:t>
+            </a:r>
+            <a:r>
+              <a:rPr lang="en-US" b="0" i="0" dirty="0">
+                <a:solidFill>
+                  <a:srgbClr val="FFFFFF"/>
+                </a:solidFill>
+                <a:effectLst/>
+                <a:latin typeface="+mn-lt"/>
+              </a:rPr>
+              <a:t> (also called </a:t>
+            </a:r>
+            <a:r>
+              <a:rPr lang="en-US" b="1" i="0" dirty="0">
+                <a:solidFill>
+                  <a:srgbClr val="FFFFFF"/>
+                </a:solidFill>
+                <a:effectLst/>
+                <a:latin typeface="+mn-lt"/>
+              </a:rPr>
+              <a:t>kernels</a:t>
+            </a:r>
+            <a:r>
+              <a:rPr lang="en-US" b="0" i="0" dirty="0">
+                <a:solidFill>
+                  <a:srgbClr val="FFFFFF"/>
+                </a:solidFill>
+                <a:effectLst/>
+                <a:latin typeface="+mn-lt"/>
+              </a:rPr>
+              <a:t>) come into play.</a:t>
+            </a:r>
+          </a:p>
+          <a:p>
+            <a:pPr algn="l"/>
+            <a:endParaRPr lang="en-US" b="0" i="0" dirty="0">
+              <a:solidFill>
+                <a:srgbClr val="3C3C3B"/>
+              </a:solidFill>
+              <a:effectLst/>
+              <a:latin typeface="+mn-lt"/>
+            </a:endParaRPr>
+          </a:p>
+          <a:p>
+            <a:pPr algn="l"/>
+            <a:r>
+              <a:rPr lang="en-US" b="0" i="0" dirty="0">
+                <a:solidFill>
+                  <a:srgbClr val="3C3C3B"/>
+                </a:solidFill>
+                <a:effectLst/>
+                <a:latin typeface="+mn-lt"/>
+              </a:rPr>
+              <a:t>Image filters are small matrices (tensors) specialized in detecting a defined pattern. For instance, we can have a filter for detecting vertical lines only and another one only for horizontal lines. Computer vision systems run such filters in every part of the image and generate a new image with the detected patterns highlighted. These kinds of generated images are called </a:t>
+            </a:r>
+            <a:r>
+              <a:rPr lang="en-US" b="1" i="0" dirty="0">
+                <a:solidFill>
+                  <a:srgbClr val="3C3C3B"/>
+                </a:solidFill>
+                <a:effectLst/>
+                <a:latin typeface="+mn-lt"/>
+              </a:rPr>
+              <a:t>feature maps</a:t>
+            </a:r>
+            <a:r>
+              <a:rPr lang="en-US" b="0" i="0" dirty="0">
+                <a:solidFill>
+                  <a:srgbClr val="3C3C3B"/>
+                </a:solidFill>
+                <a:effectLst/>
+                <a:latin typeface="+mn-lt"/>
+              </a:rPr>
+              <a:t>. An example of a feature map where an edge-detection filter is used is shown here.</a:t>
+            </a:r>
+          </a:p>
+          <a:p>
+            <a:pPr algn="l"/>
+            <a:endParaRPr lang="en-US" b="0" i="0" dirty="0">
+              <a:solidFill>
+                <a:srgbClr val="3C3C3B"/>
+              </a:solidFill>
+              <a:effectLst/>
+              <a:latin typeface="+mn-lt"/>
+            </a:endParaRPr>
+          </a:p>
+          <a:p>
+            <a:pPr algn="l"/>
+            <a:r>
+              <a:rPr lang="en-US" b="0" i="0" dirty="0">
+                <a:solidFill>
+                  <a:srgbClr val="3C3C3B"/>
+                </a:solidFill>
+                <a:effectLst/>
+                <a:latin typeface="+mn-lt"/>
+              </a:rPr>
+              <a:t>Such filters are widely used in image processing. If you've used Adobe Photoshop before (or any other image processing tool), you will have most likely used filters such as </a:t>
+            </a:r>
+            <a:r>
+              <a:rPr lang="en-US" b="0" i="1" dirty="0">
+                <a:solidFill>
+                  <a:srgbClr val="3C3C3B"/>
+                </a:solidFill>
+                <a:effectLst/>
+                <a:latin typeface="+mn-lt"/>
+              </a:rPr>
+              <a:t>Gaussian</a:t>
+            </a:r>
+            <a:r>
+              <a:rPr lang="en-US" b="0" i="0" dirty="0">
+                <a:solidFill>
+                  <a:srgbClr val="3C3C3B"/>
+                </a:solidFill>
+                <a:effectLst/>
+                <a:latin typeface="+mn-lt"/>
+              </a:rPr>
+              <a:t> and </a:t>
+            </a:r>
+            <a:r>
+              <a:rPr lang="en-US" b="0" i="1" dirty="0">
+                <a:solidFill>
+                  <a:srgbClr val="3C3C3B"/>
+                </a:solidFill>
+                <a:effectLst/>
+                <a:latin typeface="+mn-lt"/>
+              </a:rPr>
+              <a:t>Sharpen</a:t>
+            </a:r>
+            <a:r>
+              <a:rPr lang="en-US" b="0" i="0" dirty="0">
+                <a:solidFill>
+                  <a:srgbClr val="3C3C3B"/>
+                </a:solidFill>
+                <a:effectLst/>
+                <a:latin typeface="+mn-lt"/>
+              </a:rPr>
+              <a:t>.</a:t>
+            </a:r>
+          </a:p>
+          <a:p>
+            <a:br>
+              <a:rPr lang="en-US" b="0" i="0" dirty="0">
+                <a:solidFill>
+                  <a:srgbClr val="3C3C3B"/>
+                </a:solidFill>
+                <a:effectLst/>
+                <a:latin typeface="Lato"/>
+              </a:rPr>
+            </a:br>
             <a:endParaRPr lang="en-US" dirty="0"/>
           </a:p>
         </p:txBody>
@@ -3612,7 +4289,7 @@
           <a:p>
             <a:fld id="{3148858F-F1DB-4027-9C85-CCA6849540DD}" type="slidenum">
               <a:rPr lang="en-US" smtClean="0"/>
-              <a:t>8</a:t>
+              <a:t>7</a:t>
             </a:fld>
             <a:endParaRPr lang="en-US"/>
           </a:p>
@@ -3621,7 +4298,7 @@
     </p:spTree>
     <p:extLst>
       <p:ext uri="{BB962C8B-B14F-4D97-AF65-F5344CB8AC3E}">
-        <p14:creationId xmlns:p14="http://schemas.microsoft.com/office/powerpoint/2010/main" val="1640963434"/>
+        <p14:creationId xmlns:p14="http://schemas.microsoft.com/office/powerpoint/2010/main" val="3206675144"/>
       </p:ext>
     </p:extLst>
   </p:cSld>
@@ -3675,157 +4352,24 @@
           <a:bodyPr/>
           <a:lstStyle/>
           <a:p>
-            <a:pPr marL="228600" indent="-228600" algn="l">
-              <a:buAutoNum type="arabicPeriod"/>
-            </a:pPr>
-            <a:r>
-              <a:rPr lang="en-US" sz="1200" dirty="0">
-                <a:latin typeface="+mn-lt"/>
-              </a:rPr>
-              <a:t>Why CNN’s – why not use fully connected neural networks?</a:t>
-            </a:r>
-          </a:p>
-          <a:p>
-            <a:pPr marL="228600" indent="-228600" algn="l">
-              <a:buAutoNum type="arabicPeriod"/>
-            </a:pPr>
-            <a:r>
-              <a:rPr lang="en-US" sz="1200" dirty="0">
-                <a:latin typeface="+mn-lt"/>
-              </a:rPr>
-              <a:t>Fully connected works well with small images (28 x 28 pixels – size of MNIST images), not so well with larger images.</a:t>
-            </a:r>
-          </a:p>
-          <a:p>
-            <a:pPr marL="228600" indent="-228600" algn="l">
-              <a:buAutoNum type="arabicPeriod"/>
-            </a:pPr>
-            <a:r>
-              <a:rPr lang="en-US" sz="1200" dirty="0">
-                <a:latin typeface="+mn-lt"/>
-              </a:rPr>
-              <a:t>A 100 × 100–pixel image has 10,000 pixels, and if the initial layer has just 1,000 neurons, this adds up to a total of 10 million connections. And that’s just the first layer. CNNs solve this problem through partially connected layers and the use of new kinds of layers.</a:t>
-            </a:r>
-          </a:p>
-          <a:p>
-            <a:pPr algn="l"/>
-            <a:endParaRPr lang="en-US" dirty="0">
-              <a:latin typeface="+mn-lt"/>
-            </a:endParaRPr>
-          </a:p>
-          <a:p>
-            <a:pPr marL="0" marR="0" lvl="0" indent="0" algn="l" defTabSz="914400" rtl="0" eaLnBrk="1" fontAlgn="auto" latinLnBrk="0" hangingPunct="1">
-              <a:lnSpc>
-                <a:spcPct val="100000"/>
-              </a:lnSpc>
-              <a:spcBef>
-                <a:spcPts val="0"/>
-              </a:spcBef>
-              <a:spcAft>
-                <a:spcPts val="0"/>
-              </a:spcAft>
-              <a:buClrTx/>
-              <a:buSzTx/>
-              <a:buFontTx/>
-              <a:buNone/>
-              <a:tabLst/>
+            <a:pPr defTabSz="939363">
               <a:defRPr/>
             </a:pPr>
             <a:r>
-              <a:rPr lang="en-US" dirty="0">
-                <a:latin typeface="+mn-lt"/>
-              </a:rPr>
-              <a:t>=====</a:t>
-            </a:r>
-          </a:p>
-          <a:p>
-            <a:pPr algn="l"/>
-            <a:r>
-              <a:rPr lang="en-US" sz="1200" dirty="0">
-                <a:latin typeface="+mn-lt"/>
-              </a:rPr>
-              <a:t>So, why do we need a new kind of neural network?  Why not use a deep neural network with fully connected layers for image recognition tasks?</a:t>
-            </a:r>
-          </a:p>
-          <a:p>
-            <a:pPr algn="l"/>
-            <a:endParaRPr lang="en-US" sz="1200" dirty="0">
-              <a:latin typeface="+mn-lt"/>
-            </a:endParaRPr>
-          </a:p>
-          <a:p>
-            <a:pPr algn="l"/>
-            <a:r>
-              <a:rPr lang="en-US" sz="1200" dirty="0">
-                <a:latin typeface="+mn-lt"/>
-              </a:rPr>
-              <a:t>Well, fully connected networks work fine for small images (e.g., MNIST), but they break down for larger images because of the huge number of parameters required. For example, a 100 × 100–pixel image has 10,000 pixels, and if the first layer has just 1,000 neurons (which already severely restricts the amount of information transmitted to the next layer), this means a total of 10 million connections. And that’s just the first layer. CNNs solve this problem through partially connected layers and the use of new kinds of layers.</a:t>
-            </a:r>
-          </a:p>
-          <a:p>
-            <a:pPr algn="l"/>
-            <a:endParaRPr lang="en-US" sz="1200" dirty="0">
-              <a:latin typeface="+mn-lt"/>
-            </a:endParaRPr>
-          </a:p>
-          <a:p>
-            <a:pPr algn="l"/>
-            <a:r>
-              <a:rPr lang="en-US" sz="1200" dirty="0">
-                <a:solidFill>
-                  <a:schemeClr val="tx1">
-                    <a:lumMod val="65000"/>
-                    <a:lumOff val="35000"/>
-                  </a:schemeClr>
-                </a:solidFill>
-                <a:latin typeface="+mn-lt"/>
-                <a:ea typeface="Verdana" panose="020B0604030504040204" pitchFamily="34" charset="0"/>
-              </a:rPr>
-              <a:t>Source: Geron, A. (2019). </a:t>
-            </a:r>
-            <a:r>
-              <a:rPr lang="en-US" sz="1200" i="1" dirty="0">
-                <a:solidFill>
-                  <a:schemeClr val="tx1">
-                    <a:lumMod val="65000"/>
-                    <a:lumOff val="35000"/>
-                  </a:schemeClr>
-                </a:solidFill>
-                <a:latin typeface="+mn-lt"/>
-                <a:ea typeface="Verdana" panose="020B0604030504040204" pitchFamily="34" charset="0"/>
-              </a:rPr>
-              <a:t>Hands-on machine learning with Sci-Kit learn, Keras, &amp; Tensorflow.</a:t>
-            </a:r>
-            <a:r>
-              <a:rPr lang="en-US" sz="1200" dirty="0">
-                <a:solidFill>
-                  <a:schemeClr val="tx1">
-                    <a:lumMod val="65000"/>
-                    <a:lumOff val="35000"/>
-                  </a:schemeClr>
-                </a:solidFill>
-                <a:latin typeface="+mn-lt"/>
-                <a:ea typeface="Verdana" panose="020B0604030504040204" pitchFamily="34" charset="0"/>
-              </a:rPr>
-              <a:t> Sebastopol, CA: O’Reilly Media. (Chapter 14).</a:t>
-            </a:r>
-            <a:endParaRPr lang="en-US" sz="1200" dirty="0">
-              <a:latin typeface="+mn-lt"/>
-            </a:endParaRPr>
-          </a:p>
-          <a:p>
-            <a:pPr algn="l"/>
-            <a:endParaRPr lang="en-US" sz="1800" dirty="0">
-              <a:latin typeface="MinionPro-Regular"/>
-            </a:endParaRPr>
-          </a:p>
-          <a:p>
-            <a:pPr algn="l"/>
-            <a:r>
-              <a:rPr lang="en-US" sz="1800" dirty="0">
-                <a:latin typeface="MinionPro-Regular"/>
-              </a:rPr>
-              <a:t> </a:t>
+              <a:rPr lang="en-US" dirty="0"/>
+              <a:t>Our first hands-on coding exercise comes from Andrew </a:t>
+            </a:r>
+            <a:r>
+              <a:rPr lang="en-US" dirty="0" err="1"/>
+              <a:t>Glassner’s</a:t>
+            </a:r>
+            <a:r>
+              <a:rPr lang="en-US" dirty="0"/>
+              <a:t> wonderful book </a:t>
+            </a:r>
+            <a:r>
+              <a:rPr lang="en-US" i="1" dirty="0"/>
+              <a:t>Deep Learning: A Visual Approach.</a:t>
             </a:r>
             <a:endParaRPr lang="en-US" dirty="0"/>
           </a:p>
@@ -3848,7 +4392,7 @@
           <a:p>
             <a:fld id="{3148858F-F1DB-4027-9C85-CCA6849540DD}" type="slidenum">
               <a:rPr lang="en-US" smtClean="0"/>
-              <a:t>9</a:t>
+              <a:t>8</a:t>
             </a:fld>
             <a:endParaRPr lang="en-US"/>
           </a:p>
@@ -3857,7 +4401,7 @@
     </p:spTree>
     <p:extLst>
       <p:ext uri="{BB962C8B-B14F-4D97-AF65-F5344CB8AC3E}">
-        <p14:creationId xmlns:p14="http://schemas.microsoft.com/office/powerpoint/2010/main" val="80972208"/>
+        <p14:creationId xmlns:p14="http://schemas.microsoft.com/office/powerpoint/2010/main" val="1640963434"/>
       </p:ext>
     </p:extLst>
   </p:cSld>
@@ -3911,200 +4455,43 @@
           <a:bodyPr/>
           <a:lstStyle/>
           <a:p>
-            <a:pPr marL="228600" indent="-228600">
+            <a:pPr marL="228600" indent="-228600" algn="l">
               <a:buAutoNum type="arabicPeriod"/>
             </a:pPr>
             <a:r>
-              <a:rPr lang="en-US" b="0" i="0" dirty="0">
-                <a:solidFill>
-                  <a:srgbClr val="3C3C3B"/>
-                </a:solidFill>
-                <a:effectLst/>
-                <a:latin typeface="Calibri" panose="020F0502020204030204" pitchFamily="34" charset="0"/>
-                <a:cs typeface="Calibri" panose="020F0502020204030204" pitchFamily="34" charset="0"/>
-              </a:rPr>
-              <a:t>CNN performance has increased dramatically – some CNN models process and interpret images faster and more accurately than humans – Radiology example.</a:t>
-            </a:r>
-          </a:p>
-          <a:p>
-            <a:pPr marL="228600" indent="-228600">
+              <a:rPr lang="en-US" sz="1200" dirty="0">
+                <a:latin typeface="+mn-lt"/>
+              </a:rPr>
+              <a:t>Why CNN’s – why not use fully connected neural networks?</a:t>
+            </a:r>
+          </a:p>
+          <a:p>
+            <a:pPr marL="228600" indent="-228600" algn="l">
               <a:buAutoNum type="arabicPeriod"/>
             </a:pPr>
             <a:r>
-              <a:rPr lang="en-US" b="0" i="0" dirty="0">
-                <a:solidFill>
-                  <a:srgbClr val="3C3C3B"/>
-                </a:solidFill>
-                <a:effectLst/>
-                <a:latin typeface="Calibri" panose="020F0502020204030204" pitchFamily="34" charset="0"/>
-                <a:cs typeface="Calibri" panose="020F0502020204030204" pitchFamily="34" charset="0"/>
-              </a:rPr>
-              <a:t>The four different domains:</a:t>
-            </a:r>
-          </a:p>
-          <a:p>
-            <a:pPr marL="685800" marR="0" lvl="1" indent="-228600" algn="l" defTabSz="914400" rtl="0" eaLnBrk="1" fontAlgn="auto" latinLnBrk="0" hangingPunct="1">
-              <a:lnSpc>
-                <a:spcPct val="100000"/>
-              </a:lnSpc>
-              <a:spcBef>
-                <a:spcPts val="0"/>
-              </a:spcBef>
-              <a:spcAft>
-                <a:spcPts val="0"/>
-              </a:spcAft>
-              <a:buClrTx/>
-              <a:buSzTx/>
-              <a:buFontTx/>
+              <a:rPr lang="en-US" sz="1200" dirty="0">
+                <a:latin typeface="+mn-lt"/>
+              </a:rPr>
+              <a:t>Fully connected works well with small images (28 x 28 pixels – size of MNIST images), not so well with larger images.</a:t>
+            </a:r>
+          </a:p>
+          <a:p>
+            <a:pPr marL="228600" indent="-228600" algn="l">
               <a:buAutoNum type="arabicPeriod"/>
-              <a:tabLst/>
-              <a:defRPr/>
             </a:pPr>
             <a:r>
-              <a:rPr lang="en-US" b="1" i="0" dirty="0">
-                <a:solidFill>
-                  <a:srgbClr val="3C3C3B"/>
-                </a:solidFill>
-                <a:effectLst/>
-                <a:latin typeface="Calibri" panose="020F0502020204030204" pitchFamily="34" charset="0"/>
-                <a:cs typeface="Calibri" panose="020F0502020204030204" pitchFamily="34" charset="0"/>
-              </a:rPr>
-              <a:t>Image classification</a:t>
-            </a:r>
-            <a:r>
-              <a:rPr lang="en-US" b="0" i="0" dirty="0">
-                <a:solidFill>
-                  <a:srgbClr val="3C3C3B"/>
-                </a:solidFill>
-                <a:effectLst/>
-                <a:latin typeface="Calibri" panose="020F0502020204030204" pitchFamily="34" charset="0"/>
-                <a:cs typeface="Calibri" panose="020F0502020204030204" pitchFamily="34" charset="0"/>
-              </a:rPr>
-              <a:t>, where we need to recognize the main object in an image.</a:t>
-            </a:r>
-          </a:p>
-          <a:p>
-            <a:pPr marL="685800" marR="0" lvl="1" indent="-228600" algn="l" defTabSz="914400" rtl="0" eaLnBrk="1" fontAlgn="auto" latinLnBrk="0" hangingPunct="1">
-              <a:lnSpc>
-                <a:spcPct val="100000"/>
-              </a:lnSpc>
-              <a:spcBef>
-                <a:spcPts val="0"/>
-              </a:spcBef>
-              <a:spcAft>
-                <a:spcPts val="0"/>
-              </a:spcAft>
-              <a:buClrTx/>
-              <a:buSzTx/>
-              <a:buFontTx/>
-              <a:buAutoNum type="arabicPeriod"/>
-              <a:tabLst/>
-              <a:defRPr/>
-            </a:pPr>
-            <a:r>
-              <a:rPr lang="en-US" b="1" i="0" dirty="0">
-                <a:solidFill>
-                  <a:srgbClr val="3C3C3B"/>
-                </a:solidFill>
-                <a:effectLst/>
-                <a:latin typeface="Calibri" panose="020F0502020204030204" pitchFamily="34" charset="0"/>
-                <a:cs typeface="Calibri" panose="020F0502020204030204" pitchFamily="34" charset="0"/>
-              </a:rPr>
-              <a:t>Image classification and localization</a:t>
-            </a:r>
-            <a:r>
-              <a:rPr lang="en-US" b="0" i="0" dirty="0">
-                <a:solidFill>
-                  <a:srgbClr val="3C3C3B"/>
-                </a:solidFill>
-                <a:effectLst/>
-                <a:latin typeface="Calibri" panose="020F0502020204030204" pitchFamily="34" charset="0"/>
-                <a:cs typeface="Calibri" panose="020F0502020204030204" pitchFamily="34" charset="0"/>
-              </a:rPr>
-              <a:t>, where we need to recognize and localize the main object in an image with a bounding box.</a:t>
-            </a:r>
-          </a:p>
-          <a:p>
-            <a:pPr marL="685800" marR="0" lvl="1" indent="-228600" algn="l" defTabSz="914400" rtl="0" eaLnBrk="1" fontAlgn="auto" latinLnBrk="0" hangingPunct="1">
-              <a:lnSpc>
-                <a:spcPct val="100000"/>
-              </a:lnSpc>
-              <a:spcBef>
-                <a:spcPts val="0"/>
-              </a:spcBef>
-              <a:spcAft>
-                <a:spcPts val="0"/>
-              </a:spcAft>
-              <a:buClrTx/>
-              <a:buSzTx/>
-              <a:buFontTx/>
-              <a:buAutoNum type="arabicPeriod"/>
-              <a:tabLst/>
-              <a:defRPr/>
-            </a:pPr>
-            <a:r>
-              <a:rPr lang="en-US" b="1" i="0" dirty="0">
-                <a:solidFill>
-                  <a:srgbClr val="3C3C3B"/>
-                </a:solidFill>
-                <a:effectLst/>
-                <a:latin typeface="Calibri" panose="020F0502020204030204" pitchFamily="34" charset="0"/>
-                <a:cs typeface="Calibri" panose="020F0502020204030204" pitchFamily="34" charset="0"/>
-              </a:rPr>
-              <a:t>Object detection</a:t>
-            </a:r>
-            <a:r>
-              <a:rPr lang="en-US" b="0" i="0" dirty="0">
-                <a:solidFill>
-                  <a:srgbClr val="3C3C3B"/>
-                </a:solidFill>
-                <a:effectLst/>
-                <a:latin typeface="Calibri" panose="020F0502020204030204" pitchFamily="34" charset="0"/>
-                <a:cs typeface="Calibri" panose="020F0502020204030204" pitchFamily="34" charset="0"/>
-              </a:rPr>
-              <a:t>, where we need to recognize multiple objects in an image with bounding boxes.</a:t>
-            </a:r>
-          </a:p>
-          <a:p>
-            <a:pPr marL="685800" marR="0" lvl="1" indent="-228600" algn="l" defTabSz="914400" rtl="0" eaLnBrk="1" fontAlgn="auto" latinLnBrk="0" hangingPunct="1">
-              <a:lnSpc>
-                <a:spcPct val="100000"/>
-              </a:lnSpc>
-              <a:spcBef>
-                <a:spcPts val="0"/>
-              </a:spcBef>
-              <a:spcAft>
-                <a:spcPts val="0"/>
-              </a:spcAft>
-              <a:buClrTx/>
-              <a:buSzTx/>
-              <a:buFontTx/>
-              <a:buAutoNum type="arabicPeriod"/>
-              <a:tabLst/>
-              <a:defRPr/>
-            </a:pPr>
-            <a:r>
-              <a:rPr lang="en-US" b="1" i="0" dirty="0">
-                <a:solidFill>
-                  <a:srgbClr val="3C3C3B"/>
-                </a:solidFill>
-                <a:effectLst/>
-                <a:latin typeface="Calibri" panose="020F0502020204030204" pitchFamily="34" charset="0"/>
-                <a:cs typeface="Calibri" panose="020F0502020204030204" pitchFamily="34" charset="0"/>
-              </a:rPr>
-              <a:t>Image segmentation</a:t>
-            </a:r>
-            <a:r>
-              <a:rPr lang="en-US" b="0" i="0" dirty="0">
-                <a:solidFill>
-                  <a:srgbClr val="3C3C3B"/>
-                </a:solidFill>
-                <a:effectLst/>
-                <a:latin typeface="Calibri" panose="020F0502020204030204" pitchFamily="34" charset="0"/>
-                <a:cs typeface="Calibri" panose="020F0502020204030204" pitchFamily="34" charset="0"/>
-              </a:rPr>
-              <a:t>, where we need to identify the boundaries of objects in an image.</a:t>
-            </a:r>
+              <a:rPr lang="en-US" sz="1200" dirty="0">
+                <a:latin typeface="+mn-lt"/>
+              </a:rPr>
+              <a:t>A 100 × 100–pixel image has 10,000 pixels, and if the initial layer has just 1,000 neurons, this adds up to a total of 10 million connections. And that’s just the first layer. CNNs solve this problem through partially connected layers and the use of new kinds of layers.</a:t>
+            </a:r>
+          </a:p>
+          <a:p>
+            <a:pPr algn="l"/>
+            <a:endParaRPr lang="en-US" dirty="0">
+              <a:latin typeface="+mn-lt"/>
+            </a:endParaRPr>
           </a:p>
           <a:p>
             <a:pPr marL="0" marR="0" lvl="0" indent="0" algn="l" defTabSz="914400" rtl="0" eaLnBrk="1" fontAlgn="auto" latinLnBrk="0" hangingPunct="1">
@@ -4124,192 +4511,103 @@
               <a:tabLst/>
               <a:defRPr/>
             </a:pPr>
-            <a:endParaRPr lang="en-US" dirty="0">
+            <a:r>
+              <a:rPr lang="en-US" dirty="0">
+                <a:latin typeface="+mn-lt"/>
+              </a:rPr>
+              <a:t>=====</a:t>
+            </a:r>
+          </a:p>
+          <a:p>
+            <a:pPr algn="l"/>
+            <a:r>
+              <a:rPr lang="en-US" sz="1200" dirty="0">
+                <a:latin typeface="+mn-lt"/>
+              </a:rPr>
+              <a:t>So, why do we need a new kind of neural network?  Why not use a deep neural network with fully connected layers for image recognition tasks?</a:t>
+            </a:r>
+          </a:p>
+          <a:p>
+            <a:pPr algn="l"/>
+            <a:endParaRPr lang="en-US" sz="1200" dirty="0">
               <a:latin typeface="+mn-lt"/>
             </a:endParaRPr>
           </a:p>
           <a:p>
-            <a:pPr marL="0" marR="0" lvl="0" indent="0" algn="l" defTabSz="914400" rtl="0" eaLnBrk="1" fontAlgn="auto" latinLnBrk="0" hangingPunct="1">
-              <a:lnSpc>
-                <a:spcPct val="100000"/>
-              </a:lnSpc>
-              <a:spcBef>
-                <a:spcPts val="0"/>
-              </a:spcBef>
-              <a:spcAft>
-                <a:spcPts val="0"/>
-              </a:spcAft>
-              <a:buClrTx/>
-              <a:buSzTx/>
-              <a:buFontTx/>
-              <a:buNone/>
-              <a:tabLst/>
-              <a:defRPr/>
-            </a:pPr>
-            <a:r>
-              <a:rPr lang="en-US" dirty="0">
-                <a:latin typeface="+mn-lt"/>
-              </a:rPr>
-              <a:t>=====</a:t>
-            </a:r>
-          </a:p>
-          <a:p>
-            <a:r>
-              <a:rPr lang="en-US" b="0" i="0" dirty="0">
-                <a:solidFill>
-                  <a:srgbClr val="3C3C3B"/>
-                </a:solidFill>
-                <a:effectLst/>
-                <a:latin typeface="Calibri" panose="020F0502020204030204" pitchFamily="34" charset="0"/>
-                <a:cs typeface="Calibri" panose="020F0502020204030204" pitchFamily="34" charset="0"/>
-              </a:rPr>
-              <a:t>With the advent of convolutional neural networks, the field of computer vision saw some incredible improvements and results. Today, the field of computer vision has advanced to such an extent that, in some cases, computer vision AI systems can process and interpret certain kinds of images faster and more accurately than humans.</a:t>
-            </a:r>
-          </a:p>
-          <a:p>
-            <a:endParaRPr lang="en-US" b="0" i="0" dirty="0">
-              <a:solidFill>
-                <a:srgbClr val="3C3C3B"/>
-              </a:solidFill>
-              <a:effectLst/>
-              <a:latin typeface="Calibri" panose="020F0502020204030204" pitchFamily="34" charset="0"/>
-              <a:cs typeface="Calibri" panose="020F0502020204030204" pitchFamily="34" charset="0"/>
+            <a:pPr algn="l"/>
+            <a:r>
+              <a:rPr lang="en-US" sz="1200" dirty="0">
+                <a:latin typeface="+mn-lt"/>
+              </a:rPr>
+              <a:t>Well, fully connected networks work fine for small images (e.g., MNIST), but they break down for larger images because of the huge number of parameters required. For example, a 100 × 100–pixel image has 10,000 pixels, and if the first layer has just 1,000 neurons (which already severely restricts the amount of information transmitted to the next layer), this means a total of 10 million connections. And that’s just the first layer. CNNs solve this problem through partially connected layers and the use of new kinds of layers.</a:t>
+            </a:r>
+          </a:p>
+          <a:p>
+            <a:pPr algn="l"/>
+            <a:endParaRPr lang="en-US" sz="1200" dirty="0">
+              <a:latin typeface="+mn-lt"/>
             </a:endParaRPr>
           </a:p>
           <a:p>
-            <a:r>
-              <a:rPr lang="en-US" b="0" i="0" dirty="0">
-                <a:solidFill>
-                  <a:srgbClr val="3C3C3B"/>
-                </a:solidFill>
-                <a:effectLst/>
-                <a:latin typeface="Calibri" panose="020F0502020204030204" pitchFamily="34" charset="0"/>
-                <a:cs typeface="Calibri" panose="020F0502020204030204" pitchFamily="34" charset="0"/>
-              </a:rPr>
-              <a:t>Computer vision can be split into four different domains:</a:t>
-            </a:r>
-          </a:p>
-          <a:p>
-            <a:endParaRPr lang="en-US" b="0" i="0" dirty="0">
-              <a:solidFill>
-                <a:srgbClr val="3C3C3B"/>
-              </a:solidFill>
-              <a:effectLst/>
-              <a:latin typeface="Calibri" panose="020F0502020204030204" pitchFamily="34" charset="0"/>
-              <a:cs typeface="Calibri" panose="020F0502020204030204" pitchFamily="34" charset="0"/>
+            <a:pPr algn="l"/>
+            <a:r>
+              <a:rPr lang="en-US" sz="1200" dirty="0">
+                <a:solidFill>
+                  <a:schemeClr val="tx1">
+                    <a:lumMod val="65000"/>
+                    <a:lumOff val="35000"/>
+                  </a:schemeClr>
+                </a:solidFill>
+                <a:latin typeface="+mn-lt"/>
+                <a:ea typeface="Verdana" panose="020B0604030504040204" pitchFamily="34" charset="0"/>
+              </a:rPr>
+              <a:t>Source: Geron, A. (2019). </a:t>
+            </a:r>
+            <a:r>
+              <a:rPr lang="en-US" sz="1200" i="1" dirty="0">
+                <a:solidFill>
+                  <a:schemeClr val="tx1">
+                    <a:lumMod val="65000"/>
+                    <a:lumOff val="35000"/>
+                  </a:schemeClr>
+                </a:solidFill>
+                <a:latin typeface="+mn-lt"/>
+                <a:ea typeface="Verdana" panose="020B0604030504040204" pitchFamily="34" charset="0"/>
+              </a:rPr>
+              <a:t>Hands-on machine learning with Sci-Kit learn, Keras, &amp; Tensorflow.</a:t>
+            </a:r>
+            <a:r>
+              <a:rPr lang="en-US" sz="1200" dirty="0">
+                <a:solidFill>
+                  <a:schemeClr val="tx1">
+                    <a:lumMod val="65000"/>
+                    <a:lumOff val="35000"/>
+                  </a:schemeClr>
+                </a:solidFill>
+                <a:latin typeface="+mn-lt"/>
+                <a:ea typeface="Verdana" panose="020B0604030504040204" pitchFamily="34" charset="0"/>
+              </a:rPr>
+              <a:t> Sebastopol, CA: O’Reilly Media. (Chapter 14).</a:t>
+            </a:r>
+            <a:endParaRPr lang="en-US" sz="1200" dirty="0">
+              <a:latin typeface="+mn-lt"/>
             </a:endParaRPr>
           </a:p>
           <a:p>
-            <a:pPr marL="228600" indent="-228600" algn="l">
-              <a:buFont typeface="Arial" panose="020B0604020202020204" pitchFamily="34" charset="0"/>
-              <a:buAutoNum type="arabicPeriod"/>
-            </a:pPr>
-            <a:r>
-              <a:rPr lang="en-US" b="1" i="0" dirty="0">
-                <a:solidFill>
-                  <a:srgbClr val="3C3C3B"/>
-                </a:solidFill>
-                <a:effectLst/>
-                <a:latin typeface="Calibri" panose="020F0502020204030204" pitchFamily="34" charset="0"/>
-                <a:cs typeface="Calibri" panose="020F0502020204030204" pitchFamily="34" charset="0"/>
-              </a:rPr>
-              <a:t>Image classification</a:t>
-            </a:r>
-            <a:r>
-              <a:rPr lang="en-US" b="0" i="0" dirty="0">
-                <a:solidFill>
-                  <a:srgbClr val="3C3C3B"/>
-                </a:solidFill>
-                <a:effectLst/>
-                <a:latin typeface="Calibri" panose="020F0502020204030204" pitchFamily="34" charset="0"/>
-                <a:cs typeface="Calibri" panose="020F0502020204030204" pitchFamily="34" charset="0"/>
-              </a:rPr>
-              <a:t>, where we need to recognize the main object in an image.</a:t>
-            </a:r>
-          </a:p>
-          <a:p>
-            <a:pPr marL="228600" indent="-228600" algn="l">
-              <a:buFont typeface="Arial" panose="020B0604020202020204" pitchFamily="34" charset="0"/>
-              <a:buAutoNum type="arabicPeriod"/>
-            </a:pPr>
-            <a:r>
-              <a:rPr lang="en-US" b="1" i="0" dirty="0">
-                <a:solidFill>
-                  <a:srgbClr val="3C3C3B"/>
-                </a:solidFill>
-                <a:effectLst/>
-                <a:latin typeface="Calibri" panose="020F0502020204030204" pitchFamily="34" charset="0"/>
-                <a:cs typeface="Calibri" panose="020F0502020204030204" pitchFamily="34" charset="0"/>
-              </a:rPr>
-              <a:t>Image classification and localization</a:t>
-            </a:r>
-            <a:r>
-              <a:rPr lang="en-US" b="0" i="0" dirty="0">
-                <a:solidFill>
-                  <a:srgbClr val="3C3C3B"/>
-                </a:solidFill>
-                <a:effectLst/>
-                <a:latin typeface="Calibri" panose="020F0502020204030204" pitchFamily="34" charset="0"/>
-                <a:cs typeface="Calibri" panose="020F0502020204030204" pitchFamily="34" charset="0"/>
-              </a:rPr>
-              <a:t>, where we need to recognize and localize the main object in an image with a bounding box.</a:t>
-            </a:r>
-          </a:p>
-          <a:p>
-            <a:pPr marL="228600" indent="-228600" algn="l">
-              <a:buFont typeface="Arial" panose="020B0604020202020204" pitchFamily="34" charset="0"/>
-              <a:buAutoNum type="arabicPeriod"/>
-            </a:pPr>
-            <a:r>
-              <a:rPr lang="en-US" b="1" i="0" dirty="0">
-                <a:solidFill>
-                  <a:srgbClr val="3C3C3B"/>
-                </a:solidFill>
-                <a:effectLst/>
-                <a:latin typeface="Calibri" panose="020F0502020204030204" pitchFamily="34" charset="0"/>
-                <a:cs typeface="Calibri" panose="020F0502020204030204" pitchFamily="34" charset="0"/>
-              </a:rPr>
-              <a:t>Object detection</a:t>
-            </a:r>
-            <a:r>
-              <a:rPr lang="en-US" b="0" i="0" dirty="0">
-                <a:solidFill>
-                  <a:srgbClr val="3C3C3B"/>
-                </a:solidFill>
-                <a:effectLst/>
-                <a:latin typeface="Calibri" panose="020F0502020204030204" pitchFamily="34" charset="0"/>
-                <a:cs typeface="Calibri" panose="020F0502020204030204" pitchFamily="34" charset="0"/>
-              </a:rPr>
-              <a:t>, where we need to recognize multiple objects in an image with bounding boxes.</a:t>
-            </a:r>
-          </a:p>
-          <a:p>
-            <a:pPr marL="228600" indent="-228600" algn="l">
-              <a:buFont typeface="Arial" panose="020B0604020202020204" pitchFamily="34" charset="0"/>
-              <a:buAutoNum type="arabicPeriod"/>
-            </a:pPr>
-            <a:r>
-              <a:rPr lang="en-US" b="1" i="0" dirty="0">
-                <a:solidFill>
-                  <a:srgbClr val="3C3C3B"/>
-                </a:solidFill>
-                <a:effectLst/>
-                <a:latin typeface="Calibri" panose="020F0502020204030204" pitchFamily="34" charset="0"/>
-                <a:cs typeface="Calibri" panose="020F0502020204030204" pitchFamily="34" charset="0"/>
-              </a:rPr>
-              <a:t>Image segmentation</a:t>
-            </a:r>
-            <a:r>
-              <a:rPr lang="en-US" b="0" i="0" dirty="0">
-                <a:solidFill>
-                  <a:srgbClr val="3C3C3B"/>
-                </a:solidFill>
-                <a:effectLst/>
-                <a:latin typeface="Calibri" panose="020F0502020204030204" pitchFamily="34" charset="0"/>
-                <a:cs typeface="Calibri" panose="020F0502020204030204" pitchFamily="34" charset="0"/>
-              </a:rPr>
-              <a:t>, where we need to identify the boundaries of objects in an image</a:t>
-            </a:r>
+            <a:pPr algn="l"/>
+            <a:endParaRPr lang="en-US" sz="1800" dirty="0">
+              <a:latin typeface="MinionPro-Regular"/>
+            </a:endParaRPr>
+          </a:p>
+          <a:p>
+            <a:pPr algn="l"/>
+            <a:r>
+              <a:rPr lang="en-US" sz="1800" dirty="0">
+                <a:latin typeface="MinionPro-Regular"/>
+              </a:rPr>
+              <a:t> </a:t>
+            </a:r>
+            <a:endParaRPr lang="en-US" dirty="0"/>
           </a:p>
         </p:txBody>
       </p:sp>
@@ -4330,7 +4628,7 @@
           <a:p>
             <a:fld id="{3148858F-F1DB-4027-9C85-CCA6849540DD}" type="slidenum">
               <a:rPr lang="en-US" smtClean="0"/>
-              <a:t>10</a:t>
+              <a:t>9</a:t>
             </a:fld>
             <a:endParaRPr lang="en-US"/>
           </a:p>
@@ -4339,7 +4637,7 @@
     </p:spTree>
     <p:extLst>
       <p:ext uri="{BB962C8B-B14F-4D97-AF65-F5344CB8AC3E}">
-        <p14:creationId xmlns:p14="http://schemas.microsoft.com/office/powerpoint/2010/main" val="3755491919"/>
+        <p14:creationId xmlns:p14="http://schemas.microsoft.com/office/powerpoint/2010/main" val="80972208"/>
       </p:ext>
     </p:extLst>
   </p:cSld>
@@ -4496,7 +4794,7 @@
           <a:p>
             <a:fld id="{C3F78080-8D0A-4BE8-A5B4-CB115102D524}" type="datetimeFigureOut">
               <a:rPr lang="en-US" smtClean="0"/>
-              <a:t>8/29/2022</a:t>
+              <a:t>9/8/2022</a:t>
             </a:fld>
             <a:endParaRPr lang="en-US"/>
           </a:p>
@@ -4694,7 +4992,7 @@
           <a:p>
             <a:fld id="{C3F78080-8D0A-4BE8-A5B4-CB115102D524}" type="datetimeFigureOut">
               <a:rPr lang="en-US" smtClean="0"/>
-              <a:t>8/29/2022</a:t>
+              <a:t>9/8/2022</a:t>
             </a:fld>
             <a:endParaRPr lang="en-US"/>
           </a:p>
@@ -4902,7 +5200,7 @@
           <a:p>
             <a:fld id="{C3F78080-8D0A-4BE8-A5B4-CB115102D524}" type="datetimeFigureOut">
               <a:rPr lang="en-US" smtClean="0"/>
-              <a:t>8/29/2022</a:t>
+              <a:t>9/8/2022</a:t>
             </a:fld>
             <a:endParaRPr lang="en-US"/>
           </a:p>
@@ -5100,7 +5398,7 @@
           <a:p>
             <a:fld id="{C3F78080-8D0A-4BE8-A5B4-CB115102D524}" type="datetimeFigureOut">
               <a:rPr lang="en-US" smtClean="0"/>
-              <a:t>8/29/2022</a:t>
+              <a:t>9/8/2022</a:t>
             </a:fld>
             <a:endParaRPr lang="en-US"/>
           </a:p>
@@ -5375,7 +5673,7 @@
           <a:p>
             <a:fld id="{C3F78080-8D0A-4BE8-A5B4-CB115102D524}" type="datetimeFigureOut">
               <a:rPr lang="en-US" smtClean="0"/>
-              <a:t>8/29/2022</a:t>
+              <a:t>9/8/2022</a:t>
             </a:fld>
             <a:endParaRPr lang="en-US"/>
           </a:p>
@@ -5640,7 +5938,7 @@
           <a:p>
             <a:fld id="{C3F78080-8D0A-4BE8-A5B4-CB115102D524}" type="datetimeFigureOut">
               <a:rPr lang="en-US" smtClean="0"/>
-              <a:t>8/29/2022</a:t>
+              <a:t>9/8/2022</a:t>
             </a:fld>
             <a:endParaRPr lang="en-US"/>
           </a:p>
@@ -6052,7 +6350,7 @@
           <a:p>
             <a:fld id="{C3F78080-8D0A-4BE8-A5B4-CB115102D524}" type="datetimeFigureOut">
               <a:rPr lang="en-US" smtClean="0"/>
-              <a:t>8/29/2022</a:t>
+              <a:t>9/8/2022</a:t>
             </a:fld>
             <a:endParaRPr lang="en-US"/>
           </a:p>
@@ -6193,7 +6491,7 @@
           <a:p>
             <a:fld id="{C3F78080-8D0A-4BE8-A5B4-CB115102D524}" type="datetimeFigureOut">
               <a:rPr lang="en-US" smtClean="0"/>
-              <a:t>8/29/2022</a:t>
+              <a:t>9/8/2022</a:t>
             </a:fld>
             <a:endParaRPr lang="en-US"/>
           </a:p>
@@ -6306,7 +6604,7 @@
           <a:p>
             <a:fld id="{C3F78080-8D0A-4BE8-A5B4-CB115102D524}" type="datetimeFigureOut">
               <a:rPr lang="en-US" smtClean="0"/>
-              <a:t>8/29/2022</a:t>
+              <a:t>9/8/2022</a:t>
             </a:fld>
             <a:endParaRPr lang="en-US"/>
           </a:p>
@@ -6617,7 +6915,7 @@
           <a:p>
             <a:fld id="{C3F78080-8D0A-4BE8-A5B4-CB115102D524}" type="datetimeFigureOut">
               <a:rPr lang="en-US" smtClean="0"/>
-              <a:t>8/29/2022</a:t>
+              <a:t>9/8/2022</a:t>
             </a:fld>
             <a:endParaRPr lang="en-US"/>
           </a:p>
@@ -6905,7 +7203,7 @@
           <a:p>
             <a:fld id="{C3F78080-8D0A-4BE8-A5B4-CB115102D524}" type="datetimeFigureOut">
               <a:rPr lang="en-US" smtClean="0"/>
-              <a:t>8/29/2022</a:t>
+              <a:t>9/8/2022</a:t>
             </a:fld>
             <a:endParaRPr lang="en-US"/>
           </a:p>
@@ -7146,7 +7444,7 @@
           <a:p>
             <a:fld id="{C3F78080-8D0A-4BE8-A5B4-CB115102D524}" type="datetimeFigureOut">
               <a:rPr lang="en-US" smtClean="0"/>
-              <a:t>8/29/2022</a:t>
+              <a:t>9/8/2022</a:t>
             </a:fld>
             <a:endParaRPr lang="en-US"/>
           </a:p>
@@ -11857,7 +12155,7 @@
                 </a:solidFill>
                 <a:latin typeface="Palatino Linotype" panose="02040502050505030304" pitchFamily="18" charset="0"/>
               </a:rPr>
-              <a:t>Function effectively in JupyterLab</a:t>
+              <a:t>JupyterLab / CoLab</a:t>
             </a:r>
           </a:p>
         </p:txBody>
@@ -12079,7 +12377,7 @@
                 </a:solidFill>
                 <a:latin typeface="Palatino Linotype" panose="02040502050505030304" pitchFamily="18" charset="0"/>
               </a:rPr>
-              <a:t>Learning Objective 1</a:t>
+              <a:t>Biology of Vision</a:t>
             </a:r>
           </a:p>
         </p:txBody>
@@ -12288,20 +12586,9 @@
                     <a:lumOff val="25000"/>
                   </a:schemeClr>
                 </a:solidFill>
-              </a:rPr>
-              <a:t> </a:t>
-            </a:r>
-            <a:r>
-              <a:rPr lang="en-US" dirty="0">
-                <a:solidFill>
-                  <a:schemeClr val="tx1">
-                    <a:lumMod val="75000"/>
-                    <a:lumOff val="25000"/>
-                  </a:schemeClr>
-                </a:solidFill>
                 <a:latin typeface="Palatino Linotype" panose="02040502050505030304" pitchFamily="18" charset="0"/>
               </a:rPr>
-              <a:t>Learning Objective 1</a:t>
+              <a:t> Image Basics</a:t>
             </a:r>
           </a:p>
         </p:txBody>
@@ -12523,7 +12810,7 @@
                 </a:solidFill>
                 <a:latin typeface="Palatino Linotype" panose="02040502050505030304" pitchFamily="18" charset="0"/>
               </a:rPr>
-              <a:t>Learning Objective 1</a:t>
+              <a:t>Vocabulary</a:t>
             </a:r>
           </a:p>
         </p:txBody>

--- a/presentations/01_cnn_intro.pptx
+++ b/presentations/01_cnn_intro.pptx
@@ -20,13 +20,13 @@
     <p:sldId id="257" r:id="rId11"/>
     <p:sldId id="297" r:id="rId12"/>
     <p:sldId id="298" r:id="rId13"/>
-    <p:sldId id="323" r:id="rId14"/>
+    <p:sldId id="324" r:id="rId14"/>
     <p:sldId id="332" r:id="rId15"/>
     <p:sldId id="333" r:id="rId16"/>
     <p:sldId id="354" r:id="rId17"/>
     <p:sldId id="325" r:id="rId18"/>
     <p:sldId id="326" r:id="rId19"/>
-    <p:sldId id="324" r:id="rId20"/>
+    <p:sldId id="323" r:id="rId20"/>
     <p:sldId id="353" r:id="rId21"/>
   </p:sldIdLst>
   <p:sldSz cx="12192000" cy="6858000"/>
@@ -227,7 +227,7 @@
           <a:p>
             <a:fld id="{FD93C9B2-20F6-4DB1-B471-224337D0AC79}" type="datetimeFigureOut">
               <a:rPr lang="en-US" smtClean="0"/>
-              <a:t>9/8/2022</a:t>
+              <a:t>9/9/2022</a:t>
             </a:fld>
             <a:endParaRPr lang="en-US"/>
           </a:p>
@@ -1137,7 +1137,7 @@
                 <a:latin typeface="Calibri" panose="020F0502020204030204" pitchFamily="34" charset="0"/>
                 <a:cs typeface="Calibri" panose="020F0502020204030204" pitchFamily="34" charset="0"/>
               </a:rPr>
-              <a:t>Humans can see through their eyes by transforming light into electrical signals that are then processed by the brain. But computers do not have physical eyes to capture light. They can only process information in digital forms composed of bits (0 or 1). So, to be able to “see", computers require a digitized version of an image.</a:t>
+              <a:t>Eyes transform light into electrical signals that are then processed by the brain. But computers do not have physical eyes to capture light. They can only process information in digital forms composed of bits (0 or 1). So, to be able to “see", computers require a digitized version of an image.</a:t>
             </a:r>
           </a:p>
           <a:p>
@@ -1432,7 +1432,22 @@
           <a:bodyPr/>
           <a:lstStyle/>
           <a:p>
-            <a:pPr marL="0" marR="0" lvl="0" indent="0" algn="l" defTabSz="914400" rtl="0" eaLnBrk="1" fontAlgn="auto" latinLnBrk="0" hangingPunct="1">
+            <a:pPr defTabSz="939363">
+              <a:defRPr/>
+            </a:pPr>
+            <a:r>
+              <a:rPr lang="en-US" dirty="0"/>
+              <a:t>The MNIST (Modified National Institute of Standards &amp; Technology) dataset is famous in AI.  It was curated by Yann LeCun, Corinna Cortes, and Chris Burges in 1998.  It consists of 60,000 handwritten digits for model training and 10,000 more for validating the model’s performance on unseen data.  Each MNIST digit is a 28 x 28-pixel image.  Each pixel is 8-bit, meaning that the pixel darkness can vary from 0 (white) to 255 (black), with the intervening range of integers representing gradually darker shades of gray. </a:t>
+            </a:r>
+          </a:p>
+          <a:p>
+            <a:pPr defTabSz="939363">
+              <a:defRPr/>
+            </a:pPr>
+            <a:endParaRPr lang="en-US" dirty="0"/>
+          </a:p>
+          <a:p>
+            <a:pPr marL="0" marR="0" lvl="0" indent="0" algn="l" defTabSz="939363" rtl="0" eaLnBrk="1" fontAlgn="auto" latinLnBrk="0" hangingPunct="1">
               <a:lnSpc>
                 <a:spcPct val="100000"/>
               </a:lnSpc>
@@ -1452,239 +1467,73 @@
             <a:r>
               <a:rPr lang="en-US" sz="1200" dirty="0">
                 <a:solidFill>
-                  <a:schemeClr val="tx1">
-                    <a:lumMod val="65000"/>
-                    <a:lumOff val="35000"/>
-                  </a:schemeClr>
-                </a:solidFill>
-                <a:latin typeface="+mj-lt"/>
-                <a:ea typeface="Verdana" panose="020B0604030504040204" pitchFamily="34" charset="0"/>
-              </a:rPr>
-              <a:t>Source: Google Teachable Machine: </a:t>
+                  <a:srgbClr val="000000"/>
+                </a:solidFill>
+                <a:latin typeface="+mn-lt"/>
+              </a:rPr>
+              <a:t>In 1998, Yann LeCun and co-authors introduced the famous </a:t>
+            </a:r>
+            <a:r>
+              <a:rPr lang="en-US" sz="1200" i="1" dirty="0">
+                <a:solidFill>
+                  <a:srgbClr val="000000"/>
+                </a:solidFill>
+                <a:latin typeface="+mn-lt"/>
+              </a:rPr>
+              <a:t>LeNet-5 </a:t>
             </a:r>
             <a:r>
               <a:rPr lang="en-US" sz="1200" dirty="0">
                 <a:solidFill>
-                  <a:schemeClr val="tx1">
-                    <a:lumMod val="65000"/>
-                    <a:lumOff val="35000"/>
-                  </a:schemeClr>
-                </a:solidFill>
-                <a:latin typeface="+mj-lt"/>
-                <a:ea typeface="Verdana" panose="020B0604030504040204" pitchFamily="34" charset="0"/>
-                <a:hlinkClick r:id="rId3"/>
-              </a:rPr>
-              <a:t>https://teachablemachine.withgoogle.com</a:t>
-            </a:r>
-            <a:r>
-              <a:rPr lang="en-US" sz="1200" dirty="0">
-                <a:solidFill>
-                  <a:schemeClr val="tx1">
-                    <a:lumMod val="65000"/>
-                    <a:lumOff val="35000"/>
-                  </a:schemeClr>
-                </a:solidFill>
-                <a:latin typeface="+mj-lt"/>
-                <a:ea typeface="Verdana" panose="020B0604030504040204" pitchFamily="34" charset="0"/>
-              </a:rPr>
-              <a:t> </a:t>
-            </a:r>
-          </a:p>
-          <a:p>
-            <a:pPr marL="0" marR="0" lvl="0" indent="0" algn="l" defTabSz="914400" rtl="0" eaLnBrk="1" fontAlgn="auto" latinLnBrk="0" hangingPunct="1">
-              <a:lnSpc>
-                <a:spcPct val="100000"/>
-              </a:lnSpc>
-              <a:spcBef>
-                <a:spcPts val="0"/>
-              </a:spcBef>
-              <a:spcAft>
-                <a:spcPts val="0"/>
-              </a:spcAft>
-              <a:buClrTx/>
-              <a:buSzTx/>
-              <a:buFontTx/>
-              <a:buNone/>
-              <a:tabLst/>
+                  <a:srgbClr val="000000"/>
+                </a:solidFill>
+                <a:latin typeface="+mn-lt"/>
+              </a:rPr>
+              <a:t>architecture.  This model was widely used by banks to recognize handwritten check numbers.  In today’s MNIST exercise, you will create a shallow Keras network that does the same thing.   </a:t>
+            </a:r>
+          </a:p>
+          <a:p>
+            <a:pPr defTabSz="939363">
               <a:defRPr/>
             </a:pPr>
-            <a:endParaRPr lang="en-US" sz="1200" dirty="0">
-              <a:solidFill>
-                <a:schemeClr val="tx1">
-                  <a:lumMod val="65000"/>
-                  <a:lumOff val="35000"/>
-                </a:schemeClr>
-              </a:solidFill>
-              <a:latin typeface="Palatino Linotype" panose="02040502050505030304" pitchFamily="18" charset="0"/>
-            </a:endParaRPr>
-          </a:p>
-          <a:p>
-            <a:pPr marL="0" marR="0" lvl="0" indent="0" algn="l" defTabSz="914400" rtl="0" eaLnBrk="1" fontAlgn="auto" latinLnBrk="0" hangingPunct="1">
-              <a:lnSpc>
-                <a:spcPct val="100000"/>
-              </a:lnSpc>
-              <a:spcBef>
-                <a:spcPts val="0"/>
-              </a:spcBef>
-              <a:spcAft>
-                <a:spcPts val="0"/>
-              </a:spcAft>
-              <a:buClrTx/>
-              <a:buSzTx/>
-              <a:buFontTx/>
-              <a:buNone/>
-              <a:tabLst/>
+            <a:endParaRPr lang="en-US" dirty="0"/>
+          </a:p>
+          <a:p>
+            <a:pPr defTabSz="939363">
               <a:defRPr/>
             </a:pPr>
             <a:r>
-              <a:rPr lang="en-US" sz="1200" dirty="0">
-                <a:solidFill>
-                  <a:schemeClr val="tx1">
-                    <a:lumMod val="65000"/>
-                    <a:lumOff val="35000"/>
-                  </a:schemeClr>
-                </a:solidFill>
-                <a:latin typeface="Palatino Linotype" panose="02040502050505030304" pitchFamily="18" charset="0"/>
-              </a:rPr>
-              <a:t>Two Locations for the Hanfu/Hanbok dataset</a:t>
-            </a:r>
-          </a:p>
-          <a:p>
-            <a:pPr marL="0" marR="0" lvl="0" indent="0" algn="l" defTabSz="914400" rtl="0" eaLnBrk="1" fontAlgn="auto" latinLnBrk="0" hangingPunct="1">
-              <a:lnSpc>
-                <a:spcPct val="100000"/>
-              </a:lnSpc>
-              <a:spcBef>
-                <a:spcPts val="0"/>
-              </a:spcBef>
-              <a:spcAft>
-                <a:spcPts val="0"/>
-              </a:spcAft>
-              <a:buClrTx/>
-              <a:buSzTx/>
-              <a:buFontTx/>
-              <a:buNone/>
-              <a:tabLst/>
+              <a:rPr lang="en-US" dirty="0"/>
+              <a:t>The exercise for this workshop starts on page 123 of </a:t>
+            </a:r>
+            <a:r>
+              <a:rPr lang="en-US" i="1" dirty="0"/>
+              <a:t>The</a:t>
+            </a:r>
+            <a:r>
+              <a:rPr lang="en-US" dirty="0"/>
+              <a:t> </a:t>
+            </a:r>
+            <a:r>
+              <a:rPr lang="en-US" i="1" dirty="0"/>
+              <a:t>Deep Learning Workshop</a:t>
+            </a:r>
+            <a:r>
+              <a:rPr lang="en-US" dirty="0"/>
+              <a:t>. </a:t>
+            </a:r>
+          </a:p>
+          <a:p>
+            <a:pPr defTabSz="939363">
               <a:defRPr/>
             </a:pPr>
-            <a:r>
-              <a:rPr lang="en-US" b="0" i="0" dirty="0">
-                <a:effectLst/>
-                <a:latin typeface="Lato" panose="020F0502020204030203" pitchFamily="34" charset="0"/>
-              </a:rPr>
-              <a:t>	https://drive.google.com/file/d/1q3RIgIoeePNW-fEgNyCgh45gBvMAdeOU/view</a:t>
-            </a:r>
-          </a:p>
-          <a:p>
-            <a:pPr marL="0" marR="0" lvl="0" indent="0" algn="l" defTabSz="914400" rtl="0" eaLnBrk="1" fontAlgn="auto" latinLnBrk="0" hangingPunct="1">
-              <a:lnSpc>
-                <a:spcPct val="100000"/>
-              </a:lnSpc>
-              <a:spcBef>
-                <a:spcPts val="0"/>
-              </a:spcBef>
-              <a:spcAft>
-                <a:spcPts val="0"/>
-              </a:spcAft>
-              <a:buClrTx/>
-              <a:buSzTx/>
-              <a:buFontTx/>
-              <a:buNone/>
-              <a:tabLst/>
+            <a:endParaRPr lang="en-US" dirty="0"/>
+          </a:p>
+          <a:p>
+            <a:pPr defTabSz="939363">
               <a:defRPr/>
             </a:pPr>
-            <a:r>
-              <a:rPr lang="en-US" b="0" i="0" dirty="0">
-                <a:effectLst/>
-                <a:latin typeface="Lato" panose="020F0502020204030203" pitchFamily="34" charset="0"/>
-              </a:rPr>
-              <a:t>	https://drive.google.com/file/d/1WbZPzunh6u9f0leymbzmVrJjSxq6JW5w/view?usp=sharing</a:t>
-            </a:r>
-          </a:p>
-          <a:p>
-            <a:pPr marL="0" marR="0" lvl="0" indent="0" algn="l" defTabSz="914400" rtl="0" eaLnBrk="1" fontAlgn="auto" latinLnBrk="0" hangingPunct="1">
-              <a:lnSpc>
-                <a:spcPct val="100000"/>
-              </a:lnSpc>
-              <a:spcBef>
-                <a:spcPts val="0"/>
-              </a:spcBef>
-              <a:spcAft>
-                <a:spcPts val="0"/>
-              </a:spcAft>
-              <a:buClrTx/>
-              <a:buSzTx/>
-              <a:buFontTx/>
-              <a:buNone/>
-              <a:tabLst/>
-              <a:defRPr/>
-            </a:pPr>
-            <a:endParaRPr lang="en-US" sz="1200" dirty="0">
-              <a:solidFill>
-                <a:schemeClr val="tx1">
-                  <a:lumMod val="65000"/>
-                  <a:lumOff val="35000"/>
-                </a:schemeClr>
-              </a:solidFill>
-              <a:latin typeface="+mj-lt"/>
-              <a:ea typeface="Verdana" panose="020B0604030504040204" pitchFamily="34" charset="0"/>
-            </a:endParaRPr>
-          </a:p>
-          <a:p>
-            <a:pPr marL="0" marR="0" lvl="0" indent="0" algn="l" defTabSz="914400" rtl="0" eaLnBrk="1" fontAlgn="auto" latinLnBrk="0" hangingPunct="1">
-              <a:lnSpc>
-                <a:spcPct val="100000"/>
-              </a:lnSpc>
-              <a:spcBef>
-                <a:spcPts val="0"/>
-              </a:spcBef>
-              <a:spcAft>
-                <a:spcPts val="0"/>
-              </a:spcAft>
-              <a:buClrTx/>
-              <a:buSzTx/>
-              <a:buFontTx/>
-              <a:buNone/>
-              <a:tabLst/>
-              <a:defRPr/>
-            </a:pPr>
-            <a:endParaRPr lang="en-US" sz="1200" dirty="0">
-              <a:solidFill>
-                <a:schemeClr val="tx1">
-                  <a:lumMod val="65000"/>
-                  <a:lumOff val="35000"/>
-                </a:schemeClr>
-              </a:solidFill>
-              <a:latin typeface="Palatino Linotype" panose="02040502050505030304" pitchFamily="18" charset="0"/>
-            </a:endParaRPr>
-          </a:p>
-          <a:p>
-            <a:pPr marL="0" marR="0" lvl="0" indent="0" algn="l" defTabSz="914400" rtl="0" eaLnBrk="1" fontAlgn="auto" latinLnBrk="0" hangingPunct="1">
-              <a:lnSpc>
-                <a:spcPct val="100000"/>
-              </a:lnSpc>
-              <a:spcBef>
-                <a:spcPts val="0"/>
-              </a:spcBef>
-              <a:spcAft>
-                <a:spcPts val="0"/>
-              </a:spcAft>
-              <a:buClrTx/>
-              <a:buSzTx/>
-              <a:buFontTx/>
-              <a:buNone/>
-              <a:tabLst/>
-              <a:defRPr/>
-            </a:pPr>
-            <a:endParaRPr lang="en-US" sz="1200" dirty="0">
-              <a:solidFill>
-                <a:schemeClr val="tx1">
-                  <a:lumMod val="65000"/>
-                  <a:lumOff val="35000"/>
-                </a:schemeClr>
-              </a:solidFill>
-              <a:latin typeface="Palatino Linotype" panose="02040502050505030304" pitchFamily="18" charset="0"/>
-            </a:endParaRPr>
+            <a:endParaRPr lang="en-US" dirty="0"/>
           </a:p>
         </p:txBody>
       </p:sp>
@@ -1714,7 +1563,7 @@
     </p:spTree>
     <p:extLst>
       <p:ext uri="{BB962C8B-B14F-4D97-AF65-F5344CB8AC3E}">
-        <p14:creationId xmlns:p14="http://schemas.microsoft.com/office/powerpoint/2010/main" val="1404376956"/>
+        <p14:creationId xmlns:p14="http://schemas.microsoft.com/office/powerpoint/2010/main" val="1984289498"/>
       </p:ext>
     </p:extLst>
   </p:cSld>
@@ -1772,7 +1621,7 @@
               <a:rPr lang="en-US" dirty="0">
                 <a:latin typeface="+mn-lt"/>
               </a:rPr>
-              <a:t>So, how does a CNN like the Teachable Machine classify images?  Keep in mind that computers only understand numbers.  At the end of the vision notebook, we saw how a function could detect the presence or absence of a stripe, just by multiplying two matrices.</a:t>
+              <a:t>As mentioned earlier, computers only understand numbers.   In AI, we use special words to describe the different ways numbers are combined.  These combinations assume shapes and those shapes have names.  Thus, we need to introduce some numeric vocabulary.  AI vocabulary is important and worth learning.</a:t>
             </a:r>
           </a:p>
           <a:p>
@@ -1781,36 +1630,37 @@
             </a:endParaRPr>
           </a:p>
           <a:p>
+            <a:pPr marL="228600" indent="-228600">
+              <a:buAutoNum type="arabicPeriod"/>
+            </a:pPr>
             <a:r>
               <a:rPr lang="en-US" dirty="0">
                 <a:latin typeface="+mn-lt"/>
               </a:rPr>
-              <a:t>In AI, we use special words to describe the different ways numbers are combined.  These combinations assume shapes and those shapes have names.  Thus, we need to introduce some data vocabulary.  Note: data vocabulary is foundational and used extensively in machine learning and deep learning.</a:t>
-            </a:r>
-          </a:p>
-          <a:p>
-            <a:endParaRPr lang="en-US" dirty="0">
-              <a:latin typeface="+mn-lt"/>
-            </a:endParaRPr>
-          </a:p>
-          <a:p>
+              <a:t>A single number is </a:t>
+            </a:r>
+            <a:r>
+              <a:rPr lang="en-US" b="1" dirty="0">
+                <a:latin typeface="+mn-lt"/>
+              </a:rPr>
+              <a:t>atomic</a:t>
+            </a:r>
             <a:r>
               <a:rPr lang="en-US" dirty="0">
                 <a:latin typeface="+mn-lt"/>
               </a:rPr>
-              <a:t>A single number is </a:t>
-            </a:r>
-            <a:r>
-              <a:rPr lang="en-US" b="1" dirty="0">
-                <a:latin typeface="+mn-lt"/>
-              </a:rPr>
-              <a:t>atomic</a:t>
-            </a:r>
+              <a:t>.  </a:t>
+            </a:r>
+          </a:p>
+          <a:p>
+            <a:pPr marL="228600" indent="-228600">
+              <a:buAutoNum type="arabicPeriod"/>
+            </a:pPr>
             <a:r>
               <a:rPr lang="en-US" dirty="0">
                 <a:latin typeface="+mn-lt"/>
               </a:rPr>
-              <a:t>.  A series of numbers in a single row is a </a:t>
+              <a:t>A series of numbers in a single row is a </a:t>
             </a:r>
             <a:r>
               <a:rPr lang="en-US" b="1" dirty="0">
@@ -1939,7 +1789,7 @@
                 <a:ea typeface="Malgun Gothic" panose="020B0503020000020004" pitchFamily="34" charset="-127"/>
                 <a:cs typeface="Times New Roman" panose="02020603050405020304" pitchFamily="18" charset="0"/>
               </a:rPr>
-              <a:t>A 2-dimensional block of numbers comprised of…</a:t>
+              <a:t>A matrix is a 2-dimensional block of numbers comprised of…</a:t>
             </a:r>
           </a:p>
           <a:p>
@@ -2020,25 +1870,7 @@
                 <a:ea typeface="Malgun Gothic" panose="020B0503020000020004" pitchFamily="34" charset="-127"/>
                 <a:cs typeface="Times New Roman" panose="02020603050405020304" pitchFamily="18" charset="0"/>
               </a:rPr>
-              <a:t>And blocks is a </a:t>
-            </a:r>
-            <a:r>
-              <a:rPr lang="en-US" sz="1800" b="1" dirty="0">
-                <a:effectLst/>
-                <a:latin typeface="Palatino Linotype" panose="02040502050505030304" pitchFamily="18" charset="0"/>
-                <a:ea typeface="Malgun Gothic" panose="020B0503020000020004" pitchFamily="34" charset="-127"/>
-                <a:cs typeface="Times New Roman" panose="02020603050405020304" pitchFamily="18" charset="0"/>
-              </a:rPr>
-              <a:t>matrix</a:t>
-            </a:r>
-            <a:r>
-              <a:rPr lang="en-US" sz="1800" dirty="0">
-                <a:effectLst/>
-                <a:latin typeface="Palatino Linotype" panose="02040502050505030304" pitchFamily="18" charset="0"/>
-                <a:ea typeface="Malgun Gothic" panose="020B0503020000020004" pitchFamily="34" charset="-127"/>
-                <a:cs typeface="Times New Roman" panose="02020603050405020304" pitchFamily="18" charset="0"/>
-              </a:rPr>
-              <a:t>.</a:t>
+              <a:t>Columns</a:t>
             </a:r>
           </a:p>
           <a:p>
@@ -2832,56 +2664,259 @@
           <a:bodyPr/>
           <a:lstStyle/>
           <a:p>
-            <a:pPr defTabSz="939363">
+            <a:pPr marL="0" marR="0" lvl="0" indent="0" algn="l" defTabSz="914400" rtl="0" eaLnBrk="1" fontAlgn="auto" latinLnBrk="0" hangingPunct="1">
+              <a:lnSpc>
+                <a:spcPct val="100000"/>
+              </a:lnSpc>
+              <a:spcBef>
+                <a:spcPts val="0"/>
+              </a:spcBef>
+              <a:spcAft>
+                <a:spcPts val="0"/>
+              </a:spcAft>
+              <a:buClrTx/>
+              <a:buSzTx/>
+              <a:buFontTx/>
+              <a:buNone/>
+              <a:tabLst/>
               <a:defRPr/>
             </a:pPr>
             <a:r>
-              <a:rPr lang="en-US" dirty="0"/>
-              <a:t>The MNIST (Modified National Institute of Standards &amp; Technology) dataset is famous in AI.  It was curated by Yann LeCun, Corinna Cortes, and Chris Burges in 1998.  It consists of 60,000 handwritten digits for model training and 10,000 more for validating the model’s performance on unseen data.  Each MNIST digit is a 28 x 28-pixel image.  Each pixel is 8-bit, meaning that the pixel darkness can vary from 0 (white) to 255 (black), with the intervening range of integers representing gradually darker shades of gray. </a:t>
-            </a:r>
-          </a:p>
-          <a:p>
-            <a:pPr defTabSz="939363">
+              <a:rPr lang="en-US" sz="1200" dirty="0">
+                <a:solidFill>
+                  <a:schemeClr val="tx1">
+                    <a:lumMod val="65000"/>
+                    <a:lumOff val="35000"/>
+                  </a:schemeClr>
+                </a:solidFill>
+                <a:latin typeface="+mj-lt"/>
+                <a:ea typeface="Verdana" panose="020B0604030504040204" pitchFamily="34" charset="0"/>
+              </a:rPr>
+              <a:t>Source: Google Teachable Machine: </a:t>
+            </a:r>
+            <a:r>
+              <a:rPr lang="en-US" sz="1200" dirty="0">
+                <a:solidFill>
+                  <a:schemeClr val="tx1">
+                    <a:lumMod val="65000"/>
+                    <a:lumOff val="35000"/>
+                  </a:schemeClr>
+                </a:solidFill>
+                <a:latin typeface="+mj-lt"/>
+                <a:ea typeface="Verdana" panose="020B0604030504040204" pitchFamily="34" charset="0"/>
+                <a:hlinkClick r:id="rId3"/>
+              </a:rPr>
+              <a:t>https://teachablemachine.withgoogle.com</a:t>
+            </a:r>
+            <a:r>
+              <a:rPr lang="en-US" sz="1200" dirty="0">
+                <a:solidFill>
+                  <a:schemeClr val="tx1">
+                    <a:lumMod val="65000"/>
+                    <a:lumOff val="35000"/>
+                  </a:schemeClr>
+                </a:solidFill>
+                <a:latin typeface="+mj-lt"/>
+                <a:ea typeface="Verdana" panose="020B0604030504040204" pitchFamily="34" charset="0"/>
+              </a:rPr>
+              <a:t> </a:t>
+            </a:r>
+          </a:p>
+          <a:p>
+            <a:pPr marL="0" marR="0" lvl="0" indent="0" algn="l" defTabSz="914400" rtl="0" eaLnBrk="1" fontAlgn="auto" latinLnBrk="0" hangingPunct="1">
+              <a:lnSpc>
+                <a:spcPct val="100000"/>
+              </a:lnSpc>
+              <a:spcBef>
+                <a:spcPts val="0"/>
+              </a:spcBef>
+              <a:spcAft>
+                <a:spcPts val="0"/>
+              </a:spcAft>
+              <a:buClrTx/>
+              <a:buSzTx/>
+              <a:buFontTx/>
+              <a:buNone/>
+              <a:tabLst/>
               <a:defRPr/>
             </a:pPr>
-            <a:endParaRPr lang="en-US" dirty="0"/>
-          </a:p>
-          <a:p>
-            <a:pPr defTabSz="939363">
+            <a:endParaRPr lang="en-US" sz="1200" dirty="0">
+              <a:solidFill>
+                <a:schemeClr val="tx1">
+                  <a:lumMod val="65000"/>
+                  <a:lumOff val="35000"/>
+                </a:schemeClr>
+              </a:solidFill>
+              <a:latin typeface="Palatino Linotype" panose="02040502050505030304" pitchFamily="18" charset="0"/>
+            </a:endParaRPr>
+          </a:p>
+          <a:p>
+            <a:pPr marL="0" marR="0" lvl="0" indent="0" algn="l" defTabSz="914400" rtl="0" eaLnBrk="1" fontAlgn="auto" latinLnBrk="0" hangingPunct="1">
+              <a:lnSpc>
+                <a:spcPct val="100000"/>
+              </a:lnSpc>
+              <a:spcBef>
+                <a:spcPts val="0"/>
+              </a:spcBef>
+              <a:spcAft>
+                <a:spcPts val="0"/>
+              </a:spcAft>
+              <a:buClrTx/>
+              <a:buSzTx/>
+              <a:buFontTx/>
+              <a:buNone/>
+              <a:tabLst/>
               <a:defRPr/>
             </a:pPr>
             <a:r>
-              <a:rPr lang="en-US" dirty="0"/>
-              <a:t>The exercise for this workshop starts on page 123 of </a:t>
-            </a:r>
-            <a:r>
-              <a:rPr lang="en-US" i="1" dirty="0"/>
-              <a:t>The</a:t>
-            </a:r>
-            <a:r>
-              <a:rPr lang="en-US" dirty="0"/>
-              <a:t> </a:t>
-            </a:r>
-            <a:r>
-              <a:rPr lang="en-US" i="1" dirty="0"/>
-              <a:t>Deep Learning Workshop</a:t>
-            </a:r>
-            <a:r>
-              <a:rPr lang="en-US" dirty="0"/>
-              <a:t>. </a:t>
-            </a:r>
-          </a:p>
-          <a:p>
-            <a:pPr defTabSz="939363">
+              <a:rPr lang="en-US" sz="1200" dirty="0">
+                <a:solidFill>
+                  <a:schemeClr val="tx1">
+                    <a:lumMod val="65000"/>
+                    <a:lumOff val="35000"/>
+                  </a:schemeClr>
+                </a:solidFill>
+                <a:latin typeface="Palatino Linotype" panose="02040502050505030304" pitchFamily="18" charset="0"/>
+              </a:rPr>
+              <a:t>Two Locations for the Hanfu/Hanbok dataset</a:t>
+            </a:r>
+          </a:p>
+          <a:p>
+            <a:pPr marL="0" marR="0" lvl="0" indent="0" algn="l" defTabSz="914400" rtl="0" eaLnBrk="1" fontAlgn="auto" latinLnBrk="0" hangingPunct="1">
+              <a:lnSpc>
+                <a:spcPct val="100000"/>
+              </a:lnSpc>
+              <a:spcBef>
+                <a:spcPts val="0"/>
+              </a:spcBef>
+              <a:spcAft>
+                <a:spcPts val="0"/>
+              </a:spcAft>
+              <a:buClrTx/>
+              <a:buSzTx/>
+              <a:buFontTx/>
+              <a:buNone/>
+              <a:tabLst/>
               <a:defRPr/>
             </a:pPr>
-            <a:endParaRPr lang="en-US" dirty="0"/>
-          </a:p>
-          <a:p>
-            <a:pPr defTabSz="939363">
+            <a:r>
+              <a:rPr lang="en-US" b="0" i="0" dirty="0">
+                <a:effectLst/>
+                <a:latin typeface="Lato" panose="020F0502020204030203" pitchFamily="34" charset="0"/>
+              </a:rPr>
+              <a:t>	https://drive.google.com/file/d/1q3RIgIoeePNW-fEgNyCgh45gBvMAdeOU/view</a:t>
+            </a:r>
+          </a:p>
+          <a:p>
+            <a:pPr marL="0" marR="0" lvl="0" indent="0" algn="l" defTabSz="914400" rtl="0" eaLnBrk="1" fontAlgn="auto" latinLnBrk="0" hangingPunct="1">
+              <a:lnSpc>
+                <a:spcPct val="100000"/>
+              </a:lnSpc>
+              <a:spcBef>
+                <a:spcPts val="0"/>
+              </a:spcBef>
+              <a:spcAft>
+                <a:spcPts val="0"/>
+              </a:spcAft>
+              <a:buClrTx/>
+              <a:buSzTx/>
+              <a:buFontTx/>
+              <a:buNone/>
+              <a:tabLst/>
               <a:defRPr/>
             </a:pPr>
-            <a:endParaRPr lang="en-US" dirty="0"/>
+            <a:r>
+              <a:rPr lang="en-US" b="0" i="0" dirty="0">
+                <a:effectLst/>
+                <a:latin typeface="Lato" panose="020F0502020204030203" pitchFamily="34" charset="0"/>
+              </a:rPr>
+              <a:t>	https://drive.google.com/file/d/1WbZPzunh6u9f0leymbzmVrJjSxq6JW5w/view?usp=sharing</a:t>
+            </a:r>
+          </a:p>
+          <a:p>
+            <a:pPr marL="0" marR="0" lvl="0" indent="0" algn="l" defTabSz="914400" rtl="0" eaLnBrk="1" fontAlgn="auto" latinLnBrk="0" hangingPunct="1">
+              <a:lnSpc>
+                <a:spcPct val="100000"/>
+              </a:lnSpc>
+              <a:spcBef>
+                <a:spcPts val="0"/>
+              </a:spcBef>
+              <a:spcAft>
+                <a:spcPts val="0"/>
+              </a:spcAft>
+              <a:buClrTx/>
+              <a:buSzTx/>
+              <a:buFontTx/>
+              <a:buNone/>
+              <a:tabLst/>
+              <a:defRPr/>
+            </a:pPr>
+            <a:endParaRPr lang="en-US" sz="1200" dirty="0">
+              <a:solidFill>
+                <a:schemeClr val="tx1">
+                  <a:lumMod val="65000"/>
+                  <a:lumOff val="35000"/>
+                </a:schemeClr>
+              </a:solidFill>
+              <a:latin typeface="+mj-lt"/>
+              <a:ea typeface="Verdana" panose="020B0604030504040204" pitchFamily="34" charset="0"/>
+            </a:endParaRPr>
+          </a:p>
+          <a:p>
+            <a:pPr marL="0" marR="0" lvl="0" indent="0" algn="l" defTabSz="914400" rtl="0" eaLnBrk="1" fontAlgn="auto" latinLnBrk="0" hangingPunct="1">
+              <a:lnSpc>
+                <a:spcPct val="100000"/>
+              </a:lnSpc>
+              <a:spcBef>
+                <a:spcPts val="0"/>
+              </a:spcBef>
+              <a:spcAft>
+                <a:spcPts val="0"/>
+              </a:spcAft>
+              <a:buClrTx/>
+              <a:buSzTx/>
+              <a:buFontTx/>
+              <a:buNone/>
+              <a:tabLst/>
+              <a:defRPr/>
+            </a:pPr>
+            <a:endParaRPr lang="en-US" sz="1200" dirty="0">
+              <a:solidFill>
+                <a:schemeClr val="tx1">
+                  <a:lumMod val="65000"/>
+                  <a:lumOff val="35000"/>
+                </a:schemeClr>
+              </a:solidFill>
+              <a:latin typeface="Palatino Linotype" panose="02040502050505030304" pitchFamily="18" charset="0"/>
+            </a:endParaRPr>
+          </a:p>
+          <a:p>
+            <a:pPr marL="0" marR="0" lvl="0" indent="0" algn="l" defTabSz="914400" rtl="0" eaLnBrk="1" fontAlgn="auto" latinLnBrk="0" hangingPunct="1">
+              <a:lnSpc>
+                <a:spcPct val="100000"/>
+              </a:lnSpc>
+              <a:spcBef>
+                <a:spcPts val="0"/>
+              </a:spcBef>
+              <a:spcAft>
+                <a:spcPts val="0"/>
+              </a:spcAft>
+              <a:buClrTx/>
+              <a:buSzTx/>
+              <a:buFontTx/>
+              <a:buNone/>
+              <a:tabLst/>
+              <a:defRPr/>
+            </a:pPr>
+            <a:endParaRPr lang="en-US" sz="1200" dirty="0">
+              <a:solidFill>
+                <a:schemeClr val="tx1">
+                  <a:lumMod val="65000"/>
+                  <a:lumOff val="35000"/>
+                </a:schemeClr>
+              </a:solidFill>
+              <a:latin typeface="Palatino Linotype" panose="02040502050505030304" pitchFamily="18" charset="0"/>
+            </a:endParaRPr>
           </a:p>
         </p:txBody>
       </p:sp>
@@ -2911,7 +2946,7 @@
     </p:spTree>
     <p:extLst>
       <p:ext uri="{BB962C8B-B14F-4D97-AF65-F5344CB8AC3E}">
-        <p14:creationId xmlns:p14="http://schemas.microsoft.com/office/powerpoint/2010/main" val="1984289498"/>
+        <p14:creationId xmlns:p14="http://schemas.microsoft.com/office/powerpoint/2010/main" val="1404376956"/>
       </p:ext>
     </p:extLst>
   </p:cSld>
@@ -2996,6 +3031,98 @@
     <p:extLst>
       <p:ext uri="{BB962C8B-B14F-4D97-AF65-F5344CB8AC3E}">
         <p14:creationId xmlns:p14="http://schemas.microsoft.com/office/powerpoint/2010/main" val="2906959665"/>
+      </p:ext>
+    </p:extLst>
+  </p:cSld>
+  <p:clrMapOvr>
+    <a:masterClrMapping/>
+  </p:clrMapOvr>
+</p:notes>
+</file>
+
+<file path=ppt/notesSlides/notesSlide20.xml><?xml version="1.0" encoding="utf-8"?>
+<p:notes xmlns:a="http://schemas.openxmlformats.org/drawingml/2006/main" xmlns:r="http://schemas.openxmlformats.org/officeDocument/2006/relationships" xmlns:p="http://schemas.openxmlformats.org/presentationml/2006/main">
+  <p:cSld>
+    <p:spTree>
+      <p:nvGrpSpPr>
+        <p:cNvPr id="1" name=""/>
+        <p:cNvGrpSpPr/>
+        <p:nvPr/>
+      </p:nvGrpSpPr>
+      <p:grpSpPr>
+        <a:xfrm>
+          <a:off x="0" y="0"/>
+          <a:ext cx="0" cy="0"/>
+          <a:chOff x="0" y="0"/>
+          <a:chExt cx="0" cy="0"/>
+        </a:xfrm>
+      </p:grpSpPr>
+      <p:sp>
+        <p:nvSpPr>
+          <p:cNvPr id="2" name="Slide Image Placeholder 1"/>
+          <p:cNvSpPr>
+            <a:spLocks noGrp="1" noRot="1" noChangeAspect="1"/>
+          </p:cNvSpPr>
+          <p:nvPr>
+            <p:ph type="sldImg"/>
+          </p:nvPr>
+        </p:nvSpPr>
+        <p:spPr/>
+      </p:sp>
+      <p:sp>
+        <p:nvSpPr>
+          <p:cNvPr id="3" name="Notes Placeholder 2"/>
+          <p:cNvSpPr>
+            <a:spLocks noGrp="1"/>
+          </p:cNvSpPr>
+          <p:nvPr>
+            <p:ph type="body" idx="1"/>
+          </p:nvPr>
+        </p:nvSpPr>
+        <p:spPr/>
+        <p:txBody>
+          <a:bodyPr/>
+          <a:lstStyle/>
+          <a:p>
+            <a:r>
+              <a:rPr lang="en-US" dirty="0"/>
+              <a:t>https://playground.tensorflow</a:t>
+            </a:r>
+            <a:r>
+              <a:rPr lang="en-US"/>
+              <a:t>.org/#activation=tanh&amp;batchSize=10&amp;dataset=circle&amp;regDataset=reg-plane&amp;learningRate=0.03&amp;regularizationRate=0&amp;noise=0&amp;networkShape=4,2&amp;seed=0.25293&amp;showTestData=false&amp;discretize=false&amp;percTrainData=50&amp;x=true&amp;y=true&amp;xTimesY=false&amp;xSquared=false&amp;ySquared=false&amp;cosX=false&amp;sinX=false&amp;cosY=false&amp;sinY=false&amp;collectStats=false&amp;problem=classification&amp;initZero=false&amp;hideText=false</a:t>
+            </a:r>
+            <a:endParaRPr lang="en-US" dirty="0"/>
+          </a:p>
+        </p:txBody>
+      </p:sp>
+      <p:sp>
+        <p:nvSpPr>
+          <p:cNvPr id="4" name="Slide Number Placeholder 3"/>
+          <p:cNvSpPr>
+            <a:spLocks noGrp="1"/>
+          </p:cNvSpPr>
+          <p:nvPr>
+            <p:ph type="sldNum" sz="quarter" idx="5"/>
+          </p:nvPr>
+        </p:nvSpPr>
+        <p:spPr/>
+        <p:txBody>
+          <a:bodyPr/>
+          <a:lstStyle/>
+          <a:p>
+            <a:fld id="{3148858F-F1DB-4027-9C85-CCA6849540DD}" type="slidenum">
+              <a:rPr lang="en-US" smtClean="0"/>
+              <a:t>20</a:t>
+            </a:fld>
+            <a:endParaRPr lang="en-US"/>
+          </a:p>
+        </p:txBody>
+      </p:sp>
+    </p:spTree>
+    <p:extLst>
+      <p:ext uri="{BB962C8B-B14F-4D97-AF65-F5344CB8AC3E}">
+        <p14:creationId xmlns:p14="http://schemas.microsoft.com/office/powerpoint/2010/main" val="3369076480"/>
       </p:ext>
     </p:extLst>
   </p:cSld>
@@ -3482,7 +3609,7 @@
                 </a:solidFill>
                 <a:latin typeface="+mn-lt"/>
               </a:rPr>
-              <a:t>What Hubel and Wiesel discovered is that many neurons in the visual cortex have a small </a:t>
+              <a:t>Let’s take talk briefly about Hubel and Wiesel’s research findings.  One of their key discoveries was that many neurons in the visual cortex have a small </a:t>
             </a:r>
             <a:r>
               <a:rPr lang="en-US" sz="1200" b="1" dirty="0">
@@ -3491,7 +3618,16 @@
                 </a:solidFill>
                 <a:latin typeface="+mn-lt"/>
               </a:rPr>
-              <a:t>local receptive field</a:t>
+              <a:t>local receptive field.  </a:t>
+            </a:r>
+            <a:r>
+              <a:rPr lang="en-US" sz="1200" b="0" dirty="0">
+                <a:solidFill>
+                  <a:srgbClr val="000000"/>
+                </a:solidFill>
+                <a:latin typeface="+mn-lt"/>
+              </a:rPr>
+              <a:t>In other words, some neurons only react to visual stimuli located in a limited region of the visual field.   We see that here where the local receptive fields of five neurons are shown as dashed circles. Also, t</a:t>
             </a:r>
             <a:r>
               <a:rPr lang="en-US" sz="1200" dirty="0">
@@ -3500,25 +3636,7 @@
                 </a:solidFill>
                 <a:latin typeface="+mn-lt"/>
               </a:rPr>
-              <a:t>, meaning they only react to visual stimuli located in a limited region of the visual field (see </a:t>
-            </a:r>
-            <a:r>
-              <a:rPr lang="en-US" sz="1200" dirty="0">
-                <a:solidFill>
-                  <a:srgbClr val="9A0000"/>
-                </a:solidFill>
-                <a:latin typeface="+mn-lt"/>
-              </a:rPr>
-              <a:t>figure here</a:t>
-            </a:r>
-            <a:r>
-              <a:rPr lang="en-US" sz="1200" dirty="0">
-                <a:solidFill>
-                  <a:srgbClr val="000000"/>
-                </a:solidFill>
-                <a:latin typeface="+mn-lt"/>
-              </a:rPr>
-              <a:t>, in which the local receptive fields of five neurons are represented by dashed circles). The receptive fields of different neurons may overlap, and together they tile the whole visual field.  </a:t>
+              <a:t>he receptive fields of different neurons may overlap.  And taken together, they tile the entire visual field.</a:t>
             </a:r>
           </a:p>
           <a:p>
@@ -3539,25 +3657,7 @@
                 </a:solidFill>
                 <a:latin typeface="+mn-lt"/>
               </a:rPr>
-              <a:t>The authors also showed that some neurons only react to images of horizontal lines, while others only react to lines with different orientations (two neurons may have the same receptive field but react to different line orientations). They also noticed that some neurons have larger receptive fields, and they react to more complex patterns that are combinations of the lower-level patterns. These observations led to the idea that the higher-level neurons are based on the outputs of neighboring lower-level neurons (in </a:t>
-            </a:r>
-            <a:r>
-              <a:rPr lang="en-US" sz="1200" dirty="0">
-                <a:solidFill>
-                  <a:srgbClr val="9A0000"/>
-                </a:solidFill>
-                <a:latin typeface="+mn-lt"/>
-              </a:rPr>
-              <a:t>this figure</a:t>
-            </a:r>
-            <a:r>
-              <a:rPr lang="en-US" sz="1200" dirty="0">
-                <a:solidFill>
-                  <a:srgbClr val="000000"/>
-                </a:solidFill>
-                <a:latin typeface="+mn-lt"/>
-              </a:rPr>
-              <a:t>, notice that each neuron is connected only to a few neurons from the previous layer). This powerful architecture can detect all sorts of complex patterns in any area of the visual field.</a:t>
+              <a:t>A second important discovery was that some neurons only react to images of horizontal lines, while others react to lines with different orientations.  Interestingly, two neurons may share the same receptive field, but each reacts to different line orientations.  Hubel and Wiesel also learned that some neurons have larger receptive fields, reacting to more complex patterns or combinations of lower-level patterns. </a:t>
             </a:r>
           </a:p>
           <a:p>
@@ -3578,79 +3678,7 @@
                 </a:solidFill>
                 <a:latin typeface="+mn-lt"/>
               </a:rPr>
-              <a:t>These studies of the visual cortex inspired the </a:t>
-            </a:r>
-            <a:r>
-              <a:rPr lang="en-US" sz="1200" b="1" dirty="0">
-                <a:solidFill>
-                  <a:srgbClr val="9A0000"/>
-                </a:solidFill>
-                <a:latin typeface="+mn-lt"/>
-              </a:rPr>
-              <a:t>neocognitron</a:t>
-            </a:r>
-            <a:r>
-              <a:rPr lang="en-US" sz="1200" dirty="0">
-                <a:solidFill>
-                  <a:srgbClr val="000000"/>
-                </a:solidFill>
-                <a:latin typeface="+mn-lt"/>
-              </a:rPr>
-              <a:t>, introduced in 1980, which gradually evolved into what we now call </a:t>
-            </a:r>
-            <a:r>
-              <a:rPr lang="en-US" sz="1200" b="1" dirty="0">
-                <a:solidFill>
-                  <a:srgbClr val="000000"/>
-                </a:solidFill>
-                <a:latin typeface="+mn-lt"/>
-              </a:rPr>
-              <a:t>convolutional neural networks</a:t>
-            </a:r>
-            <a:r>
-              <a:rPr lang="en-US" sz="1200" dirty="0">
-                <a:solidFill>
-                  <a:srgbClr val="000000"/>
-                </a:solidFill>
-                <a:latin typeface="+mn-lt"/>
-              </a:rPr>
-              <a:t>. An important milestone was a </a:t>
-            </a:r>
-            <a:r>
-              <a:rPr lang="en-US" sz="1200" dirty="0">
-                <a:solidFill>
-                  <a:srgbClr val="9A0000"/>
-                </a:solidFill>
-                <a:latin typeface="+mn-lt"/>
-              </a:rPr>
-              <a:t>1998 paper</a:t>
-            </a:r>
-            <a:r>
-              <a:rPr lang="en-US" sz="1200" dirty="0">
-                <a:solidFill>
-                  <a:srgbClr val="000000"/>
-                </a:solidFill>
-                <a:latin typeface="+mn-lt"/>
-              </a:rPr>
-              <a:t> by Yann LeCun et al. that introduced the famous </a:t>
-            </a:r>
-            <a:r>
-              <a:rPr lang="en-US" sz="1200" i="1" dirty="0">
-                <a:solidFill>
-                  <a:srgbClr val="000000"/>
-                </a:solidFill>
-                <a:latin typeface="+mn-lt"/>
-              </a:rPr>
-              <a:t>LeNet-5 </a:t>
-            </a:r>
-            <a:r>
-              <a:rPr lang="en-US" sz="1200" dirty="0">
-                <a:solidFill>
-                  <a:srgbClr val="000000"/>
-                </a:solidFill>
-                <a:latin typeface="+mn-lt"/>
-              </a:rPr>
-              <a:t>architecture.  At the time, this model was widely used by banks to recognize handwritten check numbers.  In today’s final exercise, you will encounter the MNIST dataset they used to develop the LeNet-5 model.</a:t>
+              <a:t>All this led to the idea that higher level neurons receive input from lower-level neurons.  For example, the neurons in the second layer shown here are only connected to a few neurons in the first layer.  Even so, those connections allow second layer neurons to detect more complex shapes, including triangles, x’s, and so on.  The beauty of this architecture lies in its ability to detect all sorts of complex patterns in any area of the visual field. </a:t>
             </a:r>
           </a:p>
           <a:p>
@@ -3664,6 +3692,70 @@
           </a:p>
           <a:p>
             <a:pPr algn="l"/>
+            <a:r>
+              <a:rPr lang="en-US" sz="1200" dirty="0">
+                <a:solidFill>
+                  <a:srgbClr val="000000"/>
+                </a:solidFill>
+                <a:latin typeface="+mn-lt"/>
+              </a:rPr>
+              <a:t>This visual cortex research inspired the </a:t>
+            </a:r>
+            <a:r>
+              <a:rPr lang="en-US" sz="1200" b="1" dirty="0">
+                <a:solidFill>
+                  <a:srgbClr val="9A0000"/>
+                </a:solidFill>
+                <a:latin typeface="+mn-lt"/>
+              </a:rPr>
+              <a:t>neocognitron</a:t>
+            </a:r>
+            <a:r>
+              <a:rPr lang="en-US" sz="1200" b="1" dirty="0">
+                <a:solidFill>
+                  <a:srgbClr val="000000"/>
+                </a:solidFill>
+                <a:latin typeface="+mn-lt"/>
+              </a:rPr>
+              <a:t>, </a:t>
+            </a:r>
+            <a:r>
+              <a:rPr lang="en-US" sz="1200" dirty="0">
+                <a:solidFill>
+                  <a:srgbClr val="000000"/>
+                </a:solidFill>
+                <a:latin typeface="+mn-lt"/>
+              </a:rPr>
+              <a:t>introduced in 1980.  And convolutional neural networks are the direct descendants of this invention.  </a:t>
+            </a:r>
+          </a:p>
+          <a:p>
+            <a:pPr algn="l"/>
+            <a:endParaRPr lang="en-US" sz="1200" dirty="0">
+              <a:solidFill>
+                <a:srgbClr val="000000"/>
+              </a:solidFill>
+              <a:latin typeface="+mn-lt"/>
+            </a:endParaRPr>
+          </a:p>
+          <a:p>
+            <a:pPr marL="0" marR="0" lvl="0" indent="0" algn="l" defTabSz="914400" rtl="0" eaLnBrk="1" fontAlgn="auto" latinLnBrk="0" hangingPunct="1">
+              <a:lnSpc>
+                <a:spcPct val="100000"/>
+              </a:lnSpc>
+              <a:spcBef>
+                <a:spcPts val="0"/>
+              </a:spcBef>
+              <a:spcAft>
+                <a:spcPts val="0"/>
+              </a:spcAft>
+              <a:buClrTx/>
+              <a:buSzTx/>
+              <a:buFontTx/>
+              <a:buNone/>
+              <a:tabLst/>
+              <a:defRPr/>
+            </a:pPr>
             <a:r>
               <a:rPr lang="en-US" sz="1200" dirty="0">
                 <a:solidFill>
@@ -3781,7 +3873,7 @@
                 <a:effectLst/>
                 <a:latin typeface="+mn-lt"/>
               </a:rPr>
-              <a:t>So how can we mimic the eye’s ability to detect patterns in its visual field?</a:t>
+              <a:t>So how do we mimic the eye’s ability to detect patterns in its visual field?</a:t>
             </a:r>
           </a:p>
           <a:p>
@@ -4794,7 +4886,7 @@
           <a:p>
             <a:fld id="{C3F78080-8D0A-4BE8-A5B4-CB115102D524}" type="datetimeFigureOut">
               <a:rPr lang="en-US" smtClean="0"/>
-              <a:t>9/8/2022</a:t>
+              <a:t>9/9/2022</a:t>
             </a:fld>
             <a:endParaRPr lang="en-US"/>
           </a:p>
@@ -4992,7 +5084,7 @@
           <a:p>
             <a:fld id="{C3F78080-8D0A-4BE8-A5B4-CB115102D524}" type="datetimeFigureOut">
               <a:rPr lang="en-US" smtClean="0"/>
-              <a:t>9/8/2022</a:t>
+              <a:t>9/9/2022</a:t>
             </a:fld>
             <a:endParaRPr lang="en-US"/>
           </a:p>
@@ -5200,7 +5292,7 @@
           <a:p>
             <a:fld id="{C3F78080-8D0A-4BE8-A5B4-CB115102D524}" type="datetimeFigureOut">
               <a:rPr lang="en-US" smtClean="0"/>
-              <a:t>9/8/2022</a:t>
+              <a:t>9/9/2022</a:t>
             </a:fld>
             <a:endParaRPr lang="en-US"/>
           </a:p>
@@ -5398,7 +5490,7 @@
           <a:p>
             <a:fld id="{C3F78080-8D0A-4BE8-A5B4-CB115102D524}" type="datetimeFigureOut">
               <a:rPr lang="en-US" smtClean="0"/>
-              <a:t>9/8/2022</a:t>
+              <a:t>9/9/2022</a:t>
             </a:fld>
             <a:endParaRPr lang="en-US"/>
           </a:p>
@@ -5673,7 +5765,7 @@
           <a:p>
             <a:fld id="{C3F78080-8D0A-4BE8-A5B4-CB115102D524}" type="datetimeFigureOut">
               <a:rPr lang="en-US" smtClean="0"/>
-              <a:t>9/8/2022</a:t>
+              <a:t>9/9/2022</a:t>
             </a:fld>
             <a:endParaRPr lang="en-US"/>
           </a:p>
@@ -5938,7 +6030,7 @@
           <a:p>
             <a:fld id="{C3F78080-8D0A-4BE8-A5B4-CB115102D524}" type="datetimeFigureOut">
               <a:rPr lang="en-US" smtClean="0"/>
-              <a:t>9/8/2022</a:t>
+              <a:t>9/9/2022</a:t>
             </a:fld>
             <a:endParaRPr lang="en-US"/>
           </a:p>
@@ -6350,7 +6442,7 @@
           <a:p>
             <a:fld id="{C3F78080-8D0A-4BE8-A5B4-CB115102D524}" type="datetimeFigureOut">
               <a:rPr lang="en-US" smtClean="0"/>
-              <a:t>9/8/2022</a:t>
+              <a:t>9/9/2022</a:t>
             </a:fld>
             <a:endParaRPr lang="en-US"/>
           </a:p>
@@ -6491,7 +6583,7 @@
           <a:p>
             <a:fld id="{C3F78080-8D0A-4BE8-A5B4-CB115102D524}" type="datetimeFigureOut">
               <a:rPr lang="en-US" smtClean="0"/>
-              <a:t>9/8/2022</a:t>
+              <a:t>9/9/2022</a:t>
             </a:fld>
             <a:endParaRPr lang="en-US"/>
           </a:p>
@@ -6604,7 +6696,7 @@
           <a:p>
             <a:fld id="{C3F78080-8D0A-4BE8-A5B4-CB115102D524}" type="datetimeFigureOut">
               <a:rPr lang="en-US" smtClean="0"/>
-              <a:t>9/8/2022</a:t>
+              <a:t>9/9/2022</a:t>
             </a:fld>
             <a:endParaRPr lang="en-US"/>
           </a:p>
@@ -6915,7 +7007,7 @@
           <a:p>
             <a:fld id="{C3F78080-8D0A-4BE8-A5B4-CB115102D524}" type="datetimeFigureOut">
               <a:rPr lang="en-US" smtClean="0"/>
-              <a:t>9/8/2022</a:t>
+              <a:t>9/9/2022</a:t>
             </a:fld>
             <a:endParaRPr lang="en-US"/>
           </a:p>
@@ -7203,7 +7295,7 @@
           <a:p>
             <a:fld id="{C3F78080-8D0A-4BE8-A5B4-CB115102D524}" type="datetimeFigureOut">
               <a:rPr lang="en-US" smtClean="0"/>
-              <a:t>9/8/2022</a:t>
+              <a:t>9/9/2022</a:t>
             </a:fld>
             <a:endParaRPr lang="en-US"/>
           </a:p>
@@ -7444,7 +7536,7 @@
           <a:p>
             <a:fld id="{C3F78080-8D0A-4BE8-A5B4-CB115102D524}" type="datetimeFigureOut">
               <a:rPr lang="en-US" smtClean="0"/>
-              <a:t>9/8/2022</a:t>
+              <a:t>9/9/2022</a:t>
             </a:fld>
             <a:endParaRPr lang="en-US"/>
           </a:p>
@@ -8285,8 +8377,8 @@
         </p:nvSpPr>
         <p:spPr>
           <a:xfrm>
-            <a:off x="0" y="0"/>
-            <a:ext cx="12192000" cy="1325563"/>
+            <a:off x="0" y="534390"/>
+            <a:ext cx="12192000" cy="791173"/>
           </a:xfrm>
         </p:spPr>
         <p:txBody>
@@ -9267,12 +9359,71 @@
           <a:chExt cx="0" cy="0"/>
         </a:xfrm>
       </p:grpSpPr>
+      <p:sp>
+        <p:nvSpPr>
+          <p:cNvPr id="3" name="Text Placeholder 2">
+            <a:extLst>
+              <a:ext uri="{FF2B5EF4-FFF2-40B4-BE49-F238E27FC236}">
+                <a16:creationId xmlns:a16="http://schemas.microsoft.com/office/drawing/2014/main" id="{098BC2D2-CCF7-4C63-8489-B46BF394FCA2}"/>
+              </a:ext>
+            </a:extLst>
+          </p:cNvPr>
+          <p:cNvSpPr>
+            <a:spLocks noGrp="1"/>
+          </p:cNvSpPr>
+          <p:nvPr>
+            <p:ph type="body" idx="1"/>
+          </p:nvPr>
+        </p:nvSpPr>
+        <p:spPr>
+          <a:xfrm>
+            <a:off x="0" y="4285400"/>
+            <a:ext cx="12192000" cy="518830"/>
+          </a:xfrm>
+        </p:spPr>
+        <p:txBody>
+          <a:bodyPr>
+            <a:normAutofit/>
+          </a:bodyPr>
+          <a:lstStyle/>
+          <a:p>
+            <a:endParaRPr lang="en-US" dirty="0">
+              <a:latin typeface="Palatino Linotype" panose="02040502050505030304" pitchFamily="18" charset="0"/>
+              <a:cs typeface="Segoe UI" panose="020B0502040204020203" pitchFamily="34" charset="0"/>
+            </a:endParaRPr>
+          </a:p>
+          <a:p>
+            <a:endParaRPr lang="en-US" dirty="0">
+              <a:latin typeface="Palatino Linotype" panose="02040502050505030304" pitchFamily="18" charset="0"/>
+              <a:cs typeface="Segoe UI" panose="020B0502040204020203" pitchFamily="34" charset="0"/>
+            </a:endParaRPr>
+          </a:p>
+          <a:p>
+            <a:endParaRPr lang="en-US" dirty="0">
+              <a:latin typeface="Palatino Linotype" panose="02040502050505030304" pitchFamily="18" charset="0"/>
+              <a:cs typeface="Segoe UI" panose="020B0502040204020203" pitchFamily="34" charset="0"/>
+            </a:endParaRPr>
+          </a:p>
+          <a:p>
+            <a:endParaRPr lang="en-US" dirty="0">
+              <a:latin typeface="Palatino Linotype" panose="02040502050505030304" pitchFamily="18" charset="0"/>
+              <a:cs typeface="Segoe UI" panose="020B0502040204020203" pitchFamily="34" charset="0"/>
+            </a:endParaRPr>
+          </a:p>
+          <a:p>
+            <a:endParaRPr lang="en-US" dirty="0">
+              <a:latin typeface="Palatino Linotype" panose="02040502050505030304" pitchFamily="18" charset="0"/>
+              <a:cs typeface="Segoe UI" panose="020B0502040204020203" pitchFamily="34" charset="0"/>
+            </a:endParaRPr>
+          </a:p>
+        </p:txBody>
+      </p:sp>
       <p:pic>
         <p:nvPicPr>
-          <p:cNvPr id="4" name="Picture 3">
+          <p:cNvPr id="6" name="Picture 5">
             <a:extLst>
               <a:ext uri="{FF2B5EF4-FFF2-40B4-BE49-F238E27FC236}">
-                <a16:creationId xmlns:a16="http://schemas.microsoft.com/office/drawing/2014/main" id="{76E66F2E-C91C-4311-B65A-B61BFBC7CF8F}"/>
+                <a16:creationId xmlns:a16="http://schemas.microsoft.com/office/drawing/2014/main" id="{4FD57F50-B889-4603-9436-B0404F566685}"/>
               </a:ext>
             </a:extLst>
           </p:cNvPr>
@@ -9282,13 +9433,7 @@
           <p:nvPr/>
         </p:nvPicPr>
         <p:blipFill>
-          <a:blip r:embed="rId3">
-            <a:extLst>
-              <a:ext uri="{28A0092B-C50C-407E-A947-70E740481C1C}">
-                <a14:useLocalDpi xmlns:a14="http://schemas.microsoft.com/office/drawing/2010/main"/>
-              </a:ext>
-            </a:extLst>
-          </a:blip>
+          <a:blip r:embed="rId3"/>
           <a:stretch>
             <a:fillRect/>
           </a:stretch>
@@ -9303,56 +9448,70 @@
           </a:prstGeom>
         </p:spPr>
       </p:pic>
-      <p:pic>
-        <p:nvPicPr>
-          <p:cNvPr id="3" name="Picture 2">
+      <p:sp>
+        <p:nvSpPr>
+          <p:cNvPr id="5" name="TextBox 4">
             <a:extLst>
               <a:ext uri="{FF2B5EF4-FFF2-40B4-BE49-F238E27FC236}">
-                <a16:creationId xmlns:a16="http://schemas.microsoft.com/office/drawing/2014/main" id="{6818FEE8-D9DB-43B3-A9CB-DD82942AF9ED}"/>
+                <a16:creationId xmlns:a16="http://schemas.microsoft.com/office/drawing/2014/main" id="{3FB0C709-F873-4998-9262-CCFA219A0026}"/>
               </a:ext>
             </a:extLst>
           </p:cNvPr>
-          <p:cNvPicPr>
-            <a:picLocks noChangeAspect="1"/>
-          </p:cNvPicPr>
+          <p:cNvSpPr txBox="1"/>
           <p:nvPr/>
-        </p:nvPicPr>
-        <p:blipFill>
-          <a:blip r:embed="rId4">
-            <a:clrChange>
-              <a:clrFrom>
-                <a:srgbClr val="F8F9FA"/>
-              </a:clrFrom>
-              <a:clrTo>
-                <a:srgbClr val="F8F9FA">
-                  <a:alpha val="0"/>
-                </a:srgbClr>
-              </a:clrTo>
-            </a:clrChange>
-            <a:extLst>
-              <a:ext uri="{28A0092B-C50C-407E-A947-70E740481C1C}">
-                <a14:useLocalDpi xmlns:a14="http://schemas.microsoft.com/office/drawing/2010/main"/>
-              </a:ext>
-            </a:extLst>
-          </a:blip>
-          <a:stretch>
-            <a:fillRect/>
-          </a:stretch>
-        </p:blipFill>
+        </p:nvSpPr>
         <p:spPr>
           <a:xfrm>
-            <a:off x="3767137" y="2524125"/>
-            <a:ext cx="4657725" cy="1809750"/>
+            <a:off x="0" y="3291840"/>
+            <a:ext cx="12192000" cy="1200329"/>
           </a:xfrm>
           <a:prstGeom prst="rect">
             <a:avLst/>
           </a:prstGeom>
+          <a:noFill/>
         </p:spPr>
-      </p:pic>
+        <p:txBody>
+          <a:bodyPr wrap="square" rtlCol="0">
+            <a:spAutoFit/>
+          </a:bodyPr>
+          <a:lstStyle/>
+          <a:p>
+            <a:pPr algn="ctr"/>
+            <a:r>
+              <a:rPr lang="en-US" sz="3600" dirty="0">
+                <a:solidFill>
+                  <a:schemeClr val="tx1">
+                    <a:lumMod val="65000"/>
+                    <a:lumOff val="35000"/>
+                  </a:schemeClr>
+                </a:solidFill>
+                <a:latin typeface="Palatino Linotype" panose="02040502050505030304" pitchFamily="18" charset="0"/>
+              </a:rPr>
+              <a:t>The MNIST classifier</a:t>
+            </a:r>
+          </a:p>
+          <a:p>
+            <a:pPr algn="ctr"/>
+            <a:r>
+              <a:rPr lang="en-US" sz="3600" dirty="0">
+                <a:solidFill>
+                  <a:schemeClr val="tx1">
+                    <a:lumMod val="65000"/>
+                    <a:lumOff val="35000"/>
+                  </a:schemeClr>
+                </a:solidFill>
+                <a:latin typeface="Palatino Linotype" panose="02040502050505030304" pitchFamily="18" charset="0"/>
+              </a:rPr>
+              <a:t>01.2_mnist.ipynb</a:t>
+            </a:r>
+            <a:endParaRPr lang="en-US" sz="3600" dirty="0"/>
+          </a:p>
+        </p:txBody>
+      </p:sp>
     </p:spTree>
     <p:extLst>
       <p:ext uri="{BB962C8B-B14F-4D97-AF65-F5344CB8AC3E}">
-        <p14:creationId xmlns:p14="http://schemas.microsoft.com/office/powerpoint/2010/main" val="4119545744"/>
+        <p14:creationId xmlns:p14="http://schemas.microsoft.com/office/powerpoint/2010/main" val="3202979621"/>
       </p:ext>
     </p:extLst>
   </p:cSld>
@@ -10053,6 +10212,44 @@
           </a:p>
         </p:txBody>
       </p:sp>
+      <p:sp>
+        <p:nvSpPr>
+          <p:cNvPr id="16" name="Title 4">
+            <a:extLst>
+              <a:ext uri="{FF2B5EF4-FFF2-40B4-BE49-F238E27FC236}">
+                <a16:creationId xmlns:a16="http://schemas.microsoft.com/office/drawing/2014/main" id="{CFA17968-1E23-1507-1813-81B95AB308D8}"/>
+              </a:ext>
+            </a:extLst>
+          </p:cNvPr>
+          <p:cNvSpPr>
+            <a:spLocks noGrp="1"/>
+          </p:cNvSpPr>
+          <p:nvPr>
+            <p:ph type="title"/>
+          </p:nvPr>
+        </p:nvSpPr>
+        <p:spPr>
+          <a:xfrm>
+            <a:off x="0" y="534390"/>
+            <a:ext cx="12192000" cy="791173"/>
+          </a:xfrm>
+        </p:spPr>
+        <p:txBody>
+          <a:bodyPr>
+            <a:normAutofit/>
+          </a:bodyPr>
+          <a:lstStyle/>
+          <a:p>
+            <a:pPr algn="ctr"/>
+            <a:r>
+              <a:rPr lang="en-US" sz="4400" dirty="0">
+                <a:latin typeface="Palatino Linotype" panose="02040502050505030304" pitchFamily="18" charset="0"/>
+              </a:rPr>
+              <a:t>Numbers Vocabulary</a:t>
+            </a:r>
+          </a:p>
+        </p:txBody>
+      </p:sp>
     </p:spTree>
     <p:extLst>
       <p:ext uri="{BB962C8B-B14F-4D97-AF65-F5344CB8AC3E}">
@@ -10104,6 +10301,51 @@
                                     <p:set>
                                       <p:cBhvr>
                                         <p:cTn id="6" dur="1" fill="hold">
+                                          <p:stCondLst>
+                                            <p:cond delay="0"/>
+                                          </p:stCondLst>
+                                        </p:cTn>
+                                        <p:tgtEl>
+                                          <p:spTgt spid="25"/>
+                                        </p:tgtEl>
+                                        <p:attrNameLst>
+                                          <p:attrName>style.visibility</p:attrName>
+                                        </p:attrNameLst>
+                                      </p:cBhvr>
+                                      <p:to>
+                                        <p:strVal val="visible"/>
+                                      </p:to>
+                                    </p:set>
+                                  </p:childTnLst>
+                                </p:cTn>
+                              </p:par>
+                            </p:childTnLst>
+                          </p:cTn>
+                        </p:par>
+                      </p:childTnLst>
+                    </p:cTn>
+                  </p:par>
+                  <p:par>
+                    <p:cTn id="7" fill="hold">
+                      <p:stCondLst>
+                        <p:cond delay="indefinite"/>
+                      </p:stCondLst>
+                      <p:childTnLst>
+                        <p:par>
+                          <p:cTn id="8" fill="hold">
+                            <p:stCondLst>
+                              <p:cond delay="0"/>
+                            </p:stCondLst>
+                            <p:childTnLst>
+                              <p:par>
+                                <p:cTn id="9" presetID="1" presetClass="entr" presetSubtype="0" fill="hold" nodeType="clickEffect">
+                                  <p:stCondLst>
+                                    <p:cond delay="0"/>
+                                  </p:stCondLst>
+                                  <p:childTnLst>
+                                    <p:set>
+                                      <p:cBhvr>
+                                        <p:cTn id="10" dur="1" fill="hold">
                                           <p:stCondLst>
                                             <p:cond delay="0"/>
                                           </p:stCondLst>
@@ -11877,71 +12119,12 @@
           <a:chExt cx="0" cy="0"/>
         </a:xfrm>
       </p:grpSpPr>
-      <p:sp>
-        <p:nvSpPr>
-          <p:cNvPr id="3" name="Text Placeholder 2">
+      <p:pic>
+        <p:nvPicPr>
+          <p:cNvPr id="4" name="Picture 3">
             <a:extLst>
               <a:ext uri="{FF2B5EF4-FFF2-40B4-BE49-F238E27FC236}">
-                <a16:creationId xmlns:a16="http://schemas.microsoft.com/office/drawing/2014/main" id="{098BC2D2-CCF7-4C63-8489-B46BF394FCA2}"/>
-              </a:ext>
-            </a:extLst>
-          </p:cNvPr>
-          <p:cNvSpPr>
-            <a:spLocks noGrp="1"/>
-          </p:cNvSpPr>
-          <p:nvPr>
-            <p:ph type="body" idx="1"/>
-          </p:nvPr>
-        </p:nvSpPr>
-        <p:spPr>
-          <a:xfrm>
-            <a:off x="0" y="4285400"/>
-            <a:ext cx="12192000" cy="518830"/>
-          </a:xfrm>
-        </p:spPr>
-        <p:txBody>
-          <a:bodyPr>
-            <a:normAutofit/>
-          </a:bodyPr>
-          <a:lstStyle/>
-          <a:p>
-            <a:endParaRPr lang="en-US" dirty="0">
-              <a:latin typeface="Palatino Linotype" panose="02040502050505030304" pitchFamily="18" charset="0"/>
-              <a:cs typeface="Segoe UI" panose="020B0502040204020203" pitchFamily="34" charset="0"/>
-            </a:endParaRPr>
-          </a:p>
-          <a:p>
-            <a:endParaRPr lang="en-US" dirty="0">
-              <a:latin typeface="Palatino Linotype" panose="02040502050505030304" pitchFamily="18" charset="0"/>
-              <a:cs typeface="Segoe UI" panose="020B0502040204020203" pitchFamily="34" charset="0"/>
-            </a:endParaRPr>
-          </a:p>
-          <a:p>
-            <a:endParaRPr lang="en-US" dirty="0">
-              <a:latin typeface="Palatino Linotype" panose="02040502050505030304" pitchFamily="18" charset="0"/>
-              <a:cs typeface="Segoe UI" panose="020B0502040204020203" pitchFamily="34" charset="0"/>
-            </a:endParaRPr>
-          </a:p>
-          <a:p>
-            <a:endParaRPr lang="en-US" dirty="0">
-              <a:latin typeface="Palatino Linotype" panose="02040502050505030304" pitchFamily="18" charset="0"/>
-              <a:cs typeface="Segoe UI" panose="020B0502040204020203" pitchFamily="34" charset="0"/>
-            </a:endParaRPr>
-          </a:p>
-          <a:p>
-            <a:endParaRPr lang="en-US" dirty="0">
-              <a:latin typeface="Palatino Linotype" panose="02040502050505030304" pitchFamily="18" charset="0"/>
-              <a:cs typeface="Segoe UI" panose="020B0502040204020203" pitchFamily="34" charset="0"/>
-            </a:endParaRPr>
-          </a:p>
-        </p:txBody>
-      </p:sp>
-      <p:pic>
-        <p:nvPicPr>
-          <p:cNvPr id="6" name="Picture 5">
-            <a:extLst>
-              <a:ext uri="{FF2B5EF4-FFF2-40B4-BE49-F238E27FC236}">
-                <a16:creationId xmlns:a16="http://schemas.microsoft.com/office/drawing/2014/main" id="{4FD57F50-B889-4603-9436-B0404F566685}"/>
+                <a16:creationId xmlns:a16="http://schemas.microsoft.com/office/drawing/2014/main" id="{76E66F2E-C91C-4311-B65A-B61BFBC7CF8F}"/>
               </a:ext>
             </a:extLst>
           </p:cNvPr>
@@ -11951,7 +12134,13 @@
           <p:nvPr/>
         </p:nvPicPr>
         <p:blipFill>
-          <a:blip r:embed="rId3"/>
+          <a:blip r:embed="rId3">
+            <a:extLst>
+              <a:ext uri="{28A0092B-C50C-407E-A947-70E740481C1C}">
+                <a14:useLocalDpi xmlns:a14="http://schemas.microsoft.com/office/drawing/2010/main"/>
+              </a:ext>
+            </a:extLst>
+          </a:blip>
           <a:stretch>
             <a:fillRect/>
           </a:stretch>
@@ -11966,70 +12155,56 @@
           </a:prstGeom>
         </p:spPr>
       </p:pic>
-      <p:sp>
-        <p:nvSpPr>
-          <p:cNvPr id="5" name="TextBox 4">
+      <p:pic>
+        <p:nvPicPr>
+          <p:cNvPr id="3" name="Picture 2">
             <a:extLst>
               <a:ext uri="{FF2B5EF4-FFF2-40B4-BE49-F238E27FC236}">
-                <a16:creationId xmlns:a16="http://schemas.microsoft.com/office/drawing/2014/main" id="{3FB0C709-F873-4998-9262-CCFA219A0026}"/>
+                <a16:creationId xmlns:a16="http://schemas.microsoft.com/office/drawing/2014/main" id="{6818FEE8-D9DB-43B3-A9CB-DD82942AF9ED}"/>
               </a:ext>
             </a:extLst>
           </p:cNvPr>
-          <p:cNvSpPr txBox="1"/>
+          <p:cNvPicPr>
+            <a:picLocks noChangeAspect="1"/>
+          </p:cNvPicPr>
           <p:nvPr/>
-        </p:nvSpPr>
+        </p:nvPicPr>
+        <p:blipFill>
+          <a:blip r:embed="rId4">
+            <a:clrChange>
+              <a:clrFrom>
+                <a:srgbClr val="F8F9FA"/>
+              </a:clrFrom>
+              <a:clrTo>
+                <a:srgbClr val="F8F9FA">
+                  <a:alpha val="0"/>
+                </a:srgbClr>
+              </a:clrTo>
+            </a:clrChange>
+            <a:extLst>
+              <a:ext uri="{28A0092B-C50C-407E-A947-70E740481C1C}">
+                <a14:useLocalDpi xmlns:a14="http://schemas.microsoft.com/office/drawing/2010/main"/>
+              </a:ext>
+            </a:extLst>
+          </a:blip>
+          <a:stretch>
+            <a:fillRect/>
+          </a:stretch>
+        </p:blipFill>
         <p:spPr>
           <a:xfrm>
-            <a:off x="0" y="3291840"/>
-            <a:ext cx="12192000" cy="1200329"/>
+            <a:off x="3767137" y="2524125"/>
+            <a:ext cx="4657725" cy="1809750"/>
           </a:xfrm>
           <a:prstGeom prst="rect">
             <a:avLst/>
           </a:prstGeom>
-          <a:noFill/>
         </p:spPr>
-        <p:txBody>
-          <a:bodyPr wrap="square" rtlCol="0">
-            <a:spAutoFit/>
-          </a:bodyPr>
-          <a:lstStyle/>
-          <a:p>
-            <a:pPr algn="ctr"/>
-            <a:r>
-              <a:rPr lang="en-US" sz="3600" dirty="0">
-                <a:solidFill>
-                  <a:schemeClr val="tx1">
-                    <a:lumMod val="65000"/>
-                    <a:lumOff val="35000"/>
-                  </a:schemeClr>
-                </a:solidFill>
-                <a:latin typeface="Palatino Linotype" panose="02040502050505030304" pitchFamily="18" charset="0"/>
-              </a:rPr>
-              <a:t>The MNIST classifier</a:t>
-            </a:r>
-          </a:p>
-          <a:p>
-            <a:pPr algn="ctr"/>
-            <a:r>
-              <a:rPr lang="en-US" sz="3600" dirty="0">
-                <a:solidFill>
-                  <a:schemeClr val="tx1">
-                    <a:lumMod val="65000"/>
-                    <a:lumOff val="35000"/>
-                  </a:schemeClr>
-                </a:solidFill>
-                <a:latin typeface="Palatino Linotype" panose="02040502050505030304" pitchFamily="18" charset="0"/>
-              </a:rPr>
-              <a:t>01.2_mnist.ipynb</a:t>
-            </a:r>
-            <a:endParaRPr lang="en-US" sz="3600" dirty="0"/>
-          </a:p>
-        </p:txBody>
-      </p:sp>
+      </p:pic>
     </p:spTree>
     <p:extLst>
       <p:ext uri="{BB962C8B-B14F-4D97-AF65-F5344CB8AC3E}">
-        <p14:creationId xmlns:p14="http://schemas.microsoft.com/office/powerpoint/2010/main" val="3202979621"/>
+        <p14:creationId xmlns:p14="http://schemas.microsoft.com/office/powerpoint/2010/main" val="4119545744"/>
       </p:ext>
     </p:extLst>
   </p:cSld>
@@ -12845,6 +13020,78 @@
           <a:chExt cx="0" cy="0"/>
         </a:xfrm>
       </p:grpSpPr>
+      <p:pic>
+        <p:nvPicPr>
+          <p:cNvPr id="3" name="Picture 2" descr="Shape, arrow&#10;&#10;Description automatically generated">
+            <a:extLst>
+              <a:ext uri="{FF2B5EF4-FFF2-40B4-BE49-F238E27FC236}">
+                <a16:creationId xmlns:a16="http://schemas.microsoft.com/office/drawing/2014/main" id="{67FAC76E-7574-AC54-6F03-7256F2199568}"/>
+              </a:ext>
+            </a:extLst>
+          </p:cNvPr>
+          <p:cNvPicPr>
+            <a:picLocks noChangeAspect="1"/>
+          </p:cNvPicPr>
+          <p:nvPr/>
+        </p:nvPicPr>
+        <p:blipFill>
+          <a:blip r:embed="rId3">
+            <a:extLst>
+              <a:ext uri="{28A0092B-C50C-407E-A947-70E740481C1C}">
+                <a14:useLocalDpi xmlns:a14="http://schemas.microsoft.com/office/drawing/2010/main" val="0"/>
+              </a:ext>
+            </a:extLst>
+          </a:blip>
+          <a:stretch>
+            <a:fillRect/>
+          </a:stretch>
+        </p:blipFill>
+        <p:spPr>
+          <a:xfrm>
+            <a:off x="3796710" y="1387281"/>
+            <a:ext cx="4598579" cy="4083438"/>
+          </a:xfrm>
+          <a:prstGeom prst="rect">
+            <a:avLst/>
+          </a:prstGeom>
+        </p:spPr>
+      </p:pic>
+      <p:pic>
+        <p:nvPicPr>
+          <p:cNvPr id="4" name="Picture 3">
+            <a:extLst>
+              <a:ext uri="{FF2B5EF4-FFF2-40B4-BE49-F238E27FC236}">
+                <a16:creationId xmlns:a16="http://schemas.microsoft.com/office/drawing/2014/main" id="{1DF6089C-2B9A-F7E6-7715-A0A073A4B05E}"/>
+              </a:ext>
+            </a:extLst>
+          </p:cNvPr>
+          <p:cNvPicPr>
+            <a:picLocks noChangeAspect="1"/>
+          </p:cNvPicPr>
+          <p:nvPr/>
+        </p:nvPicPr>
+        <p:blipFill>
+          <a:blip r:embed="rId4">
+            <a:extLst>
+              <a:ext uri="{28A0092B-C50C-407E-A947-70E740481C1C}">
+                <a14:useLocalDpi xmlns:a14="http://schemas.microsoft.com/office/drawing/2010/main"/>
+              </a:ext>
+            </a:extLst>
+          </a:blip>
+          <a:stretch>
+            <a:fillRect/>
+          </a:stretch>
+        </p:blipFill>
+        <p:spPr>
+          <a:xfrm>
+            <a:off x="0" y="365760"/>
+            <a:ext cx="3233668" cy="805144"/>
+          </a:xfrm>
+          <a:prstGeom prst="rect">
+            <a:avLst/>
+          </a:prstGeom>
+        </p:spPr>
+      </p:pic>
     </p:spTree>
     <p:extLst>
       <p:ext uri="{BB962C8B-B14F-4D97-AF65-F5344CB8AC3E}">

--- a/presentations/01_cnn_intro.pptx
+++ b/presentations/01_cnn_intro.pptx
@@ -5,7 +5,7 @@
     <p:sldMasterId id="2147483648" r:id="rId1"/>
   </p:sldMasterIdLst>
   <p:notesMasterIdLst>
-    <p:notesMasterId r:id="rId22"/>
+    <p:notesMasterId r:id="rId23"/>
   </p:notesMasterIdLst>
   <p:sldIdLst>
     <p:sldId id="322" r:id="rId2"/>
@@ -14,20 +14,21 @@
     <p:sldId id="302" r:id="rId5"/>
     <p:sldId id="300" r:id="rId6"/>
     <p:sldId id="295" r:id="rId7"/>
-    <p:sldId id="299" r:id="rId8"/>
-    <p:sldId id="347" r:id="rId9"/>
-    <p:sldId id="296" r:id="rId10"/>
-    <p:sldId id="257" r:id="rId11"/>
-    <p:sldId id="297" r:id="rId12"/>
-    <p:sldId id="298" r:id="rId13"/>
-    <p:sldId id="324" r:id="rId14"/>
-    <p:sldId id="332" r:id="rId15"/>
-    <p:sldId id="333" r:id="rId16"/>
-    <p:sldId id="354" r:id="rId17"/>
-    <p:sldId id="325" r:id="rId18"/>
-    <p:sldId id="326" r:id="rId19"/>
-    <p:sldId id="323" r:id="rId20"/>
-    <p:sldId id="353" r:id="rId21"/>
+    <p:sldId id="355" r:id="rId8"/>
+    <p:sldId id="299" r:id="rId9"/>
+    <p:sldId id="347" r:id="rId10"/>
+    <p:sldId id="296" r:id="rId11"/>
+    <p:sldId id="257" r:id="rId12"/>
+    <p:sldId id="297" r:id="rId13"/>
+    <p:sldId id="298" r:id="rId14"/>
+    <p:sldId id="324" r:id="rId15"/>
+    <p:sldId id="332" r:id="rId16"/>
+    <p:sldId id="333" r:id="rId17"/>
+    <p:sldId id="354" r:id="rId18"/>
+    <p:sldId id="325" r:id="rId19"/>
+    <p:sldId id="326" r:id="rId20"/>
+    <p:sldId id="323" r:id="rId21"/>
+    <p:sldId id="353" r:id="rId22"/>
   </p:sldIdLst>
   <p:sldSz cx="12192000" cy="6858000"/>
   <p:notesSz cx="7077075" cy="9363075"/>
@@ -227,7 +228,7 @@
           <a:p>
             <a:fld id="{FD93C9B2-20F6-4DB1-B471-224337D0AC79}" type="datetimeFigureOut">
               <a:rPr lang="en-US" smtClean="0"/>
-              <a:t>9/9/2022</a:t>
+              <a:t>9/11/2022</a:t>
             </a:fld>
             <a:endParaRPr lang="en-US"/>
           </a:p>
@@ -645,200 +646,43 @@
           <a:bodyPr/>
           <a:lstStyle/>
           <a:p>
-            <a:pPr marL="228600" indent="-228600">
+            <a:pPr marL="228600" indent="-228600" algn="l">
               <a:buAutoNum type="arabicPeriod"/>
             </a:pPr>
             <a:r>
-              <a:rPr lang="en-US" b="0" i="0" dirty="0">
-                <a:solidFill>
-                  <a:srgbClr val="3C3C3B"/>
-                </a:solidFill>
-                <a:effectLst/>
-                <a:latin typeface="Calibri" panose="020F0502020204030204" pitchFamily="34" charset="0"/>
-                <a:cs typeface="Calibri" panose="020F0502020204030204" pitchFamily="34" charset="0"/>
-              </a:rPr>
-              <a:t>CNN performance has increased dramatically – some CNN models process and interpret images faster and more accurately than humans – Radiology example.</a:t>
-            </a:r>
-          </a:p>
-          <a:p>
-            <a:pPr marL="228600" indent="-228600">
+              <a:rPr lang="en-US" sz="1200" dirty="0">
+                <a:latin typeface="+mn-lt"/>
+              </a:rPr>
+              <a:t>Why CNN’s – why not use fully connected neural networks?</a:t>
+            </a:r>
+          </a:p>
+          <a:p>
+            <a:pPr marL="228600" indent="-228600" algn="l">
               <a:buAutoNum type="arabicPeriod"/>
             </a:pPr>
             <a:r>
-              <a:rPr lang="en-US" b="0" i="0" dirty="0">
-                <a:solidFill>
-                  <a:srgbClr val="3C3C3B"/>
-                </a:solidFill>
-                <a:effectLst/>
-                <a:latin typeface="Calibri" panose="020F0502020204030204" pitchFamily="34" charset="0"/>
-                <a:cs typeface="Calibri" panose="020F0502020204030204" pitchFamily="34" charset="0"/>
-              </a:rPr>
-              <a:t>The four different domains:</a:t>
-            </a:r>
-          </a:p>
-          <a:p>
-            <a:pPr marL="685800" marR="0" lvl="1" indent="-228600" algn="l" defTabSz="914400" rtl="0" eaLnBrk="1" fontAlgn="auto" latinLnBrk="0" hangingPunct="1">
-              <a:lnSpc>
-                <a:spcPct val="100000"/>
-              </a:lnSpc>
-              <a:spcBef>
-                <a:spcPts val="0"/>
-              </a:spcBef>
-              <a:spcAft>
-                <a:spcPts val="0"/>
-              </a:spcAft>
-              <a:buClrTx/>
-              <a:buSzTx/>
-              <a:buFontTx/>
+              <a:rPr lang="en-US" sz="1200" dirty="0">
+                <a:latin typeface="+mn-lt"/>
+              </a:rPr>
+              <a:t>Fully connected works well with small images (28 x 28 pixels – size of MNIST images), not so well with larger images.</a:t>
+            </a:r>
+          </a:p>
+          <a:p>
+            <a:pPr marL="228600" indent="-228600" algn="l">
               <a:buAutoNum type="arabicPeriod"/>
-              <a:tabLst/>
-              <a:defRPr/>
             </a:pPr>
             <a:r>
-              <a:rPr lang="en-US" b="1" i="0" dirty="0">
-                <a:solidFill>
-                  <a:srgbClr val="3C3C3B"/>
-                </a:solidFill>
-                <a:effectLst/>
-                <a:latin typeface="Calibri" panose="020F0502020204030204" pitchFamily="34" charset="0"/>
-                <a:cs typeface="Calibri" panose="020F0502020204030204" pitchFamily="34" charset="0"/>
-              </a:rPr>
-              <a:t>Image classification</a:t>
-            </a:r>
-            <a:r>
-              <a:rPr lang="en-US" b="0" i="0" dirty="0">
-                <a:solidFill>
-                  <a:srgbClr val="3C3C3B"/>
-                </a:solidFill>
-                <a:effectLst/>
-                <a:latin typeface="Calibri" panose="020F0502020204030204" pitchFamily="34" charset="0"/>
-                <a:cs typeface="Calibri" panose="020F0502020204030204" pitchFamily="34" charset="0"/>
-              </a:rPr>
-              <a:t>, where we need to recognize the main object in an image.</a:t>
-            </a:r>
-          </a:p>
-          <a:p>
-            <a:pPr marL="685800" marR="0" lvl="1" indent="-228600" algn="l" defTabSz="914400" rtl="0" eaLnBrk="1" fontAlgn="auto" latinLnBrk="0" hangingPunct="1">
-              <a:lnSpc>
-                <a:spcPct val="100000"/>
-              </a:lnSpc>
-              <a:spcBef>
-                <a:spcPts val="0"/>
-              </a:spcBef>
-              <a:spcAft>
-                <a:spcPts val="0"/>
-              </a:spcAft>
-              <a:buClrTx/>
-              <a:buSzTx/>
-              <a:buFontTx/>
-              <a:buAutoNum type="arabicPeriod"/>
-              <a:tabLst/>
-              <a:defRPr/>
-            </a:pPr>
-            <a:r>
-              <a:rPr lang="en-US" b="1" i="0" dirty="0">
-                <a:solidFill>
-                  <a:srgbClr val="3C3C3B"/>
-                </a:solidFill>
-                <a:effectLst/>
-                <a:latin typeface="Calibri" panose="020F0502020204030204" pitchFamily="34" charset="0"/>
-                <a:cs typeface="Calibri" panose="020F0502020204030204" pitchFamily="34" charset="0"/>
-              </a:rPr>
-              <a:t>Image classification and localization</a:t>
-            </a:r>
-            <a:r>
-              <a:rPr lang="en-US" b="0" i="0" dirty="0">
-                <a:solidFill>
-                  <a:srgbClr val="3C3C3B"/>
-                </a:solidFill>
-                <a:effectLst/>
-                <a:latin typeface="Calibri" panose="020F0502020204030204" pitchFamily="34" charset="0"/>
-                <a:cs typeface="Calibri" panose="020F0502020204030204" pitchFamily="34" charset="0"/>
-              </a:rPr>
-              <a:t>, where we need to recognize and localize the main object in an image with a bounding box.</a:t>
-            </a:r>
-          </a:p>
-          <a:p>
-            <a:pPr marL="685800" marR="0" lvl="1" indent="-228600" algn="l" defTabSz="914400" rtl="0" eaLnBrk="1" fontAlgn="auto" latinLnBrk="0" hangingPunct="1">
-              <a:lnSpc>
-                <a:spcPct val="100000"/>
-              </a:lnSpc>
-              <a:spcBef>
-                <a:spcPts val="0"/>
-              </a:spcBef>
-              <a:spcAft>
-                <a:spcPts val="0"/>
-              </a:spcAft>
-              <a:buClrTx/>
-              <a:buSzTx/>
-              <a:buFontTx/>
-              <a:buAutoNum type="arabicPeriod"/>
-              <a:tabLst/>
-              <a:defRPr/>
-            </a:pPr>
-            <a:r>
-              <a:rPr lang="en-US" b="1" i="0" dirty="0">
-                <a:solidFill>
-                  <a:srgbClr val="3C3C3B"/>
-                </a:solidFill>
-                <a:effectLst/>
-                <a:latin typeface="Calibri" panose="020F0502020204030204" pitchFamily="34" charset="0"/>
-                <a:cs typeface="Calibri" panose="020F0502020204030204" pitchFamily="34" charset="0"/>
-              </a:rPr>
-              <a:t>Object detection</a:t>
-            </a:r>
-            <a:r>
-              <a:rPr lang="en-US" b="0" i="0" dirty="0">
-                <a:solidFill>
-                  <a:srgbClr val="3C3C3B"/>
-                </a:solidFill>
-                <a:effectLst/>
-                <a:latin typeface="Calibri" panose="020F0502020204030204" pitchFamily="34" charset="0"/>
-                <a:cs typeface="Calibri" panose="020F0502020204030204" pitchFamily="34" charset="0"/>
-              </a:rPr>
-              <a:t>, where we need to recognize multiple objects in an image with bounding boxes.</a:t>
-            </a:r>
-          </a:p>
-          <a:p>
-            <a:pPr marL="685800" marR="0" lvl="1" indent="-228600" algn="l" defTabSz="914400" rtl="0" eaLnBrk="1" fontAlgn="auto" latinLnBrk="0" hangingPunct="1">
-              <a:lnSpc>
-                <a:spcPct val="100000"/>
-              </a:lnSpc>
-              <a:spcBef>
-                <a:spcPts val="0"/>
-              </a:spcBef>
-              <a:spcAft>
-                <a:spcPts val="0"/>
-              </a:spcAft>
-              <a:buClrTx/>
-              <a:buSzTx/>
-              <a:buFontTx/>
-              <a:buAutoNum type="arabicPeriod"/>
-              <a:tabLst/>
-              <a:defRPr/>
-            </a:pPr>
-            <a:r>
-              <a:rPr lang="en-US" b="1" i="0" dirty="0">
-                <a:solidFill>
-                  <a:srgbClr val="3C3C3B"/>
-                </a:solidFill>
-                <a:effectLst/>
-                <a:latin typeface="Calibri" panose="020F0502020204030204" pitchFamily="34" charset="0"/>
-                <a:cs typeface="Calibri" panose="020F0502020204030204" pitchFamily="34" charset="0"/>
-              </a:rPr>
-              <a:t>Image segmentation</a:t>
-            </a:r>
-            <a:r>
-              <a:rPr lang="en-US" b="0" i="0" dirty="0">
-                <a:solidFill>
-                  <a:srgbClr val="3C3C3B"/>
-                </a:solidFill>
-                <a:effectLst/>
-                <a:latin typeface="Calibri" panose="020F0502020204030204" pitchFamily="34" charset="0"/>
-                <a:cs typeface="Calibri" panose="020F0502020204030204" pitchFamily="34" charset="0"/>
-              </a:rPr>
-              <a:t>, where we need to identify the boundaries of objects in an image.</a:t>
-            </a:r>
+              <a:rPr lang="en-US" sz="1200" dirty="0">
+                <a:latin typeface="+mn-lt"/>
+              </a:rPr>
+              <a:t>A 100 × 100–pixel image has 10,000 pixels, and if the initial layer has just 1,000 neurons, this adds up to a total of 10 million connections. And that’s just the first layer. CNNs solve this problem through partially connected layers and the use of new kinds of layers.</a:t>
+            </a:r>
+          </a:p>
+          <a:p>
+            <a:pPr algn="l"/>
+            <a:endParaRPr lang="en-US" dirty="0">
+              <a:latin typeface="+mn-lt"/>
+            </a:endParaRPr>
           </a:p>
           <a:p>
             <a:pPr marL="0" marR="0" lvl="0" indent="0" algn="l" defTabSz="914400" rtl="0" eaLnBrk="1" fontAlgn="auto" latinLnBrk="0" hangingPunct="1">
@@ -858,192 +702,103 @@
               <a:tabLst/>
               <a:defRPr/>
             </a:pPr>
-            <a:endParaRPr lang="en-US" dirty="0">
+            <a:r>
+              <a:rPr lang="en-US" dirty="0">
+                <a:latin typeface="+mn-lt"/>
+              </a:rPr>
+              <a:t>=====</a:t>
+            </a:r>
+          </a:p>
+          <a:p>
+            <a:pPr algn="l"/>
+            <a:r>
+              <a:rPr lang="en-US" sz="1200" dirty="0">
+                <a:latin typeface="+mn-lt"/>
+              </a:rPr>
+              <a:t>So, why do we need a new kind of neural network?  Why not use a deep neural network with fully connected layers for image recognition tasks?</a:t>
+            </a:r>
+          </a:p>
+          <a:p>
+            <a:pPr algn="l"/>
+            <a:endParaRPr lang="en-US" sz="1200" dirty="0">
               <a:latin typeface="+mn-lt"/>
             </a:endParaRPr>
           </a:p>
           <a:p>
-            <a:pPr marL="0" marR="0" lvl="0" indent="0" algn="l" defTabSz="914400" rtl="0" eaLnBrk="1" fontAlgn="auto" latinLnBrk="0" hangingPunct="1">
-              <a:lnSpc>
-                <a:spcPct val="100000"/>
-              </a:lnSpc>
-              <a:spcBef>
-                <a:spcPts val="0"/>
-              </a:spcBef>
-              <a:spcAft>
-                <a:spcPts val="0"/>
-              </a:spcAft>
-              <a:buClrTx/>
-              <a:buSzTx/>
-              <a:buFontTx/>
-              <a:buNone/>
-              <a:tabLst/>
-              <a:defRPr/>
-            </a:pPr>
-            <a:r>
-              <a:rPr lang="en-US" dirty="0">
+            <a:pPr algn="l"/>
+            <a:r>
+              <a:rPr lang="en-US" sz="1200" dirty="0">
                 <a:latin typeface="+mn-lt"/>
               </a:rPr>
-              <a:t>=====</a:t>
-            </a:r>
-          </a:p>
-          <a:p>
-            <a:r>
-              <a:rPr lang="en-US" b="0" i="0" dirty="0">
-                <a:solidFill>
-                  <a:srgbClr val="3C3C3B"/>
-                </a:solidFill>
-                <a:effectLst/>
-                <a:latin typeface="Calibri" panose="020F0502020204030204" pitchFamily="34" charset="0"/>
-                <a:cs typeface="Calibri" panose="020F0502020204030204" pitchFamily="34" charset="0"/>
-              </a:rPr>
-              <a:t>With the advent of convolutional neural networks, the field of computer vision saw some incredible improvements and results. Today, the field of computer vision has advanced to such an extent that, in some cases, computer vision AI systems can process and interpret certain kinds of images faster and more accurately than humans.</a:t>
-            </a:r>
-          </a:p>
-          <a:p>
-            <a:endParaRPr lang="en-US" b="0" i="0" dirty="0">
-              <a:solidFill>
-                <a:srgbClr val="3C3C3B"/>
-              </a:solidFill>
-              <a:effectLst/>
-              <a:latin typeface="Calibri" panose="020F0502020204030204" pitchFamily="34" charset="0"/>
-              <a:cs typeface="Calibri" panose="020F0502020204030204" pitchFamily="34" charset="0"/>
+              <a:t>Well, fully connected networks work fine for small images (e.g., MNIST), but they break down for larger images because of the huge number of parameters required. For example, a 100 × 100–pixel image has 10,000 pixels, and if the first layer has just 1,000 neurons (which already severely restricts the amount of information transmitted to the next layer), this means a total of 10 million connections. And that’s just the first layer. CNNs solve this problem through partially connected layers and the use of new kinds of layers.</a:t>
+            </a:r>
+          </a:p>
+          <a:p>
+            <a:pPr algn="l"/>
+            <a:endParaRPr lang="en-US" sz="1200" dirty="0">
+              <a:latin typeface="+mn-lt"/>
             </a:endParaRPr>
           </a:p>
           <a:p>
-            <a:r>
-              <a:rPr lang="en-US" b="0" i="0" dirty="0">
-                <a:solidFill>
-                  <a:srgbClr val="3C3C3B"/>
-                </a:solidFill>
-                <a:effectLst/>
-                <a:latin typeface="Calibri" panose="020F0502020204030204" pitchFamily="34" charset="0"/>
-                <a:cs typeface="Calibri" panose="020F0502020204030204" pitchFamily="34" charset="0"/>
-              </a:rPr>
-              <a:t>Computer vision can be split into four different domains:</a:t>
-            </a:r>
-          </a:p>
-          <a:p>
-            <a:endParaRPr lang="en-US" b="0" i="0" dirty="0">
-              <a:solidFill>
-                <a:srgbClr val="3C3C3B"/>
-              </a:solidFill>
-              <a:effectLst/>
-              <a:latin typeface="Calibri" panose="020F0502020204030204" pitchFamily="34" charset="0"/>
-              <a:cs typeface="Calibri" panose="020F0502020204030204" pitchFamily="34" charset="0"/>
+            <a:pPr algn="l"/>
+            <a:r>
+              <a:rPr lang="en-US" sz="1200" dirty="0">
+                <a:solidFill>
+                  <a:schemeClr val="tx1">
+                    <a:lumMod val="65000"/>
+                    <a:lumOff val="35000"/>
+                  </a:schemeClr>
+                </a:solidFill>
+                <a:latin typeface="+mn-lt"/>
+                <a:ea typeface="Verdana" panose="020B0604030504040204" pitchFamily="34" charset="0"/>
+              </a:rPr>
+              <a:t>Source: Geron, A. (2019). </a:t>
+            </a:r>
+            <a:r>
+              <a:rPr lang="en-US" sz="1200" i="1" dirty="0">
+                <a:solidFill>
+                  <a:schemeClr val="tx1">
+                    <a:lumMod val="65000"/>
+                    <a:lumOff val="35000"/>
+                  </a:schemeClr>
+                </a:solidFill>
+                <a:latin typeface="+mn-lt"/>
+                <a:ea typeface="Verdana" panose="020B0604030504040204" pitchFamily="34" charset="0"/>
+              </a:rPr>
+              <a:t>Hands-on machine learning with Sci-Kit learn, Keras, &amp; Tensorflow.</a:t>
+            </a:r>
+            <a:r>
+              <a:rPr lang="en-US" sz="1200" dirty="0">
+                <a:solidFill>
+                  <a:schemeClr val="tx1">
+                    <a:lumMod val="65000"/>
+                    <a:lumOff val="35000"/>
+                  </a:schemeClr>
+                </a:solidFill>
+                <a:latin typeface="+mn-lt"/>
+                <a:ea typeface="Verdana" panose="020B0604030504040204" pitchFamily="34" charset="0"/>
+              </a:rPr>
+              <a:t> Sebastopol, CA: O’Reilly Media. (Chapter 14).</a:t>
+            </a:r>
+            <a:endParaRPr lang="en-US" sz="1200" dirty="0">
+              <a:latin typeface="+mn-lt"/>
             </a:endParaRPr>
           </a:p>
           <a:p>
-            <a:pPr marL="228600" indent="-228600" algn="l">
-              <a:buFont typeface="Arial" panose="020B0604020202020204" pitchFamily="34" charset="0"/>
-              <a:buAutoNum type="arabicPeriod"/>
-            </a:pPr>
-            <a:r>
-              <a:rPr lang="en-US" b="1" i="0" dirty="0">
-                <a:solidFill>
-                  <a:srgbClr val="3C3C3B"/>
-                </a:solidFill>
-                <a:effectLst/>
-                <a:latin typeface="Calibri" panose="020F0502020204030204" pitchFamily="34" charset="0"/>
-                <a:cs typeface="Calibri" panose="020F0502020204030204" pitchFamily="34" charset="0"/>
-              </a:rPr>
-              <a:t>Image classification</a:t>
-            </a:r>
-            <a:r>
-              <a:rPr lang="en-US" b="0" i="0" dirty="0">
-                <a:solidFill>
-                  <a:srgbClr val="3C3C3B"/>
-                </a:solidFill>
-                <a:effectLst/>
-                <a:latin typeface="Calibri" panose="020F0502020204030204" pitchFamily="34" charset="0"/>
-                <a:cs typeface="Calibri" panose="020F0502020204030204" pitchFamily="34" charset="0"/>
-              </a:rPr>
-              <a:t>, where we need to recognize the main object in an image.</a:t>
-            </a:r>
-          </a:p>
-          <a:p>
-            <a:pPr marL="228600" indent="-228600" algn="l">
-              <a:buFont typeface="Arial" panose="020B0604020202020204" pitchFamily="34" charset="0"/>
-              <a:buAutoNum type="arabicPeriod"/>
-            </a:pPr>
-            <a:r>
-              <a:rPr lang="en-US" b="1" i="0" dirty="0">
-                <a:solidFill>
-                  <a:srgbClr val="3C3C3B"/>
-                </a:solidFill>
-                <a:effectLst/>
-                <a:latin typeface="Calibri" panose="020F0502020204030204" pitchFamily="34" charset="0"/>
-                <a:cs typeface="Calibri" panose="020F0502020204030204" pitchFamily="34" charset="0"/>
-              </a:rPr>
-              <a:t>Image classification and localization</a:t>
-            </a:r>
-            <a:r>
-              <a:rPr lang="en-US" b="0" i="0" dirty="0">
-                <a:solidFill>
-                  <a:srgbClr val="3C3C3B"/>
-                </a:solidFill>
-                <a:effectLst/>
-                <a:latin typeface="Calibri" panose="020F0502020204030204" pitchFamily="34" charset="0"/>
-                <a:cs typeface="Calibri" panose="020F0502020204030204" pitchFamily="34" charset="0"/>
-              </a:rPr>
-              <a:t>, where we need to recognize and localize the main object in an image with a bounding box.</a:t>
-            </a:r>
-          </a:p>
-          <a:p>
-            <a:pPr marL="228600" indent="-228600" algn="l">
-              <a:buFont typeface="Arial" panose="020B0604020202020204" pitchFamily="34" charset="0"/>
-              <a:buAutoNum type="arabicPeriod"/>
-            </a:pPr>
-            <a:r>
-              <a:rPr lang="en-US" b="1" i="0" dirty="0">
-                <a:solidFill>
-                  <a:srgbClr val="3C3C3B"/>
-                </a:solidFill>
-                <a:effectLst/>
-                <a:latin typeface="Calibri" panose="020F0502020204030204" pitchFamily="34" charset="0"/>
-                <a:cs typeface="Calibri" panose="020F0502020204030204" pitchFamily="34" charset="0"/>
-              </a:rPr>
-              <a:t>Object detection</a:t>
-            </a:r>
-            <a:r>
-              <a:rPr lang="en-US" b="0" i="0" dirty="0">
-                <a:solidFill>
-                  <a:srgbClr val="3C3C3B"/>
-                </a:solidFill>
-                <a:effectLst/>
-                <a:latin typeface="Calibri" panose="020F0502020204030204" pitchFamily="34" charset="0"/>
-                <a:cs typeface="Calibri" panose="020F0502020204030204" pitchFamily="34" charset="0"/>
-              </a:rPr>
-              <a:t>, where we need to recognize multiple objects in an image with bounding boxes.</a:t>
-            </a:r>
-          </a:p>
-          <a:p>
-            <a:pPr marL="228600" indent="-228600" algn="l">
-              <a:buFont typeface="Arial" panose="020B0604020202020204" pitchFamily="34" charset="0"/>
-              <a:buAutoNum type="arabicPeriod"/>
-            </a:pPr>
-            <a:r>
-              <a:rPr lang="en-US" b="1" i="0" dirty="0">
-                <a:solidFill>
-                  <a:srgbClr val="3C3C3B"/>
-                </a:solidFill>
-                <a:effectLst/>
-                <a:latin typeface="Calibri" panose="020F0502020204030204" pitchFamily="34" charset="0"/>
-                <a:cs typeface="Calibri" panose="020F0502020204030204" pitchFamily="34" charset="0"/>
-              </a:rPr>
-              <a:t>Image segmentation</a:t>
-            </a:r>
-            <a:r>
-              <a:rPr lang="en-US" b="0" i="0" dirty="0">
-                <a:solidFill>
-                  <a:srgbClr val="3C3C3B"/>
-                </a:solidFill>
-                <a:effectLst/>
-                <a:latin typeface="Calibri" panose="020F0502020204030204" pitchFamily="34" charset="0"/>
-                <a:cs typeface="Calibri" panose="020F0502020204030204" pitchFamily="34" charset="0"/>
-              </a:rPr>
-              <a:t>, where we need to identify the boundaries of objects in an image</a:t>
-            </a:r>
+            <a:pPr algn="l"/>
+            <a:endParaRPr lang="en-US" sz="1800" dirty="0">
+              <a:latin typeface="MinionPro-Regular"/>
+            </a:endParaRPr>
+          </a:p>
+          <a:p>
+            <a:pPr algn="l"/>
+            <a:r>
+              <a:rPr lang="en-US" sz="1800" dirty="0">
+                <a:latin typeface="MinionPro-Regular"/>
+              </a:rPr>
+              <a:t> </a:t>
+            </a:r>
+            <a:endParaRPr lang="en-US" dirty="0"/>
           </a:p>
         </p:txBody>
       </p:sp>
@@ -1073,7 +828,7 @@
     </p:spTree>
     <p:extLst>
       <p:ext uri="{BB962C8B-B14F-4D97-AF65-F5344CB8AC3E}">
-        <p14:creationId xmlns:p14="http://schemas.microsoft.com/office/powerpoint/2010/main" val="3755491919"/>
+        <p14:creationId xmlns:p14="http://schemas.microsoft.com/office/powerpoint/2010/main" val="80972208"/>
       </p:ext>
     </p:extLst>
   </p:cSld>
@@ -1127,7 +882,9 @@
           <a:bodyPr/>
           <a:lstStyle/>
           <a:p>
-            <a:pPr algn="l"/>
+            <a:pPr marL="228600" indent="-228600">
+              <a:buAutoNum type="arabicPeriod"/>
+            </a:pPr>
             <a:r>
               <a:rPr lang="en-US" b="0" i="0" dirty="0">
                 <a:solidFill>
@@ -1137,11 +894,250 @@
                 <a:latin typeface="Calibri" panose="020F0502020204030204" pitchFamily="34" charset="0"/>
                 <a:cs typeface="Calibri" panose="020F0502020204030204" pitchFamily="34" charset="0"/>
               </a:rPr>
-              <a:t>Eyes transform light into electrical signals that are then processed by the brain. But computers do not have physical eyes to capture light. They can only process information in digital forms composed of bits (0 or 1). So, to be able to “see", computers require a digitized version of an image.</a:t>
-            </a:r>
-          </a:p>
-          <a:p>
-            <a:pPr algn="l"/>
+              <a:t>CNN performance has increased dramatically – some CNN models process and interpret images faster and more accurately than humans – Radiology example.</a:t>
+            </a:r>
+          </a:p>
+          <a:p>
+            <a:pPr marL="228600" indent="-228600">
+              <a:buAutoNum type="arabicPeriod"/>
+            </a:pPr>
+            <a:r>
+              <a:rPr lang="en-US" b="0" i="0" dirty="0">
+                <a:solidFill>
+                  <a:srgbClr val="3C3C3B"/>
+                </a:solidFill>
+                <a:effectLst/>
+                <a:latin typeface="Calibri" panose="020F0502020204030204" pitchFamily="34" charset="0"/>
+                <a:cs typeface="Calibri" panose="020F0502020204030204" pitchFamily="34" charset="0"/>
+              </a:rPr>
+              <a:t>The four different domains:</a:t>
+            </a:r>
+          </a:p>
+          <a:p>
+            <a:pPr marL="685800" marR="0" lvl="1" indent="-228600" algn="l" defTabSz="914400" rtl="0" eaLnBrk="1" fontAlgn="auto" latinLnBrk="0" hangingPunct="1">
+              <a:lnSpc>
+                <a:spcPct val="100000"/>
+              </a:lnSpc>
+              <a:spcBef>
+                <a:spcPts val="0"/>
+              </a:spcBef>
+              <a:spcAft>
+                <a:spcPts val="0"/>
+              </a:spcAft>
+              <a:buClrTx/>
+              <a:buSzTx/>
+              <a:buFontTx/>
+              <a:buAutoNum type="arabicPeriod"/>
+              <a:tabLst/>
+              <a:defRPr/>
+            </a:pPr>
+            <a:r>
+              <a:rPr lang="en-US" b="1" i="0" dirty="0">
+                <a:solidFill>
+                  <a:srgbClr val="3C3C3B"/>
+                </a:solidFill>
+                <a:effectLst/>
+                <a:latin typeface="Calibri" panose="020F0502020204030204" pitchFamily="34" charset="0"/>
+                <a:cs typeface="Calibri" panose="020F0502020204030204" pitchFamily="34" charset="0"/>
+              </a:rPr>
+              <a:t>Image classification</a:t>
+            </a:r>
+            <a:r>
+              <a:rPr lang="en-US" b="0" i="0" dirty="0">
+                <a:solidFill>
+                  <a:srgbClr val="3C3C3B"/>
+                </a:solidFill>
+                <a:effectLst/>
+                <a:latin typeface="Calibri" panose="020F0502020204030204" pitchFamily="34" charset="0"/>
+                <a:cs typeface="Calibri" panose="020F0502020204030204" pitchFamily="34" charset="0"/>
+              </a:rPr>
+              <a:t>, where we need to recognize the main object in an image.</a:t>
+            </a:r>
+          </a:p>
+          <a:p>
+            <a:pPr marL="685800" marR="0" lvl="1" indent="-228600" algn="l" defTabSz="914400" rtl="0" eaLnBrk="1" fontAlgn="auto" latinLnBrk="0" hangingPunct="1">
+              <a:lnSpc>
+                <a:spcPct val="100000"/>
+              </a:lnSpc>
+              <a:spcBef>
+                <a:spcPts val="0"/>
+              </a:spcBef>
+              <a:spcAft>
+                <a:spcPts val="0"/>
+              </a:spcAft>
+              <a:buClrTx/>
+              <a:buSzTx/>
+              <a:buFontTx/>
+              <a:buAutoNum type="arabicPeriod"/>
+              <a:tabLst/>
+              <a:defRPr/>
+            </a:pPr>
+            <a:r>
+              <a:rPr lang="en-US" b="1" i="0" dirty="0">
+                <a:solidFill>
+                  <a:srgbClr val="3C3C3B"/>
+                </a:solidFill>
+                <a:effectLst/>
+                <a:latin typeface="Calibri" panose="020F0502020204030204" pitchFamily="34" charset="0"/>
+                <a:cs typeface="Calibri" panose="020F0502020204030204" pitchFamily="34" charset="0"/>
+              </a:rPr>
+              <a:t>Image classification and localization</a:t>
+            </a:r>
+            <a:r>
+              <a:rPr lang="en-US" b="0" i="0" dirty="0">
+                <a:solidFill>
+                  <a:srgbClr val="3C3C3B"/>
+                </a:solidFill>
+                <a:effectLst/>
+                <a:latin typeface="Calibri" panose="020F0502020204030204" pitchFamily="34" charset="0"/>
+                <a:cs typeface="Calibri" panose="020F0502020204030204" pitchFamily="34" charset="0"/>
+              </a:rPr>
+              <a:t>, where we need to recognize and localize the main object in an image with a bounding box.</a:t>
+            </a:r>
+          </a:p>
+          <a:p>
+            <a:pPr marL="685800" marR="0" lvl="1" indent="-228600" algn="l" defTabSz="914400" rtl="0" eaLnBrk="1" fontAlgn="auto" latinLnBrk="0" hangingPunct="1">
+              <a:lnSpc>
+                <a:spcPct val="100000"/>
+              </a:lnSpc>
+              <a:spcBef>
+                <a:spcPts val="0"/>
+              </a:spcBef>
+              <a:spcAft>
+                <a:spcPts val="0"/>
+              </a:spcAft>
+              <a:buClrTx/>
+              <a:buSzTx/>
+              <a:buFontTx/>
+              <a:buAutoNum type="arabicPeriod"/>
+              <a:tabLst/>
+              <a:defRPr/>
+            </a:pPr>
+            <a:r>
+              <a:rPr lang="en-US" b="1" i="0" dirty="0">
+                <a:solidFill>
+                  <a:srgbClr val="3C3C3B"/>
+                </a:solidFill>
+                <a:effectLst/>
+                <a:latin typeface="Calibri" panose="020F0502020204030204" pitchFamily="34" charset="0"/>
+                <a:cs typeface="Calibri" panose="020F0502020204030204" pitchFamily="34" charset="0"/>
+              </a:rPr>
+              <a:t>Object detection</a:t>
+            </a:r>
+            <a:r>
+              <a:rPr lang="en-US" b="0" i="0" dirty="0">
+                <a:solidFill>
+                  <a:srgbClr val="3C3C3B"/>
+                </a:solidFill>
+                <a:effectLst/>
+                <a:latin typeface="Calibri" panose="020F0502020204030204" pitchFamily="34" charset="0"/>
+                <a:cs typeface="Calibri" panose="020F0502020204030204" pitchFamily="34" charset="0"/>
+              </a:rPr>
+              <a:t>, where we need to recognize multiple objects in an image with bounding boxes.</a:t>
+            </a:r>
+          </a:p>
+          <a:p>
+            <a:pPr marL="685800" marR="0" lvl="1" indent="-228600" algn="l" defTabSz="914400" rtl="0" eaLnBrk="1" fontAlgn="auto" latinLnBrk="0" hangingPunct="1">
+              <a:lnSpc>
+                <a:spcPct val="100000"/>
+              </a:lnSpc>
+              <a:spcBef>
+                <a:spcPts val="0"/>
+              </a:spcBef>
+              <a:spcAft>
+                <a:spcPts val="0"/>
+              </a:spcAft>
+              <a:buClrTx/>
+              <a:buSzTx/>
+              <a:buFontTx/>
+              <a:buAutoNum type="arabicPeriod"/>
+              <a:tabLst/>
+              <a:defRPr/>
+            </a:pPr>
+            <a:r>
+              <a:rPr lang="en-US" b="1" i="0" dirty="0">
+                <a:solidFill>
+                  <a:srgbClr val="3C3C3B"/>
+                </a:solidFill>
+                <a:effectLst/>
+                <a:latin typeface="Calibri" panose="020F0502020204030204" pitchFamily="34" charset="0"/>
+                <a:cs typeface="Calibri" panose="020F0502020204030204" pitchFamily="34" charset="0"/>
+              </a:rPr>
+              <a:t>Image segmentation</a:t>
+            </a:r>
+            <a:r>
+              <a:rPr lang="en-US" b="0" i="0" dirty="0">
+                <a:solidFill>
+                  <a:srgbClr val="3C3C3B"/>
+                </a:solidFill>
+                <a:effectLst/>
+                <a:latin typeface="Calibri" panose="020F0502020204030204" pitchFamily="34" charset="0"/>
+                <a:cs typeface="Calibri" panose="020F0502020204030204" pitchFamily="34" charset="0"/>
+              </a:rPr>
+              <a:t>, where we need to identify the boundaries of objects in an image.</a:t>
+            </a:r>
+          </a:p>
+          <a:p>
+            <a:pPr marL="0" marR="0" lvl="0" indent="0" algn="l" defTabSz="914400" rtl="0" eaLnBrk="1" fontAlgn="auto" latinLnBrk="0" hangingPunct="1">
+              <a:lnSpc>
+                <a:spcPct val="100000"/>
+              </a:lnSpc>
+              <a:spcBef>
+                <a:spcPts val="0"/>
+              </a:spcBef>
+              <a:spcAft>
+                <a:spcPts val="0"/>
+              </a:spcAft>
+              <a:buClrTx/>
+              <a:buSzTx/>
+              <a:buFontTx/>
+              <a:buNone/>
+              <a:tabLst/>
+              <a:defRPr/>
+            </a:pPr>
+            <a:endParaRPr lang="en-US" dirty="0">
+              <a:latin typeface="+mn-lt"/>
+            </a:endParaRPr>
+          </a:p>
+          <a:p>
+            <a:pPr marL="0" marR="0" lvl="0" indent="0" algn="l" defTabSz="914400" rtl="0" eaLnBrk="1" fontAlgn="auto" latinLnBrk="0" hangingPunct="1">
+              <a:lnSpc>
+                <a:spcPct val="100000"/>
+              </a:lnSpc>
+              <a:spcBef>
+                <a:spcPts val="0"/>
+              </a:spcBef>
+              <a:spcAft>
+                <a:spcPts val="0"/>
+              </a:spcAft>
+              <a:buClrTx/>
+              <a:buSzTx/>
+              <a:buFontTx/>
+              <a:buNone/>
+              <a:tabLst/>
+              <a:defRPr/>
+            </a:pPr>
+            <a:r>
+              <a:rPr lang="en-US" dirty="0">
+                <a:latin typeface="+mn-lt"/>
+              </a:rPr>
+              <a:t>=====</a:t>
+            </a:r>
+          </a:p>
+          <a:p>
+            <a:r>
+              <a:rPr lang="en-US" b="0" i="0" dirty="0">
+                <a:solidFill>
+                  <a:srgbClr val="3C3C3B"/>
+                </a:solidFill>
+                <a:effectLst/>
+                <a:latin typeface="Calibri" panose="020F0502020204030204" pitchFamily="34" charset="0"/>
+                <a:cs typeface="Calibri" panose="020F0502020204030204" pitchFamily="34" charset="0"/>
+              </a:rPr>
+              <a:t>With the advent of convolutional neural networks, the field of computer vision saw some incredible improvements and results. Today, the field of computer vision has advanced to such an extent that, in some cases, computer vision AI systems can process and interpret certain kinds of images faster and more accurately than humans.</a:t>
+            </a:r>
+          </a:p>
+          <a:p>
             <a:endParaRPr lang="en-US" b="0" i="0" dirty="0">
               <a:solidFill>
                 <a:srgbClr val="3C3C3B"/>
@@ -1152,7 +1148,6 @@
             </a:endParaRPr>
           </a:p>
           <a:p>
-            <a:pPr algn="l"/>
             <a:r>
               <a:rPr lang="en-US" b="0" i="0" dirty="0">
                 <a:solidFill>
@@ -1162,7 +1157,129 @@
                 <a:latin typeface="Calibri" panose="020F0502020204030204" pitchFamily="34" charset="0"/>
                 <a:cs typeface="Calibri" panose="020F0502020204030204" pitchFamily="34" charset="0"/>
               </a:rPr>
-              <a:t>A digital image is formed by a two-dimensional matrix of pixels. For a grayscale image, each of these pixels can take a value between 0 and 255 that represents its intensity or level of gray. A digital image can be composed of one channel for a black and white image or three channels (red, blue, and green) for a color image:</a:t>
+              <a:t>Computer vision can be split into four different domains:</a:t>
+            </a:r>
+          </a:p>
+          <a:p>
+            <a:endParaRPr lang="en-US" b="0" i="0" dirty="0">
+              <a:solidFill>
+                <a:srgbClr val="3C3C3B"/>
+              </a:solidFill>
+              <a:effectLst/>
+              <a:latin typeface="Calibri" panose="020F0502020204030204" pitchFamily="34" charset="0"/>
+              <a:cs typeface="Calibri" panose="020F0502020204030204" pitchFamily="34" charset="0"/>
+            </a:endParaRPr>
+          </a:p>
+          <a:p>
+            <a:pPr marL="228600" indent="-228600" algn="l">
+              <a:buFont typeface="Arial" panose="020B0604020202020204" pitchFamily="34" charset="0"/>
+              <a:buAutoNum type="arabicPeriod"/>
+            </a:pPr>
+            <a:r>
+              <a:rPr lang="en-US" b="1" i="0" dirty="0">
+                <a:solidFill>
+                  <a:srgbClr val="3C3C3B"/>
+                </a:solidFill>
+                <a:effectLst/>
+                <a:latin typeface="Calibri" panose="020F0502020204030204" pitchFamily="34" charset="0"/>
+                <a:cs typeface="Calibri" panose="020F0502020204030204" pitchFamily="34" charset="0"/>
+              </a:rPr>
+              <a:t>Image classification</a:t>
+            </a:r>
+            <a:r>
+              <a:rPr lang="en-US" b="0" i="0" dirty="0">
+                <a:solidFill>
+                  <a:srgbClr val="3C3C3B"/>
+                </a:solidFill>
+                <a:effectLst/>
+                <a:latin typeface="Calibri" panose="020F0502020204030204" pitchFamily="34" charset="0"/>
+                <a:cs typeface="Calibri" panose="020F0502020204030204" pitchFamily="34" charset="0"/>
+              </a:rPr>
+              <a:t>, where we need to recognize the main object in an image.</a:t>
+            </a:r>
+          </a:p>
+          <a:p>
+            <a:pPr marL="228600" indent="-228600" algn="l">
+              <a:buFont typeface="Arial" panose="020B0604020202020204" pitchFamily="34" charset="0"/>
+              <a:buAutoNum type="arabicPeriod"/>
+            </a:pPr>
+            <a:r>
+              <a:rPr lang="en-US" b="1" i="0" dirty="0">
+                <a:solidFill>
+                  <a:srgbClr val="3C3C3B"/>
+                </a:solidFill>
+                <a:effectLst/>
+                <a:latin typeface="Calibri" panose="020F0502020204030204" pitchFamily="34" charset="0"/>
+                <a:cs typeface="Calibri" panose="020F0502020204030204" pitchFamily="34" charset="0"/>
+              </a:rPr>
+              <a:t>Image classification and localization</a:t>
+            </a:r>
+            <a:r>
+              <a:rPr lang="en-US" b="0" i="0" dirty="0">
+                <a:solidFill>
+                  <a:srgbClr val="3C3C3B"/>
+                </a:solidFill>
+                <a:effectLst/>
+                <a:latin typeface="Calibri" panose="020F0502020204030204" pitchFamily="34" charset="0"/>
+                <a:cs typeface="Calibri" panose="020F0502020204030204" pitchFamily="34" charset="0"/>
+              </a:rPr>
+              <a:t>, where we need to recognize and localize the main object in an image with a bounding box.</a:t>
+            </a:r>
+          </a:p>
+          <a:p>
+            <a:pPr marL="228600" indent="-228600" algn="l">
+              <a:buFont typeface="Arial" panose="020B0604020202020204" pitchFamily="34" charset="0"/>
+              <a:buAutoNum type="arabicPeriod"/>
+            </a:pPr>
+            <a:r>
+              <a:rPr lang="en-US" b="1" i="0" dirty="0">
+                <a:solidFill>
+                  <a:srgbClr val="3C3C3B"/>
+                </a:solidFill>
+                <a:effectLst/>
+                <a:latin typeface="Calibri" panose="020F0502020204030204" pitchFamily="34" charset="0"/>
+                <a:cs typeface="Calibri" panose="020F0502020204030204" pitchFamily="34" charset="0"/>
+              </a:rPr>
+              <a:t>Object detection</a:t>
+            </a:r>
+            <a:r>
+              <a:rPr lang="en-US" b="0" i="0" dirty="0">
+                <a:solidFill>
+                  <a:srgbClr val="3C3C3B"/>
+                </a:solidFill>
+                <a:effectLst/>
+                <a:latin typeface="Calibri" panose="020F0502020204030204" pitchFamily="34" charset="0"/>
+                <a:cs typeface="Calibri" panose="020F0502020204030204" pitchFamily="34" charset="0"/>
+              </a:rPr>
+              <a:t>, where we need to recognize multiple objects in an image with bounding boxes.</a:t>
+            </a:r>
+          </a:p>
+          <a:p>
+            <a:pPr marL="228600" indent="-228600" algn="l">
+              <a:buFont typeface="Arial" panose="020B0604020202020204" pitchFamily="34" charset="0"/>
+              <a:buAutoNum type="arabicPeriod"/>
+            </a:pPr>
+            <a:r>
+              <a:rPr lang="en-US" b="1" i="0" dirty="0">
+                <a:solidFill>
+                  <a:srgbClr val="3C3C3B"/>
+                </a:solidFill>
+                <a:effectLst/>
+                <a:latin typeface="Calibri" panose="020F0502020204030204" pitchFamily="34" charset="0"/>
+                <a:cs typeface="Calibri" panose="020F0502020204030204" pitchFamily="34" charset="0"/>
+              </a:rPr>
+              <a:t>Image segmentation</a:t>
+            </a:r>
+            <a:r>
+              <a:rPr lang="en-US" b="0" i="0" dirty="0">
+                <a:solidFill>
+                  <a:srgbClr val="3C3C3B"/>
+                </a:solidFill>
+                <a:effectLst/>
+                <a:latin typeface="Calibri" panose="020F0502020204030204" pitchFamily="34" charset="0"/>
+                <a:cs typeface="Calibri" panose="020F0502020204030204" pitchFamily="34" charset="0"/>
+              </a:rPr>
+              <a:t>, where we need to identify the boundaries of objects in an image</a:t>
             </a:r>
           </a:p>
         </p:txBody>
@@ -1193,7 +1310,7 @@
     </p:spTree>
     <p:extLst>
       <p:ext uri="{BB962C8B-B14F-4D97-AF65-F5344CB8AC3E}">
-        <p14:creationId xmlns:p14="http://schemas.microsoft.com/office/powerpoint/2010/main" val="3821239721"/>
+        <p14:creationId xmlns:p14="http://schemas.microsoft.com/office/powerpoint/2010/main" val="3755491919"/>
       </p:ext>
     </p:extLst>
   </p:cSld>
@@ -1254,9 +1371,10 @@
                   <a:srgbClr val="3C3C3B"/>
                 </a:solidFill>
                 <a:effectLst/>
-                <a:latin typeface="+mn-lt"/>
-              </a:rPr>
-              <a:t>A digital image is characterized by its dimensions (height, width, and channel):</a:t>
+                <a:latin typeface="Calibri" panose="020F0502020204030204" pitchFamily="34" charset="0"/>
+                <a:cs typeface="Calibri" panose="020F0502020204030204" pitchFamily="34" charset="0"/>
+              </a:rPr>
+              <a:t>Eyes transform light into electrical signals that are then processed by the brain. But computers do not have physical eyes to capture light. They can only process information in digital forms composed of bits (0 or 1). So, to be able to “see", computers require a digitized version of an image.</a:t>
             </a:r>
           </a:p>
           <a:p>
@@ -1266,89 +1384,23 @@
                 <a:srgbClr val="3C3C3B"/>
               </a:solidFill>
               <a:effectLst/>
-              <a:latin typeface="+mn-lt"/>
+              <a:latin typeface="Calibri" panose="020F0502020204030204" pitchFamily="34" charset="0"/>
+              <a:cs typeface="Calibri" panose="020F0502020204030204" pitchFamily="34" charset="0"/>
             </a:endParaRPr>
           </a:p>
           <a:p>
-            <a:pPr marL="228600" indent="-228600" algn="l">
-              <a:buFont typeface="Arial" panose="020B0604020202020204" pitchFamily="34" charset="0"/>
-              <a:buAutoNum type="arabicPeriod"/>
-            </a:pPr>
-            <a:r>
-              <a:rPr lang="en-US" b="1" i="0" dirty="0">
+            <a:pPr algn="l"/>
+            <a:r>
+              <a:rPr lang="en-US" b="0" i="0" dirty="0">
                 <a:solidFill>
                   <a:srgbClr val="3C3C3B"/>
                 </a:solidFill>
                 <a:effectLst/>
-                <a:latin typeface="+mn-lt"/>
-              </a:rPr>
-              <a:t>Height:</a:t>
-            </a:r>
-            <a:r>
-              <a:rPr lang="en-US" b="0" i="0" dirty="0">
-                <a:solidFill>
-                  <a:srgbClr val="3C3C3B"/>
-                </a:solidFill>
-                <a:effectLst/>
-                <a:latin typeface="+mn-lt"/>
-              </a:rPr>
-              <a:t> The number of pixels on the vertical axis.</a:t>
-            </a:r>
-          </a:p>
-          <a:p>
-            <a:pPr marL="228600" indent="-228600" algn="l">
-              <a:buFont typeface="Arial" panose="020B0604020202020204" pitchFamily="34" charset="0"/>
-              <a:buAutoNum type="arabicPeriod"/>
-            </a:pPr>
-            <a:r>
-              <a:rPr lang="en-US" b="1" i="0" dirty="0">
-                <a:solidFill>
-                  <a:srgbClr val="3C3C3B"/>
-                </a:solidFill>
-                <a:effectLst/>
-                <a:latin typeface="+mn-lt"/>
-              </a:rPr>
-              <a:t>Width:</a:t>
-            </a:r>
-            <a:r>
-              <a:rPr lang="en-US" b="0" i="0" dirty="0">
-                <a:solidFill>
-                  <a:srgbClr val="3C3C3B"/>
-                </a:solidFill>
-                <a:effectLst/>
-                <a:latin typeface="+mn-lt"/>
-              </a:rPr>
-              <a:t> The number of pixels on the horizontal axis.</a:t>
-            </a:r>
-          </a:p>
-          <a:p>
-            <a:pPr marL="228600" indent="-228600" algn="l">
-              <a:buFont typeface="Arial" panose="020B0604020202020204" pitchFamily="34" charset="0"/>
-              <a:buAutoNum type="arabicPeriod"/>
-            </a:pPr>
-            <a:r>
-              <a:rPr lang="en-US" b="1" i="0" dirty="0">
-                <a:solidFill>
-                  <a:srgbClr val="3C3C3B"/>
-                </a:solidFill>
-                <a:effectLst/>
-                <a:latin typeface="+mn-lt"/>
-              </a:rPr>
-              <a:t>Channel:</a:t>
-            </a:r>
-            <a:r>
-              <a:rPr lang="en-US" b="0" i="0" dirty="0">
-                <a:solidFill>
-                  <a:srgbClr val="3C3C3B"/>
-                </a:solidFill>
-                <a:effectLst/>
-                <a:latin typeface="+mn-lt"/>
-              </a:rPr>
-              <a:t> The number of channels. If there is only one channel, an image is grayscale. If there are three channels, the image is in color.</a:t>
-            </a:r>
-          </a:p>
-          <a:p>
-            <a:endParaRPr lang="en-US" dirty="0"/>
+                <a:latin typeface="Calibri" panose="020F0502020204030204" pitchFamily="34" charset="0"/>
+                <a:cs typeface="Calibri" panose="020F0502020204030204" pitchFamily="34" charset="0"/>
+              </a:rPr>
+              <a:t>A digital image is formed by a two-dimensional matrix of pixels. For a grayscale image, each of these pixels can take a value between 0 and 255 that represents its intensity or level of gray. A digital image can be composed of one channel for a black and white image or three channels (red, blue, and green) for a color image:</a:t>
+            </a:r>
           </a:p>
         </p:txBody>
       </p:sp>
@@ -1378,7 +1430,7 @@
     </p:spTree>
     <p:extLst>
       <p:ext uri="{BB962C8B-B14F-4D97-AF65-F5344CB8AC3E}">
-        <p14:creationId xmlns:p14="http://schemas.microsoft.com/office/powerpoint/2010/main" val="2399320073"/>
+        <p14:creationId xmlns:p14="http://schemas.microsoft.com/office/powerpoint/2010/main" val="3821239721"/>
       </p:ext>
     </p:extLst>
   </p:cSld>
@@ -1432,107 +1484,107 @@
           <a:bodyPr/>
           <a:lstStyle/>
           <a:p>
-            <a:pPr defTabSz="939363">
-              <a:defRPr/>
+            <a:pPr algn="l"/>
+            <a:r>
+              <a:rPr lang="en-US" b="0" i="0" dirty="0">
+                <a:solidFill>
+                  <a:srgbClr val="3C3C3B"/>
+                </a:solidFill>
+                <a:effectLst/>
+                <a:latin typeface="+mn-lt"/>
+              </a:rPr>
+              <a:t>A digital image is characterized by its dimensions (height, width, and channel):</a:t>
+            </a:r>
+          </a:p>
+          <a:p>
+            <a:pPr algn="l"/>
+            <a:endParaRPr lang="en-US" b="0" i="0" dirty="0">
+              <a:solidFill>
+                <a:srgbClr val="3C3C3B"/>
+              </a:solidFill>
+              <a:effectLst/>
+              <a:latin typeface="+mn-lt"/>
+            </a:endParaRPr>
+          </a:p>
+          <a:p>
+            <a:pPr marL="228600" indent="-228600" algn="l">
+              <a:buFont typeface="Arial" panose="020B0604020202020204" pitchFamily="34" charset="0"/>
+              <a:buAutoNum type="arabicPeriod"/>
             </a:pPr>
             <a:r>
-              <a:rPr lang="en-US" dirty="0"/>
-              <a:t>The MNIST (Modified National Institute of Standards &amp; Technology) dataset is famous in AI.  It was curated by Yann LeCun, Corinna Cortes, and Chris Burges in 1998.  It consists of 60,000 handwritten digits for model training and 10,000 more for validating the model’s performance on unseen data.  Each MNIST digit is a 28 x 28-pixel image.  Each pixel is 8-bit, meaning that the pixel darkness can vary from 0 (white) to 255 (black), with the intervening range of integers representing gradually darker shades of gray. </a:t>
-            </a:r>
-          </a:p>
-          <a:p>
-            <a:pPr defTabSz="939363">
-              <a:defRPr/>
+              <a:rPr lang="en-US" b="1" i="0" dirty="0">
+                <a:solidFill>
+                  <a:srgbClr val="3C3C3B"/>
+                </a:solidFill>
+                <a:effectLst/>
+                <a:latin typeface="+mn-lt"/>
+              </a:rPr>
+              <a:t>Height:</a:t>
+            </a:r>
+            <a:r>
+              <a:rPr lang="en-US" b="0" i="0" dirty="0">
+                <a:solidFill>
+                  <a:srgbClr val="3C3C3B"/>
+                </a:solidFill>
+                <a:effectLst/>
+                <a:latin typeface="+mn-lt"/>
+              </a:rPr>
+              <a:t> The number of pixels on the vertical axis.</a:t>
+            </a:r>
+          </a:p>
+          <a:p>
+            <a:pPr marL="228600" indent="-228600" algn="l">
+              <a:buFont typeface="Arial" panose="020B0604020202020204" pitchFamily="34" charset="0"/>
+              <a:buAutoNum type="arabicPeriod"/>
             </a:pPr>
-            <a:endParaRPr lang="en-US" dirty="0"/>
-          </a:p>
-          <a:p>
-            <a:pPr marL="0" marR="0" lvl="0" indent="0" algn="l" defTabSz="939363" rtl="0" eaLnBrk="1" fontAlgn="auto" latinLnBrk="0" hangingPunct="1">
-              <a:lnSpc>
-                <a:spcPct val="100000"/>
-              </a:lnSpc>
-              <a:spcBef>
-                <a:spcPts val="0"/>
-              </a:spcBef>
-              <a:spcAft>
-                <a:spcPts val="0"/>
-              </a:spcAft>
-              <a:buClrTx/>
-              <a:buSzTx/>
-              <a:buFontTx/>
-              <a:buNone/>
-              <a:tabLst/>
-              <a:defRPr/>
+            <a:r>
+              <a:rPr lang="en-US" b="1" i="0" dirty="0">
+                <a:solidFill>
+                  <a:srgbClr val="3C3C3B"/>
+                </a:solidFill>
+                <a:effectLst/>
+                <a:latin typeface="+mn-lt"/>
+              </a:rPr>
+              <a:t>Width:</a:t>
+            </a:r>
+            <a:r>
+              <a:rPr lang="en-US" b="0" i="0" dirty="0">
+                <a:solidFill>
+                  <a:srgbClr val="3C3C3B"/>
+                </a:solidFill>
+                <a:effectLst/>
+                <a:latin typeface="+mn-lt"/>
+              </a:rPr>
+              <a:t> The number of pixels on the horizontal axis.</a:t>
+            </a:r>
+          </a:p>
+          <a:p>
+            <a:pPr marL="228600" indent="-228600" algn="l">
+              <a:buFont typeface="Arial" panose="020B0604020202020204" pitchFamily="34" charset="0"/>
+              <a:buAutoNum type="arabicPeriod"/>
             </a:pPr>
             <a:r>
-              <a:rPr lang="en-US" sz="1200" dirty="0">
-                <a:solidFill>
-                  <a:srgbClr val="000000"/>
-                </a:solidFill>
+              <a:rPr lang="en-US" b="1" i="0" dirty="0">
+                <a:solidFill>
+                  <a:srgbClr val="3C3C3B"/>
+                </a:solidFill>
+                <a:effectLst/>
                 <a:latin typeface="+mn-lt"/>
               </a:rPr>
-              <a:t>In 1998, Yann LeCun and co-authors introduced the famous </a:t>
-            </a:r>
-            <a:r>
-              <a:rPr lang="en-US" sz="1200" i="1" dirty="0">
-                <a:solidFill>
-                  <a:srgbClr val="000000"/>
-                </a:solidFill>
+              <a:t>Channel:</a:t>
+            </a:r>
+            <a:r>
+              <a:rPr lang="en-US" b="0" i="0" dirty="0">
+                <a:solidFill>
+                  <a:srgbClr val="3C3C3B"/>
+                </a:solidFill>
+                <a:effectLst/>
                 <a:latin typeface="+mn-lt"/>
               </a:rPr>
-              <a:t>LeNet-5 </a:t>
-            </a:r>
-            <a:r>
-              <a:rPr lang="en-US" sz="1200" dirty="0">
-                <a:solidFill>
-                  <a:srgbClr val="000000"/>
-                </a:solidFill>
-                <a:latin typeface="+mn-lt"/>
-              </a:rPr>
-              <a:t>architecture.  This model was widely used by banks to recognize handwritten check numbers.  In today’s MNIST exercise, you will create a shallow Keras network that does the same thing.   </a:t>
-            </a:r>
-          </a:p>
-          <a:p>
-            <a:pPr defTabSz="939363">
-              <a:defRPr/>
-            </a:pPr>
-            <a:endParaRPr lang="en-US" dirty="0"/>
-          </a:p>
-          <a:p>
-            <a:pPr defTabSz="939363">
-              <a:defRPr/>
-            </a:pPr>
-            <a:r>
-              <a:rPr lang="en-US" dirty="0"/>
-              <a:t>The exercise for this workshop starts on page 123 of </a:t>
-            </a:r>
-            <a:r>
-              <a:rPr lang="en-US" i="1" dirty="0"/>
-              <a:t>The</a:t>
-            </a:r>
-            <a:r>
-              <a:rPr lang="en-US" dirty="0"/>
-              <a:t> </a:t>
-            </a:r>
-            <a:r>
-              <a:rPr lang="en-US" i="1" dirty="0"/>
-              <a:t>Deep Learning Workshop</a:t>
-            </a:r>
-            <a:r>
-              <a:rPr lang="en-US" dirty="0"/>
-              <a:t>. </a:t>
-            </a:r>
-          </a:p>
-          <a:p>
-            <a:pPr defTabSz="939363">
-              <a:defRPr/>
-            </a:pPr>
-            <a:endParaRPr lang="en-US" dirty="0"/>
-          </a:p>
-          <a:p>
-            <a:pPr defTabSz="939363">
-              <a:defRPr/>
-            </a:pPr>
+              <a:t> The number of channels. If there is only one channel, an image is grayscale. If there are three channels, the image is in color.</a:t>
+            </a:r>
+          </a:p>
+          <a:p>
             <a:endParaRPr lang="en-US" dirty="0"/>
           </a:p>
         </p:txBody>
@@ -1563,7 +1615,7 @@
     </p:spTree>
     <p:extLst>
       <p:ext uri="{BB962C8B-B14F-4D97-AF65-F5344CB8AC3E}">
-        <p14:creationId xmlns:p14="http://schemas.microsoft.com/office/powerpoint/2010/main" val="1984289498"/>
+        <p14:creationId xmlns:p14="http://schemas.microsoft.com/office/powerpoint/2010/main" val="2399320073"/>
       </p:ext>
     </p:extLst>
   </p:cSld>
@@ -1617,70 +1669,107 @@
           <a:bodyPr/>
           <a:lstStyle/>
           <a:p>
-            <a:r>
-              <a:rPr lang="en-US" dirty="0">
+            <a:pPr defTabSz="939363">
+              <a:defRPr/>
+            </a:pPr>
+            <a:r>
+              <a:rPr lang="en-US" dirty="0"/>
+              <a:t>The MNIST (Modified National Institute of Standards &amp; Technology) dataset is famous in AI.  It was curated by Yann LeCun, Corinna Cortes, and Chris Burges in 1998.  It consists of 60,000 handwritten digits for model training and 10,000 more for validating the model’s performance on unseen data.  Each MNIST digit is a 28 x 28-pixel image.  Each pixel is 8-bit, meaning that the pixel darkness can vary from 0 (white) to 255 (black), with the intervening range of integers representing gradually darker shades of gray. </a:t>
+            </a:r>
+          </a:p>
+          <a:p>
+            <a:pPr defTabSz="939363">
+              <a:defRPr/>
+            </a:pPr>
+            <a:endParaRPr lang="en-US" dirty="0"/>
+          </a:p>
+          <a:p>
+            <a:pPr marL="0" marR="0" lvl="0" indent="0" algn="l" defTabSz="939363" rtl="0" eaLnBrk="1" fontAlgn="auto" latinLnBrk="0" hangingPunct="1">
+              <a:lnSpc>
+                <a:spcPct val="100000"/>
+              </a:lnSpc>
+              <a:spcBef>
+                <a:spcPts val="0"/>
+              </a:spcBef>
+              <a:spcAft>
+                <a:spcPts val="0"/>
+              </a:spcAft>
+              <a:buClrTx/>
+              <a:buSzTx/>
+              <a:buFontTx/>
+              <a:buNone/>
+              <a:tabLst/>
+              <a:defRPr/>
+            </a:pPr>
+            <a:r>
+              <a:rPr lang="en-US" sz="1200" dirty="0">
+                <a:solidFill>
+                  <a:srgbClr val="000000"/>
+                </a:solidFill>
                 <a:latin typeface="+mn-lt"/>
               </a:rPr>
-              <a:t>As mentioned earlier, computers only understand numbers.   In AI, we use special words to describe the different ways numbers are combined.  These combinations assume shapes and those shapes have names.  Thus, we need to introduce some numeric vocabulary.  AI vocabulary is important and worth learning.</a:t>
-            </a:r>
-          </a:p>
-          <a:p>
-            <a:endParaRPr lang="en-US" dirty="0">
-              <a:latin typeface="+mn-lt"/>
-            </a:endParaRPr>
-          </a:p>
-          <a:p>
-            <a:pPr marL="228600" indent="-228600">
-              <a:buAutoNum type="arabicPeriod"/>
+              <a:t>In 1998, Yann LeCun and co-authors introduced the famous </a:t>
+            </a:r>
+            <a:r>
+              <a:rPr lang="en-US" sz="1200" i="1" dirty="0">
+                <a:solidFill>
+                  <a:srgbClr val="000000"/>
+                </a:solidFill>
+                <a:latin typeface="+mn-lt"/>
+              </a:rPr>
+              <a:t>LeNet-5 </a:t>
+            </a:r>
+            <a:r>
+              <a:rPr lang="en-US" sz="1200" dirty="0">
+                <a:solidFill>
+                  <a:srgbClr val="000000"/>
+                </a:solidFill>
+                <a:latin typeface="+mn-lt"/>
+              </a:rPr>
+              <a:t>architecture.  This model was widely used by banks to recognize handwritten check numbers.  In today’s MNIST exercise, you will create a shallow Keras network that does the same thing.   </a:t>
+            </a:r>
+          </a:p>
+          <a:p>
+            <a:pPr defTabSz="939363">
+              <a:defRPr/>
             </a:pPr>
-            <a:r>
-              <a:rPr lang="en-US" dirty="0">
-                <a:latin typeface="+mn-lt"/>
-              </a:rPr>
-              <a:t>A single number is </a:t>
-            </a:r>
-            <a:r>
-              <a:rPr lang="en-US" b="1" dirty="0">
-                <a:latin typeface="+mn-lt"/>
-              </a:rPr>
-              <a:t>atomic</a:t>
-            </a:r>
-            <a:r>
-              <a:rPr lang="en-US" dirty="0">
-                <a:latin typeface="+mn-lt"/>
-              </a:rPr>
-              <a:t>.  </a:t>
-            </a:r>
-          </a:p>
-          <a:p>
-            <a:pPr marL="228600" indent="-228600">
-              <a:buAutoNum type="arabicPeriod"/>
+            <a:endParaRPr lang="en-US" dirty="0"/>
+          </a:p>
+          <a:p>
+            <a:pPr defTabSz="939363">
+              <a:defRPr/>
             </a:pPr>
             <a:r>
-              <a:rPr lang="en-US" dirty="0">
-                <a:latin typeface="+mn-lt"/>
-              </a:rPr>
-              <a:t>A series of numbers in a single row is a </a:t>
-            </a:r>
-            <a:r>
-              <a:rPr lang="en-US" b="1" dirty="0">
-                <a:latin typeface="+mn-lt"/>
-              </a:rPr>
-              <a:t>vector</a:t>
-            </a:r>
-            <a:r>
-              <a:rPr lang="en-US" dirty="0">
-                <a:latin typeface="+mn-lt"/>
-              </a:rPr>
-              <a:t>.</a:t>
-            </a:r>
-          </a:p>
-          <a:p>
-            <a:endParaRPr lang="en-US" dirty="0">
-              <a:latin typeface="+mn-lt"/>
-            </a:endParaRPr>
-          </a:p>
-          <a:p>
+              <a:rPr lang="en-US" dirty="0"/>
+              <a:t>The exercise for this workshop starts on page 123 of </a:t>
+            </a:r>
+            <a:r>
+              <a:rPr lang="en-US" i="1" dirty="0"/>
+              <a:t>The</a:t>
+            </a:r>
+            <a:r>
+              <a:rPr lang="en-US" dirty="0"/>
+              <a:t> </a:t>
+            </a:r>
+            <a:r>
+              <a:rPr lang="en-US" i="1" dirty="0"/>
+              <a:t>Deep Learning Workshop</a:t>
+            </a:r>
+            <a:r>
+              <a:rPr lang="en-US" dirty="0"/>
+              <a:t>. </a:t>
+            </a:r>
+          </a:p>
+          <a:p>
+            <a:pPr defTabSz="939363">
+              <a:defRPr/>
+            </a:pPr>
+            <a:endParaRPr lang="en-US" dirty="0"/>
+          </a:p>
+          <a:p>
+            <a:pPr defTabSz="939363">
+              <a:defRPr/>
+            </a:pPr>
             <a:endParaRPr lang="en-US" dirty="0"/>
           </a:p>
         </p:txBody>
@@ -1711,7 +1800,7 @@
     </p:spTree>
     <p:extLst>
       <p:ext uri="{BB962C8B-B14F-4D97-AF65-F5344CB8AC3E}">
-        <p14:creationId xmlns:p14="http://schemas.microsoft.com/office/powerpoint/2010/main" val="1267751403"/>
+        <p14:creationId xmlns:p14="http://schemas.microsoft.com/office/powerpoint/2010/main" val="1984289498"/>
       </p:ext>
     </p:extLst>
   </p:cSld>
@@ -1765,138 +1854,63 @@
           <a:bodyPr/>
           <a:lstStyle/>
           <a:p>
-            <a:pPr marL="0" marR="0" lvl="0" indent="0" algn="l" defTabSz="914400" rtl="0" eaLnBrk="1" fontAlgn="auto" latinLnBrk="0" hangingPunct="1">
-              <a:lnSpc>
-                <a:spcPct val="100000"/>
-              </a:lnSpc>
-              <a:spcBef>
-                <a:spcPts val="0"/>
-              </a:spcBef>
-              <a:spcAft>
-                <a:spcPts val="0"/>
-              </a:spcAft>
-              <a:buClrTx/>
-              <a:buSzTx/>
-              <a:buFontTx/>
-              <a:buNone/>
-              <a:tabLst/>
-              <a:defRPr/>
+            <a:r>
+              <a:rPr lang="en-US" dirty="0">
+                <a:latin typeface="+mn-lt"/>
+              </a:rPr>
+              <a:t>As mentioned earlier, computers only understand numbers.   In AI, we use special words to describe the different ways numbers are combined.  These combinations assume shapes and those shapes have names.  Thus, we need to introduce some numeric vocabulary.  AI vocabulary is important and worth learning.</a:t>
+            </a:r>
+          </a:p>
+          <a:p>
+            <a:endParaRPr lang="en-US" dirty="0">
+              <a:latin typeface="+mn-lt"/>
+            </a:endParaRPr>
+          </a:p>
+          <a:p>
+            <a:pPr marL="228600" indent="-228600">
+              <a:buAutoNum type="arabicPeriod"/>
             </a:pPr>
             <a:r>
-              <a:rPr lang="en-US" sz="1800" dirty="0">
-                <a:effectLst/>
-                <a:latin typeface="Palatino Linotype" panose="02040502050505030304" pitchFamily="18" charset="0"/>
-                <a:ea typeface="Malgun Gothic" panose="020B0503020000020004" pitchFamily="34" charset="-127"/>
-                <a:cs typeface="Times New Roman" panose="02020603050405020304" pitchFamily="18" charset="0"/>
-              </a:rPr>
-              <a:t>A matrix is a 2-dimensional block of numbers comprised of…</a:t>
-            </a:r>
-          </a:p>
-          <a:p>
-            <a:pPr marL="0" marR="0" lvl="0" indent="0" algn="l" defTabSz="914400" rtl="0" eaLnBrk="1" fontAlgn="auto" latinLnBrk="0" hangingPunct="1">
-              <a:lnSpc>
-                <a:spcPct val="100000"/>
-              </a:lnSpc>
-              <a:spcBef>
-                <a:spcPts val="0"/>
-              </a:spcBef>
-              <a:spcAft>
-                <a:spcPts val="0"/>
-              </a:spcAft>
-              <a:buClrTx/>
-              <a:buSzTx/>
-              <a:buFontTx/>
-              <a:buNone/>
-              <a:tabLst/>
-              <a:defRPr/>
+              <a:rPr lang="en-US" dirty="0">
+                <a:latin typeface="+mn-lt"/>
+              </a:rPr>
+              <a:t>A single number is </a:t>
+            </a:r>
+            <a:r>
+              <a:rPr lang="en-US" b="1" dirty="0">
+                <a:latin typeface="+mn-lt"/>
+              </a:rPr>
+              <a:t>atomic</a:t>
+            </a:r>
+            <a:r>
+              <a:rPr lang="en-US" dirty="0">
+                <a:latin typeface="+mn-lt"/>
+              </a:rPr>
+              <a:t>.  </a:t>
+            </a:r>
+          </a:p>
+          <a:p>
+            <a:pPr marL="228600" indent="-228600">
+              <a:buAutoNum type="arabicPeriod"/>
             </a:pPr>
-            <a:endParaRPr lang="en-US" sz="1800" dirty="0">
-              <a:effectLst/>
-              <a:latin typeface="Palatino Linotype" panose="02040502050505030304" pitchFamily="18" charset="0"/>
-              <a:ea typeface="Malgun Gothic" panose="020B0503020000020004" pitchFamily="34" charset="-127"/>
-              <a:cs typeface="Times New Roman" panose="02020603050405020304" pitchFamily="18" charset="0"/>
-            </a:endParaRPr>
-          </a:p>
-          <a:p>
-            <a:pPr marL="342900" marR="0" lvl="0" indent="-342900" algn="l" defTabSz="914400" rtl="0" eaLnBrk="1" fontAlgn="auto" latinLnBrk="0" hangingPunct="1">
-              <a:lnSpc>
-                <a:spcPct val="100000"/>
-              </a:lnSpc>
-              <a:spcBef>
-                <a:spcPts val="0"/>
-              </a:spcBef>
-              <a:spcAft>
-                <a:spcPts val="0"/>
-              </a:spcAft>
-              <a:buClrTx/>
-              <a:buSzTx/>
-              <a:buFontTx/>
-              <a:buAutoNum type="arabicPeriod"/>
-              <a:tabLst/>
-              <a:defRPr/>
-            </a:pPr>
-            <a:r>
-              <a:rPr lang="en-US" sz="1800" dirty="0">
-                <a:effectLst/>
-                <a:latin typeface="Palatino Linotype" panose="02040502050505030304" pitchFamily="18" charset="0"/>
-                <a:ea typeface="Malgun Gothic" panose="020B0503020000020004" pitchFamily="34" charset="-127"/>
-                <a:cs typeface="Times New Roman" panose="02020603050405020304" pitchFamily="18" charset="0"/>
-              </a:rPr>
-              <a:t>Rows</a:t>
-            </a:r>
-          </a:p>
-          <a:p>
-            <a:pPr marL="342900" marR="0" lvl="0" indent="-342900" algn="l" defTabSz="914400" rtl="0" eaLnBrk="1" fontAlgn="auto" latinLnBrk="0" hangingPunct="1">
-              <a:lnSpc>
-                <a:spcPct val="100000"/>
-              </a:lnSpc>
-              <a:spcBef>
-                <a:spcPts val="0"/>
-              </a:spcBef>
-              <a:spcAft>
-                <a:spcPts val="0"/>
-              </a:spcAft>
-              <a:buClrTx/>
-              <a:buSzTx/>
-              <a:buFontTx/>
-              <a:buAutoNum type="arabicPeriod"/>
-              <a:tabLst/>
-              <a:defRPr/>
-            </a:pPr>
-            <a:r>
-              <a:rPr lang="en-US" sz="1800" dirty="0">
-                <a:effectLst/>
-                <a:latin typeface="Palatino Linotype" panose="02040502050505030304" pitchFamily="18" charset="0"/>
-                <a:ea typeface="Malgun Gothic" panose="020B0503020000020004" pitchFamily="34" charset="-127"/>
-                <a:cs typeface="Times New Roman" panose="02020603050405020304" pitchFamily="18" charset="0"/>
-              </a:rPr>
-              <a:t>Columns</a:t>
-            </a:r>
-          </a:p>
-          <a:p>
-            <a:pPr marL="0" marR="0" lvl="0" indent="0" algn="l" defTabSz="914400" rtl="0" eaLnBrk="1" fontAlgn="auto" latinLnBrk="0" hangingPunct="1">
-              <a:lnSpc>
-                <a:spcPct val="100000"/>
-              </a:lnSpc>
-              <a:spcBef>
-                <a:spcPts val="0"/>
-              </a:spcBef>
-              <a:spcAft>
-                <a:spcPts val="0"/>
-              </a:spcAft>
-              <a:buClrTx/>
-              <a:buSzTx/>
-              <a:buFontTx/>
-              <a:buNone/>
-              <a:tabLst/>
-              <a:defRPr/>
-            </a:pPr>
-            <a:endParaRPr lang="en-US" sz="1800" dirty="0">
-              <a:effectLst/>
-              <a:latin typeface="Palatino Linotype" panose="02040502050505030304" pitchFamily="18" charset="0"/>
-              <a:ea typeface="Malgun Gothic" panose="020B0503020000020004" pitchFamily="34" charset="-127"/>
-              <a:cs typeface="Times New Roman" panose="02020603050405020304" pitchFamily="18" charset="0"/>
-            </a:endParaRPr>
+            <a:r>
+              <a:rPr lang="en-US" dirty="0">
+                <a:latin typeface="+mn-lt"/>
+              </a:rPr>
+              <a:t>A series of numbers in a single row is a </a:t>
+            </a:r>
+            <a:r>
+              <a:rPr lang="en-US" b="1" dirty="0">
+                <a:latin typeface="+mn-lt"/>
+              </a:rPr>
+              <a:t>vector</a:t>
+            </a:r>
+            <a:r>
+              <a:rPr lang="en-US" dirty="0">
+                <a:latin typeface="+mn-lt"/>
+              </a:rPr>
+              <a:t>.</a:t>
+            </a:r>
           </a:p>
           <a:p>
             <a:endParaRPr lang="en-US" dirty="0">
@@ -1934,7 +1948,7 @@
     </p:spTree>
     <p:extLst>
       <p:ext uri="{BB962C8B-B14F-4D97-AF65-F5344CB8AC3E}">
-        <p14:creationId xmlns:p14="http://schemas.microsoft.com/office/powerpoint/2010/main" val="2933283484"/>
+        <p14:creationId xmlns:p14="http://schemas.microsoft.com/office/powerpoint/2010/main" val="1267751403"/>
       </p:ext>
     </p:extLst>
   </p:cSld>
@@ -2006,32 +2020,119 @@
               <a:defRPr/>
             </a:pPr>
             <a:r>
-              <a:rPr lang="en-US" dirty="0">
-                <a:latin typeface="+mn-lt"/>
-              </a:rPr>
-              <a:t>We can “stack” matrices and the # in the stack (the dimensions) is the tensor’s </a:t>
-            </a:r>
-            <a:r>
-              <a:rPr lang="en-US" b="1" dirty="0">
-                <a:latin typeface="+mn-lt"/>
-              </a:rPr>
-              <a:t>rank</a:t>
-            </a:r>
-            <a:r>
-              <a:rPr lang="en-US" dirty="0">
-                <a:latin typeface="+mn-lt"/>
-              </a:rPr>
-              <a:t>.</a:t>
-            </a:r>
-          </a:p>
-          <a:p>
-            <a:endParaRPr lang="en-US" dirty="0">
-              <a:latin typeface="+mn-lt"/>
+              <a:rPr lang="en-US" sz="1800" dirty="0">
+                <a:effectLst/>
+                <a:latin typeface="Palatino Linotype" panose="02040502050505030304" pitchFamily="18" charset="0"/>
+                <a:ea typeface="Malgun Gothic" panose="020B0503020000020004" pitchFamily="34" charset="-127"/>
+                <a:cs typeface="Times New Roman" panose="02020603050405020304" pitchFamily="18" charset="0"/>
+              </a:rPr>
+              <a:t>A matrix is a 2-dimensional block of numbers comprised of…</a:t>
+            </a:r>
+          </a:p>
+          <a:p>
+            <a:pPr marL="0" marR="0" lvl="0" indent="0" algn="l" defTabSz="914400" rtl="0" eaLnBrk="1" fontAlgn="auto" latinLnBrk="0" hangingPunct="1">
+              <a:lnSpc>
+                <a:spcPct val="100000"/>
+              </a:lnSpc>
+              <a:spcBef>
+                <a:spcPts val="0"/>
+              </a:spcBef>
+              <a:spcAft>
+                <a:spcPts val="0"/>
+              </a:spcAft>
+              <a:buClrTx/>
+              <a:buSzTx/>
+              <a:buFontTx/>
+              <a:buNone/>
+              <a:tabLst/>
+              <a:defRPr/>
+            </a:pPr>
+            <a:endParaRPr lang="en-US" sz="1800" dirty="0">
+              <a:effectLst/>
+              <a:latin typeface="Palatino Linotype" panose="02040502050505030304" pitchFamily="18" charset="0"/>
+              <a:ea typeface="Malgun Gothic" panose="020B0503020000020004" pitchFamily="34" charset="-127"/>
+              <a:cs typeface="Times New Roman" panose="02020603050405020304" pitchFamily="18" charset="0"/>
             </a:endParaRPr>
           </a:p>
           <a:p>
-            <a:endParaRPr lang="en-US" dirty="0">
-              <a:latin typeface="+mn-lt"/>
+            <a:pPr marL="342900" marR="0" lvl="0" indent="-342900" algn="l" defTabSz="914400" rtl="0" eaLnBrk="1" fontAlgn="auto" latinLnBrk="0" hangingPunct="1">
+              <a:lnSpc>
+                <a:spcPct val="100000"/>
+              </a:lnSpc>
+              <a:spcBef>
+                <a:spcPts val="0"/>
+              </a:spcBef>
+              <a:spcAft>
+                <a:spcPts val="0"/>
+              </a:spcAft>
+              <a:buClrTx/>
+              <a:buSzTx/>
+              <a:buFontTx/>
+              <a:buAutoNum type="arabicPeriod"/>
+              <a:tabLst/>
+              <a:defRPr/>
+            </a:pPr>
+            <a:r>
+              <a:rPr lang="en-US" sz="1800" dirty="0">
+                <a:effectLst/>
+                <a:latin typeface="Palatino Linotype" panose="02040502050505030304" pitchFamily="18" charset="0"/>
+                <a:ea typeface="Malgun Gothic" panose="020B0503020000020004" pitchFamily="34" charset="-127"/>
+                <a:cs typeface="Times New Roman" panose="02020603050405020304" pitchFamily="18" charset="0"/>
+              </a:rPr>
+              <a:t>Rows</a:t>
+            </a:r>
+          </a:p>
+          <a:p>
+            <a:pPr marL="342900" marR="0" lvl="0" indent="-342900" algn="l" defTabSz="914400" rtl="0" eaLnBrk="1" fontAlgn="auto" latinLnBrk="0" hangingPunct="1">
+              <a:lnSpc>
+                <a:spcPct val="100000"/>
+              </a:lnSpc>
+              <a:spcBef>
+                <a:spcPts val="0"/>
+              </a:spcBef>
+              <a:spcAft>
+                <a:spcPts val="0"/>
+              </a:spcAft>
+              <a:buClrTx/>
+              <a:buSzTx/>
+              <a:buFontTx/>
+              <a:buAutoNum type="arabicPeriod"/>
+              <a:tabLst/>
+              <a:defRPr/>
+            </a:pPr>
+            <a:r>
+              <a:rPr lang="en-US" sz="1800" dirty="0">
+                <a:effectLst/>
+                <a:latin typeface="Palatino Linotype" panose="02040502050505030304" pitchFamily="18" charset="0"/>
+                <a:ea typeface="Malgun Gothic" panose="020B0503020000020004" pitchFamily="34" charset="-127"/>
+                <a:cs typeface="Times New Roman" panose="02020603050405020304" pitchFamily="18" charset="0"/>
+              </a:rPr>
+              <a:t>Columns</a:t>
+            </a:r>
+          </a:p>
+          <a:p>
+            <a:pPr marL="0" marR="0" lvl="0" indent="0" algn="l" defTabSz="914400" rtl="0" eaLnBrk="1" fontAlgn="auto" latinLnBrk="0" hangingPunct="1">
+              <a:lnSpc>
+                <a:spcPct val="100000"/>
+              </a:lnSpc>
+              <a:spcBef>
+                <a:spcPts val="0"/>
+              </a:spcBef>
+              <a:spcAft>
+                <a:spcPts val="0"/>
+              </a:spcAft>
+              <a:buClrTx/>
+              <a:buSzTx/>
+              <a:buFontTx/>
+              <a:buNone/>
+              <a:tabLst/>
+              <a:defRPr/>
+            </a:pPr>
+            <a:endParaRPr lang="en-US" sz="1800" dirty="0">
+              <a:effectLst/>
+              <a:latin typeface="Palatino Linotype" panose="02040502050505030304" pitchFamily="18" charset="0"/>
+              <a:ea typeface="Malgun Gothic" panose="020B0503020000020004" pitchFamily="34" charset="-127"/>
+              <a:cs typeface="Times New Roman" panose="02020603050405020304" pitchFamily="18" charset="0"/>
             </a:endParaRPr>
           </a:p>
           <a:p>
@@ -2070,7 +2171,7 @@
     </p:spTree>
     <p:extLst>
       <p:ext uri="{BB962C8B-B14F-4D97-AF65-F5344CB8AC3E}">
-        <p14:creationId xmlns:p14="http://schemas.microsoft.com/office/powerpoint/2010/main" val="3603754797"/>
+        <p14:creationId xmlns:p14="http://schemas.microsoft.com/office/powerpoint/2010/main" val="2933283484"/>
       </p:ext>
     </p:extLst>
   </p:cSld>
@@ -2124,201 +2225,6 @@
           <a:bodyPr/>
           <a:lstStyle/>
           <a:p>
-            <a:pPr marL="0" indent="0">
-              <a:buNone/>
-            </a:pPr>
-            <a:r>
-              <a:rPr lang="en-US" dirty="0">
-                <a:latin typeface="+mn-lt"/>
-              </a:rPr>
-              <a:t>Let’s summarize what we just learned in the last three slides…</a:t>
-            </a:r>
-          </a:p>
-          <a:p>
-            <a:pPr marL="0" indent="0">
-              <a:buNone/>
-            </a:pPr>
-            <a:endParaRPr lang="en-US" dirty="0">
-              <a:latin typeface="+mn-lt"/>
-            </a:endParaRPr>
-          </a:p>
-          <a:p>
-            <a:pPr marL="228600" indent="-228600">
-              <a:buAutoNum type="arabicPeriod"/>
-            </a:pPr>
-            <a:r>
-              <a:rPr lang="en-US" dirty="0">
-                <a:latin typeface="+mn-lt"/>
-              </a:rPr>
-              <a:t>A </a:t>
-            </a:r>
-            <a:r>
-              <a:rPr lang="en-US" b="1" dirty="0">
-                <a:latin typeface="+mn-lt"/>
-              </a:rPr>
-              <a:t>tensor</a:t>
-            </a:r>
-            <a:r>
-              <a:rPr lang="en-US" dirty="0">
-                <a:latin typeface="+mn-lt"/>
-              </a:rPr>
-              <a:t> is a data structure.  It’s a block of numbers with a given number of dimensions and a size in each dimension. A tensor has no holes and no bits sticking out.  A tensor’s shape is determined by the number of dimensions and the size of each dimension. </a:t>
-            </a:r>
-            <a:endParaRPr lang="en-US" b="0" dirty="0">
-              <a:latin typeface="+mn-lt"/>
-            </a:endParaRPr>
-          </a:p>
-          <a:p>
-            <a:pPr marL="228600" lvl="0" indent="-228600">
-              <a:buAutoNum type="arabicPeriod"/>
-            </a:pPr>
-            <a:r>
-              <a:rPr lang="en-US" b="0" dirty="0">
-                <a:latin typeface="+mn-lt"/>
-              </a:rPr>
-              <a:t>A tensor’s shape is a determinant feature.</a:t>
-            </a:r>
-          </a:p>
-          <a:p>
-            <a:pPr marL="685800" lvl="1" indent="-228600">
-              <a:buAutoNum type="arabicPeriod"/>
-            </a:pPr>
-            <a:r>
-              <a:rPr lang="en-US" b="0" dirty="0">
-                <a:latin typeface="+mn-lt"/>
-              </a:rPr>
-              <a:t>A single number is </a:t>
-            </a:r>
-            <a:r>
-              <a:rPr lang="en-US" b="1" dirty="0">
-                <a:latin typeface="+mn-lt"/>
-              </a:rPr>
-              <a:t>atomic</a:t>
-            </a:r>
-            <a:r>
-              <a:rPr lang="en-US" b="0" dirty="0">
-                <a:latin typeface="+mn-lt"/>
-              </a:rPr>
-              <a:t>.</a:t>
-            </a:r>
-          </a:p>
-          <a:p>
-            <a:pPr marL="685800" lvl="1" indent="-228600">
-              <a:buAutoNum type="arabicPeriod"/>
-            </a:pPr>
-            <a:r>
-              <a:rPr lang="en-US" dirty="0">
-                <a:latin typeface="+mn-lt"/>
-              </a:rPr>
-              <a:t>A row of numbers is a </a:t>
-            </a:r>
-            <a:r>
-              <a:rPr lang="en-US" b="1" dirty="0">
-                <a:latin typeface="+mn-lt"/>
-              </a:rPr>
-              <a:t>vector</a:t>
-            </a:r>
-            <a:r>
-              <a:rPr lang="en-US" dirty="0">
-                <a:latin typeface="+mn-lt"/>
-              </a:rPr>
-              <a:t>.  (Rank 1 Tensor)</a:t>
-            </a:r>
-          </a:p>
-          <a:p>
-            <a:pPr marL="685800" lvl="1" indent="-228600">
-              <a:buAutoNum type="arabicPeriod"/>
-            </a:pPr>
-            <a:r>
-              <a:rPr lang="en-US" dirty="0">
-                <a:latin typeface="+mn-lt"/>
-              </a:rPr>
-              <a:t>A set of numbers arranged in rows and columns is a </a:t>
-            </a:r>
-            <a:r>
-              <a:rPr lang="en-US" b="1" dirty="0">
-                <a:latin typeface="+mn-lt"/>
-              </a:rPr>
-              <a:t>matrix</a:t>
-            </a:r>
-            <a:r>
-              <a:rPr lang="en-US" dirty="0">
-                <a:latin typeface="+mn-lt"/>
-              </a:rPr>
-              <a:t>. (Rank 2 Tensor)</a:t>
-            </a:r>
-          </a:p>
-          <a:p>
-            <a:pPr marL="685800" lvl="1" indent="-228600">
-              <a:buAutoNum type="arabicPeriod"/>
-            </a:pPr>
-            <a:r>
-              <a:rPr lang="en-US" dirty="0">
-                <a:latin typeface="+mn-lt"/>
-              </a:rPr>
-              <a:t>A 3-dimensional object filled with numbers is a </a:t>
-            </a:r>
-            <a:r>
-              <a:rPr lang="en-US" b="1" dirty="0">
-                <a:latin typeface="+mn-lt"/>
-              </a:rPr>
-              <a:t>block</a:t>
-            </a:r>
-            <a:r>
-              <a:rPr lang="en-US" dirty="0">
-                <a:latin typeface="+mn-lt"/>
-              </a:rPr>
-              <a:t> / </a:t>
-            </a:r>
-            <a:r>
-              <a:rPr lang="en-US" b="1" dirty="0">
-                <a:latin typeface="+mn-lt"/>
-              </a:rPr>
-              <a:t>volume</a:t>
-            </a:r>
-            <a:r>
-              <a:rPr lang="en-US" dirty="0">
-                <a:latin typeface="+mn-lt"/>
-              </a:rPr>
-              <a:t>. (Rank 3 Tensor)</a:t>
-            </a:r>
-          </a:p>
-          <a:p>
-            <a:pPr marL="685800" lvl="1" indent="-228600">
-              <a:buAutoNum type="arabicPeriod"/>
-            </a:pPr>
-            <a:r>
-              <a:rPr lang="en-US" b="0" dirty="0">
-                <a:latin typeface="+mn-lt"/>
-              </a:rPr>
-              <a:t>And finally, a</a:t>
-            </a:r>
-            <a:r>
-              <a:rPr lang="en-US" b="1" dirty="0">
-                <a:latin typeface="+mn-lt"/>
-              </a:rPr>
-              <a:t> tensor</a:t>
-            </a:r>
-            <a:r>
-              <a:rPr lang="en-US" dirty="0">
-                <a:latin typeface="+mn-lt"/>
-              </a:rPr>
-              <a:t> is a generic word we use for any collection of numbers arranged in a box shape with any number of dimensions.  Each dimension is called a </a:t>
-            </a:r>
-            <a:r>
-              <a:rPr lang="en-US" b="1" dirty="0">
-                <a:latin typeface="+mn-lt"/>
-              </a:rPr>
-              <a:t>rank</a:t>
-            </a:r>
-            <a:r>
-              <a:rPr lang="en-US" dirty="0">
-                <a:latin typeface="+mn-lt"/>
-              </a:rPr>
-              <a:t>.</a:t>
-            </a:r>
-          </a:p>
-          <a:p>
             <a:pPr marL="0" marR="0" lvl="0" indent="0" algn="l" defTabSz="914400" rtl="0" eaLnBrk="1" fontAlgn="auto" latinLnBrk="0" hangingPunct="1">
               <a:lnSpc>
                 <a:spcPct val="100000"/>
@@ -2336,117 +2242,23 @@
               <a:tabLst/>
               <a:defRPr/>
             </a:pPr>
-            <a:endParaRPr lang="en-US" dirty="0">
-              <a:latin typeface="+mn-lt"/>
-            </a:endParaRPr>
-          </a:p>
-          <a:p>
-            <a:pPr marL="0" marR="0" lvl="0" indent="0" algn="l" defTabSz="914400" rtl="0" eaLnBrk="1" fontAlgn="auto" latinLnBrk="0" hangingPunct="1">
-              <a:lnSpc>
-                <a:spcPct val="100000"/>
-              </a:lnSpc>
-              <a:spcBef>
-                <a:spcPts val="0"/>
-              </a:spcBef>
-              <a:spcAft>
-                <a:spcPts val="0"/>
-              </a:spcAft>
-              <a:buClrTx/>
-              <a:buSzTx/>
-              <a:buFontTx/>
-              <a:buNone/>
-              <a:tabLst/>
-              <a:defRPr/>
-            </a:pPr>
             <a:r>
               <a:rPr lang="en-US" dirty="0">
                 <a:latin typeface="+mn-lt"/>
               </a:rPr>
-              <a:t>=====</a:t>
-            </a:r>
-          </a:p>
-          <a:p>
+              <a:t>We can “stack” matrices and the # in the stack (the dimensions) is the tensor’s </a:t>
+            </a:r>
+            <a:r>
+              <a:rPr lang="en-US" b="1" dirty="0">
+                <a:latin typeface="+mn-lt"/>
+              </a:rPr>
+              <a:t>rank</a:t>
+            </a:r>
             <a:r>
               <a:rPr lang="en-US" dirty="0">
                 <a:latin typeface="+mn-lt"/>
               </a:rPr>
-              <a:t>So, how does a CNN like the Teachable Machine process images?  Keep in mind that computers only understand numbers.  Our starting point is a data structure called a </a:t>
-            </a:r>
-            <a:r>
-              <a:rPr lang="en-US" b="1" dirty="0">
-                <a:latin typeface="+mn-lt"/>
-              </a:rPr>
-              <a:t>tensor</a:t>
-            </a:r>
-            <a:r>
-              <a:rPr lang="en-US" dirty="0">
-                <a:latin typeface="+mn-lt"/>
-              </a:rPr>
-              <a:t>.  </a:t>
-            </a:r>
-          </a:p>
-          <a:p>
-            <a:endParaRPr lang="en-US" dirty="0">
-              <a:latin typeface="+mn-lt"/>
-            </a:endParaRPr>
-          </a:p>
-          <a:p>
-            <a:r>
-              <a:rPr lang="en-US" dirty="0">
-                <a:latin typeface="+mn-lt"/>
-              </a:rPr>
-              <a:t>In our Deep Learning Foundations workshop sequence, we learned that a neural network is built from a sequence of layers. And though the output of any neuron is a single number, we often want to talk about the output of an entire layer at once. The key idea that characterizes this collection of output numbers is its shape. If the layer contains a single neuron, the layer’s output is just a single number.</a:t>
-            </a:r>
-          </a:p>
-          <a:p>
-            <a:endParaRPr lang="en-US" dirty="0">
-              <a:latin typeface="+mn-lt"/>
-            </a:endParaRPr>
-          </a:p>
-          <a:p>
-            <a:r>
-              <a:rPr lang="en-US" dirty="0">
-                <a:latin typeface="+mn-lt"/>
-              </a:rPr>
-              <a:t>If we have multiple neurons in a layer, then we can describe their collective output as a list, otherwise known as a one-dimensional (1D) array.  Image (A) above shows such an array containing 12 elements.  We frequently organize our data into other box-like shapes. For instance, if the input to our system is a black and white image, it can be represented as a 2D array, as pictured in (B). And if it’s a color image, then it can be represented as a 3D array, as shown in (C). </a:t>
-            </a:r>
-          </a:p>
-          <a:p>
-            <a:endParaRPr lang="en-US" dirty="0">
-              <a:latin typeface="+mn-lt"/>
-            </a:endParaRPr>
-          </a:p>
-          <a:p>
-            <a:r>
-              <a:rPr lang="en-US" dirty="0">
-                <a:latin typeface="+mn-lt"/>
-              </a:rPr>
-              <a:t>We frequently call a 1D shape an array, list, or vector. To describe a 2D shape we often use the terms grid or matrix, and we can describe a 3D shape as a volume or block. We often use arrays with even more dimensions.  But rather than create a mountain of new terms, we use a single term for any collection of numbers arranged in a box shape with any number of dimensions: a </a:t>
-            </a:r>
-            <a:r>
-              <a:rPr lang="en-US" b="1" dirty="0">
-                <a:latin typeface="+mn-lt"/>
-              </a:rPr>
-              <a:t>tensor</a:t>
-            </a:r>
-            <a:r>
-              <a:rPr lang="en-US" dirty="0">
-                <a:latin typeface="+mn-lt"/>
-              </a:rPr>
-              <a:t> (pronounced ten′-sir).</a:t>
-            </a:r>
-          </a:p>
-          <a:p>
-            <a:endParaRPr lang="en-US" dirty="0">
-              <a:latin typeface="+mn-lt"/>
-            </a:endParaRPr>
-          </a:p>
-          <a:p>
-            <a:r>
-              <a:rPr lang="en-US" dirty="0">
-                <a:latin typeface="+mn-lt"/>
-              </a:rPr>
-              <a:t>A tensor is merely a block of numbers with a given number of dimensions and a size in each dimension. It has no holes and no bits sticking out. The term tensor has a more complex meaning in some fields of math and physics, but in machine learning, we use this word to mean a collection of numbers organized into a multidimensional block. Taken together, the number of dimensions and the size in each dimension provide the shape of the tensor.</a:t>
+              <a:t>.</a:t>
             </a:r>
           </a:p>
           <a:p>
@@ -2495,7 +2307,7 @@
     </p:spTree>
     <p:extLst>
       <p:ext uri="{BB962C8B-B14F-4D97-AF65-F5344CB8AC3E}">
-        <p14:creationId xmlns:p14="http://schemas.microsoft.com/office/powerpoint/2010/main" val="1267751403"/>
+        <p14:creationId xmlns:p14="http://schemas.microsoft.com/office/powerpoint/2010/main" val="3603754797"/>
       </p:ext>
     </p:extLst>
   </p:cSld>
@@ -2549,6 +2361,201 @@
           <a:bodyPr/>
           <a:lstStyle/>
           <a:p>
+            <a:pPr marL="0" indent="0">
+              <a:buNone/>
+            </a:pPr>
+            <a:r>
+              <a:rPr lang="en-US" dirty="0">
+                <a:latin typeface="+mn-lt"/>
+              </a:rPr>
+              <a:t>Let’s summarize what we just learned in the last three slides…</a:t>
+            </a:r>
+          </a:p>
+          <a:p>
+            <a:pPr marL="0" indent="0">
+              <a:buNone/>
+            </a:pPr>
+            <a:endParaRPr lang="en-US" dirty="0">
+              <a:latin typeface="+mn-lt"/>
+            </a:endParaRPr>
+          </a:p>
+          <a:p>
+            <a:pPr marL="228600" indent="-228600">
+              <a:buAutoNum type="arabicPeriod"/>
+            </a:pPr>
+            <a:r>
+              <a:rPr lang="en-US" dirty="0">
+                <a:latin typeface="+mn-lt"/>
+              </a:rPr>
+              <a:t>A </a:t>
+            </a:r>
+            <a:r>
+              <a:rPr lang="en-US" b="1" dirty="0">
+                <a:latin typeface="+mn-lt"/>
+              </a:rPr>
+              <a:t>tensor</a:t>
+            </a:r>
+            <a:r>
+              <a:rPr lang="en-US" dirty="0">
+                <a:latin typeface="+mn-lt"/>
+              </a:rPr>
+              <a:t> is a data structure.  It’s a block of numbers with a given number of dimensions and a size in each dimension. A tensor has no holes and no bits sticking out.  A tensor’s shape is determined by the number of dimensions and the size of each dimension. </a:t>
+            </a:r>
+            <a:endParaRPr lang="en-US" b="0" dirty="0">
+              <a:latin typeface="+mn-lt"/>
+            </a:endParaRPr>
+          </a:p>
+          <a:p>
+            <a:pPr marL="228600" lvl="0" indent="-228600">
+              <a:buAutoNum type="arabicPeriod"/>
+            </a:pPr>
+            <a:r>
+              <a:rPr lang="en-US" b="0" dirty="0">
+                <a:latin typeface="+mn-lt"/>
+              </a:rPr>
+              <a:t>A tensor’s shape is a determinant feature.</a:t>
+            </a:r>
+          </a:p>
+          <a:p>
+            <a:pPr marL="685800" lvl="1" indent="-228600">
+              <a:buAutoNum type="arabicPeriod"/>
+            </a:pPr>
+            <a:r>
+              <a:rPr lang="en-US" b="0" dirty="0">
+                <a:latin typeface="+mn-lt"/>
+              </a:rPr>
+              <a:t>A single number is </a:t>
+            </a:r>
+            <a:r>
+              <a:rPr lang="en-US" b="1" dirty="0">
+                <a:latin typeface="+mn-lt"/>
+              </a:rPr>
+              <a:t>atomic</a:t>
+            </a:r>
+            <a:r>
+              <a:rPr lang="en-US" b="0" dirty="0">
+                <a:latin typeface="+mn-lt"/>
+              </a:rPr>
+              <a:t>.</a:t>
+            </a:r>
+          </a:p>
+          <a:p>
+            <a:pPr marL="685800" lvl="1" indent="-228600">
+              <a:buAutoNum type="arabicPeriod"/>
+            </a:pPr>
+            <a:r>
+              <a:rPr lang="en-US" dirty="0">
+                <a:latin typeface="+mn-lt"/>
+              </a:rPr>
+              <a:t>A row of numbers is a </a:t>
+            </a:r>
+            <a:r>
+              <a:rPr lang="en-US" b="1" dirty="0">
+                <a:latin typeface="+mn-lt"/>
+              </a:rPr>
+              <a:t>vector</a:t>
+            </a:r>
+            <a:r>
+              <a:rPr lang="en-US" dirty="0">
+                <a:latin typeface="+mn-lt"/>
+              </a:rPr>
+              <a:t>.  (Rank 1 Tensor)</a:t>
+            </a:r>
+          </a:p>
+          <a:p>
+            <a:pPr marL="685800" lvl="1" indent="-228600">
+              <a:buAutoNum type="arabicPeriod"/>
+            </a:pPr>
+            <a:r>
+              <a:rPr lang="en-US" dirty="0">
+                <a:latin typeface="+mn-lt"/>
+              </a:rPr>
+              <a:t>A set of numbers arranged in rows and columns is a </a:t>
+            </a:r>
+            <a:r>
+              <a:rPr lang="en-US" b="1" dirty="0">
+                <a:latin typeface="+mn-lt"/>
+              </a:rPr>
+              <a:t>matrix</a:t>
+            </a:r>
+            <a:r>
+              <a:rPr lang="en-US" dirty="0">
+                <a:latin typeface="+mn-lt"/>
+              </a:rPr>
+              <a:t>. (Rank 2 Tensor)</a:t>
+            </a:r>
+          </a:p>
+          <a:p>
+            <a:pPr marL="685800" lvl="1" indent="-228600">
+              <a:buAutoNum type="arabicPeriod"/>
+            </a:pPr>
+            <a:r>
+              <a:rPr lang="en-US" dirty="0">
+                <a:latin typeface="+mn-lt"/>
+              </a:rPr>
+              <a:t>A 3-dimensional object filled with numbers is a </a:t>
+            </a:r>
+            <a:r>
+              <a:rPr lang="en-US" b="1" dirty="0">
+                <a:latin typeface="+mn-lt"/>
+              </a:rPr>
+              <a:t>block</a:t>
+            </a:r>
+            <a:r>
+              <a:rPr lang="en-US" dirty="0">
+                <a:latin typeface="+mn-lt"/>
+              </a:rPr>
+              <a:t> / </a:t>
+            </a:r>
+            <a:r>
+              <a:rPr lang="en-US" b="1" dirty="0">
+                <a:latin typeface="+mn-lt"/>
+              </a:rPr>
+              <a:t>volume</a:t>
+            </a:r>
+            <a:r>
+              <a:rPr lang="en-US" dirty="0">
+                <a:latin typeface="+mn-lt"/>
+              </a:rPr>
+              <a:t>. (Rank 3 Tensor)</a:t>
+            </a:r>
+          </a:p>
+          <a:p>
+            <a:pPr marL="685800" lvl="1" indent="-228600">
+              <a:buAutoNum type="arabicPeriod"/>
+            </a:pPr>
+            <a:r>
+              <a:rPr lang="en-US" b="0" dirty="0">
+                <a:latin typeface="+mn-lt"/>
+              </a:rPr>
+              <a:t>And finally, a</a:t>
+            </a:r>
+            <a:r>
+              <a:rPr lang="en-US" b="1" dirty="0">
+                <a:latin typeface="+mn-lt"/>
+              </a:rPr>
+              <a:t> tensor</a:t>
+            </a:r>
+            <a:r>
+              <a:rPr lang="en-US" dirty="0">
+                <a:latin typeface="+mn-lt"/>
+              </a:rPr>
+              <a:t> is a generic word we use for any collection of numbers arranged in a box shape with any number of dimensions.  Each dimension is called a </a:t>
+            </a:r>
+            <a:r>
+              <a:rPr lang="en-US" b="1" dirty="0">
+                <a:latin typeface="+mn-lt"/>
+              </a:rPr>
+              <a:t>rank</a:t>
+            </a:r>
+            <a:r>
+              <a:rPr lang="en-US" dirty="0">
+                <a:latin typeface="+mn-lt"/>
+              </a:rPr>
+              <a:t>.</a:t>
+            </a:r>
+          </a:p>
+          <a:p>
             <a:pPr marL="0" marR="0" lvl="0" indent="0" algn="l" defTabSz="914400" rtl="0" eaLnBrk="1" fontAlgn="auto" latinLnBrk="0" hangingPunct="1">
               <a:lnSpc>
                 <a:spcPct val="100000"/>
@@ -2566,18 +2573,133 @@
               <a:tabLst/>
               <a:defRPr/>
             </a:pPr>
-            <a:r>
-              <a:rPr lang="en-US" sz="1200" dirty="0">
-                <a:solidFill>
-                  <a:schemeClr val="tx1">
-                    <a:lumMod val="65000"/>
-                    <a:lumOff val="35000"/>
-                  </a:schemeClr>
-                </a:solidFill>
-                <a:latin typeface="Palatino Linotype" panose="02040502050505030304" pitchFamily="18" charset="0"/>
-              </a:rPr>
-              <a:t>https://developers.google.com/machine-learning/glossary</a:t>
-            </a:r>
+            <a:endParaRPr lang="en-US" dirty="0">
+              <a:latin typeface="+mn-lt"/>
+            </a:endParaRPr>
+          </a:p>
+          <a:p>
+            <a:pPr marL="0" marR="0" lvl="0" indent="0" algn="l" defTabSz="914400" rtl="0" eaLnBrk="1" fontAlgn="auto" latinLnBrk="0" hangingPunct="1">
+              <a:lnSpc>
+                <a:spcPct val="100000"/>
+              </a:lnSpc>
+              <a:spcBef>
+                <a:spcPts val="0"/>
+              </a:spcBef>
+              <a:spcAft>
+                <a:spcPts val="0"/>
+              </a:spcAft>
+              <a:buClrTx/>
+              <a:buSzTx/>
+              <a:buFontTx/>
+              <a:buNone/>
+              <a:tabLst/>
+              <a:defRPr/>
+            </a:pPr>
+            <a:r>
+              <a:rPr lang="en-US" dirty="0">
+                <a:latin typeface="+mn-lt"/>
+              </a:rPr>
+              <a:t>=====</a:t>
+            </a:r>
+          </a:p>
+          <a:p>
+            <a:r>
+              <a:rPr lang="en-US" dirty="0">
+                <a:latin typeface="+mn-lt"/>
+              </a:rPr>
+              <a:t>So, how does a CNN like the Teachable Machine process images?  Keep in mind that computers only understand numbers.  Our starting point is a data structure called a </a:t>
+            </a:r>
+            <a:r>
+              <a:rPr lang="en-US" b="1" dirty="0">
+                <a:latin typeface="+mn-lt"/>
+              </a:rPr>
+              <a:t>tensor</a:t>
+            </a:r>
+            <a:r>
+              <a:rPr lang="en-US" dirty="0">
+                <a:latin typeface="+mn-lt"/>
+              </a:rPr>
+              <a:t>.  </a:t>
+            </a:r>
+          </a:p>
+          <a:p>
+            <a:endParaRPr lang="en-US" dirty="0">
+              <a:latin typeface="+mn-lt"/>
+            </a:endParaRPr>
+          </a:p>
+          <a:p>
+            <a:r>
+              <a:rPr lang="en-US" dirty="0">
+                <a:latin typeface="+mn-lt"/>
+              </a:rPr>
+              <a:t>In our Deep Learning Foundations workshop sequence, we learned that a neural network is built from a sequence of layers. And though the output of any neuron is a single number, we often want to talk about the output of an entire layer at once. The key idea that characterizes this collection of output numbers is its shape. If the layer contains a single neuron, the layer’s output is just a single number.</a:t>
+            </a:r>
+          </a:p>
+          <a:p>
+            <a:endParaRPr lang="en-US" dirty="0">
+              <a:latin typeface="+mn-lt"/>
+            </a:endParaRPr>
+          </a:p>
+          <a:p>
+            <a:r>
+              <a:rPr lang="en-US" dirty="0">
+                <a:latin typeface="+mn-lt"/>
+              </a:rPr>
+              <a:t>If we have multiple neurons in a layer, then we can describe their collective output as a list, otherwise known as a one-dimensional (1D) array.  Image (A) above shows such an array containing 12 elements.  We frequently organize our data into other box-like shapes. For instance, if the input to our system is a black and white image, it can be represented as a 2D array, as pictured in (B). And if it’s a color image, then it can be represented as a 3D array, as shown in (C). </a:t>
+            </a:r>
+          </a:p>
+          <a:p>
+            <a:endParaRPr lang="en-US" dirty="0">
+              <a:latin typeface="+mn-lt"/>
+            </a:endParaRPr>
+          </a:p>
+          <a:p>
+            <a:r>
+              <a:rPr lang="en-US" dirty="0">
+                <a:latin typeface="+mn-lt"/>
+              </a:rPr>
+              <a:t>We frequently call a 1D shape an array, list, or vector. To describe a 2D shape we often use the terms grid or matrix, and we can describe a 3D shape as a volume or block. We often use arrays with even more dimensions.  But rather than create a mountain of new terms, we use a single term for any collection of numbers arranged in a box shape with any number of dimensions: a </a:t>
+            </a:r>
+            <a:r>
+              <a:rPr lang="en-US" b="1" dirty="0">
+                <a:latin typeface="+mn-lt"/>
+              </a:rPr>
+              <a:t>tensor</a:t>
+            </a:r>
+            <a:r>
+              <a:rPr lang="en-US" dirty="0">
+                <a:latin typeface="+mn-lt"/>
+              </a:rPr>
+              <a:t> (pronounced ten′-sir).</a:t>
+            </a:r>
+          </a:p>
+          <a:p>
+            <a:endParaRPr lang="en-US" dirty="0">
+              <a:latin typeface="+mn-lt"/>
+            </a:endParaRPr>
+          </a:p>
+          <a:p>
+            <a:r>
+              <a:rPr lang="en-US" dirty="0">
+                <a:latin typeface="+mn-lt"/>
+              </a:rPr>
+              <a:t>A tensor is merely a block of numbers with a given number of dimensions and a size in each dimension. It has no holes and no bits sticking out. The term tensor has a more complex meaning in some fields of math and physics, but in machine learning, we use this word to mean a collection of numbers organized into a multidimensional block. Taken together, the number of dimensions and the size in each dimension provide the shape of the tensor.</a:t>
+            </a:r>
+          </a:p>
+          <a:p>
+            <a:endParaRPr lang="en-US" dirty="0">
+              <a:latin typeface="+mn-lt"/>
+            </a:endParaRPr>
+          </a:p>
+          <a:p>
+            <a:endParaRPr lang="en-US" dirty="0">
+              <a:latin typeface="+mn-lt"/>
+            </a:endParaRPr>
+          </a:p>
+          <a:p>
+            <a:endParaRPr lang="en-US" dirty="0">
+              <a:latin typeface="+mn-lt"/>
+            </a:endParaRPr>
           </a:p>
           <a:p>
             <a:endParaRPr lang="en-US" dirty="0"/>
@@ -2610,7 +2732,7 @@
     </p:spTree>
     <p:extLst>
       <p:ext uri="{BB962C8B-B14F-4D97-AF65-F5344CB8AC3E}">
-        <p14:creationId xmlns:p14="http://schemas.microsoft.com/office/powerpoint/2010/main" val="251584934"/>
+        <p14:creationId xmlns:p14="http://schemas.microsoft.com/office/powerpoint/2010/main" val="1267751403"/>
       </p:ext>
     </p:extLst>
   </p:cSld>
@@ -2689,234 +2811,13 @@
                     <a:lumOff val="35000"/>
                   </a:schemeClr>
                 </a:solidFill>
-                <a:latin typeface="+mj-lt"/>
-                <a:ea typeface="Verdana" panose="020B0604030504040204" pitchFamily="34" charset="0"/>
-              </a:rPr>
-              <a:t>Source: Google Teachable Machine: </a:t>
-            </a:r>
-            <a:r>
-              <a:rPr lang="en-US" sz="1200" dirty="0">
-                <a:solidFill>
-                  <a:schemeClr val="tx1">
-                    <a:lumMod val="65000"/>
-                    <a:lumOff val="35000"/>
-                  </a:schemeClr>
-                </a:solidFill>
-                <a:latin typeface="+mj-lt"/>
-                <a:ea typeface="Verdana" panose="020B0604030504040204" pitchFamily="34" charset="0"/>
-                <a:hlinkClick r:id="rId3"/>
-              </a:rPr>
-              <a:t>https://teachablemachine.withgoogle.com</a:t>
-            </a:r>
-            <a:r>
-              <a:rPr lang="en-US" sz="1200" dirty="0">
-                <a:solidFill>
-                  <a:schemeClr val="tx1">
-                    <a:lumMod val="65000"/>
-                    <a:lumOff val="35000"/>
-                  </a:schemeClr>
-                </a:solidFill>
-                <a:latin typeface="+mj-lt"/>
-                <a:ea typeface="Verdana" panose="020B0604030504040204" pitchFamily="34" charset="0"/>
-              </a:rPr>
-              <a:t> </a:t>
-            </a:r>
-          </a:p>
-          <a:p>
-            <a:pPr marL="0" marR="0" lvl="0" indent="0" algn="l" defTabSz="914400" rtl="0" eaLnBrk="1" fontAlgn="auto" latinLnBrk="0" hangingPunct="1">
-              <a:lnSpc>
-                <a:spcPct val="100000"/>
-              </a:lnSpc>
-              <a:spcBef>
-                <a:spcPts val="0"/>
-              </a:spcBef>
-              <a:spcAft>
-                <a:spcPts val="0"/>
-              </a:spcAft>
-              <a:buClrTx/>
-              <a:buSzTx/>
-              <a:buFontTx/>
-              <a:buNone/>
-              <a:tabLst/>
-              <a:defRPr/>
-            </a:pPr>
-            <a:endParaRPr lang="en-US" sz="1200" dirty="0">
-              <a:solidFill>
-                <a:schemeClr val="tx1">
-                  <a:lumMod val="65000"/>
-                  <a:lumOff val="35000"/>
-                </a:schemeClr>
-              </a:solidFill>
-              <a:latin typeface="Palatino Linotype" panose="02040502050505030304" pitchFamily="18" charset="0"/>
-            </a:endParaRPr>
-          </a:p>
-          <a:p>
-            <a:pPr marL="0" marR="0" lvl="0" indent="0" algn="l" defTabSz="914400" rtl="0" eaLnBrk="1" fontAlgn="auto" latinLnBrk="0" hangingPunct="1">
-              <a:lnSpc>
-                <a:spcPct val="100000"/>
-              </a:lnSpc>
-              <a:spcBef>
-                <a:spcPts val="0"/>
-              </a:spcBef>
-              <a:spcAft>
-                <a:spcPts val="0"/>
-              </a:spcAft>
-              <a:buClrTx/>
-              <a:buSzTx/>
-              <a:buFontTx/>
-              <a:buNone/>
-              <a:tabLst/>
-              <a:defRPr/>
-            </a:pPr>
-            <a:r>
-              <a:rPr lang="en-US" sz="1200" dirty="0">
-                <a:solidFill>
-                  <a:schemeClr val="tx1">
-                    <a:lumMod val="65000"/>
-                    <a:lumOff val="35000"/>
-                  </a:schemeClr>
-                </a:solidFill>
                 <a:latin typeface="Palatino Linotype" panose="02040502050505030304" pitchFamily="18" charset="0"/>
               </a:rPr>
-              <a:t>Two Locations for the Hanfu/Hanbok dataset</a:t>
-            </a:r>
-          </a:p>
-          <a:p>
-            <a:pPr marL="0" marR="0" lvl="0" indent="0" algn="l" defTabSz="914400" rtl="0" eaLnBrk="1" fontAlgn="auto" latinLnBrk="0" hangingPunct="1">
-              <a:lnSpc>
-                <a:spcPct val="100000"/>
-              </a:lnSpc>
-              <a:spcBef>
-                <a:spcPts val="0"/>
-              </a:spcBef>
-              <a:spcAft>
-                <a:spcPts val="0"/>
-              </a:spcAft>
-              <a:buClrTx/>
-              <a:buSzTx/>
-              <a:buFontTx/>
-              <a:buNone/>
-              <a:tabLst/>
-              <a:defRPr/>
-            </a:pPr>
-            <a:r>
-              <a:rPr lang="en-US" b="0" i="0" dirty="0">
-                <a:effectLst/>
-                <a:latin typeface="Lato" panose="020F0502020204030203" pitchFamily="34" charset="0"/>
-              </a:rPr>
-              <a:t>	https://drive.google.com/file/d/1q3RIgIoeePNW-fEgNyCgh45gBvMAdeOU/view</a:t>
-            </a:r>
-          </a:p>
-          <a:p>
-            <a:pPr marL="0" marR="0" lvl="0" indent="0" algn="l" defTabSz="914400" rtl="0" eaLnBrk="1" fontAlgn="auto" latinLnBrk="0" hangingPunct="1">
-              <a:lnSpc>
-                <a:spcPct val="100000"/>
-              </a:lnSpc>
-              <a:spcBef>
-                <a:spcPts val="0"/>
-              </a:spcBef>
-              <a:spcAft>
-                <a:spcPts val="0"/>
-              </a:spcAft>
-              <a:buClrTx/>
-              <a:buSzTx/>
-              <a:buFontTx/>
-              <a:buNone/>
-              <a:tabLst/>
-              <a:defRPr/>
-            </a:pPr>
-            <a:r>
-              <a:rPr lang="en-US" b="0" i="0" dirty="0">
-                <a:effectLst/>
-                <a:latin typeface="Lato" panose="020F0502020204030203" pitchFamily="34" charset="0"/>
-              </a:rPr>
-              <a:t>	https://drive.google.com/file/d/1WbZPzunh6u9f0leymbzmVrJjSxq6JW5w/view?usp=sharing</a:t>
-            </a:r>
-          </a:p>
-          <a:p>
-            <a:pPr marL="0" marR="0" lvl="0" indent="0" algn="l" defTabSz="914400" rtl="0" eaLnBrk="1" fontAlgn="auto" latinLnBrk="0" hangingPunct="1">
-              <a:lnSpc>
-                <a:spcPct val="100000"/>
-              </a:lnSpc>
-              <a:spcBef>
-                <a:spcPts val="0"/>
-              </a:spcBef>
-              <a:spcAft>
-                <a:spcPts val="0"/>
-              </a:spcAft>
-              <a:buClrTx/>
-              <a:buSzTx/>
-              <a:buFontTx/>
-              <a:buNone/>
-              <a:tabLst/>
-              <a:defRPr/>
-            </a:pPr>
-            <a:endParaRPr lang="en-US" sz="1200" dirty="0">
-              <a:solidFill>
-                <a:schemeClr val="tx1">
-                  <a:lumMod val="65000"/>
-                  <a:lumOff val="35000"/>
-                </a:schemeClr>
-              </a:solidFill>
-              <a:latin typeface="+mj-lt"/>
-              <a:ea typeface="Verdana" panose="020B0604030504040204" pitchFamily="34" charset="0"/>
-            </a:endParaRPr>
-          </a:p>
-          <a:p>
-            <a:pPr marL="0" marR="0" lvl="0" indent="0" algn="l" defTabSz="914400" rtl="0" eaLnBrk="1" fontAlgn="auto" latinLnBrk="0" hangingPunct="1">
-              <a:lnSpc>
-                <a:spcPct val="100000"/>
-              </a:lnSpc>
-              <a:spcBef>
-                <a:spcPts val="0"/>
-              </a:spcBef>
-              <a:spcAft>
-                <a:spcPts val="0"/>
-              </a:spcAft>
-              <a:buClrTx/>
-              <a:buSzTx/>
-              <a:buFontTx/>
-              <a:buNone/>
-              <a:tabLst/>
-              <a:defRPr/>
-            </a:pPr>
-            <a:endParaRPr lang="en-US" sz="1200" dirty="0">
-              <a:solidFill>
-                <a:schemeClr val="tx1">
-                  <a:lumMod val="65000"/>
-                  <a:lumOff val="35000"/>
-                </a:schemeClr>
-              </a:solidFill>
-              <a:latin typeface="Palatino Linotype" panose="02040502050505030304" pitchFamily="18" charset="0"/>
-            </a:endParaRPr>
-          </a:p>
-          <a:p>
-            <a:pPr marL="0" marR="0" lvl="0" indent="0" algn="l" defTabSz="914400" rtl="0" eaLnBrk="1" fontAlgn="auto" latinLnBrk="0" hangingPunct="1">
-              <a:lnSpc>
-                <a:spcPct val="100000"/>
-              </a:lnSpc>
-              <a:spcBef>
-                <a:spcPts val="0"/>
-              </a:spcBef>
-              <a:spcAft>
-                <a:spcPts val="0"/>
-              </a:spcAft>
-              <a:buClrTx/>
-              <a:buSzTx/>
-              <a:buFontTx/>
-              <a:buNone/>
-              <a:tabLst/>
-              <a:defRPr/>
-            </a:pPr>
-            <a:endParaRPr lang="en-US" sz="1200" dirty="0">
-              <a:solidFill>
-                <a:schemeClr val="tx1">
-                  <a:lumMod val="65000"/>
-                  <a:lumOff val="35000"/>
-                </a:schemeClr>
-              </a:solidFill>
-              <a:latin typeface="Palatino Linotype" panose="02040502050505030304" pitchFamily="18" charset="0"/>
-            </a:endParaRPr>
+              <a:t>https://developers.google.com/machine-learning/glossary</a:t>
+            </a:r>
+          </a:p>
+          <a:p>
+            <a:endParaRPr lang="en-US" dirty="0"/>
           </a:p>
         </p:txBody>
       </p:sp>
@@ -2946,7 +2847,7 @@
     </p:spTree>
     <p:extLst>
       <p:ext uri="{BB962C8B-B14F-4D97-AF65-F5344CB8AC3E}">
-        <p14:creationId xmlns:p14="http://schemas.microsoft.com/office/powerpoint/2010/main" val="1404376956"/>
+        <p14:creationId xmlns:p14="http://schemas.microsoft.com/office/powerpoint/2010/main" val="251584934"/>
       </p:ext>
     </p:extLst>
   </p:cSld>
@@ -3084,15 +2985,259 @@
           <a:bodyPr/>
           <a:lstStyle/>
           <a:p>
-            <a:r>
-              <a:rPr lang="en-US" dirty="0"/>
-              <a:t>https://playground.tensorflow</a:t>
-            </a:r>
-            <a:r>
-              <a:rPr lang="en-US"/>
-              <a:t>.org/#activation=tanh&amp;batchSize=10&amp;dataset=circle&amp;regDataset=reg-plane&amp;learningRate=0.03&amp;regularizationRate=0&amp;noise=0&amp;networkShape=4,2&amp;seed=0.25293&amp;showTestData=false&amp;discretize=false&amp;percTrainData=50&amp;x=true&amp;y=true&amp;xTimesY=false&amp;xSquared=false&amp;ySquared=false&amp;cosX=false&amp;sinX=false&amp;cosY=false&amp;sinY=false&amp;collectStats=false&amp;problem=classification&amp;initZero=false&amp;hideText=false</a:t>
-            </a:r>
-            <a:endParaRPr lang="en-US" dirty="0"/>
+            <a:pPr marL="0" marR="0" lvl="0" indent="0" algn="l" defTabSz="914400" rtl="0" eaLnBrk="1" fontAlgn="auto" latinLnBrk="0" hangingPunct="1">
+              <a:lnSpc>
+                <a:spcPct val="100000"/>
+              </a:lnSpc>
+              <a:spcBef>
+                <a:spcPts val="0"/>
+              </a:spcBef>
+              <a:spcAft>
+                <a:spcPts val="0"/>
+              </a:spcAft>
+              <a:buClrTx/>
+              <a:buSzTx/>
+              <a:buFontTx/>
+              <a:buNone/>
+              <a:tabLst/>
+              <a:defRPr/>
+            </a:pPr>
+            <a:r>
+              <a:rPr lang="en-US" sz="1200" dirty="0">
+                <a:solidFill>
+                  <a:schemeClr val="tx1">
+                    <a:lumMod val="65000"/>
+                    <a:lumOff val="35000"/>
+                  </a:schemeClr>
+                </a:solidFill>
+                <a:latin typeface="+mj-lt"/>
+                <a:ea typeface="Verdana" panose="020B0604030504040204" pitchFamily="34" charset="0"/>
+              </a:rPr>
+              <a:t>Source: Google Teachable Machine: </a:t>
+            </a:r>
+            <a:r>
+              <a:rPr lang="en-US" sz="1200" dirty="0">
+                <a:solidFill>
+                  <a:schemeClr val="tx1">
+                    <a:lumMod val="65000"/>
+                    <a:lumOff val="35000"/>
+                  </a:schemeClr>
+                </a:solidFill>
+                <a:latin typeface="+mj-lt"/>
+                <a:ea typeface="Verdana" panose="020B0604030504040204" pitchFamily="34" charset="0"/>
+                <a:hlinkClick r:id="rId3"/>
+              </a:rPr>
+              <a:t>https://teachablemachine.withgoogle.com</a:t>
+            </a:r>
+            <a:r>
+              <a:rPr lang="en-US" sz="1200" dirty="0">
+                <a:solidFill>
+                  <a:schemeClr val="tx1">
+                    <a:lumMod val="65000"/>
+                    <a:lumOff val="35000"/>
+                  </a:schemeClr>
+                </a:solidFill>
+                <a:latin typeface="+mj-lt"/>
+                <a:ea typeface="Verdana" panose="020B0604030504040204" pitchFamily="34" charset="0"/>
+              </a:rPr>
+              <a:t> </a:t>
+            </a:r>
+          </a:p>
+          <a:p>
+            <a:pPr marL="0" marR="0" lvl="0" indent="0" algn="l" defTabSz="914400" rtl="0" eaLnBrk="1" fontAlgn="auto" latinLnBrk="0" hangingPunct="1">
+              <a:lnSpc>
+                <a:spcPct val="100000"/>
+              </a:lnSpc>
+              <a:spcBef>
+                <a:spcPts val="0"/>
+              </a:spcBef>
+              <a:spcAft>
+                <a:spcPts val="0"/>
+              </a:spcAft>
+              <a:buClrTx/>
+              <a:buSzTx/>
+              <a:buFontTx/>
+              <a:buNone/>
+              <a:tabLst/>
+              <a:defRPr/>
+            </a:pPr>
+            <a:endParaRPr lang="en-US" sz="1200" dirty="0">
+              <a:solidFill>
+                <a:schemeClr val="tx1">
+                  <a:lumMod val="65000"/>
+                  <a:lumOff val="35000"/>
+                </a:schemeClr>
+              </a:solidFill>
+              <a:latin typeface="Palatino Linotype" panose="02040502050505030304" pitchFamily="18" charset="0"/>
+            </a:endParaRPr>
+          </a:p>
+          <a:p>
+            <a:pPr marL="0" marR="0" lvl="0" indent="0" algn="l" defTabSz="914400" rtl="0" eaLnBrk="1" fontAlgn="auto" latinLnBrk="0" hangingPunct="1">
+              <a:lnSpc>
+                <a:spcPct val="100000"/>
+              </a:lnSpc>
+              <a:spcBef>
+                <a:spcPts val="0"/>
+              </a:spcBef>
+              <a:spcAft>
+                <a:spcPts val="0"/>
+              </a:spcAft>
+              <a:buClrTx/>
+              <a:buSzTx/>
+              <a:buFontTx/>
+              <a:buNone/>
+              <a:tabLst/>
+              <a:defRPr/>
+            </a:pPr>
+            <a:r>
+              <a:rPr lang="en-US" sz="1200" dirty="0">
+                <a:solidFill>
+                  <a:schemeClr val="tx1">
+                    <a:lumMod val="65000"/>
+                    <a:lumOff val="35000"/>
+                  </a:schemeClr>
+                </a:solidFill>
+                <a:latin typeface="Palatino Linotype" panose="02040502050505030304" pitchFamily="18" charset="0"/>
+              </a:rPr>
+              <a:t>Two Locations for the Hanfu/Hanbok dataset</a:t>
+            </a:r>
+          </a:p>
+          <a:p>
+            <a:pPr marL="0" marR="0" lvl="0" indent="0" algn="l" defTabSz="914400" rtl="0" eaLnBrk="1" fontAlgn="auto" latinLnBrk="0" hangingPunct="1">
+              <a:lnSpc>
+                <a:spcPct val="100000"/>
+              </a:lnSpc>
+              <a:spcBef>
+                <a:spcPts val="0"/>
+              </a:spcBef>
+              <a:spcAft>
+                <a:spcPts val="0"/>
+              </a:spcAft>
+              <a:buClrTx/>
+              <a:buSzTx/>
+              <a:buFontTx/>
+              <a:buNone/>
+              <a:tabLst/>
+              <a:defRPr/>
+            </a:pPr>
+            <a:r>
+              <a:rPr lang="en-US" b="0" i="0" dirty="0">
+                <a:effectLst/>
+                <a:latin typeface="Lato" panose="020F0502020204030203" pitchFamily="34" charset="0"/>
+              </a:rPr>
+              <a:t>	https://drive.google.com/file/d/1q3RIgIoeePNW-fEgNyCgh45gBvMAdeOU/view</a:t>
+            </a:r>
+          </a:p>
+          <a:p>
+            <a:pPr marL="0" marR="0" lvl="0" indent="0" algn="l" defTabSz="914400" rtl="0" eaLnBrk="1" fontAlgn="auto" latinLnBrk="0" hangingPunct="1">
+              <a:lnSpc>
+                <a:spcPct val="100000"/>
+              </a:lnSpc>
+              <a:spcBef>
+                <a:spcPts val="0"/>
+              </a:spcBef>
+              <a:spcAft>
+                <a:spcPts val="0"/>
+              </a:spcAft>
+              <a:buClrTx/>
+              <a:buSzTx/>
+              <a:buFontTx/>
+              <a:buNone/>
+              <a:tabLst/>
+              <a:defRPr/>
+            </a:pPr>
+            <a:r>
+              <a:rPr lang="en-US" b="0" i="0" dirty="0">
+                <a:effectLst/>
+                <a:latin typeface="Lato" panose="020F0502020204030203" pitchFamily="34" charset="0"/>
+              </a:rPr>
+              <a:t>	https://drive.google.com/file/d/1WbZPzunh6u9f0leymbzmVrJjSxq6JW5w/view?usp=sharing</a:t>
+            </a:r>
+          </a:p>
+          <a:p>
+            <a:pPr marL="0" marR="0" lvl="0" indent="0" algn="l" defTabSz="914400" rtl="0" eaLnBrk="1" fontAlgn="auto" latinLnBrk="0" hangingPunct="1">
+              <a:lnSpc>
+                <a:spcPct val="100000"/>
+              </a:lnSpc>
+              <a:spcBef>
+                <a:spcPts val="0"/>
+              </a:spcBef>
+              <a:spcAft>
+                <a:spcPts val="0"/>
+              </a:spcAft>
+              <a:buClrTx/>
+              <a:buSzTx/>
+              <a:buFontTx/>
+              <a:buNone/>
+              <a:tabLst/>
+              <a:defRPr/>
+            </a:pPr>
+            <a:endParaRPr lang="en-US" sz="1200" dirty="0">
+              <a:solidFill>
+                <a:schemeClr val="tx1">
+                  <a:lumMod val="65000"/>
+                  <a:lumOff val="35000"/>
+                </a:schemeClr>
+              </a:solidFill>
+              <a:latin typeface="+mj-lt"/>
+              <a:ea typeface="Verdana" panose="020B0604030504040204" pitchFamily="34" charset="0"/>
+            </a:endParaRPr>
+          </a:p>
+          <a:p>
+            <a:pPr marL="0" marR="0" lvl="0" indent="0" algn="l" defTabSz="914400" rtl="0" eaLnBrk="1" fontAlgn="auto" latinLnBrk="0" hangingPunct="1">
+              <a:lnSpc>
+                <a:spcPct val="100000"/>
+              </a:lnSpc>
+              <a:spcBef>
+                <a:spcPts val="0"/>
+              </a:spcBef>
+              <a:spcAft>
+                <a:spcPts val="0"/>
+              </a:spcAft>
+              <a:buClrTx/>
+              <a:buSzTx/>
+              <a:buFontTx/>
+              <a:buNone/>
+              <a:tabLst/>
+              <a:defRPr/>
+            </a:pPr>
+            <a:endParaRPr lang="en-US" sz="1200" dirty="0">
+              <a:solidFill>
+                <a:schemeClr val="tx1">
+                  <a:lumMod val="65000"/>
+                  <a:lumOff val="35000"/>
+                </a:schemeClr>
+              </a:solidFill>
+              <a:latin typeface="Palatino Linotype" panose="02040502050505030304" pitchFamily="18" charset="0"/>
+            </a:endParaRPr>
+          </a:p>
+          <a:p>
+            <a:pPr marL="0" marR="0" lvl="0" indent="0" algn="l" defTabSz="914400" rtl="0" eaLnBrk="1" fontAlgn="auto" latinLnBrk="0" hangingPunct="1">
+              <a:lnSpc>
+                <a:spcPct val="100000"/>
+              </a:lnSpc>
+              <a:spcBef>
+                <a:spcPts val="0"/>
+              </a:spcBef>
+              <a:spcAft>
+                <a:spcPts val="0"/>
+              </a:spcAft>
+              <a:buClrTx/>
+              <a:buSzTx/>
+              <a:buFontTx/>
+              <a:buNone/>
+              <a:tabLst/>
+              <a:defRPr/>
+            </a:pPr>
+            <a:endParaRPr lang="en-US" sz="1200" dirty="0">
+              <a:solidFill>
+                <a:schemeClr val="tx1">
+                  <a:lumMod val="65000"/>
+                  <a:lumOff val="35000"/>
+                </a:schemeClr>
+              </a:solidFill>
+              <a:latin typeface="Palatino Linotype" panose="02040502050505030304" pitchFamily="18" charset="0"/>
+            </a:endParaRPr>
           </a:p>
         </p:txBody>
       </p:sp>
@@ -3114,6 +3259,98 @@
             <a:fld id="{3148858F-F1DB-4027-9C85-CCA6849540DD}" type="slidenum">
               <a:rPr lang="en-US" smtClean="0"/>
               <a:t>20</a:t>
+            </a:fld>
+            <a:endParaRPr lang="en-US"/>
+          </a:p>
+        </p:txBody>
+      </p:sp>
+    </p:spTree>
+    <p:extLst>
+      <p:ext uri="{BB962C8B-B14F-4D97-AF65-F5344CB8AC3E}">
+        <p14:creationId xmlns:p14="http://schemas.microsoft.com/office/powerpoint/2010/main" val="1404376956"/>
+      </p:ext>
+    </p:extLst>
+  </p:cSld>
+  <p:clrMapOvr>
+    <a:masterClrMapping/>
+  </p:clrMapOvr>
+</p:notes>
+</file>
+
+<file path=ppt/notesSlides/notesSlide21.xml><?xml version="1.0" encoding="utf-8"?>
+<p:notes xmlns:a="http://schemas.openxmlformats.org/drawingml/2006/main" xmlns:r="http://schemas.openxmlformats.org/officeDocument/2006/relationships" xmlns:p="http://schemas.openxmlformats.org/presentationml/2006/main">
+  <p:cSld>
+    <p:spTree>
+      <p:nvGrpSpPr>
+        <p:cNvPr id="1" name=""/>
+        <p:cNvGrpSpPr/>
+        <p:nvPr/>
+      </p:nvGrpSpPr>
+      <p:grpSpPr>
+        <a:xfrm>
+          <a:off x="0" y="0"/>
+          <a:ext cx="0" cy="0"/>
+          <a:chOff x="0" y="0"/>
+          <a:chExt cx="0" cy="0"/>
+        </a:xfrm>
+      </p:grpSpPr>
+      <p:sp>
+        <p:nvSpPr>
+          <p:cNvPr id="2" name="Slide Image Placeholder 1"/>
+          <p:cNvSpPr>
+            <a:spLocks noGrp="1" noRot="1" noChangeAspect="1"/>
+          </p:cNvSpPr>
+          <p:nvPr>
+            <p:ph type="sldImg"/>
+          </p:nvPr>
+        </p:nvSpPr>
+        <p:spPr/>
+      </p:sp>
+      <p:sp>
+        <p:nvSpPr>
+          <p:cNvPr id="3" name="Notes Placeholder 2"/>
+          <p:cNvSpPr>
+            <a:spLocks noGrp="1"/>
+          </p:cNvSpPr>
+          <p:nvPr>
+            <p:ph type="body" idx="1"/>
+          </p:nvPr>
+        </p:nvSpPr>
+        <p:spPr/>
+        <p:txBody>
+          <a:bodyPr/>
+          <a:lstStyle/>
+          <a:p>
+            <a:r>
+              <a:rPr lang="en-US" dirty="0"/>
+              <a:t>https://playground.tensorflow</a:t>
+            </a:r>
+            <a:r>
+              <a:rPr lang="en-US"/>
+              <a:t>.org/#activation=tanh&amp;batchSize=10&amp;dataset=circle&amp;regDataset=reg-plane&amp;learningRate=0.03&amp;regularizationRate=0&amp;noise=0&amp;networkShape=4,2&amp;seed=0.25293&amp;showTestData=false&amp;discretize=false&amp;percTrainData=50&amp;x=true&amp;y=true&amp;xTimesY=false&amp;xSquared=false&amp;ySquared=false&amp;cosX=false&amp;sinX=false&amp;cosY=false&amp;sinY=false&amp;collectStats=false&amp;problem=classification&amp;initZero=false&amp;hideText=false</a:t>
+            </a:r>
+            <a:endParaRPr lang="en-US" dirty="0"/>
+          </a:p>
+        </p:txBody>
+      </p:sp>
+      <p:sp>
+        <p:nvSpPr>
+          <p:cNvPr id="4" name="Slide Number Placeholder 3"/>
+          <p:cNvSpPr>
+            <a:spLocks noGrp="1"/>
+          </p:cNvSpPr>
+          <p:nvPr>
+            <p:ph type="sldNum" sz="quarter" idx="5"/>
+          </p:nvPr>
+        </p:nvSpPr>
+        <p:spPr/>
+        <p:txBody>
+          <a:bodyPr/>
+          <a:lstStyle/>
+          <a:p>
+            <a:fld id="{3148858F-F1DB-4027-9C85-CCA6849540DD}" type="slidenum">
+              <a:rPr lang="en-US" smtClean="0"/>
+              <a:t>21</a:t>
             </a:fld>
             <a:endParaRPr lang="en-US"/>
           </a:p>
@@ -3609,7 +3846,7 @@
                 </a:solidFill>
                 <a:latin typeface="+mn-lt"/>
               </a:rPr>
-              <a:t>Let’s take talk briefly about Hubel and Wiesel’s research findings.  One of their key discoveries was that many neurons in the visual cortex have a small </a:t>
+              <a:t>Let’s talk briefly about Hubel and Wiesel’s research findings.  One of their key discoveries was that many neurons in the visual cortex have a small </a:t>
             </a:r>
             <a:r>
               <a:rPr lang="en-US" sz="1200" b="1" dirty="0">
@@ -3636,7 +3873,7 @@
                 </a:solidFill>
                 <a:latin typeface="+mn-lt"/>
               </a:rPr>
-              <a:t>he receptive fields of different neurons may overlap.  And taken together, they tile the entire visual field.</a:t>
+              <a:t>he receptive fields of different neurons may overlap.  But taken together, they tile the entire visual field.  Hubel and Wiesel also learned that some neurons have larger receptive fields, reacting to more complex patterns or combinations of lower-level patterns. </a:t>
             </a:r>
           </a:p>
           <a:p>
@@ -3657,20 +3894,17 @@
                 </a:solidFill>
                 <a:latin typeface="+mn-lt"/>
               </a:rPr>
-              <a:t>A second important discovery was that some neurons only react to images of horizontal lines, while others react to lines with different orientations.  Interestingly, two neurons may share the same receptive field, but each reacts to different line orientations.  Hubel and Wiesel also learned that some neurons have larger receptive fields, reacting to more complex patterns or combinations of lower-level patterns. </a:t>
-            </a:r>
-          </a:p>
-          <a:p>
-            <a:pPr algn="l"/>
-            <a:endParaRPr lang="en-US" sz="1200" dirty="0">
-              <a:solidFill>
-                <a:srgbClr val="000000"/>
-              </a:solidFill>
-              <a:latin typeface="+mn-lt"/>
-            </a:endParaRPr>
-          </a:p>
-          <a:p>
-            <a:pPr algn="l"/>
+              <a:t>All this led to the idea that higher level neurons receive input from lower-level neurons.  As shown here, the neurons in the second layer are only connected to a few neurons in the first layer.  This is called a </a:t>
+            </a:r>
+            <a:r>
+              <a:rPr lang="en-US" sz="1200" b="1" i="0" dirty="0">
+                <a:solidFill>
+                  <a:srgbClr val="000000"/>
+                </a:solidFill>
+                <a:latin typeface="+mn-lt"/>
+              </a:rPr>
+              <a:t>sparse network.  </a:t>
+            </a:r>
             <a:r>
               <a:rPr lang="en-US" sz="1200" dirty="0">
                 <a:solidFill>
@@ -3678,65 +3912,8 @@
                 </a:solidFill>
                 <a:latin typeface="+mn-lt"/>
               </a:rPr>
-              <a:t>All this led to the idea that higher level neurons receive input from lower-level neurons.  For example, the neurons in the second layer shown here are only connected to a few neurons in the first layer.  Even so, those connections allow second layer neurons to detect more complex shapes, including triangles, x’s, and so on.  The beauty of this architecture lies in its ability to detect all sorts of complex patterns in any area of the visual field. </a:t>
-            </a:r>
-          </a:p>
-          <a:p>
-            <a:pPr algn="l"/>
-            <a:endParaRPr lang="en-US" sz="1200" dirty="0">
-              <a:solidFill>
-                <a:srgbClr val="000000"/>
-              </a:solidFill>
-              <a:latin typeface="+mn-lt"/>
-            </a:endParaRPr>
-          </a:p>
-          <a:p>
-            <a:pPr algn="l"/>
-            <a:r>
-              <a:rPr lang="en-US" sz="1200" dirty="0">
-                <a:solidFill>
-                  <a:srgbClr val="000000"/>
-                </a:solidFill>
-                <a:latin typeface="+mn-lt"/>
-              </a:rPr>
-              <a:t>This visual cortex research inspired the </a:t>
-            </a:r>
-            <a:r>
-              <a:rPr lang="en-US" sz="1200" b="1" dirty="0">
-                <a:solidFill>
-                  <a:srgbClr val="9A0000"/>
-                </a:solidFill>
-                <a:latin typeface="+mn-lt"/>
-              </a:rPr>
-              <a:t>neocognitron</a:t>
-            </a:r>
-            <a:r>
-              <a:rPr lang="en-US" sz="1200" b="1" dirty="0">
-                <a:solidFill>
-                  <a:srgbClr val="000000"/>
-                </a:solidFill>
-                <a:latin typeface="+mn-lt"/>
-              </a:rPr>
-              <a:t>, </a:t>
-            </a:r>
-            <a:r>
-              <a:rPr lang="en-US" sz="1200" dirty="0">
-                <a:solidFill>
-                  <a:srgbClr val="000000"/>
-                </a:solidFill>
-                <a:latin typeface="+mn-lt"/>
-              </a:rPr>
-              <a:t>introduced in 1980.  And convolutional neural networks are the direct descendants of this invention.  </a:t>
-            </a:r>
-          </a:p>
-          <a:p>
-            <a:pPr algn="l"/>
-            <a:endParaRPr lang="en-US" sz="1200" dirty="0">
-              <a:solidFill>
-                <a:srgbClr val="000000"/>
-              </a:solidFill>
-              <a:latin typeface="+mn-lt"/>
-            </a:endParaRPr>
+              <a:t>Even so, those connections allow second layer neurons to detect more complex shapes, including triangles, x’s, and so on.  The beauty of this architecture lies in its ability to detect all sorts of complex patterns in any part of the visual field. </a:t>
+            </a:r>
           </a:p>
           <a:p>
             <a:pPr marL="0" marR="0" lvl="0" indent="0" algn="l" defTabSz="914400" rtl="0" eaLnBrk="1" fontAlgn="auto" latinLnBrk="0" hangingPunct="1">
@@ -3756,15 +3933,37 @@
               <a:tabLst/>
               <a:defRPr/>
             </a:pPr>
-            <a:r>
-              <a:rPr lang="en-US" sz="1200" dirty="0">
-                <a:solidFill>
-                  <a:srgbClr val="000000"/>
-                </a:solidFill>
-                <a:latin typeface="+mn-lt"/>
-              </a:rPr>
-              <a:t>Additional information about Hubel and Wiesel’s research is provided in the BiologicalVision.pdf, located in our Practicum Teams workspace.  Path: Files -&gt; Textbooks</a:t>
-            </a:r>
+            <a:endParaRPr lang="en-US" sz="1200" dirty="0">
+              <a:solidFill>
+                <a:srgbClr val="000000"/>
+              </a:solidFill>
+              <a:latin typeface="+mn-lt"/>
+            </a:endParaRPr>
+          </a:p>
+          <a:p>
+            <a:pPr marL="0" marR="0" lvl="0" indent="0" algn="l" defTabSz="914400" rtl="0" eaLnBrk="1" fontAlgn="auto" latinLnBrk="0" hangingPunct="1">
+              <a:lnSpc>
+                <a:spcPct val="100000"/>
+              </a:lnSpc>
+              <a:spcBef>
+                <a:spcPts val="0"/>
+              </a:spcBef>
+              <a:spcAft>
+                <a:spcPts val="0"/>
+              </a:spcAft>
+              <a:buClrTx/>
+              <a:buSzTx/>
+              <a:buFontTx/>
+              <a:buNone/>
+              <a:tabLst/>
+              <a:defRPr/>
+            </a:pPr>
+            <a:endParaRPr lang="en-US" sz="1200" dirty="0">
+              <a:solidFill>
+                <a:srgbClr val="000000"/>
+              </a:solidFill>
+              <a:latin typeface="+mn-lt"/>
+            </a:endParaRPr>
           </a:p>
         </p:txBody>
       </p:sp>
@@ -3848,6 +4047,68 @@
           <a:bodyPr/>
           <a:lstStyle/>
           <a:p>
+            <a:pPr algn="l"/>
+            <a:r>
+              <a:rPr lang="en-US" sz="1200" dirty="0">
+                <a:solidFill>
+                  <a:srgbClr val="000000"/>
+                </a:solidFill>
+                <a:latin typeface="+mn-lt"/>
+              </a:rPr>
+              <a:t>Hubel and Wiesel also discovered that some neurons only react to images of horizontal lines, while others react to lines with different orientations.  Interestingly, two neurons may share the same receptive field, but each reacts to different line orientations.  Neurons, in other words, specialize at detecting specific patterns.  </a:t>
+            </a:r>
+          </a:p>
+          <a:p>
+            <a:pPr algn="l"/>
+            <a:endParaRPr lang="en-US" sz="1200" dirty="0">
+              <a:solidFill>
+                <a:srgbClr val="000000"/>
+              </a:solidFill>
+              <a:latin typeface="+mn-lt"/>
+            </a:endParaRPr>
+          </a:p>
+          <a:p>
+            <a:pPr algn="l"/>
+            <a:r>
+              <a:rPr lang="en-US" sz="1800" dirty="0">
+                <a:solidFill>
+                  <a:srgbClr val="000000"/>
+                </a:solidFill>
+                <a:effectLst/>
+                <a:latin typeface="Noto Serif" panose="02020600060500020200" pitchFamily="18" charset="0"/>
+                <a:ea typeface="Times New Roman" panose="02020603050405020304" pitchFamily="18" charset="0"/>
+              </a:rPr>
+              <a:t>Here we see a simple cell in the primary visual cortex of a cat firing at different rates, depending on the orientation of the line shown to it.</a:t>
+            </a:r>
+            <a:endParaRPr lang="en-US" sz="1200" dirty="0">
+              <a:solidFill>
+                <a:srgbClr val="000000"/>
+              </a:solidFill>
+              <a:latin typeface="+mn-lt"/>
+            </a:endParaRPr>
+          </a:p>
+          <a:p>
+            <a:pPr algn="l"/>
+            <a:endParaRPr lang="en-US" sz="1200" dirty="0">
+              <a:solidFill>
+                <a:srgbClr val="000000"/>
+              </a:solidFill>
+              <a:latin typeface="+mn-lt"/>
+            </a:endParaRPr>
+          </a:p>
+          <a:p>
+            <a:pPr algn="l"/>
+            <a:r>
+              <a:rPr lang="en-US" sz="1200" dirty="0">
+                <a:solidFill>
+                  <a:srgbClr val="000000"/>
+                </a:solidFill>
+                <a:latin typeface="+mn-lt"/>
+              </a:rPr>
+              <a:t>=====</a:t>
+            </a:r>
+          </a:p>
+          <a:p>
             <a:pPr marL="0" marR="0" lvl="0" indent="0" algn="l" defTabSz="914400" rtl="0" eaLnBrk="1" fontAlgn="auto" latinLnBrk="0" hangingPunct="1">
               <a:lnSpc>
                 <a:spcPct val="100000"/>
@@ -3866,500 +4127,16 @@
               <a:defRPr/>
             </a:pPr>
             <a:r>
-              <a:rPr lang="en-US" b="0" i="0" dirty="0">
-                <a:solidFill>
-                  <a:srgbClr val="3C3C3B"/>
-                </a:solidFill>
-                <a:effectLst/>
+              <a:rPr lang="en-US" sz="1200" dirty="0">
+                <a:solidFill>
+                  <a:srgbClr val="000000"/>
+                </a:solidFill>
                 <a:latin typeface="+mn-lt"/>
               </a:rPr>
-              <a:t>So how do we mimic the eye’s ability to detect patterns in its visual field?</a:t>
-            </a:r>
-          </a:p>
-          <a:p>
-            <a:pPr marL="0" indent="0" algn="l">
-              <a:buNone/>
-            </a:pPr>
-            <a:endParaRPr lang="en-US" b="0" i="0" dirty="0">
-              <a:solidFill>
-                <a:srgbClr val="3C3C3B"/>
-              </a:solidFill>
-              <a:effectLst/>
-              <a:latin typeface="+mn-lt"/>
-            </a:endParaRPr>
-          </a:p>
-          <a:p>
-            <a:pPr marL="228600" indent="-228600" algn="l">
-              <a:buAutoNum type="arabicPeriod"/>
-            </a:pPr>
-            <a:r>
-              <a:rPr lang="en-US" b="0" i="0" dirty="0">
-                <a:solidFill>
-                  <a:srgbClr val="3C3C3B"/>
-                </a:solidFill>
-                <a:effectLst/>
-                <a:latin typeface="+mn-lt"/>
-              </a:rPr>
-              <a:t>Images are unstructured data + features</a:t>
-            </a:r>
-          </a:p>
-          <a:p>
-            <a:pPr marL="228600" indent="-228600" algn="l">
-              <a:buAutoNum type="arabicPeriod"/>
-            </a:pPr>
-            <a:r>
-              <a:rPr lang="en-US" b="0" i="0" dirty="0">
-                <a:solidFill>
-                  <a:srgbClr val="3C3C3B"/>
-                </a:solidFill>
-                <a:effectLst/>
-                <a:latin typeface="+mn-lt"/>
-              </a:rPr>
-              <a:t>Features include (lines, circles, rectangles, and so on), colors (red, blue, orange, yellow, and so on), and specific characteristics related to different types of objects (hair, wheel, leaves, and so on)</a:t>
-            </a:r>
-          </a:p>
-          <a:p>
-            <a:pPr marL="228600" indent="-228600" algn="l">
-              <a:buAutoNum type="arabicPeriod"/>
-            </a:pPr>
-            <a:r>
-              <a:rPr lang="en-US" b="0" i="0" dirty="0">
-                <a:solidFill>
-                  <a:srgbClr val="3C3C3B"/>
-                </a:solidFill>
-                <a:effectLst/>
-                <a:latin typeface="+mn-lt"/>
-              </a:rPr>
-              <a:t>Our eyes automatically detect features – we mimic this ability with </a:t>
-            </a:r>
-            <a:r>
-              <a:rPr lang="en-US" b="1" i="0" dirty="0">
-                <a:solidFill>
-                  <a:srgbClr val="3C3C3B"/>
-                </a:solidFill>
-                <a:effectLst/>
-                <a:latin typeface="+mn-lt"/>
-              </a:rPr>
-              <a:t>images filters</a:t>
-            </a:r>
-            <a:r>
-              <a:rPr lang="en-US" b="0" i="0" dirty="0">
-                <a:solidFill>
-                  <a:srgbClr val="3C3C3B"/>
-                </a:solidFill>
-                <a:effectLst/>
-                <a:latin typeface="+mn-lt"/>
-              </a:rPr>
-              <a:t>, also called </a:t>
-            </a:r>
-            <a:r>
-              <a:rPr lang="en-US" b="1" i="0" dirty="0">
-                <a:solidFill>
-                  <a:srgbClr val="3C3C3B"/>
-                </a:solidFill>
-                <a:effectLst/>
-                <a:latin typeface="+mn-lt"/>
-              </a:rPr>
-              <a:t>kernels</a:t>
-            </a:r>
-            <a:r>
-              <a:rPr lang="en-US" b="0" i="0" dirty="0">
-                <a:solidFill>
-                  <a:srgbClr val="3C3C3B"/>
-                </a:solidFill>
-                <a:effectLst/>
-                <a:latin typeface="+mn-lt"/>
-              </a:rPr>
-              <a:t>.</a:t>
-            </a:r>
-          </a:p>
-          <a:p>
-            <a:pPr marL="228600" indent="-228600" algn="l">
-              <a:buAutoNum type="arabicPeriod"/>
-            </a:pPr>
-            <a:r>
-              <a:rPr lang="en-US" b="0" i="0" dirty="0">
-                <a:solidFill>
-                  <a:srgbClr val="3C3C3B"/>
-                </a:solidFill>
-                <a:effectLst/>
-                <a:latin typeface="+mn-lt"/>
-              </a:rPr>
-              <a:t>Image filters (kernels) are small matrices (tensors) specialized in detecting a defined pattern.</a:t>
-            </a:r>
-          </a:p>
-          <a:p>
-            <a:pPr marL="685800" lvl="1" indent="-228600" algn="l">
-              <a:buAutoNum type="arabicPeriod"/>
-            </a:pPr>
-            <a:r>
-              <a:rPr lang="en-US" b="0" i="0" dirty="0">
-                <a:solidFill>
-                  <a:srgbClr val="3C3C3B"/>
-                </a:solidFill>
-                <a:effectLst/>
-                <a:latin typeface="+mn-lt"/>
-              </a:rPr>
-              <a:t>Vertical lines</a:t>
-            </a:r>
-          </a:p>
-          <a:p>
-            <a:pPr marL="685800" lvl="1" indent="-228600" algn="l">
-              <a:buAutoNum type="arabicPeriod"/>
-            </a:pPr>
-            <a:r>
-              <a:rPr lang="en-US" b="0" i="0" dirty="0">
-                <a:solidFill>
-                  <a:srgbClr val="3C3C3B"/>
-                </a:solidFill>
-                <a:effectLst/>
-                <a:latin typeface="+mn-lt"/>
-              </a:rPr>
-              <a:t>Horizontal lines</a:t>
-            </a:r>
-          </a:p>
-          <a:p>
-            <a:pPr marL="228600" lvl="0" indent="-228600" algn="l">
-              <a:buAutoNum type="arabicPeriod"/>
-            </a:pPr>
-            <a:r>
-              <a:rPr lang="en-US" b="0" i="0" dirty="0">
-                <a:solidFill>
-                  <a:srgbClr val="3C3C3B"/>
-                </a:solidFill>
-                <a:effectLst/>
-                <a:latin typeface="+mn-lt"/>
-              </a:rPr>
-              <a:t>Computer vision systems run such filters on every part of the image, generating a new image with the detected patterns highlighted. These kinds of generated images are called </a:t>
-            </a:r>
-            <a:r>
-              <a:rPr lang="en-US" b="1" i="0" dirty="0">
-                <a:solidFill>
-                  <a:srgbClr val="3C3C3B"/>
-                </a:solidFill>
-                <a:effectLst/>
-                <a:latin typeface="+mn-lt"/>
-              </a:rPr>
-              <a:t>feature maps</a:t>
-            </a:r>
-            <a:r>
-              <a:rPr lang="en-US" b="0" i="0" dirty="0">
-                <a:solidFill>
-                  <a:srgbClr val="3C3C3B"/>
-                </a:solidFill>
-                <a:effectLst/>
-                <a:latin typeface="+mn-lt"/>
-              </a:rPr>
-              <a:t>.</a:t>
-            </a:r>
-          </a:p>
-          <a:p>
-            <a:pPr marL="228600" lvl="0" indent="-228600" algn="l">
-              <a:buAutoNum type="arabicPeriod"/>
-            </a:pPr>
-            <a:r>
-              <a:rPr lang="en-US" b="0" i="0" dirty="0">
-                <a:solidFill>
-                  <a:srgbClr val="3C3C3B"/>
-                </a:solidFill>
-                <a:effectLst/>
-                <a:latin typeface="+mn-lt"/>
-              </a:rPr>
-              <a:t>Adobe Photoshop – Gaussian and Sharpen filters</a:t>
-            </a:r>
-          </a:p>
-          <a:p>
-            <a:pPr marL="0" marR="0" lvl="0" indent="0" algn="l" defTabSz="914400" rtl="0" eaLnBrk="1" fontAlgn="auto" latinLnBrk="0" hangingPunct="1">
-              <a:lnSpc>
-                <a:spcPct val="100000"/>
-              </a:lnSpc>
-              <a:spcBef>
-                <a:spcPts val="0"/>
-              </a:spcBef>
-              <a:spcAft>
-                <a:spcPts val="0"/>
-              </a:spcAft>
-              <a:buClrTx/>
-              <a:buSzTx/>
-              <a:buFontTx/>
-              <a:buNone/>
-              <a:tabLst/>
-              <a:defRPr/>
-            </a:pPr>
-            <a:endParaRPr lang="en-US" dirty="0">
-              <a:latin typeface="+mn-lt"/>
-            </a:endParaRPr>
-          </a:p>
-          <a:p>
-            <a:pPr marL="0" marR="0" lvl="0" indent="0" algn="l" defTabSz="914400" rtl="0" eaLnBrk="1" fontAlgn="auto" latinLnBrk="0" hangingPunct="1">
-              <a:lnSpc>
-                <a:spcPct val="100000"/>
-              </a:lnSpc>
-              <a:spcBef>
-                <a:spcPts val="0"/>
-              </a:spcBef>
-              <a:spcAft>
-                <a:spcPts val="0"/>
-              </a:spcAft>
-              <a:buClrTx/>
-              <a:buSzTx/>
-              <a:buFontTx/>
-              <a:buNone/>
-              <a:tabLst/>
-              <a:defRPr/>
-            </a:pPr>
-            <a:r>
-              <a:rPr lang="en-US" dirty="0">
-                <a:latin typeface="+mn-lt"/>
-              </a:rPr>
-              <a:t>=====</a:t>
-            </a:r>
-          </a:p>
-          <a:p>
-            <a:pPr algn="l"/>
-            <a:r>
-              <a:rPr lang="en-US" b="0" i="0" dirty="0">
-                <a:solidFill>
-                  <a:srgbClr val="3C3C3B"/>
-                </a:solidFill>
-                <a:effectLst/>
-                <a:latin typeface="+mn-lt"/>
-              </a:rPr>
-              <a:t>Now once an image has been transformed into a tensor and fed into a CNN, how can we mimic the eye’s ability to detect patterns in its visual field?</a:t>
-            </a:r>
-          </a:p>
-          <a:p>
-            <a:pPr algn="l"/>
-            <a:endParaRPr lang="en-US" b="0" i="0" dirty="0">
-              <a:solidFill>
-                <a:srgbClr val="3C3C3B"/>
-              </a:solidFill>
-              <a:effectLst/>
-              <a:latin typeface="+mn-lt"/>
-            </a:endParaRPr>
-          </a:p>
-          <a:p>
-            <a:pPr algn="l"/>
-            <a:r>
-              <a:rPr lang="en-US" b="0" i="0" dirty="0">
-                <a:solidFill>
-                  <a:srgbClr val="3C3C3B"/>
-                </a:solidFill>
-                <a:effectLst/>
-                <a:latin typeface="+mn-lt"/>
-              </a:rPr>
-              <a:t>Unlike structured data, images don't follow any specific pattern. It is impossible to say, for instance, that the third line will always contain the eye of an animal or that the bottom left corner will always represent a red, round-shaped object. Images can be of anything and don't follow any structure. That’s why images are classified as </a:t>
-            </a:r>
-            <a:r>
-              <a:rPr lang="en-US" b="1" i="0" dirty="0">
-                <a:solidFill>
-                  <a:srgbClr val="3C3C3B"/>
-                </a:solidFill>
-                <a:effectLst/>
-                <a:latin typeface="+mn-lt"/>
-              </a:rPr>
-              <a:t>unstructured data</a:t>
-            </a:r>
-            <a:r>
-              <a:rPr lang="en-US" b="0" i="0" dirty="0">
-                <a:solidFill>
-                  <a:srgbClr val="3C3C3B"/>
-                </a:solidFill>
-                <a:effectLst/>
-                <a:latin typeface="+mn-lt"/>
-              </a:rPr>
-              <a:t>.</a:t>
-            </a:r>
-          </a:p>
-          <a:p>
-            <a:pPr algn="l"/>
-            <a:endParaRPr lang="en-US" b="0" i="0" dirty="0">
-              <a:solidFill>
-                <a:srgbClr val="3C3C3B"/>
-              </a:solidFill>
-              <a:effectLst/>
-              <a:latin typeface="+mn-lt"/>
-            </a:endParaRPr>
-          </a:p>
-          <a:p>
-            <a:pPr algn="l"/>
-            <a:r>
-              <a:rPr lang="en-US" b="0" i="0" dirty="0">
-                <a:solidFill>
-                  <a:srgbClr val="3C3C3B"/>
-                </a:solidFill>
-                <a:effectLst/>
-                <a:latin typeface="+mn-lt"/>
-              </a:rPr>
-              <a:t>However, images do contain features. They contain different shapes (lines, circles, rectangles, and so on), colors (red, blue, orange, yellow, and so on), and specific characteristics related to different types of objects (hair, wheel, leaves, and so on). Our eyes and brain can easily analyze and interpret all these features and identify objects in images. Therefore, we need to simulate the same analytical process for computers. </a:t>
-            </a:r>
-            <a:r>
-              <a:rPr lang="en-US" b="0" i="0" dirty="0">
-                <a:solidFill>
-                  <a:srgbClr val="FFFFFF"/>
-                </a:solidFill>
-                <a:effectLst/>
-                <a:latin typeface="+mn-lt"/>
-              </a:rPr>
-              <a:t>This is where </a:t>
-            </a:r>
-            <a:r>
-              <a:rPr lang="en-US" b="1" i="0" dirty="0">
-                <a:solidFill>
-                  <a:srgbClr val="FFFFFF"/>
-                </a:solidFill>
-                <a:effectLst/>
-                <a:latin typeface="+mn-lt"/>
-              </a:rPr>
-              <a:t>image filters</a:t>
-            </a:r>
-            <a:r>
-              <a:rPr lang="en-US" b="0" i="0" dirty="0">
-                <a:solidFill>
-                  <a:srgbClr val="FFFFFF"/>
-                </a:solidFill>
-                <a:effectLst/>
-                <a:latin typeface="+mn-lt"/>
-              </a:rPr>
-              <a:t> (also called </a:t>
-            </a:r>
-            <a:r>
-              <a:rPr lang="en-US" b="1" i="0" dirty="0">
-                <a:solidFill>
-                  <a:srgbClr val="FFFFFF"/>
-                </a:solidFill>
-                <a:effectLst/>
-                <a:latin typeface="+mn-lt"/>
-              </a:rPr>
-              <a:t>kernels</a:t>
-            </a:r>
-            <a:r>
-              <a:rPr lang="en-US" b="0" i="0" dirty="0">
-                <a:solidFill>
-                  <a:srgbClr val="FFFFFF"/>
-                </a:solidFill>
-                <a:effectLst/>
-                <a:latin typeface="+mn-lt"/>
-              </a:rPr>
-              <a:t>) come into play.</a:t>
-            </a:r>
-          </a:p>
-          <a:p>
-            <a:pPr algn="l"/>
-            <a:endParaRPr lang="en-US" b="0" i="0" dirty="0">
-              <a:solidFill>
-                <a:srgbClr val="3C3C3B"/>
-              </a:solidFill>
-              <a:effectLst/>
-              <a:latin typeface="+mn-lt"/>
-            </a:endParaRPr>
-          </a:p>
-          <a:p>
-            <a:pPr algn="l"/>
-            <a:r>
-              <a:rPr lang="en-US" b="0" i="0" dirty="0">
-                <a:solidFill>
-                  <a:srgbClr val="3C3C3B"/>
-                </a:solidFill>
-                <a:effectLst/>
-                <a:latin typeface="+mn-lt"/>
-              </a:rPr>
-              <a:t>Image filters are small matrices (tensors) specialized in detecting a defined pattern. For instance, we can have a filter for detecting vertical lines only and another one only for horizontal lines. Computer vision systems run such filters in every part of the image and generate a new image with the detected patterns highlighted. These kinds of generated images are called </a:t>
-            </a:r>
-            <a:r>
-              <a:rPr lang="en-US" b="1" i="0" dirty="0">
-                <a:solidFill>
-                  <a:srgbClr val="3C3C3B"/>
-                </a:solidFill>
-                <a:effectLst/>
-                <a:latin typeface="+mn-lt"/>
-              </a:rPr>
-              <a:t>feature maps</a:t>
-            </a:r>
-            <a:r>
-              <a:rPr lang="en-US" b="0" i="0" dirty="0">
-                <a:solidFill>
-                  <a:srgbClr val="3C3C3B"/>
-                </a:solidFill>
-                <a:effectLst/>
-                <a:latin typeface="+mn-lt"/>
-              </a:rPr>
-              <a:t>. An example of a feature map where an edge-detection filter is used is shown here.</a:t>
-            </a:r>
-          </a:p>
-          <a:p>
-            <a:pPr algn="l"/>
-            <a:endParaRPr lang="en-US" b="0" i="0" dirty="0">
-              <a:solidFill>
-                <a:srgbClr val="3C3C3B"/>
-              </a:solidFill>
-              <a:effectLst/>
-              <a:latin typeface="+mn-lt"/>
-            </a:endParaRPr>
-          </a:p>
-          <a:p>
-            <a:pPr algn="l"/>
-            <a:r>
-              <a:rPr lang="en-US" b="0" i="0" dirty="0">
-                <a:solidFill>
-                  <a:srgbClr val="3C3C3B"/>
-                </a:solidFill>
-                <a:effectLst/>
-                <a:latin typeface="+mn-lt"/>
-              </a:rPr>
-              <a:t>Such filters are widely used in image processing. If you've used Adobe Photoshop before (or any other image processing tool), you will have most likely used filters such as </a:t>
-            </a:r>
-            <a:r>
-              <a:rPr lang="en-US" b="0" i="1" dirty="0">
-                <a:solidFill>
-                  <a:srgbClr val="3C3C3B"/>
-                </a:solidFill>
-                <a:effectLst/>
-                <a:latin typeface="+mn-lt"/>
-              </a:rPr>
-              <a:t>Gaussian</a:t>
-            </a:r>
-            <a:r>
-              <a:rPr lang="en-US" b="0" i="0" dirty="0">
-                <a:solidFill>
-                  <a:srgbClr val="3C3C3B"/>
-                </a:solidFill>
-                <a:effectLst/>
-                <a:latin typeface="+mn-lt"/>
-              </a:rPr>
-              <a:t> and </a:t>
-            </a:r>
-            <a:r>
-              <a:rPr lang="en-US" b="0" i="1" dirty="0">
-                <a:solidFill>
-                  <a:srgbClr val="3C3C3B"/>
-                </a:solidFill>
-                <a:effectLst/>
-                <a:latin typeface="+mn-lt"/>
-              </a:rPr>
-              <a:t>Sharpen</a:t>
-            </a:r>
-            <a:r>
-              <a:rPr lang="en-US" b="0" i="0" dirty="0">
-                <a:solidFill>
-                  <a:srgbClr val="3C3C3B"/>
-                </a:solidFill>
-                <a:effectLst/>
-                <a:latin typeface="+mn-lt"/>
-              </a:rPr>
-              <a:t>.</a:t>
-            </a:r>
-          </a:p>
-          <a:p>
-            <a:br>
-              <a:rPr lang="en-US" b="0" i="0" dirty="0">
-                <a:solidFill>
-                  <a:srgbClr val="3C3C3B"/>
-                </a:solidFill>
-                <a:effectLst/>
-                <a:latin typeface="Lato"/>
-              </a:rPr>
-            </a:br>
+              <a:t>Additional information about Hubel and Wiesel’s research is provided in the BiologicalVision.pdf, located in our Practicum Teams workspace.  Path: Files -&gt; Textbooks</a:t>
+            </a:r>
+          </a:p>
+          <a:p>
             <a:endParaRPr lang="en-US" dirty="0"/>
           </a:p>
         </p:txBody>
@@ -4390,7 +4167,7 @@
     </p:spTree>
     <p:extLst>
       <p:ext uri="{BB962C8B-B14F-4D97-AF65-F5344CB8AC3E}">
-        <p14:creationId xmlns:p14="http://schemas.microsoft.com/office/powerpoint/2010/main" val="3206675144"/>
+        <p14:creationId xmlns:p14="http://schemas.microsoft.com/office/powerpoint/2010/main" val="3199232824"/>
       </p:ext>
     </p:extLst>
   </p:cSld>
@@ -4444,25 +4221,518 @@
           <a:bodyPr/>
           <a:lstStyle/>
           <a:p>
-            <a:pPr defTabSz="939363">
+            <a:pPr marL="0" marR="0" lvl="0" indent="0" algn="l" defTabSz="914400" rtl="0" eaLnBrk="1" fontAlgn="auto" latinLnBrk="0" hangingPunct="1">
+              <a:lnSpc>
+                <a:spcPct val="100000"/>
+              </a:lnSpc>
+              <a:spcBef>
+                <a:spcPts val="0"/>
+              </a:spcBef>
+              <a:spcAft>
+                <a:spcPts val="0"/>
+              </a:spcAft>
+              <a:buClrTx/>
+              <a:buSzTx/>
+              <a:buFontTx/>
+              <a:buNone/>
+              <a:tabLst/>
               <a:defRPr/>
             </a:pPr>
             <a:r>
-              <a:rPr lang="en-US" dirty="0"/>
-              <a:t>Our first hands-on coding exercise comes from Andrew </a:t>
-            </a:r>
-            <a:r>
-              <a:rPr lang="en-US" dirty="0" err="1"/>
-              <a:t>Glassner’s</a:t>
-            </a:r>
-            <a:r>
-              <a:rPr lang="en-US" dirty="0"/>
-              <a:t> wonderful book </a:t>
-            </a:r>
-            <a:r>
-              <a:rPr lang="en-US" i="1" dirty="0"/>
-              <a:t>Deep Learning: A Visual Approach.</a:t>
-            </a:r>
+              <a:rPr lang="en-US" b="0" i="0" dirty="0">
+                <a:solidFill>
+                  <a:srgbClr val="3C3C3B"/>
+                </a:solidFill>
+                <a:effectLst/>
+                <a:latin typeface="+mn-lt"/>
+              </a:rPr>
+              <a:t>So how do we mimic the eye’s ability to detect patterns in its visual field?</a:t>
+            </a:r>
+          </a:p>
+          <a:p>
+            <a:pPr marL="0" indent="0" algn="l">
+              <a:buNone/>
+            </a:pPr>
+            <a:endParaRPr lang="en-US" b="0" i="0" dirty="0">
+              <a:solidFill>
+                <a:srgbClr val="3C3C3B"/>
+              </a:solidFill>
+              <a:effectLst/>
+              <a:latin typeface="+mn-lt"/>
+            </a:endParaRPr>
+          </a:p>
+          <a:p>
+            <a:pPr marL="228600" indent="-228600" algn="l">
+              <a:buAutoNum type="arabicPeriod"/>
+            </a:pPr>
+            <a:r>
+              <a:rPr lang="en-US" b="0" i="0" dirty="0">
+                <a:solidFill>
+                  <a:srgbClr val="3C3C3B"/>
+                </a:solidFill>
+                <a:effectLst/>
+                <a:latin typeface="+mn-lt"/>
+              </a:rPr>
+              <a:t>Images are unstructured data + features</a:t>
+            </a:r>
+          </a:p>
+          <a:p>
+            <a:pPr marL="228600" indent="-228600" algn="l">
+              <a:buAutoNum type="arabicPeriod"/>
+            </a:pPr>
+            <a:r>
+              <a:rPr lang="en-US" b="0" i="0" dirty="0">
+                <a:solidFill>
+                  <a:srgbClr val="3C3C3B"/>
+                </a:solidFill>
+                <a:effectLst/>
+                <a:latin typeface="+mn-lt"/>
+              </a:rPr>
+              <a:t>Features include (lines, circles, rectangles, and so on), colors (red, blue, orange, yellow, and so on), and specific characteristics related to different types of objects (hair, wheel, leaves, and so on)</a:t>
+            </a:r>
+          </a:p>
+          <a:p>
+            <a:pPr marL="228600" indent="-228600" algn="l">
+              <a:buAutoNum type="arabicPeriod"/>
+            </a:pPr>
+            <a:r>
+              <a:rPr lang="en-US" b="0" i="0" dirty="0">
+                <a:solidFill>
+                  <a:srgbClr val="3C3C3B"/>
+                </a:solidFill>
+                <a:effectLst/>
+                <a:latin typeface="+mn-lt"/>
+              </a:rPr>
+              <a:t>Our eyes automatically detect features – we mimic this ability with </a:t>
+            </a:r>
+            <a:r>
+              <a:rPr lang="en-US" b="1" i="0" dirty="0">
+                <a:solidFill>
+                  <a:srgbClr val="3C3C3B"/>
+                </a:solidFill>
+                <a:effectLst/>
+                <a:latin typeface="+mn-lt"/>
+              </a:rPr>
+              <a:t>images filters</a:t>
+            </a:r>
+            <a:r>
+              <a:rPr lang="en-US" b="0" i="0" dirty="0">
+                <a:solidFill>
+                  <a:srgbClr val="3C3C3B"/>
+                </a:solidFill>
+                <a:effectLst/>
+                <a:latin typeface="+mn-lt"/>
+              </a:rPr>
+              <a:t>, also called </a:t>
+            </a:r>
+            <a:r>
+              <a:rPr lang="en-US" b="1" i="0" dirty="0">
+                <a:solidFill>
+                  <a:srgbClr val="3C3C3B"/>
+                </a:solidFill>
+                <a:effectLst/>
+                <a:latin typeface="+mn-lt"/>
+              </a:rPr>
+              <a:t>kernels</a:t>
+            </a:r>
+            <a:r>
+              <a:rPr lang="en-US" b="0" i="0" dirty="0">
+                <a:solidFill>
+                  <a:srgbClr val="3C3C3B"/>
+                </a:solidFill>
+                <a:effectLst/>
+                <a:latin typeface="+mn-lt"/>
+              </a:rPr>
+              <a:t>.</a:t>
+            </a:r>
+          </a:p>
+          <a:p>
+            <a:pPr marL="228600" indent="-228600" algn="l">
+              <a:buAutoNum type="arabicPeriod"/>
+            </a:pPr>
+            <a:r>
+              <a:rPr lang="en-US" b="0" i="0" dirty="0">
+                <a:solidFill>
+                  <a:srgbClr val="3C3C3B"/>
+                </a:solidFill>
+                <a:effectLst/>
+                <a:latin typeface="+mn-lt"/>
+              </a:rPr>
+              <a:t>Image filters (kernels) are small matrices (tensors) specialized in detecting a defined pattern.</a:t>
+            </a:r>
+          </a:p>
+          <a:p>
+            <a:pPr marL="685800" lvl="1" indent="-228600" algn="l">
+              <a:buAutoNum type="arabicPeriod"/>
+            </a:pPr>
+            <a:r>
+              <a:rPr lang="en-US" b="0" i="0" dirty="0">
+                <a:solidFill>
+                  <a:srgbClr val="3C3C3B"/>
+                </a:solidFill>
+                <a:effectLst/>
+                <a:latin typeface="+mn-lt"/>
+              </a:rPr>
+              <a:t>Vertical lines</a:t>
+            </a:r>
+          </a:p>
+          <a:p>
+            <a:pPr marL="685800" lvl="1" indent="-228600" algn="l">
+              <a:buAutoNum type="arabicPeriod"/>
+            </a:pPr>
+            <a:r>
+              <a:rPr lang="en-US" b="0" i="0" dirty="0">
+                <a:solidFill>
+                  <a:srgbClr val="3C3C3B"/>
+                </a:solidFill>
+                <a:effectLst/>
+                <a:latin typeface="+mn-lt"/>
+              </a:rPr>
+              <a:t>Horizontal lines</a:t>
+            </a:r>
+          </a:p>
+          <a:p>
+            <a:pPr marL="228600" lvl="0" indent="-228600" algn="l">
+              <a:buAutoNum type="arabicPeriod"/>
+            </a:pPr>
+            <a:r>
+              <a:rPr lang="en-US" b="0" i="0" dirty="0">
+                <a:solidFill>
+                  <a:srgbClr val="3C3C3B"/>
+                </a:solidFill>
+                <a:effectLst/>
+                <a:latin typeface="+mn-lt"/>
+              </a:rPr>
+              <a:t>Computer vision systems run such filters on every part of the image, generating a new image with the detected patterns highlighted. These kinds of generated images are called </a:t>
+            </a:r>
+            <a:r>
+              <a:rPr lang="en-US" b="1" i="0" dirty="0">
+                <a:solidFill>
+                  <a:srgbClr val="3C3C3B"/>
+                </a:solidFill>
+                <a:effectLst/>
+                <a:latin typeface="+mn-lt"/>
+              </a:rPr>
+              <a:t>feature maps</a:t>
+            </a:r>
+            <a:r>
+              <a:rPr lang="en-US" b="0" i="0" dirty="0">
+                <a:solidFill>
+                  <a:srgbClr val="3C3C3B"/>
+                </a:solidFill>
+                <a:effectLst/>
+                <a:latin typeface="+mn-lt"/>
+              </a:rPr>
+              <a:t>.</a:t>
+            </a:r>
+          </a:p>
+          <a:p>
+            <a:pPr marL="228600" lvl="0" indent="-228600" algn="l">
+              <a:buAutoNum type="arabicPeriod"/>
+            </a:pPr>
+            <a:r>
+              <a:rPr lang="en-US" b="0" i="0" dirty="0">
+                <a:solidFill>
+                  <a:srgbClr val="3C3C3B"/>
+                </a:solidFill>
+                <a:effectLst/>
+                <a:latin typeface="+mn-lt"/>
+              </a:rPr>
+              <a:t>Adobe Photoshop – Gaussian and Sharpen filters</a:t>
+            </a:r>
+          </a:p>
+          <a:p>
+            <a:pPr marL="0" marR="0" lvl="0" indent="0" algn="l" defTabSz="914400" rtl="0" eaLnBrk="1" fontAlgn="auto" latinLnBrk="0" hangingPunct="1">
+              <a:lnSpc>
+                <a:spcPct val="100000"/>
+              </a:lnSpc>
+              <a:spcBef>
+                <a:spcPts val="0"/>
+              </a:spcBef>
+              <a:spcAft>
+                <a:spcPts val="0"/>
+              </a:spcAft>
+              <a:buClrTx/>
+              <a:buSzTx/>
+              <a:buFontTx/>
+              <a:buNone/>
+              <a:tabLst/>
+              <a:defRPr/>
+            </a:pPr>
+            <a:endParaRPr lang="en-US" dirty="0">
+              <a:latin typeface="+mn-lt"/>
+            </a:endParaRPr>
+          </a:p>
+          <a:p>
+            <a:pPr marL="0" marR="0" lvl="0" indent="0" algn="l" defTabSz="914400" rtl="0" eaLnBrk="1" fontAlgn="auto" latinLnBrk="0" hangingPunct="1">
+              <a:lnSpc>
+                <a:spcPct val="100000"/>
+              </a:lnSpc>
+              <a:spcBef>
+                <a:spcPts val="0"/>
+              </a:spcBef>
+              <a:spcAft>
+                <a:spcPts val="0"/>
+              </a:spcAft>
+              <a:buClrTx/>
+              <a:buSzTx/>
+              <a:buFontTx/>
+              <a:buNone/>
+              <a:tabLst/>
+              <a:defRPr/>
+            </a:pPr>
+            <a:r>
+              <a:rPr lang="en-US" dirty="0">
+                <a:latin typeface="+mn-lt"/>
+              </a:rPr>
+              <a:t>=====</a:t>
+            </a:r>
+          </a:p>
+          <a:p>
+            <a:pPr algn="l"/>
+            <a:r>
+              <a:rPr lang="en-US" b="0" i="0" dirty="0">
+                <a:solidFill>
+                  <a:srgbClr val="3C3C3B"/>
+                </a:solidFill>
+                <a:effectLst/>
+                <a:latin typeface="+mn-lt"/>
+              </a:rPr>
+              <a:t>Now once an image has been transformed into a tensor and fed into a CNN, how can we mimic the eye’s ability to detect patterns in its visual field?</a:t>
+            </a:r>
+          </a:p>
+          <a:p>
+            <a:pPr algn="l"/>
+            <a:endParaRPr lang="en-US" b="0" i="0" dirty="0">
+              <a:solidFill>
+                <a:srgbClr val="3C3C3B"/>
+              </a:solidFill>
+              <a:effectLst/>
+              <a:latin typeface="+mn-lt"/>
+            </a:endParaRPr>
+          </a:p>
+          <a:p>
+            <a:pPr algn="l"/>
+            <a:r>
+              <a:rPr lang="en-US" b="0" i="0" dirty="0">
+                <a:solidFill>
+                  <a:srgbClr val="3C3C3B"/>
+                </a:solidFill>
+                <a:effectLst/>
+                <a:latin typeface="+mn-lt"/>
+              </a:rPr>
+              <a:t>Unlike structured data, images don't follow any specific pattern. It is impossible to say, for instance, that the third line will always contain the eye of an animal or that the bottom left corner will always represent a red, round-shaped object. Images can be of anything and don't follow any structure. That’s why images are classified as </a:t>
+            </a:r>
+            <a:r>
+              <a:rPr lang="en-US" b="1" i="0" dirty="0">
+                <a:solidFill>
+                  <a:srgbClr val="3C3C3B"/>
+                </a:solidFill>
+                <a:effectLst/>
+                <a:latin typeface="+mn-lt"/>
+              </a:rPr>
+              <a:t>unstructured data</a:t>
+            </a:r>
+            <a:r>
+              <a:rPr lang="en-US" b="0" i="0" dirty="0">
+                <a:solidFill>
+                  <a:srgbClr val="3C3C3B"/>
+                </a:solidFill>
+                <a:effectLst/>
+                <a:latin typeface="+mn-lt"/>
+              </a:rPr>
+              <a:t>.</a:t>
+            </a:r>
+          </a:p>
+          <a:p>
+            <a:pPr algn="l"/>
+            <a:endParaRPr lang="en-US" b="0" i="0" dirty="0">
+              <a:solidFill>
+                <a:srgbClr val="3C3C3B"/>
+              </a:solidFill>
+              <a:effectLst/>
+              <a:latin typeface="+mn-lt"/>
+            </a:endParaRPr>
+          </a:p>
+          <a:p>
+            <a:pPr algn="l"/>
+            <a:r>
+              <a:rPr lang="en-US" b="0" i="0" dirty="0">
+                <a:solidFill>
+                  <a:srgbClr val="3C3C3B"/>
+                </a:solidFill>
+                <a:effectLst/>
+                <a:latin typeface="+mn-lt"/>
+              </a:rPr>
+              <a:t>However, images do contain features. They contain different shapes (lines, circles, rectangles, and so on), colors (red, blue, orange, yellow, and so on), and specific characteristics related to different types of objects (hair, wheel, leaves, and so on). Our eyes and brain can easily analyze and interpret all these features and identify objects in images. Therefore, we need to simulate the same analytical process for computers. </a:t>
+            </a:r>
+            <a:r>
+              <a:rPr lang="en-US" b="0" i="0" dirty="0">
+                <a:solidFill>
+                  <a:srgbClr val="FFFFFF"/>
+                </a:solidFill>
+                <a:effectLst/>
+                <a:latin typeface="+mn-lt"/>
+              </a:rPr>
+              <a:t>This is where </a:t>
+            </a:r>
+            <a:r>
+              <a:rPr lang="en-US" b="1" i="0" dirty="0">
+                <a:solidFill>
+                  <a:srgbClr val="FFFFFF"/>
+                </a:solidFill>
+                <a:effectLst/>
+                <a:latin typeface="+mn-lt"/>
+              </a:rPr>
+              <a:t>image filters</a:t>
+            </a:r>
+            <a:r>
+              <a:rPr lang="en-US" b="0" i="0" dirty="0">
+                <a:solidFill>
+                  <a:srgbClr val="FFFFFF"/>
+                </a:solidFill>
+                <a:effectLst/>
+                <a:latin typeface="+mn-lt"/>
+              </a:rPr>
+              <a:t> (also called </a:t>
+            </a:r>
+            <a:r>
+              <a:rPr lang="en-US" b="1" i="0" dirty="0">
+                <a:solidFill>
+                  <a:srgbClr val="FFFFFF"/>
+                </a:solidFill>
+                <a:effectLst/>
+                <a:latin typeface="+mn-lt"/>
+              </a:rPr>
+              <a:t>kernels</a:t>
+            </a:r>
+            <a:r>
+              <a:rPr lang="en-US" b="0" i="0" dirty="0">
+                <a:solidFill>
+                  <a:srgbClr val="FFFFFF"/>
+                </a:solidFill>
+                <a:effectLst/>
+                <a:latin typeface="+mn-lt"/>
+              </a:rPr>
+              <a:t>) come into play.</a:t>
+            </a:r>
+          </a:p>
+          <a:p>
+            <a:pPr algn="l"/>
+            <a:endParaRPr lang="en-US" b="0" i="0" dirty="0">
+              <a:solidFill>
+                <a:srgbClr val="3C3C3B"/>
+              </a:solidFill>
+              <a:effectLst/>
+              <a:latin typeface="+mn-lt"/>
+            </a:endParaRPr>
+          </a:p>
+          <a:p>
+            <a:pPr algn="l"/>
+            <a:r>
+              <a:rPr lang="en-US" b="0" i="0" dirty="0">
+                <a:solidFill>
+                  <a:srgbClr val="3C3C3B"/>
+                </a:solidFill>
+                <a:effectLst/>
+                <a:latin typeface="+mn-lt"/>
+              </a:rPr>
+              <a:t>Image filters are small matrices (tensors) specialized in detecting a defined pattern. For instance, we can have a filter for detecting vertical lines only and another one only for horizontal lines. Computer vision systems run such filters in every part of the image and generate a new image with the detected patterns highlighted. These kinds of generated images are called </a:t>
+            </a:r>
+            <a:r>
+              <a:rPr lang="en-US" b="1" i="0" dirty="0">
+                <a:solidFill>
+                  <a:srgbClr val="3C3C3B"/>
+                </a:solidFill>
+                <a:effectLst/>
+                <a:latin typeface="+mn-lt"/>
+              </a:rPr>
+              <a:t>feature maps</a:t>
+            </a:r>
+            <a:r>
+              <a:rPr lang="en-US" b="0" i="0" dirty="0">
+                <a:solidFill>
+                  <a:srgbClr val="3C3C3B"/>
+                </a:solidFill>
+                <a:effectLst/>
+                <a:latin typeface="+mn-lt"/>
+              </a:rPr>
+              <a:t>. An example of a feature map where an edge-detection filter is used is shown here.</a:t>
+            </a:r>
+          </a:p>
+          <a:p>
+            <a:pPr algn="l"/>
+            <a:endParaRPr lang="en-US" b="0" i="0" dirty="0">
+              <a:solidFill>
+                <a:srgbClr val="3C3C3B"/>
+              </a:solidFill>
+              <a:effectLst/>
+              <a:latin typeface="+mn-lt"/>
+            </a:endParaRPr>
+          </a:p>
+          <a:p>
+            <a:pPr algn="l"/>
+            <a:r>
+              <a:rPr lang="en-US" b="0" i="0" dirty="0">
+                <a:solidFill>
+                  <a:srgbClr val="3C3C3B"/>
+                </a:solidFill>
+                <a:effectLst/>
+                <a:latin typeface="+mn-lt"/>
+              </a:rPr>
+              <a:t>Such filters are widely used in image processing. If you've used Adobe Photoshop before (or any other image processing tool), you will have most likely used filters such as </a:t>
+            </a:r>
+            <a:r>
+              <a:rPr lang="en-US" b="0" i="1" dirty="0">
+                <a:solidFill>
+                  <a:srgbClr val="3C3C3B"/>
+                </a:solidFill>
+                <a:effectLst/>
+                <a:latin typeface="+mn-lt"/>
+              </a:rPr>
+              <a:t>Gaussian</a:t>
+            </a:r>
+            <a:r>
+              <a:rPr lang="en-US" b="0" i="0" dirty="0">
+                <a:solidFill>
+                  <a:srgbClr val="3C3C3B"/>
+                </a:solidFill>
+                <a:effectLst/>
+                <a:latin typeface="+mn-lt"/>
+              </a:rPr>
+              <a:t> and </a:t>
+            </a:r>
+            <a:r>
+              <a:rPr lang="en-US" b="0" i="1" dirty="0">
+                <a:solidFill>
+                  <a:srgbClr val="3C3C3B"/>
+                </a:solidFill>
+                <a:effectLst/>
+                <a:latin typeface="+mn-lt"/>
+              </a:rPr>
+              <a:t>Sharpen</a:t>
+            </a:r>
+            <a:r>
+              <a:rPr lang="en-US" b="0" i="0" dirty="0">
+                <a:solidFill>
+                  <a:srgbClr val="3C3C3B"/>
+                </a:solidFill>
+                <a:effectLst/>
+                <a:latin typeface="+mn-lt"/>
+              </a:rPr>
+              <a:t>.</a:t>
+            </a:r>
+          </a:p>
+          <a:p>
+            <a:br>
+              <a:rPr lang="en-US" b="0" i="0" dirty="0">
+                <a:solidFill>
+                  <a:srgbClr val="3C3C3B"/>
+                </a:solidFill>
+                <a:effectLst/>
+                <a:latin typeface="Lato"/>
+              </a:rPr>
+            </a:br>
             <a:endParaRPr lang="en-US" dirty="0"/>
           </a:p>
         </p:txBody>
@@ -4493,7 +4763,7 @@
     </p:spTree>
     <p:extLst>
       <p:ext uri="{BB962C8B-B14F-4D97-AF65-F5344CB8AC3E}">
-        <p14:creationId xmlns:p14="http://schemas.microsoft.com/office/powerpoint/2010/main" val="1640963434"/>
+        <p14:creationId xmlns:p14="http://schemas.microsoft.com/office/powerpoint/2010/main" val="3206675144"/>
       </p:ext>
     </p:extLst>
   </p:cSld>
@@ -4547,157 +4817,40 @@
           <a:bodyPr/>
           <a:lstStyle/>
           <a:p>
-            <a:pPr marL="228600" indent="-228600" algn="l">
-              <a:buAutoNum type="arabicPeriod"/>
-            </a:pPr>
-            <a:r>
-              <a:rPr lang="en-US" sz="1200" dirty="0">
-                <a:latin typeface="+mn-lt"/>
-              </a:rPr>
-              <a:t>Why CNN’s – why not use fully connected neural networks?</a:t>
-            </a:r>
-          </a:p>
-          <a:p>
-            <a:pPr marL="228600" indent="-228600" algn="l">
-              <a:buAutoNum type="arabicPeriod"/>
-            </a:pPr>
-            <a:r>
-              <a:rPr lang="en-US" sz="1200" dirty="0">
-                <a:latin typeface="+mn-lt"/>
-              </a:rPr>
-              <a:t>Fully connected works well with small images (28 x 28 pixels – size of MNIST images), not so well with larger images.</a:t>
-            </a:r>
-          </a:p>
-          <a:p>
-            <a:pPr marL="228600" indent="-228600" algn="l">
-              <a:buAutoNum type="arabicPeriod"/>
-            </a:pPr>
-            <a:r>
-              <a:rPr lang="en-US" sz="1200" dirty="0">
-                <a:latin typeface="+mn-lt"/>
-              </a:rPr>
-              <a:t>A 100 × 100–pixel image has 10,000 pixels, and if the initial layer has just 1,000 neurons, this adds up to a total of 10 million connections. And that’s just the first layer. CNNs solve this problem through partially connected layers and the use of new kinds of layers.</a:t>
-            </a:r>
-          </a:p>
-          <a:p>
-            <a:pPr algn="l"/>
-            <a:endParaRPr lang="en-US" dirty="0">
-              <a:latin typeface="+mn-lt"/>
-            </a:endParaRPr>
-          </a:p>
-          <a:p>
-            <a:pPr marL="0" marR="0" lvl="0" indent="0" algn="l" defTabSz="914400" rtl="0" eaLnBrk="1" fontAlgn="auto" latinLnBrk="0" hangingPunct="1">
-              <a:lnSpc>
-                <a:spcPct val="100000"/>
-              </a:lnSpc>
-              <a:spcBef>
-                <a:spcPts val="0"/>
-              </a:spcBef>
-              <a:spcAft>
-                <a:spcPts val="0"/>
-              </a:spcAft>
-              <a:buClrTx/>
-              <a:buSzTx/>
-              <a:buFontTx/>
-              <a:buNone/>
-              <a:tabLst/>
+            <a:pPr defTabSz="939363">
               <a:defRPr/>
             </a:pPr>
             <a:r>
-              <a:rPr lang="en-US" dirty="0">
-                <a:latin typeface="+mn-lt"/>
-              </a:rPr>
+              <a:rPr lang="en-US" dirty="0"/>
+              <a:t>Now that we’ve seen a high-level picture of a vertical edge detection filter, let’s dive into the details of what’s happening inside that blue box.  In this learning experience, you will see how a filter is implemented in Python.</a:t>
+            </a:r>
+          </a:p>
+          <a:p>
+            <a:pPr defTabSz="939363">
+              <a:defRPr/>
+            </a:pPr>
+            <a:endParaRPr lang="en-US" dirty="0"/>
+          </a:p>
+          <a:p>
+            <a:pPr defTabSz="939363">
+              <a:defRPr/>
+            </a:pPr>
+            <a:r>
+              <a:rPr lang="en-US" dirty="0"/>
               <a:t>=====</a:t>
             </a:r>
           </a:p>
           <a:p>
-            <a:pPr algn="l"/>
-            <a:r>
-              <a:rPr lang="en-US" sz="1200" dirty="0">
-                <a:latin typeface="+mn-lt"/>
-              </a:rPr>
-              <a:t>So, why do we need a new kind of neural network?  Why not use a deep neural network with fully connected layers for image recognition tasks?</a:t>
-            </a:r>
-          </a:p>
-          <a:p>
-            <a:pPr algn="l"/>
-            <a:endParaRPr lang="en-US" sz="1200" dirty="0">
-              <a:latin typeface="+mn-lt"/>
-            </a:endParaRPr>
-          </a:p>
-          <a:p>
-            <a:pPr algn="l"/>
-            <a:r>
-              <a:rPr lang="en-US" sz="1200" dirty="0">
-                <a:latin typeface="+mn-lt"/>
-              </a:rPr>
-              <a:t>Well, fully connected networks work fine for small images (e.g., MNIST), but they break down for larger images because of the huge number of parameters required. For example, a 100 × 100–pixel image has 10,000 pixels, and if the first layer has just 1,000 neurons (which already severely restricts the amount of information transmitted to the next layer), this means a total of 10 million connections. And that’s just the first layer. CNNs solve this problem through partially connected layers and the use of new kinds of layers.</a:t>
-            </a:r>
-          </a:p>
-          <a:p>
-            <a:pPr algn="l"/>
-            <a:endParaRPr lang="en-US" sz="1200" dirty="0">
-              <a:latin typeface="+mn-lt"/>
-            </a:endParaRPr>
-          </a:p>
-          <a:p>
-            <a:pPr algn="l"/>
-            <a:r>
-              <a:rPr lang="en-US" sz="1200" dirty="0">
-                <a:solidFill>
-                  <a:schemeClr val="tx1">
-                    <a:lumMod val="65000"/>
-                    <a:lumOff val="35000"/>
-                  </a:schemeClr>
-                </a:solidFill>
-                <a:latin typeface="+mn-lt"/>
-                <a:ea typeface="Verdana" panose="020B0604030504040204" pitchFamily="34" charset="0"/>
-              </a:rPr>
-              <a:t>Source: Geron, A. (2019). </a:t>
-            </a:r>
-            <a:r>
-              <a:rPr lang="en-US" sz="1200" i="1" dirty="0">
-                <a:solidFill>
-                  <a:schemeClr val="tx1">
-                    <a:lumMod val="65000"/>
-                    <a:lumOff val="35000"/>
-                  </a:schemeClr>
-                </a:solidFill>
-                <a:latin typeface="+mn-lt"/>
-                <a:ea typeface="Verdana" panose="020B0604030504040204" pitchFamily="34" charset="0"/>
-              </a:rPr>
-              <a:t>Hands-on machine learning with Sci-Kit learn, Keras, &amp; Tensorflow.</a:t>
-            </a:r>
-            <a:r>
-              <a:rPr lang="en-US" sz="1200" dirty="0">
-                <a:solidFill>
-                  <a:schemeClr val="tx1">
-                    <a:lumMod val="65000"/>
-                    <a:lumOff val="35000"/>
-                  </a:schemeClr>
-                </a:solidFill>
-                <a:latin typeface="+mn-lt"/>
-                <a:ea typeface="Verdana" panose="020B0604030504040204" pitchFamily="34" charset="0"/>
-              </a:rPr>
-              <a:t> Sebastopol, CA: O’Reilly Media. (Chapter 14).</a:t>
-            </a:r>
-            <a:endParaRPr lang="en-US" sz="1200" dirty="0">
-              <a:latin typeface="+mn-lt"/>
-            </a:endParaRPr>
-          </a:p>
-          <a:p>
-            <a:pPr algn="l"/>
-            <a:endParaRPr lang="en-US" sz="1800" dirty="0">
-              <a:latin typeface="MinionPro-Regular"/>
-            </a:endParaRPr>
-          </a:p>
-          <a:p>
-            <a:pPr algn="l"/>
-            <a:r>
-              <a:rPr lang="en-US" sz="1800" dirty="0">
-                <a:latin typeface="MinionPro-Regular"/>
-              </a:rPr>
-              <a:t> </a:t>
+            <a:pPr defTabSz="939363">
+              <a:defRPr/>
+            </a:pPr>
+            <a:r>
+              <a:rPr lang="en-US" dirty="0"/>
+              <a:t>Our first hands-on coding exercise comes from Andrew Glassner’s wonderful book </a:t>
+            </a:r>
+            <a:r>
+              <a:rPr lang="en-US" i="1" dirty="0"/>
+              <a:t>Deep Learning: A Visual Approach.  </a:t>
             </a:r>
             <a:endParaRPr lang="en-US" dirty="0"/>
           </a:p>
@@ -4729,7 +4882,7 @@
     </p:spTree>
     <p:extLst>
       <p:ext uri="{BB962C8B-B14F-4D97-AF65-F5344CB8AC3E}">
-        <p14:creationId xmlns:p14="http://schemas.microsoft.com/office/powerpoint/2010/main" val="80972208"/>
+        <p14:creationId xmlns:p14="http://schemas.microsoft.com/office/powerpoint/2010/main" val="1640963434"/>
       </p:ext>
     </p:extLst>
   </p:cSld>
@@ -4886,7 +5039,7 @@
           <a:p>
             <a:fld id="{C3F78080-8D0A-4BE8-A5B4-CB115102D524}" type="datetimeFigureOut">
               <a:rPr lang="en-US" smtClean="0"/>
-              <a:t>9/9/2022</a:t>
+              <a:t>9/11/2022</a:t>
             </a:fld>
             <a:endParaRPr lang="en-US"/>
           </a:p>
@@ -5084,7 +5237,7 @@
           <a:p>
             <a:fld id="{C3F78080-8D0A-4BE8-A5B4-CB115102D524}" type="datetimeFigureOut">
               <a:rPr lang="en-US" smtClean="0"/>
-              <a:t>9/9/2022</a:t>
+              <a:t>9/11/2022</a:t>
             </a:fld>
             <a:endParaRPr lang="en-US"/>
           </a:p>
@@ -5292,7 +5445,7 @@
           <a:p>
             <a:fld id="{C3F78080-8D0A-4BE8-A5B4-CB115102D524}" type="datetimeFigureOut">
               <a:rPr lang="en-US" smtClean="0"/>
-              <a:t>9/9/2022</a:t>
+              <a:t>9/11/2022</a:t>
             </a:fld>
             <a:endParaRPr lang="en-US"/>
           </a:p>
@@ -5490,7 +5643,7 @@
           <a:p>
             <a:fld id="{C3F78080-8D0A-4BE8-A5B4-CB115102D524}" type="datetimeFigureOut">
               <a:rPr lang="en-US" smtClean="0"/>
-              <a:t>9/9/2022</a:t>
+              <a:t>9/11/2022</a:t>
             </a:fld>
             <a:endParaRPr lang="en-US"/>
           </a:p>
@@ -5765,7 +5918,7 @@
           <a:p>
             <a:fld id="{C3F78080-8D0A-4BE8-A5B4-CB115102D524}" type="datetimeFigureOut">
               <a:rPr lang="en-US" smtClean="0"/>
-              <a:t>9/9/2022</a:t>
+              <a:t>9/11/2022</a:t>
             </a:fld>
             <a:endParaRPr lang="en-US"/>
           </a:p>
@@ -6030,7 +6183,7 @@
           <a:p>
             <a:fld id="{C3F78080-8D0A-4BE8-A5B4-CB115102D524}" type="datetimeFigureOut">
               <a:rPr lang="en-US" smtClean="0"/>
-              <a:t>9/9/2022</a:t>
+              <a:t>9/11/2022</a:t>
             </a:fld>
             <a:endParaRPr lang="en-US"/>
           </a:p>
@@ -6442,7 +6595,7 @@
           <a:p>
             <a:fld id="{C3F78080-8D0A-4BE8-A5B4-CB115102D524}" type="datetimeFigureOut">
               <a:rPr lang="en-US" smtClean="0"/>
-              <a:t>9/9/2022</a:t>
+              <a:t>9/11/2022</a:t>
             </a:fld>
             <a:endParaRPr lang="en-US"/>
           </a:p>
@@ -6583,7 +6736,7 @@
           <a:p>
             <a:fld id="{C3F78080-8D0A-4BE8-A5B4-CB115102D524}" type="datetimeFigureOut">
               <a:rPr lang="en-US" smtClean="0"/>
-              <a:t>9/9/2022</a:t>
+              <a:t>9/11/2022</a:t>
             </a:fld>
             <a:endParaRPr lang="en-US"/>
           </a:p>
@@ -6696,7 +6849,7 @@
           <a:p>
             <a:fld id="{C3F78080-8D0A-4BE8-A5B4-CB115102D524}" type="datetimeFigureOut">
               <a:rPr lang="en-US" smtClean="0"/>
-              <a:t>9/9/2022</a:t>
+              <a:t>9/11/2022</a:t>
             </a:fld>
             <a:endParaRPr lang="en-US"/>
           </a:p>
@@ -7007,7 +7160,7 @@
           <a:p>
             <a:fld id="{C3F78080-8D0A-4BE8-A5B4-CB115102D524}" type="datetimeFigureOut">
               <a:rPr lang="en-US" smtClean="0"/>
-              <a:t>9/9/2022</a:t>
+              <a:t>9/11/2022</a:t>
             </a:fld>
             <a:endParaRPr lang="en-US"/>
           </a:p>
@@ -7295,7 +7448,7 @@
           <a:p>
             <a:fld id="{C3F78080-8D0A-4BE8-A5B4-CB115102D524}" type="datetimeFigureOut">
               <a:rPr lang="en-US" smtClean="0"/>
-              <a:t>9/9/2022</a:t>
+              <a:t>9/11/2022</a:t>
             </a:fld>
             <a:endParaRPr lang="en-US"/>
           </a:p>
@@ -7536,7 +7689,7 @@
           <a:p>
             <a:fld id="{C3F78080-8D0A-4BE8-A5B4-CB115102D524}" type="datetimeFigureOut">
               <a:rPr lang="en-US" smtClean="0"/>
-              <a:t>9/9/2022</a:t>
+              <a:t>9/11/2022</a:t>
             </a:fld>
             <a:endParaRPr lang="en-US"/>
           </a:p>
@@ -8069,6 +8222,180 @@
       </p:grpSpPr>
       <p:sp>
         <p:nvSpPr>
+          <p:cNvPr id="3" name="Title 4">
+            <a:extLst>
+              <a:ext uri="{FF2B5EF4-FFF2-40B4-BE49-F238E27FC236}">
+                <a16:creationId xmlns:a16="http://schemas.microsoft.com/office/drawing/2014/main" id="{45016518-B093-4034-A04C-3B258BCD544E}"/>
+              </a:ext>
+            </a:extLst>
+          </p:cNvPr>
+          <p:cNvSpPr>
+            <a:spLocks noGrp="1"/>
+          </p:cNvSpPr>
+          <p:nvPr>
+            <p:ph type="title"/>
+          </p:nvPr>
+        </p:nvSpPr>
+        <p:spPr>
+          <a:xfrm>
+            <a:off x="0" y="2849217"/>
+            <a:ext cx="12192000" cy="778736"/>
+          </a:xfrm>
+        </p:spPr>
+        <p:txBody>
+          <a:bodyPr>
+            <a:normAutofit/>
+          </a:bodyPr>
+          <a:lstStyle/>
+          <a:p>
+            <a:pPr algn="ctr"/>
+            <a:r>
+              <a:rPr lang="en-US" sz="4000" dirty="0">
+                <a:latin typeface="Palatino Linotype" panose="02040502050505030304" pitchFamily="18" charset="0"/>
+              </a:rPr>
+              <a:t>Why do we need Convolutional Neural Networks?</a:t>
+            </a:r>
+          </a:p>
+        </p:txBody>
+      </p:sp>
+      <p:sp>
+        <p:nvSpPr>
+          <p:cNvPr id="5" name="TextBox 4">
+            <a:extLst>
+              <a:ext uri="{FF2B5EF4-FFF2-40B4-BE49-F238E27FC236}">
+                <a16:creationId xmlns:a16="http://schemas.microsoft.com/office/drawing/2014/main" id="{0CCD5364-5B0B-4E7A-B2C3-BB41CF8A80DA}"/>
+              </a:ext>
+            </a:extLst>
+          </p:cNvPr>
+          <p:cNvSpPr txBox="1"/>
+          <p:nvPr/>
+        </p:nvSpPr>
+        <p:spPr>
+          <a:xfrm>
+            <a:off x="0" y="6550223"/>
+            <a:ext cx="12192000" cy="307777"/>
+          </a:xfrm>
+          <a:prstGeom prst="rect">
+            <a:avLst/>
+          </a:prstGeom>
+          <a:noFill/>
+        </p:spPr>
+        <p:txBody>
+          <a:bodyPr wrap="square" rtlCol="0">
+            <a:spAutoFit/>
+          </a:bodyPr>
+          <a:lstStyle/>
+          <a:p>
+            <a:r>
+              <a:rPr lang="en-US" sz="1400" dirty="0">
+                <a:solidFill>
+                  <a:schemeClr val="tx1">
+                    <a:lumMod val="65000"/>
+                    <a:lumOff val="35000"/>
+                  </a:schemeClr>
+                </a:solidFill>
+                <a:latin typeface="+mj-lt"/>
+                <a:ea typeface="Verdana" panose="020B0604030504040204" pitchFamily="34" charset="0"/>
+              </a:rPr>
+              <a:t>Source: Geron, A. (2019). </a:t>
+            </a:r>
+            <a:r>
+              <a:rPr lang="en-US" sz="1400" i="1" dirty="0">
+                <a:solidFill>
+                  <a:schemeClr val="tx1">
+                    <a:lumMod val="65000"/>
+                    <a:lumOff val="35000"/>
+                  </a:schemeClr>
+                </a:solidFill>
+                <a:latin typeface="+mj-lt"/>
+                <a:ea typeface="Verdana" panose="020B0604030504040204" pitchFamily="34" charset="0"/>
+              </a:rPr>
+              <a:t>Hands-on machine learning with Sci-Kit learn, Keras, &amp; Tensorflow.</a:t>
+            </a:r>
+            <a:r>
+              <a:rPr lang="en-US" sz="1400" dirty="0">
+                <a:solidFill>
+                  <a:schemeClr val="tx1">
+                    <a:lumMod val="65000"/>
+                    <a:lumOff val="35000"/>
+                  </a:schemeClr>
+                </a:solidFill>
+                <a:latin typeface="+mj-lt"/>
+                <a:ea typeface="Verdana" panose="020B0604030504040204" pitchFamily="34" charset="0"/>
+              </a:rPr>
+              <a:t> Sebastopol, CA</a:t>
+            </a:r>
+            <a:r>
+              <a:rPr lang="en-US" sz="1400" b="0" i="0" dirty="0">
+                <a:solidFill>
+                  <a:schemeClr val="tx1">
+                    <a:lumMod val="65000"/>
+                    <a:lumOff val="35000"/>
+                  </a:schemeClr>
+                </a:solidFill>
+                <a:effectLst/>
+                <a:latin typeface="+mj-lt"/>
+                <a:ea typeface="Verdana" panose="020B0604030504040204" pitchFamily="34" charset="0"/>
+              </a:rPr>
+              <a:t>: O’Reilly Media. (Chapter 14)</a:t>
+            </a:r>
+            <a:endParaRPr lang="en-US" sz="1400" dirty="0">
+              <a:solidFill>
+                <a:schemeClr val="tx1">
+                  <a:lumMod val="65000"/>
+                  <a:lumOff val="35000"/>
+                </a:schemeClr>
+              </a:solidFill>
+              <a:latin typeface="+mj-lt"/>
+              <a:ea typeface="Verdana" panose="020B0604030504040204" pitchFamily="34" charset="0"/>
+            </a:endParaRPr>
+          </a:p>
+        </p:txBody>
+      </p:sp>
+    </p:spTree>
+    <p:extLst>
+      <p:ext uri="{BB962C8B-B14F-4D97-AF65-F5344CB8AC3E}">
+        <p14:creationId xmlns:p14="http://schemas.microsoft.com/office/powerpoint/2010/main" val="1768424717"/>
+      </p:ext>
+    </p:extLst>
+  </p:cSld>
+  <p:clrMapOvr>
+    <a:masterClrMapping/>
+  </p:clrMapOvr>
+  <mc:AlternateContent xmlns:mc="http://schemas.openxmlformats.org/markup-compatibility/2006" xmlns:p14="http://schemas.microsoft.com/office/powerpoint/2010/main">
+    <mc:Choice Requires="p14">
+      <p:transition spd="med" p14:dur="700">
+        <p:fade/>
+      </p:transition>
+    </mc:Choice>
+    <mc:Fallback xmlns="">
+      <p:transition spd="med">
+        <p:fade/>
+      </p:transition>
+    </mc:Fallback>
+  </mc:AlternateContent>
+</p:sld>
+</file>
+
+<file path=ppt/slides/slide11.xml><?xml version="1.0" encoding="utf-8"?>
+<p:sld xmlns:a="http://schemas.openxmlformats.org/drawingml/2006/main" xmlns:r="http://schemas.openxmlformats.org/officeDocument/2006/relationships" xmlns:p="http://schemas.openxmlformats.org/presentationml/2006/main">
+  <p:cSld>
+    <p:spTree>
+      <p:nvGrpSpPr>
+        <p:cNvPr id="1" name=""/>
+        <p:cNvGrpSpPr/>
+        <p:nvPr/>
+      </p:nvGrpSpPr>
+      <p:grpSpPr>
+        <a:xfrm>
+          <a:off x="0" y="0"/>
+          <a:ext cx="0" cy="0"/>
+          <a:chOff x="0" y="0"/>
+          <a:chExt cx="0" cy="0"/>
+        </a:xfrm>
+      </p:grpSpPr>
+      <p:sp>
+        <p:nvSpPr>
           <p:cNvPr id="4" name="TextBox 3">
             <a:extLst>
               <a:ext uri="{FF2B5EF4-FFF2-40B4-BE49-F238E27FC236}">
@@ -8611,7 +8938,7 @@
 </p:sld>
 </file>
 
-<file path=ppt/slides/slide11.xml><?xml version="1.0" encoding="utf-8"?>
+<file path=ppt/slides/slide12.xml><?xml version="1.0" encoding="utf-8"?>
 <p:sld xmlns:a="http://schemas.openxmlformats.org/drawingml/2006/main" xmlns:r="http://schemas.openxmlformats.org/officeDocument/2006/relationships" xmlns:p="http://schemas.openxmlformats.org/presentationml/2006/main">
   <p:cSld>
     <p:spTree>
@@ -8837,7 +9164,7 @@
 </p:sld>
 </file>
 
-<file path=ppt/slides/slide12.xml><?xml version="1.0" encoding="utf-8"?>
+<file path=ppt/slides/slide13.xml><?xml version="1.0" encoding="utf-8"?>
 <p:sld xmlns:a="http://schemas.openxmlformats.org/drawingml/2006/main" xmlns:r="http://schemas.openxmlformats.org/officeDocument/2006/relationships" xmlns:p="http://schemas.openxmlformats.org/presentationml/2006/main">
   <p:cSld>
     <p:spTree>
@@ -9342,7 +9669,7 @@
 </p:sld>
 </file>
 
-<file path=ppt/slides/slide13.xml><?xml version="1.0" encoding="utf-8"?>
+<file path=ppt/slides/slide14.xml><?xml version="1.0" encoding="utf-8"?>
 <p:sld xmlns:a="http://schemas.openxmlformats.org/drawingml/2006/main" xmlns:r="http://schemas.openxmlformats.org/officeDocument/2006/relationships" xmlns:p="http://schemas.openxmlformats.org/presentationml/2006/main">
   <p:cSld>
     <p:spTree>
@@ -9533,7 +9860,7 @@
 </p:sld>
 </file>
 
-<file path=ppt/slides/slide14.xml><?xml version="1.0" encoding="utf-8"?>
+<file path=ppt/slides/slide15.xml><?xml version="1.0" encoding="utf-8"?>
 <p:sld xmlns:a="http://schemas.openxmlformats.org/drawingml/2006/main" xmlns:r="http://schemas.openxmlformats.org/officeDocument/2006/relationships" xmlns:p="http://schemas.openxmlformats.org/presentationml/2006/main">
   <p:cSld>
     <p:spTree>
@@ -10395,7 +10722,7 @@
 </p:sld>
 </file>
 
-<file path=ppt/slides/slide15.xml><?xml version="1.0" encoding="utf-8"?>
+<file path=ppt/slides/slide16.xml><?xml version="1.0" encoding="utf-8"?>
 <p:sld xmlns:a="http://schemas.openxmlformats.org/drawingml/2006/main" xmlns:r="http://schemas.openxmlformats.org/officeDocument/2006/relationships" xmlns:p="http://schemas.openxmlformats.org/presentationml/2006/main">
   <p:cSld>
     <p:spTree>
@@ -10718,7 +11045,7 @@
 </p:sld>
 </file>
 
-<file path=ppt/slides/slide16.xml><?xml version="1.0" encoding="utf-8"?>
+<file path=ppt/slides/slide17.xml><?xml version="1.0" encoding="utf-8"?>
 <p:sld xmlns:a="http://schemas.openxmlformats.org/drawingml/2006/main" xmlns:r="http://schemas.openxmlformats.org/officeDocument/2006/relationships" xmlns:p="http://schemas.openxmlformats.org/presentationml/2006/main">
   <p:cSld>
     <p:spTree>
@@ -11735,7 +12062,7 @@
 </p:sld>
 </file>
 
-<file path=ppt/slides/slide17.xml><?xml version="1.0" encoding="utf-8"?>
+<file path=ppt/slides/slide18.xml><?xml version="1.0" encoding="utf-8"?>
 <p:sld xmlns:a="http://schemas.openxmlformats.org/drawingml/2006/main" xmlns:r="http://schemas.openxmlformats.org/officeDocument/2006/relationships" xmlns:p="http://schemas.openxmlformats.org/presentationml/2006/main">
   <p:cSld>
     <p:spTree>
@@ -11956,7 +12283,7 @@
 </p:sld>
 </file>
 
-<file path=ppt/slides/slide18.xml><?xml version="1.0" encoding="utf-8"?>
+<file path=ppt/slides/slide19.xml><?xml version="1.0" encoding="utf-8"?>
 <p:sld xmlns:a="http://schemas.openxmlformats.org/drawingml/2006/main" xmlns:r="http://schemas.openxmlformats.org/officeDocument/2006/relationships" xmlns:p="http://schemas.openxmlformats.org/presentationml/2006/main">
   <p:cSld>
     <p:spTree>
@@ -12102,7 +12429,784 @@
 </p:sld>
 </file>
 
-<file path=ppt/slides/slide19.xml><?xml version="1.0" encoding="utf-8"?>
+<file path=ppt/slides/slide2.xml><?xml version="1.0" encoding="utf-8"?>
+<p:sld xmlns:a="http://schemas.openxmlformats.org/drawingml/2006/main" xmlns:r="http://schemas.openxmlformats.org/officeDocument/2006/relationships" xmlns:p="http://schemas.openxmlformats.org/presentationml/2006/main">
+  <p:cSld>
+    <p:spTree>
+      <p:nvGrpSpPr>
+        <p:cNvPr id="1" name=""/>
+        <p:cNvGrpSpPr/>
+        <p:nvPr/>
+      </p:nvGrpSpPr>
+      <p:grpSpPr>
+        <a:xfrm>
+          <a:off x="0" y="0"/>
+          <a:ext cx="0" cy="0"/>
+          <a:chOff x="0" y="0"/>
+          <a:chExt cx="0" cy="0"/>
+        </a:xfrm>
+      </p:grpSpPr>
+      <p:sp>
+        <p:nvSpPr>
+          <p:cNvPr id="2" name="Title 1">
+            <a:extLst>
+              <a:ext uri="{FF2B5EF4-FFF2-40B4-BE49-F238E27FC236}">
+                <a16:creationId xmlns:a16="http://schemas.microsoft.com/office/drawing/2014/main" id="{0E138177-E2EE-ACAC-A57C-F03FA29EC836}"/>
+              </a:ext>
+            </a:extLst>
+          </p:cNvPr>
+          <p:cNvSpPr>
+            <a:spLocks noGrp="1"/>
+          </p:cNvSpPr>
+          <p:nvPr>
+            <p:ph type="title"/>
+          </p:nvPr>
+        </p:nvSpPr>
+        <p:spPr/>
+        <p:txBody>
+          <a:bodyPr/>
+          <a:lstStyle/>
+          <a:p>
+            <a:r>
+              <a:rPr lang="en-US" dirty="0">
+                <a:solidFill>
+                  <a:schemeClr val="tx1">
+                    <a:lumMod val="75000"/>
+                    <a:lumOff val="25000"/>
+                  </a:schemeClr>
+                </a:solidFill>
+                <a:latin typeface="Palatino Linotype" panose="02040502050505030304" pitchFamily="18" charset="0"/>
+              </a:rPr>
+              <a:t>Lesson Overview</a:t>
+            </a:r>
+          </a:p>
+        </p:txBody>
+      </p:sp>
+      <p:sp>
+        <p:nvSpPr>
+          <p:cNvPr id="3" name="Content Placeholder 2">
+            <a:extLst>
+              <a:ext uri="{FF2B5EF4-FFF2-40B4-BE49-F238E27FC236}">
+                <a16:creationId xmlns:a16="http://schemas.microsoft.com/office/drawing/2014/main" id="{8626DB86-54B4-A1E2-6C25-C049F364ED25}"/>
+              </a:ext>
+            </a:extLst>
+          </p:cNvPr>
+          <p:cNvSpPr>
+            <a:spLocks noGrp="1"/>
+          </p:cNvSpPr>
+          <p:nvPr>
+            <p:ph idx="1"/>
+          </p:nvPr>
+        </p:nvSpPr>
+        <p:spPr>
+          <a:xfrm>
+            <a:off x="1013564" y="1825626"/>
+            <a:ext cx="10515600" cy="504215"/>
+          </a:xfrm>
+        </p:spPr>
+        <p:txBody>
+          <a:bodyPr/>
+          <a:lstStyle/>
+          <a:p>
+            <a:pPr>
+              <a:buFont typeface="Wingdings" panose="05000000000000000000" pitchFamily="2" charset="2"/>
+              <a:buChar char="Ø"/>
+            </a:pPr>
+            <a:r>
+              <a:rPr lang="en-US" dirty="0">
+                <a:solidFill>
+                  <a:schemeClr val="tx1">
+                    <a:lumMod val="75000"/>
+                    <a:lumOff val="25000"/>
+                  </a:schemeClr>
+                </a:solidFill>
+              </a:rPr>
+              <a:t> </a:t>
+            </a:r>
+            <a:r>
+              <a:rPr lang="en-US" dirty="0">
+                <a:solidFill>
+                  <a:schemeClr val="tx1">
+                    <a:lumMod val="75000"/>
+                    <a:lumOff val="25000"/>
+                  </a:schemeClr>
+                </a:solidFill>
+                <a:latin typeface="Palatino Linotype" panose="02040502050505030304" pitchFamily="18" charset="0"/>
+              </a:rPr>
+              <a:t>JupyterLab / CoLab</a:t>
+            </a:r>
+          </a:p>
+        </p:txBody>
+      </p:sp>
+      <p:sp>
+        <p:nvSpPr>
+          <p:cNvPr id="5" name="Content Placeholder 2">
+            <a:extLst>
+              <a:ext uri="{FF2B5EF4-FFF2-40B4-BE49-F238E27FC236}">
+                <a16:creationId xmlns:a16="http://schemas.microsoft.com/office/drawing/2014/main" id="{7070644F-62DF-8674-4A8A-C2FA1554028E}"/>
+              </a:ext>
+            </a:extLst>
+          </p:cNvPr>
+          <p:cNvSpPr txBox="1">
+            <a:spLocks/>
+          </p:cNvSpPr>
+          <p:nvPr/>
+        </p:nvSpPr>
+        <p:spPr>
+          <a:xfrm>
+            <a:off x="1013564" y="2464778"/>
+            <a:ext cx="10515600" cy="504215"/>
+          </a:xfrm>
+          <a:prstGeom prst="rect">
+            <a:avLst/>
+          </a:prstGeom>
+        </p:spPr>
+        <p:txBody>
+          <a:bodyPr vert="horz" lIns="91440" tIns="45720" rIns="91440" bIns="45720" rtlCol="0">
+            <a:normAutofit/>
+          </a:bodyPr>
+          <a:lstStyle>
+            <a:lvl1pPr marL="228600" indent="-228600" algn="l" defTabSz="914400" rtl="0" eaLnBrk="1" latinLnBrk="0" hangingPunct="1">
+              <a:lnSpc>
+                <a:spcPct val="90000"/>
+              </a:lnSpc>
+              <a:spcBef>
+                <a:spcPts val="1000"/>
+              </a:spcBef>
+              <a:buFont typeface="Arial" panose="020B0604020202020204" pitchFamily="34" charset="0"/>
+              <a:buChar char="•"/>
+              <a:defRPr sz="2800" kern="1200">
+                <a:solidFill>
+                  <a:schemeClr val="tx1"/>
+                </a:solidFill>
+                <a:latin typeface="+mn-lt"/>
+                <a:ea typeface="+mn-ea"/>
+                <a:cs typeface="+mn-cs"/>
+              </a:defRPr>
+            </a:lvl1pPr>
+            <a:lvl2pPr marL="685800" indent="-228600" algn="l" defTabSz="914400" rtl="0" eaLnBrk="1" latinLnBrk="0" hangingPunct="1">
+              <a:lnSpc>
+                <a:spcPct val="90000"/>
+              </a:lnSpc>
+              <a:spcBef>
+                <a:spcPts val="500"/>
+              </a:spcBef>
+              <a:buFont typeface="Arial" panose="020B0604020202020204" pitchFamily="34" charset="0"/>
+              <a:buChar char="•"/>
+              <a:defRPr sz="2400" kern="1200">
+                <a:solidFill>
+                  <a:schemeClr val="tx1"/>
+                </a:solidFill>
+                <a:latin typeface="+mn-lt"/>
+                <a:ea typeface="+mn-ea"/>
+                <a:cs typeface="+mn-cs"/>
+              </a:defRPr>
+            </a:lvl2pPr>
+            <a:lvl3pPr marL="1143000" indent="-228600" algn="l" defTabSz="914400" rtl="0" eaLnBrk="1" latinLnBrk="0" hangingPunct="1">
+              <a:lnSpc>
+                <a:spcPct val="90000"/>
+              </a:lnSpc>
+              <a:spcBef>
+                <a:spcPts val="500"/>
+              </a:spcBef>
+              <a:buFont typeface="Arial" panose="020B0604020202020204" pitchFamily="34" charset="0"/>
+              <a:buChar char="•"/>
+              <a:defRPr sz="2000" kern="1200">
+                <a:solidFill>
+                  <a:schemeClr val="tx1"/>
+                </a:solidFill>
+                <a:latin typeface="+mn-lt"/>
+                <a:ea typeface="+mn-ea"/>
+                <a:cs typeface="+mn-cs"/>
+              </a:defRPr>
+            </a:lvl3pPr>
+            <a:lvl4pPr marL="1600200" indent="-228600" algn="l" defTabSz="914400" rtl="0" eaLnBrk="1" latinLnBrk="0" hangingPunct="1">
+              <a:lnSpc>
+                <a:spcPct val="90000"/>
+              </a:lnSpc>
+              <a:spcBef>
+                <a:spcPts val="500"/>
+              </a:spcBef>
+              <a:buFont typeface="Arial" panose="020B0604020202020204" pitchFamily="34" charset="0"/>
+              <a:buChar char="•"/>
+              <a:defRPr sz="1800" kern="1200">
+                <a:solidFill>
+                  <a:schemeClr val="tx1"/>
+                </a:solidFill>
+                <a:latin typeface="+mn-lt"/>
+                <a:ea typeface="+mn-ea"/>
+                <a:cs typeface="+mn-cs"/>
+              </a:defRPr>
+            </a:lvl4pPr>
+            <a:lvl5pPr marL="2057400" indent="-228600" algn="l" defTabSz="914400" rtl="0" eaLnBrk="1" latinLnBrk="0" hangingPunct="1">
+              <a:lnSpc>
+                <a:spcPct val="90000"/>
+              </a:lnSpc>
+              <a:spcBef>
+                <a:spcPts val="500"/>
+              </a:spcBef>
+              <a:buFont typeface="Arial" panose="020B0604020202020204" pitchFamily="34" charset="0"/>
+              <a:buChar char="•"/>
+              <a:defRPr sz="1800" kern="1200">
+                <a:solidFill>
+                  <a:schemeClr val="tx1"/>
+                </a:solidFill>
+                <a:latin typeface="+mn-lt"/>
+                <a:ea typeface="+mn-ea"/>
+                <a:cs typeface="+mn-cs"/>
+              </a:defRPr>
+            </a:lvl5pPr>
+            <a:lvl6pPr marL="2514600" indent="-228600" algn="l" defTabSz="914400" rtl="0" eaLnBrk="1" latinLnBrk="0" hangingPunct="1">
+              <a:lnSpc>
+                <a:spcPct val="90000"/>
+              </a:lnSpc>
+              <a:spcBef>
+                <a:spcPts val="500"/>
+              </a:spcBef>
+              <a:buFont typeface="Arial" panose="020B0604020202020204" pitchFamily="34" charset="0"/>
+              <a:buChar char="•"/>
+              <a:defRPr sz="1800" kern="1200">
+                <a:solidFill>
+                  <a:schemeClr val="tx1"/>
+                </a:solidFill>
+                <a:latin typeface="+mn-lt"/>
+                <a:ea typeface="+mn-ea"/>
+                <a:cs typeface="+mn-cs"/>
+              </a:defRPr>
+            </a:lvl6pPr>
+            <a:lvl7pPr marL="2971800" indent="-228600" algn="l" defTabSz="914400" rtl="0" eaLnBrk="1" latinLnBrk="0" hangingPunct="1">
+              <a:lnSpc>
+                <a:spcPct val="90000"/>
+              </a:lnSpc>
+              <a:spcBef>
+                <a:spcPts val="500"/>
+              </a:spcBef>
+              <a:buFont typeface="Arial" panose="020B0604020202020204" pitchFamily="34" charset="0"/>
+              <a:buChar char="•"/>
+              <a:defRPr sz="1800" kern="1200">
+                <a:solidFill>
+                  <a:schemeClr val="tx1"/>
+                </a:solidFill>
+                <a:latin typeface="+mn-lt"/>
+                <a:ea typeface="+mn-ea"/>
+                <a:cs typeface="+mn-cs"/>
+              </a:defRPr>
+            </a:lvl7pPr>
+            <a:lvl8pPr marL="3429000" indent="-228600" algn="l" defTabSz="914400" rtl="0" eaLnBrk="1" latinLnBrk="0" hangingPunct="1">
+              <a:lnSpc>
+                <a:spcPct val="90000"/>
+              </a:lnSpc>
+              <a:spcBef>
+                <a:spcPts val="500"/>
+              </a:spcBef>
+              <a:buFont typeface="Arial" panose="020B0604020202020204" pitchFamily="34" charset="0"/>
+              <a:buChar char="•"/>
+              <a:defRPr sz="1800" kern="1200">
+                <a:solidFill>
+                  <a:schemeClr val="tx1"/>
+                </a:solidFill>
+                <a:latin typeface="+mn-lt"/>
+                <a:ea typeface="+mn-ea"/>
+                <a:cs typeface="+mn-cs"/>
+              </a:defRPr>
+            </a:lvl8pPr>
+            <a:lvl9pPr marL="3886200" indent="-228600" algn="l" defTabSz="914400" rtl="0" eaLnBrk="1" latinLnBrk="0" hangingPunct="1">
+              <a:lnSpc>
+                <a:spcPct val="90000"/>
+              </a:lnSpc>
+              <a:spcBef>
+                <a:spcPts val="500"/>
+              </a:spcBef>
+              <a:buFont typeface="Arial" panose="020B0604020202020204" pitchFamily="34" charset="0"/>
+              <a:buChar char="•"/>
+              <a:defRPr sz="1800" kern="1200">
+                <a:solidFill>
+                  <a:schemeClr val="tx1"/>
+                </a:solidFill>
+                <a:latin typeface="+mn-lt"/>
+                <a:ea typeface="+mn-ea"/>
+                <a:cs typeface="+mn-cs"/>
+              </a:defRPr>
+            </a:lvl9pPr>
+          </a:lstStyle>
+          <a:p>
+            <a:pPr>
+              <a:buFont typeface="Wingdings" panose="05000000000000000000" pitchFamily="2" charset="2"/>
+              <a:buChar char="Ø"/>
+            </a:pPr>
+            <a:r>
+              <a:rPr lang="en-US" dirty="0">
+                <a:solidFill>
+                  <a:schemeClr val="tx1">
+                    <a:lumMod val="75000"/>
+                    <a:lumOff val="25000"/>
+                  </a:schemeClr>
+                </a:solidFill>
+              </a:rPr>
+              <a:t> </a:t>
+            </a:r>
+            <a:r>
+              <a:rPr lang="en-US" dirty="0">
+                <a:solidFill>
+                  <a:schemeClr val="tx1">
+                    <a:lumMod val="75000"/>
+                    <a:lumOff val="25000"/>
+                  </a:schemeClr>
+                </a:solidFill>
+                <a:latin typeface="Palatino Linotype" panose="02040502050505030304" pitchFamily="18" charset="0"/>
+              </a:rPr>
+              <a:t>Biology of Vision</a:t>
+            </a:r>
+          </a:p>
+        </p:txBody>
+      </p:sp>
+      <p:sp>
+        <p:nvSpPr>
+          <p:cNvPr id="6" name="Content Placeholder 2">
+            <a:extLst>
+              <a:ext uri="{FF2B5EF4-FFF2-40B4-BE49-F238E27FC236}">
+                <a16:creationId xmlns:a16="http://schemas.microsoft.com/office/drawing/2014/main" id="{FF2490E1-D7A0-7027-6DCC-60BB6819CD9E}"/>
+              </a:ext>
+            </a:extLst>
+          </p:cNvPr>
+          <p:cNvSpPr txBox="1">
+            <a:spLocks/>
+          </p:cNvSpPr>
+          <p:nvPr/>
+        </p:nvSpPr>
+        <p:spPr>
+          <a:xfrm>
+            <a:off x="1013564" y="3103930"/>
+            <a:ext cx="10515600" cy="504215"/>
+          </a:xfrm>
+          <a:prstGeom prst="rect">
+            <a:avLst/>
+          </a:prstGeom>
+        </p:spPr>
+        <p:txBody>
+          <a:bodyPr vert="horz" lIns="91440" tIns="45720" rIns="91440" bIns="45720" rtlCol="0">
+            <a:normAutofit/>
+          </a:bodyPr>
+          <a:lstStyle>
+            <a:lvl1pPr marL="228600" indent="-228600" algn="l" defTabSz="914400" rtl="0" eaLnBrk="1" latinLnBrk="0" hangingPunct="1">
+              <a:lnSpc>
+                <a:spcPct val="90000"/>
+              </a:lnSpc>
+              <a:spcBef>
+                <a:spcPts val="1000"/>
+              </a:spcBef>
+              <a:buFont typeface="Arial" panose="020B0604020202020204" pitchFamily="34" charset="0"/>
+              <a:buChar char="•"/>
+              <a:defRPr sz="2800" kern="1200">
+                <a:solidFill>
+                  <a:schemeClr val="tx1"/>
+                </a:solidFill>
+                <a:latin typeface="+mn-lt"/>
+                <a:ea typeface="+mn-ea"/>
+                <a:cs typeface="+mn-cs"/>
+              </a:defRPr>
+            </a:lvl1pPr>
+            <a:lvl2pPr marL="685800" indent="-228600" algn="l" defTabSz="914400" rtl="0" eaLnBrk="1" latinLnBrk="0" hangingPunct="1">
+              <a:lnSpc>
+                <a:spcPct val="90000"/>
+              </a:lnSpc>
+              <a:spcBef>
+                <a:spcPts val="500"/>
+              </a:spcBef>
+              <a:buFont typeface="Arial" panose="020B0604020202020204" pitchFamily="34" charset="0"/>
+              <a:buChar char="•"/>
+              <a:defRPr sz="2400" kern="1200">
+                <a:solidFill>
+                  <a:schemeClr val="tx1"/>
+                </a:solidFill>
+                <a:latin typeface="+mn-lt"/>
+                <a:ea typeface="+mn-ea"/>
+                <a:cs typeface="+mn-cs"/>
+              </a:defRPr>
+            </a:lvl2pPr>
+            <a:lvl3pPr marL="1143000" indent="-228600" algn="l" defTabSz="914400" rtl="0" eaLnBrk="1" latinLnBrk="0" hangingPunct="1">
+              <a:lnSpc>
+                <a:spcPct val="90000"/>
+              </a:lnSpc>
+              <a:spcBef>
+                <a:spcPts val="500"/>
+              </a:spcBef>
+              <a:buFont typeface="Arial" panose="020B0604020202020204" pitchFamily="34" charset="0"/>
+              <a:buChar char="•"/>
+              <a:defRPr sz="2000" kern="1200">
+                <a:solidFill>
+                  <a:schemeClr val="tx1"/>
+                </a:solidFill>
+                <a:latin typeface="+mn-lt"/>
+                <a:ea typeface="+mn-ea"/>
+                <a:cs typeface="+mn-cs"/>
+              </a:defRPr>
+            </a:lvl3pPr>
+            <a:lvl4pPr marL="1600200" indent="-228600" algn="l" defTabSz="914400" rtl="0" eaLnBrk="1" latinLnBrk="0" hangingPunct="1">
+              <a:lnSpc>
+                <a:spcPct val="90000"/>
+              </a:lnSpc>
+              <a:spcBef>
+                <a:spcPts val="500"/>
+              </a:spcBef>
+              <a:buFont typeface="Arial" panose="020B0604020202020204" pitchFamily="34" charset="0"/>
+              <a:buChar char="•"/>
+              <a:defRPr sz="1800" kern="1200">
+                <a:solidFill>
+                  <a:schemeClr val="tx1"/>
+                </a:solidFill>
+                <a:latin typeface="+mn-lt"/>
+                <a:ea typeface="+mn-ea"/>
+                <a:cs typeface="+mn-cs"/>
+              </a:defRPr>
+            </a:lvl4pPr>
+            <a:lvl5pPr marL="2057400" indent="-228600" algn="l" defTabSz="914400" rtl="0" eaLnBrk="1" latinLnBrk="0" hangingPunct="1">
+              <a:lnSpc>
+                <a:spcPct val="90000"/>
+              </a:lnSpc>
+              <a:spcBef>
+                <a:spcPts val="500"/>
+              </a:spcBef>
+              <a:buFont typeface="Arial" panose="020B0604020202020204" pitchFamily="34" charset="0"/>
+              <a:buChar char="•"/>
+              <a:defRPr sz="1800" kern="1200">
+                <a:solidFill>
+                  <a:schemeClr val="tx1"/>
+                </a:solidFill>
+                <a:latin typeface="+mn-lt"/>
+                <a:ea typeface="+mn-ea"/>
+                <a:cs typeface="+mn-cs"/>
+              </a:defRPr>
+            </a:lvl5pPr>
+            <a:lvl6pPr marL="2514600" indent="-228600" algn="l" defTabSz="914400" rtl="0" eaLnBrk="1" latinLnBrk="0" hangingPunct="1">
+              <a:lnSpc>
+                <a:spcPct val="90000"/>
+              </a:lnSpc>
+              <a:spcBef>
+                <a:spcPts val="500"/>
+              </a:spcBef>
+              <a:buFont typeface="Arial" panose="020B0604020202020204" pitchFamily="34" charset="0"/>
+              <a:buChar char="•"/>
+              <a:defRPr sz="1800" kern="1200">
+                <a:solidFill>
+                  <a:schemeClr val="tx1"/>
+                </a:solidFill>
+                <a:latin typeface="+mn-lt"/>
+                <a:ea typeface="+mn-ea"/>
+                <a:cs typeface="+mn-cs"/>
+              </a:defRPr>
+            </a:lvl6pPr>
+            <a:lvl7pPr marL="2971800" indent="-228600" algn="l" defTabSz="914400" rtl="0" eaLnBrk="1" latinLnBrk="0" hangingPunct="1">
+              <a:lnSpc>
+                <a:spcPct val="90000"/>
+              </a:lnSpc>
+              <a:spcBef>
+                <a:spcPts val="500"/>
+              </a:spcBef>
+              <a:buFont typeface="Arial" panose="020B0604020202020204" pitchFamily="34" charset="0"/>
+              <a:buChar char="•"/>
+              <a:defRPr sz="1800" kern="1200">
+                <a:solidFill>
+                  <a:schemeClr val="tx1"/>
+                </a:solidFill>
+                <a:latin typeface="+mn-lt"/>
+                <a:ea typeface="+mn-ea"/>
+                <a:cs typeface="+mn-cs"/>
+              </a:defRPr>
+            </a:lvl7pPr>
+            <a:lvl8pPr marL="3429000" indent="-228600" algn="l" defTabSz="914400" rtl="0" eaLnBrk="1" latinLnBrk="0" hangingPunct="1">
+              <a:lnSpc>
+                <a:spcPct val="90000"/>
+              </a:lnSpc>
+              <a:spcBef>
+                <a:spcPts val="500"/>
+              </a:spcBef>
+              <a:buFont typeface="Arial" panose="020B0604020202020204" pitchFamily="34" charset="0"/>
+              <a:buChar char="•"/>
+              <a:defRPr sz="1800" kern="1200">
+                <a:solidFill>
+                  <a:schemeClr val="tx1"/>
+                </a:solidFill>
+                <a:latin typeface="+mn-lt"/>
+                <a:ea typeface="+mn-ea"/>
+                <a:cs typeface="+mn-cs"/>
+              </a:defRPr>
+            </a:lvl8pPr>
+            <a:lvl9pPr marL="3886200" indent="-228600" algn="l" defTabSz="914400" rtl="0" eaLnBrk="1" latinLnBrk="0" hangingPunct="1">
+              <a:lnSpc>
+                <a:spcPct val="90000"/>
+              </a:lnSpc>
+              <a:spcBef>
+                <a:spcPts val="500"/>
+              </a:spcBef>
+              <a:buFont typeface="Arial" panose="020B0604020202020204" pitchFamily="34" charset="0"/>
+              <a:buChar char="•"/>
+              <a:defRPr sz="1800" kern="1200">
+                <a:solidFill>
+                  <a:schemeClr val="tx1"/>
+                </a:solidFill>
+                <a:latin typeface="+mn-lt"/>
+                <a:ea typeface="+mn-ea"/>
+                <a:cs typeface="+mn-cs"/>
+              </a:defRPr>
+            </a:lvl9pPr>
+          </a:lstStyle>
+          <a:p>
+            <a:pPr>
+              <a:buFont typeface="Wingdings" panose="05000000000000000000" pitchFamily="2" charset="2"/>
+              <a:buChar char="Ø"/>
+            </a:pPr>
+            <a:r>
+              <a:rPr lang="en-US" dirty="0">
+                <a:solidFill>
+                  <a:schemeClr val="tx1">
+                    <a:lumMod val="75000"/>
+                    <a:lumOff val="25000"/>
+                  </a:schemeClr>
+                </a:solidFill>
+                <a:latin typeface="Palatino Linotype" panose="02040502050505030304" pitchFamily="18" charset="0"/>
+              </a:rPr>
+              <a:t> Image Basics</a:t>
+            </a:r>
+          </a:p>
+        </p:txBody>
+      </p:sp>
+      <p:sp>
+        <p:nvSpPr>
+          <p:cNvPr id="7" name="Content Placeholder 2">
+            <a:extLst>
+              <a:ext uri="{FF2B5EF4-FFF2-40B4-BE49-F238E27FC236}">
+                <a16:creationId xmlns:a16="http://schemas.microsoft.com/office/drawing/2014/main" id="{6D3279E5-D518-B484-9FCF-B12663A4E8FF}"/>
+              </a:ext>
+            </a:extLst>
+          </p:cNvPr>
+          <p:cNvSpPr txBox="1">
+            <a:spLocks/>
+          </p:cNvSpPr>
+          <p:nvPr/>
+        </p:nvSpPr>
+        <p:spPr>
+          <a:xfrm>
+            <a:off x="1013564" y="3743082"/>
+            <a:ext cx="10515600" cy="504215"/>
+          </a:xfrm>
+          <a:prstGeom prst="rect">
+            <a:avLst/>
+          </a:prstGeom>
+        </p:spPr>
+        <p:txBody>
+          <a:bodyPr vert="horz" lIns="91440" tIns="45720" rIns="91440" bIns="45720" rtlCol="0">
+            <a:normAutofit/>
+          </a:bodyPr>
+          <a:lstStyle>
+            <a:lvl1pPr marL="228600" indent="-228600" algn="l" defTabSz="914400" rtl="0" eaLnBrk="1" latinLnBrk="0" hangingPunct="1">
+              <a:lnSpc>
+                <a:spcPct val="90000"/>
+              </a:lnSpc>
+              <a:spcBef>
+                <a:spcPts val="1000"/>
+              </a:spcBef>
+              <a:buFont typeface="Arial" panose="020B0604020202020204" pitchFamily="34" charset="0"/>
+              <a:buChar char="•"/>
+              <a:defRPr sz="2800" kern="1200">
+                <a:solidFill>
+                  <a:schemeClr val="tx1"/>
+                </a:solidFill>
+                <a:latin typeface="+mn-lt"/>
+                <a:ea typeface="+mn-ea"/>
+                <a:cs typeface="+mn-cs"/>
+              </a:defRPr>
+            </a:lvl1pPr>
+            <a:lvl2pPr marL="685800" indent="-228600" algn="l" defTabSz="914400" rtl="0" eaLnBrk="1" latinLnBrk="0" hangingPunct="1">
+              <a:lnSpc>
+                <a:spcPct val="90000"/>
+              </a:lnSpc>
+              <a:spcBef>
+                <a:spcPts val="500"/>
+              </a:spcBef>
+              <a:buFont typeface="Arial" panose="020B0604020202020204" pitchFamily="34" charset="0"/>
+              <a:buChar char="•"/>
+              <a:defRPr sz="2400" kern="1200">
+                <a:solidFill>
+                  <a:schemeClr val="tx1"/>
+                </a:solidFill>
+                <a:latin typeface="+mn-lt"/>
+                <a:ea typeface="+mn-ea"/>
+                <a:cs typeface="+mn-cs"/>
+              </a:defRPr>
+            </a:lvl2pPr>
+            <a:lvl3pPr marL="1143000" indent="-228600" algn="l" defTabSz="914400" rtl="0" eaLnBrk="1" latinLnBrk="0" hangingPunct="1">
+              <a:lnSpc>
+                <a:spcPct val="90000"/>
+              </a:lnSpc>
+              <a:spcBef>
+                <a:spcPts val="500"/>
+              </a:spcBef>
+              <a:buFont typeface="Arial" panose="020B0604020202020204" pitchFamily="34" charset="0"/>
+              <a:buChar char="•"/>
+              <a:defRPr sz="2000" kern="1200">
+                <a:solidFill>
+                  <a:schemeClr val="tx1"/>
+                </a:solidFill>
+                <a:latin typeface="+mn-lt"/>
+                <a:ea typeface="+mn-ea"/>
+                <a:cs typeface="+mn-cs"/>
+              </a:defRPr>
+            </a:lvl3pPr>
+            <a:lvl4pPr marL="1600200" indent="-228600" algn="l" defTabSz="914400" rtl="0" eaLnBrk="1" latinLnBrk="0" hangingPunct="1">
+              <a:lnSpc>
+                <a:spcPct val="90000"/>
+              </a:lnSpc>
+              <a:spcBef>
+                <a:spcPts val="500"/>
+              </a:spcBef>
+              <a:buFont typeface="Arial" panose="020B0604020202020204" pitchFamily="34" charset="0"/>
+              <a:buChar char="•"/>
+              <a:defRPr sz="1800" kern="1200">
+                <a:solidFill>
+                  <a:schemeClr val="tx1"/>
+                </a:solidFill>
+                <a:latin typeface="+mn-lt"/>
+                <a:ea typeface="+mn-ea"/>
+                <a:cs typeface="+mn-cs"/>
+              </a:defRPr>
+            </a:lvl4pPr>
+            <a:lvl5pPr marL="2057400" indent="-228600" algn="l" defTabSz="914400" rtl="0" eaLnBrk="1" latinLnBrk="0" hangingPunct="1">
+              <a:lnSpc>
+                <a:spcPct val="90000"/>
+              </a:lnSpc>
+              <a:spcBef>
+                <a:spcPts val="500"/>
+              </a:spcBef>
+              <a:buFont typeface="Arial" panose="020B0604020202020204" pitchFamily="34" charset="0"/>
+              <a:buChar char="•"/>
+              <a:defRPr sz="1800" kern="1200">
+                <a:solidFill>
+                  <a:schemeClr val="tx1"/>
+                </a:solidFill>
+                <a:latin typeface="+mn-lt"/>
+                <a:ea typeface="+mn-ea"/>
+                <a:cs typeface="+mn-cs"/>
+              </a:defRPr>
+            </a:lvl5pPr>
+            <a:lvl6pPr marL="2514600" indent="-228600" algn="l" defTabSz="914400" rtl="0" eaLnBrk="1" latinLnBrk="0" hangingPunct="1">
+              <a:lnSpc>
+                <a:spcPct val="90000"/>
+              </a:lnSpc>
+              <a:spcBef>
+                <a:spcPts val="500"/>
+              </a:spcBef>
+              <a:buFont typeface="Arial" panose="020B0604020202020204" pitchFamily="34" charset="0"/>
+              <a:buChar char="•"/>
+              <a:defRPr sz="1800" kern="1200">
+                <a:solidFill>
+                  <a:schemeClr val="tx1"/>
+                </a:solidFill>
+                <a:latin typeface="+mn-lt"/>
+                <a:ea typeface="+mn-ea"/>
+                <a:cs typeface="+mn-cs"/>
+              </a:defRPr>
+            </a:lvl6pPr>
+            <a:lvl7pPr marL="2971800" indent="-228600" algn="l" defTabSz="914400" rtl="0" eaLnBrk="1" latinLnBrk="0" hangingPunct="1">
+              <a:lnSpc>
+                <a:spcPct val="90000"/>
+              </a:lnSpc>
+              <a:spcBef>
+                <a:spcPts val="500"/>
+              </a:spcBef>
+              <a:buFont typeface="Arial" panose="020B0604020202020204" pitchFamily="34" charset="0"/>
+              <a:buChar char="•"/>
+              <a:defRPr sz="1800" kern="1200">
+                <a:solidFill>
+                  <a:schemeClr val="tx1"/>
+                </a:solidFill>
+                <a:latin typeface="+mn-lt"/>
+                <a:ea typeface="+mn-ea"/>
+                <a:cs typeface="+mn-cs"/>
+              </a:defRPr>
+            </a:lvl7pPr>
+            <a:lvl8pPr marL="3429000" indent="-228600" algn="l" defTabSz="914400" rtl="0" eaLnBrk="1" latinLnBrk="0" hangingPunct="1">
+              <a:lnSpc>
+                <a:spcPct val="90000"/>
+              </a:lnSpc>
+              <a:spcBef>
+                <a:spcPts val="500"/>
+              </a:spcBef>
+              <a:buFont typeface="Arial" panose="020B0604020202020204" pitchFamily="34" charset="0"/>
+              <a:buChar char="•"/>
+              <a:defRPr sz="1800" kern="1200">
+                <a:solidFill>
+                  <a:schemeClr val="tx1"/>
+                </a:solidFill>
+                <a:latin typeface="+mn-lt"/>
+                <a:ea typeface="+mn-ea"/>
+                <a:cs typeface="+mn-cs"/>
+              </a:defRPr>
+            </a:lvl8pPr>
+            <a:lvl9pPr marL="3886200" indent="-228600" algn="l" defTabSz="914400" rtl="0" eaLnBrk="1" latinLnBrk="0" hangingPunct="1">
+              <a:lnSpc>
+                <a:spcPct val="90000"/>
+              </a:lnSpc>
+              <a:spcBef>
+                <a:spcPts val="500"/>
+              </a:spcBef>
+              <a:buFont typeface="Arial" panose="020B0604020202020204" pitchFamily="34" charset="0"/>
+              <a:buChar char="•"/>
+              <a:defRPr sz="1800" kern="1200">
+                <a:solidFill>
+                  <a:schemeClr val="tx1"/>
+                </a:solidFill>
+                <a:latin typeface="+mn-lt"/>
+                <a:ea typeface="+mn-ea"/>
+                <a:cs typeface="+mn-cs"/>
+              </a:defRPr>
+            </a:lvl9pPr>
+          </a:lstStyle>
+          <a:p>
+            <a:pPr>
+              <a:buFont typeface="Wingdings" panose="05000000000000000000" pitchFamily="2" charset="2"/>
+              <a:buChar char="Ø"/>
+            </a:pPr>
+            <a:r>
+              <a:rPr lang="en-US" dirty="0">
+                <a:solidFill>
+                  <a:schemeClr val="tx1">
+                    <a:lumMod val="75000"/>
+                    <a:lumOff val="25000"/>
+                  </a:schemeClr>
+                </a:solidFill>
+              </a:rPr>
+              <a:t> </a:t>
+            </a:r>
+            <a:r>
+              <a:rPr lang="en-US" dirty="0">
+                <a:solidFill>
+                  <a:schemeClr val="tx1">
+                    <a:lumMod val="75000"/>
+                    <a:lumOff val="25000"/>
+                  </a:schemeClr>
+                </a:solidFill>
+                <a:latin typeface="Palatino Linotype" panose="02040502050505030304" pitchFamily="18" charset="0"/>
+              </a:rPr>
+              <a:t>Vocabulary</a:t>
+            </a:r>
+          </a:p>
+        </p:txBody>
+      </p:sp>
+    </p:spTree>
+    <p:extLst>
+      <p:ext uri="{BB962C8B-B14F-4D97-AF65-F5344CB8AC3E}">
+        <p14:creationId xmlns:p14="http://schemas.microsoft.com/office/powerpoint/2010/main" val="1416141381"/>
+      </p:ext>
+    </p:extLst>
+  </p:cSld>
+  <p:clrMapOvr>
+    <a:masterClrMapping/>
+  </p:clrMapOvr>
+</p:sld>
+</file>
+
+<file path=ppt/slides/slide20.xml><?xml version="1.0" encoding="utf-8"?>
 <p:sld xmlns:a="http://schemas.openxmlformats.org/drawingml/2006/main" xmlns:r="http://schemas.openxmlformats.org/officeDocument/2006/relationships" xmlns:p="http://schemas.openxmlformats.org/presentationml/2006/main">
   <p:cSld>
     <p:spTree>
@@ -12226,784 +13330,7 @@
 </p:sld>
 </file>
 
-<file path=ppt/slides/slide2.xml><?xml version="1.0" encoding="utf-8"?>
-<p:sld xmlns:a="http://schemas.openxmlformats.org/drawingml/2006/main" xmlns:r="http://schemas.openxmlformats.org/officeDocument/2006/relationships" xmlns:p="http://schemas.openxmlformats.org/presentationml/2006/main">
-  <p:cSld>
-    <p:spTree>
-      <p:nvGrpSpPr>
-        <p:cNvPr id="1" name=""/>
-        <p:cNvGrpSpPr/>
-        <p:nvPr/>
-      </p:nvGrpSpPr>
-      <p:grpSpPr>
-        <a:xfrm>
-          <a:off x="0" y="0"/>
-          <a:ext cx="0" cy="0"/>
-          <a:chOff x="0" y="0"/>
-          <a:chExt cx="0" cy="0"/>
-        </a:xfrm>
-      </p:grpSpPr>
-      <p:sp>
-        <p:nvSpPr>
-          <p:cNvPr id="2" name="Title 1">
-            <a:extLst>
-              <a:ext uri="{FF2B5EF4-FFF2-40B4-BE49-F238E27FC236}">
-                <a16:creationId xmlns:a16="http://schemas.microsoft.com/office/drawing/2014/main" id="{0E138177-E2EE-ACAC-A57C-F03FA29EC836}"/>
-              </a:ext>
-            </a:extLst>
-          </p:cNvPr>
-          <p:cNvSpPr>
-            <a:spLocks noGrp="1"/>
-          </p:cNvSpPr>
-          <p:nvPr>
-            <p:ph type="title"/>
-          </p:nvPr>
-        </p:nvSpPr>
-        <p:spPr/>
-        <p:txBody>
-          <a:bodyPr/>
-          <a:lstStyle/>
-          <a:p>
-            <a:r>
-              <a:rPr lang="en-US" dirty="0">
-                <a:solidFill>
-                  <a:schemeClr val="tx1">
-                    <a:lumMod val="75000"/>
-                    <a:lumOff val="25000"/>
-                  </a:schemeClr>
-                </a:solidFill>
-                <a:latin typeface="Palatino Linotype" panose="02040502050505030304" pitchFamily="18" charset="0"/>
-              </a:rPr>
-              <a:t>Lesson Overview</a:t>
-            </a:r>
-          </a:p>
-        </p:txBody>
-      </p:sp>
-      <p:sp>
-        <p:nvSpPr>
-          <p:cNvPr id="3" name="Content Placeholder 2">
-            <a:extLst>
-              <a:ext uri="{FF2B5EF4-FFF2-40B4-BE49-F238E27FC236}">
-                <a16:creationId xmlns:a16="http://schemas.microsoft.com/office/drawing/2014/main" id="{8626DB86-54B4-A1E2-6C25-C049F364ED25}"/>
-              </a:ext>
-            </a:extLst>
-          </p:cNvPr>
-          <p:cNvSpPr>
-            <a:spLocks noGrp="1"/>
-          </p:cNvSpPr>
-          <p:nvPr>
-            <p:ph idx="1"/>
-          </p:nvPr>
-        </p:nvSpPr>
-        <p:spPr>
-          <a:xfrm>
-            <a:off x="1013564" y="1825626"/>
-            <a:ext cx="10515600" cy="504215"/>
-          </a:xfrm>
-        </p:spPr>
-        <p:txBody>
-          <a:bodyPr/>
-          <a:lstStyle/>
-          <a:p>
-            <a:pPr>
-              <a:buFont typeface="Wingdings" panose="05000000000000000000" pitchFamily="2" charset="2"/>
-              <a:buChar char="Ø"/>
-            </a:pPr>
-            <a:r>
-              <a:rPr lang="en-US" dirty="0">
-                <a:solidFill>
-                  <a:schemeClr val="tx1">
-                    <a:lumMod val="75000"/>
-                    <a:lumOff val="25000"/>
-                  </a:schemeClr>
-                </a:solidFill>
-              </a:rPr>
-              <a:t> </a:t>
-            </a:r>
-            <a:r>
-              <a:rPr lang="en-US" dirty="0">
-                <a:solidFill>
-                  <a:schemeClr val="tx1">
-                    <a:lumMod val="75000"/>
-                    <a:lumOff val="25000"/>
-                  </a:schemeClr>
-                </a:solidFill>
-                <a:latin typeface="Palatino Linotype" panose="02040502050505030304" pitchFamily="18" charset="0"/>
-              </a:rPr>
-              <a:t>JupyterLab / CoLab</a:t>
-            </a:r>
-          </a:p>
-        </p:txBody>
-      </p:sp>
-      <p:sp>
-        <p:nvSpPr>
-          <p:cNvPr id="5" name="Content Placeholder 2">
-            <a:extLst>
-              <a:ext uri="{FF2B5EF4-FFF2-40B4-BE49-F238E27FC236}">
-                <a16:creationId xmlns:a16="http://schemas.microsoft.com/office/drawing/2014/main" id="{7070644F-62DF-8674-4A8A-C2FA1554028E}"/>
-              </a:ext>
-            </a:extLst>
-          </p:cNvPr>
-          <p:cNvSpPr txBox="1">
-            <a:spLocks/>
-          </p:cNvSpPr>
-          <p:nvPr/>
-        </p:nvSpPr>
-        <p:spPr>
-          <a:xfrm>
-            <a:off x="1013564" y="2464778"/>
-            <a:ext cx="10515600" cy="504215"/>
-          </a:xfrm>
-          <a:prstGeom prst="rect">
-            <a:avLst/>
-          </a:prstGeom>
-        </p:spPr>
-        <p:txBody>
-          <a:bodyPr vert="horz" lIns="91440" tIns="45720" rIns="91440" bIns="45720" rtlCol="0">
-            <a:normAutofit/>
-          </a:bodyPr>
-          <a:lstStyle>
-            <a:lvl1pPr marL="228600" indent="-228600" algn="l" defTabSz="914400" rtl="0" eaLnBrk="1" latinLnBrk="0" hangingPunct="1">
-              <a:lnSpc>
-                <a:spcPct val="90000"/>
-              </a:lnSpc>
-              <a:spcBef>
-                <a:spcPts val="1000"/>
-              </a:spcBef>
-              <a:buFont typeface="Arial" panose="020B0604020202020204" pitchFamily="34" charset="0"/>
-              <a:buChar char="•"/>
-              <a:defRPr sz="2800" kern="1200">
-                <a:solidFill>
-                  <a:schemeClr val="tx1"/>
-                </a:solidFill>
-                <a:latin typeface="+mn-lt"/>
-                <a:ea typeface="+mn-ea"/>
-                <a:cs typeface="+mn-cs"/>
-              </a:defRPr>
-            </a:lvl1pPr>
-            <a:lvl2pPr marL="685800" indent="-228600" algn="l" defTabSz="914400" rtl="0" eaLnBrk="1" latinLnBrk="0" hangingPunct="1">
-              <a:lnSpc>
-                <a:spcPct val="90000"/>
-              </a:lnSpc>
-              <a:spcBef>
-                <a:spcPts val="500"/>
-              </a:spcBef>
-              <a:buFont typeface="Arial" panose="020B0604020202020204" pitchFamily="34" charset="0"/>
-              <a:buChar char="•"/>
-              <a:defRPr sz="2400" kern="1200">
-                <a:solidFill>
-                  <a:schemeClr val="tx1"/>
-                </a:solidFill>
-                <a:latin typeface="+mn-lt"/>
-                <a:ea typeface="+mn-ea"/>
-                <a:cs typeface="+mn-cs"/>
-              </a:defRPr>
-            </a:lvl2pPr>
-            <a:lvl3pPr marL="1143000" indent="-228600" algn="l" defTabSz="914400" rtl="0" eaLnBrk="1" latinLnBrk="0" hangingPunct="1">
-              <a:lnSpc>
-                <a:spcPct val="90000"/>
-              </a:lnSpc>
-              <a:spcBef>
-                <a:spcPts val="500"/>
-              </a:spcBef>
-              <a:buFont typeface="Arial" panose="020B0604020202020204" pitchFamily="34" charset="0"/>
-              <a:buChar char="•"/>
-              <a:defRPr sz="2000" kern="1200">
-                <a:solidFill>
-                  <a:schemeClr val="tx1"/>
-                </a:solidFill>
-                <a:latin typeface="+mn-lt"/>
-                <a:ea typeface="+mn-ea"/>
-                <a:cs typeface="+mn-cs"/>
-              </a:defRPr>
-            </a:lvl3pPr>
-            <a:lvl4pPr marL="1600200" indent="-228600" algn="l" defTabSz="914400" rtl="0" eaLnBrk="1" latinLnBrk="0" hangingPunct="1">
-              <a:lnSpc>
-                <a:spcPct val="90000"/>
-              </a:lnSpc>
-              <a:spcBef>
-                <a:spcPts val="500"/>
-              </a:spcBef>
-              <a:buFont typeface="Arial" panose="020B0604020202020204" pitchFamily="34" charset="0"/>
-              <a:buChar char="•"/>
-              <a:defRPr sz="1800" kern="1200">
-                <a:solidFill>
-                  <a:schemeClr val="tx1"/>
-                </a:solidFill>
-                <a:latin typeface="+mn-lt"/>
-                <a:ea typeface="+mn-ea"/>
-                <a:cs typeface="+mn-cs"/>
-              </a:defRPr>
-            </a:lvl4pPr>
-            <a:lvl5pPr marL="2057400" indent="-228600" algn="l" defTabSz="914400" rtl="0" eaLnBrk="1" latinLnBrk="0" hangingPunct="1">
-              <a:lnSpc>
-                <a:spcPct val="90000"/>
-              </a:lnSpc>
-              <a:spcBef>
-                <a:spcPts val="500"/>
-              </a:spcBef>
-              <a:buFont typeface="Arial" panose="020B0604020202020204" pitchFamily="34" charset="0"/>
-              <a:buChar char="•"/>
-              <a:defRPr sz="1800" kern="1200">
-                <a:solidFill>
-                  <a:schemeClr val="tx1"/>
-                </a:solidFill>
-                <a:latin typeface="+mn-lt"/>
-                <a:ea typeface="+mn-ea"/>
-                <a:cs typeface="+mn-cs"/>
-              </a:defRPr>
-            </a:lvl5pPr>
-            <a:lvl6pPr marL="2514600" indent="-228600" algn="l" defTabSz="914400" rtl="0" eaLnBrk="1" latinLnBrk="0" hangingPunct="1">
-              <a:lnSpc>
-                <a:spcPct val="90000"/>
-              </a:lnSpc>
-              <a:spcBef>
-                <a:spcPts val="500"/>
-              </a:spcBef>
-              <a:buFont typeface="Arial" panose="020B0604020202020204" pitchFamily="34" charset="0"/>
-              <a:buChar char="•"/>
-              <a:defRPr sz="1800" kern="1200">
-                <a:solidFill>
-                  <a:schemeClr val="tx1"/>
-                </a:solidFill>
-                <a:latin typeface="+mn-lt"/>
-                <a:ea typeface="+mn-ea"/>
-                <a:cs typeface="+mn-cs"/>
-              </a:defRPr>
-            </a:lvl6pPr>
-            <a:lvl7pPr marL="2971800" indent="-228600" algn="l" defTabSz="914400" rtl="0" eaLnBrk="1" latinLnBrk="0" hangingPunct="1">
-              <a:lnSpc>
-                <a:spcPct val="90000"/>
-              </a:lnSpc>
-              <a:spcBef>
-                <a:spcPts val="500"/>
-              </a:spcBef>
-              <a:buFont typeface="Arial" panose="020B0604020202020204" pitchFamily="34" charset="0"/>
-              <a:buChar char="•"/>
-              <a:defRPr sz="1800" kern="1200">
-                <a:solidFill>
-                  <a:schemeClr val="tx1"/>
-                </a:solidFill>
-                <a:latin typeface="+mn-lt"/>
-                <a:ea typeface="+mn-ea"/>
-                <a:cs typeface="+mn-cs"/>
-              </a:defRPr>
-            </a:lvl7pPr>
-            <a:lvl8pPr marL="3429000" indent="-228600" algn="l" defTabSz="914400" rtl="0" eaLnBrk="1" latinLnBrk="0" hangingPunct="1">
-              <a:lnSpc>
-                <a:spcPct val="90000"/>
-              </a:lnSpc>
-              <a:spcBef>
-                <a:spcPts val="500"/>
-              </a:spcBef>
-              <a:buFont typeface="Arial" panose="020B0604020202020204" pitchFamily="34" charset="0"/>
-              <a:buChar char="•"/>
-              <a:defRPr sz="1800" kern="1200">
-                <a:solidFill>
-                  <a:schemeClr val="tx1"/>
-                </a:solidFill>
-                <a:latin typeface="+mn-lt"/>
-                <a:ea typeface="+mn-ea"/>
-                <a:cs typeface="+mn-cs"/>
-              </a:defRPr>
-            </a:lvl8pPr>
-            <a:lvl9pPr marL="3886200" indent="-228600" algn="l" defTabSz="914400" rtl="0" eaLnBrk="1" latinLnBrk="0" hangingPunct="1">
-              <a:lnSpc>
-                <a:spcPct val="90000"/>
-              </a:lnSpc>
-              <a:spcBef>
-                <a:spcPts val="500"/>
-              </a:spcBef>
-              <a:buFont typeface="Arial" panose="020B0604020202020204" pitchFamily="34" charset="0"/>
-              <a:buChar char="•"/>
-              <a:defRPr sz="1800" kern="1200">
-                <a:solidFill>
-                  <a:schemeClr val="tx1"/>
-                </a:solidFill>
-                <a:latin typeface="+mn-lt"/>
-                <a:ea typeface="+mn-ea"/>
-                <a:cs typeface="+mn-cs"/>
-              </a:defRPr>
-            </a:lvl9pPr>
-          </a:lstStyle>
-          <a:p>
-            <a:pPr>
-              <a:buFont typeface="Wingdings" panose="05000000000000000000" pitchFamily="2" charset="2"/>
-              <a:buChar char="Ø"/>
-            </a:pPr>
-            <a:r>
-              <a:rPr lang="en-US" dirty="0">
-                <a:solidFill>
-                  <a:schemeClr val="tx1">
-                    <a:lumMod val="75000"/>
-                    <a:lumOff val="25000"/>
-                  </a:schemeClr>
-                </a:solidFill>
-              </a:rPr>
-              <a:t> </a:t>
-            </a:r>
-            <a:r>
-              <a:rPr lang="en-US" dirty="0">
-                <a:solidFill>
-                  <a:schemeClr val="tx1">
-                    <a:lumMod val="75000"/>
-                    <a:lumOff val="25000"/>
-                  </a:schemeClr>
-                </a:solidFill>
-                <a:latin typeface="Palatino Linotype" panose="02040502050505030304" pitchFamily="18" charset="0"/>
-              </a:rPr>
-              <a:t>Biology of Vision</a:t>
-            </a:r>
-          </a:p>
-        </p:txBody>
-      </p:sp>
-      <p:sp>
-        <p:nvSpPr>
-          <p:cNvPr id="6" name="Content Placeholder 2">
-            <a:extLst>
-              <a:ext uri="{FF2B5EF4-FFF2-40B4-BE49-F238E27FC236}">
-                <a16:creationId xmlns:a16="http://schemas.microsoft.com/office/drawing/2014/main" id="{FF2490E1-D7A0-7027-6DCC-60BB6819CD9E}"/>
-              </a:ext>
-            </a:extLst>
-          </p:cNvPr>
-          <p:cNvSpPr txBox="1">
-            <a:spLocks/>
-          </p:cNvSpPr>
-          <p:nvPr/>
-        </p:nvSpPr>
-        <p:spPr>
-          <a:xfrm>
-            <a:off x="1013564" y="3103930"/>
-            <a:ext cx="10515600" cy="504215"/>
-          </a:xfrm>
-          <a:prstGeom prst="rect">
-            <a:avLst/>
-          </a:prstGeom>
-        </p:spPr>
-        <p:txBody>
-          <a:bodyPr vert="horz" lIns="91440" tIns="45720" rIns="91440" bIns="45720" rtlCol="0">
-            <a:normAutofit/>
-          </a:bodyPr>
-          <a:lstStyle>
-            <a:lvl1pPr marL="228600" indent="-228600" algn="l" defTabSz="914400" rtl="0" eaLnBrk="1" latinLnBrk="0" hangingPunct="1">
-              <a:lnSpc>
-                <a:spcPct val="90000"/>
-              </a:lnSpc>
-              <a:spcBef>
-                <a:spcPts val="1000"/>
-              </a:spcBef>
-              <a:buFont typeface="Arial" panose="020B0604020202020204" pitchFamily="34" charset="0"/>
-              <a:buChar char="•"/>
-              <a:defRPr sz="2800" kern="1200">
-                <a:solidFill>
-                  <a:schemeClr val="tx1"/>
-                </a:solidFill>
-                <a:latin typeface="+mn-lt"/>
-                <a:ea typeface="+mn-ea"/>
-                <a:cs typeface="+mn-cs"/>
-              </a:defRPr>
-            </a:lvl1pPr>
-            <a:lvl2pPr marL="685800" indent="-228600" algn="l" defTabSz="914400" rtl="0" eaLnBrk="1" latinLnBrk="0" hangingPunct="1">
-              <a:lnSpc>
-                <a:spcPct val="90000"/>
-              </a:lnSpc>
-              <a:spcBef>
-                <a:spcPts val="500"/>
-              </a:spcBef>
-              <a:buFont typeface="Arial" panose="020B0604020202020204" pitchFamily="34" charset="0"/>
-              <a:buChar char="•"/>
-              <a:defRPr sz="2400" kern="1200">
-                <a:solidFill>
-                  <a:schemeClr val="tx1"/>
-                </a:solidFill>
-                <a:latin typeface="+mn-lt"/>
-                <a:ea typeface="+mn-ea"/>
-                <a:cs typeface="+mn-cs"/>
-              </a:defRPr>
-            </a:lvl2pPr>
-            <a:lvl3pPr marL="1143000" indent="-228600" algn="l" defTabSz="914400" rtl="0" eaLnBrk="1" latinLnBrk="0" hangingPunct="1">
-              <a:lnSpc>
-                <a:spcPct val="90000"/>
-              </a:lnSpc>
-              <a:spcBef>
-                <a:spcPts val="500"/>
-              </a:spcBef>
-              <a:buFont typeface="Arial" panose="020B0604020202020204" pitchFamily="34" charset="0"/>
-              <a:buChar char="•"/>
-              <a:defRPr sz="2000" kern="1200">
-                <a:solidFill>
-                  <a:schemeClr val="tx1"/>
-                </a:solidFill>
-                <a:latin typeface="+mn-lt"/>
-                <a:ea typeface="+mn-ea"/>
-                <a:cs typeface="+mn-cs"/>
-              </a:defRPr>
-            </a:lvl3pPr>
-            <a:lvl4pPr marL="1600200" indent="-228600" algn="l" defTabSz="914400" rtl="0" eaLnBrk="1" latinLnBrk="0" hangingPunct="1">
-              <a:lnSpc>
-                <a:spcPct val="90000"/>
-              </a:lnSpc>
-              <a:spcBef>
-                <a:spcPts val="500"/>
-              </a:spcBef>
-              <a:buFont typeface="Arial" panose="020B0604020202020204" pitchFamily="34" charset="0"/>
-              <a:buChar char="•"/>
-              <a:defRPr sz="1800" kern="1200">
-                <a:solidFill>
-                  <a:schemeClr val="tx1"/>
-                </a:solidFill>
-                <a:latin typeface="+mn-lt"/>
-                <a:ea typeface="+mn-ea"/>
-                <a:cs typeface="+mn-cs"/>
-              </a:defRPr>
-            </a:lvl4pPr>
-            <a:lvl5pPr marL="2057400" indent="-228600" algn="l" defTabSz="914400" rtl="0" eaLnBrk="1" latinLnBrk="0" hangingPunct="1">
-              <a:lnSpc>
-                <a:spcPct val="90000"/>
-              </a:lnSpc>
-              <a:spcBef>
-                <a:spcPts val="500"/>
-              </a:spcBef>
-              <a:buFont typeface="Arial" panose="020B0604020202020204" pitchFamily="34" charset="0"/>
-              <a:buChar char="•"/>
-              <a:defRPr sz="1800" kern="1200">
-                <a:solidFill>
-                  <a:schemeClr val="tx1"/>
-                </a:solidFill>
-                <a:latin typeface="+mn-lt"/>
-                <a:ea typeface="+mn-ea"/>
-                <a:cs typeface="+mn-cs"/>
-              </a:defRPr>
-            </a:lvl5pPr>
-            <a:lvl6pPr marL="2514600" indent="-228600" algn="l" defTabSz="914400" rtl="0" eaLnBrk="1" latinLnBrk="0" hangingPunct="1">
-              <a:lnSpc>
-                <a:spcPct val="90000"/>
-              </a:lnSpc>
-              <a:spcBef>
-                <a:spcPts val="500"/>
-              </a:spcBef>
-              <a:buFont typeface="Arial" panose="020B0604020202020204" pitchFamily="34" charset="0"/>
-              <a:buChar char="•"/>
-              <a:defRPr sz="1800" kern="1200">
-                <a:solidFill>
-                  <a:schemeClr val="tx1"/>
-                </a:solidFill>
-                <a:latin typeface="+mn-lt"/>
-                <a:ea typeface="+mn-ea"/>
-                <a:cs typeface="+mn-cs"/>
-              </a:defRPr>
-            </a:lvl6pPr>
-            <a:lvl7pPr marL="2971800" indent="-228600" algn="l" defTabSz="914400" rtl="0" eaLnBrk="1" latinLnBrk="0" hangingPunct="1">
-              <a:lnSpc>
-                <a:spcPct val="90000"/>
-              </a:lnSpc>
-              <a:spcBef>
-                <a:spcPts val="500"/>
-              </a:spcBef>
-              <a:buFont typeface="Arial" panose="020B0604020202020204" pitchFamily="34" charset="0"/>
-              <a:buChar char="•"/>
-              <a:defRPr sz="1800" kern="1200">
-                <a:solidFill>
-                  <a:schemeClr val="tx1"/>
-                </a:solidFill>
-                <a:latin typeface="+mn-lt"/>
-                <a:ea typeface="+mn-ea"/>
-                <a:cs typeface="+mn-cs"/>
-              </a:defRPr>
-            </a:lvl7pPr>
-            <a:lvl8pPr marL="3429000" indent="-228600" algn="l" defTabSz="914400" rtl="0" eaLnBrk="1" latinLnBrk="0" hangingPunct="1">
-              <a:lnSpc>
-                <a:spcPct val="90000"/>
-              </a:lnSpc>
-              <a:spcBef>
-                <a:spcPts val="500"/>
-              </a:spcBef>
-              <a:buFont typeface="Arial" panose="020B0604020202020204" pitchFamily="34" charset="0"/>
-              <a:buChar char="•"/>
-              <a:defRPr sz="1800" kern="1200">
-                <a:solidFill>
-                  <a:schemeClr val="tx1"/>
-                </a:solidFill>
-                <a:latin typeface="+mn-lt"/>
-                <a:ea typeface="+mn-ea"/>
-                <a:cs typeface="+mn-cs"/>
-              </a:defRPr>
-            </a:lvl8pPr>
-            <a:lvl9pPr marL="3886200" indent="-228600" algn="l" defTabSz="914400" rtl="0" eaLnBrk="1" latinLnBrk="0" hangingPunct="1">
-              <a:lnSpc>
-                <a:spcPct val="90000"/>
-              </a:lnSpc>
-              <a:spcBef>
-                <a:spcPts val="500"/>
-              </a:spcBef>
-              <a:buFont typeface="Arial" panose="020B0604020202020204" pitchFamily="34" charset="0"/>
-              <a:buChar char="•"/>
-              <a:defRPr sz="1800" kern="1200">
-                <a:solidFill>
-                  <a:schemeClr val="tx1"/>
-                </a:solidFill>
-                <a:latin typeface="+mn-lt"/>
-                <a:ea typeface="+mn-ea"/>
-                <a:cs typeface="+mn-cs"/>
-              </a:defRPr>
-            </a:lvl9pPr>
-          </a:lstStyle>
-          <a:p>
-            <a:pPr>
-              <a:buFont typeface="Wingdings" panose="05000000000000000000" pitchFamily="2" charset="2"/>
-              <a:buChar char="Ø"/>
-            </a:pPr>
-            <a:r>
-              <a:rPr lang="en-US" dirty="0">
-                <a:solidFill>
-                  <a:schemeClr val="tx1">
-                    <a:lumMod val="75000"/>
-                    <a:lumOff val="25000"/>
-                  </a:schemeClr>
-                </a:solidFill>
-                <a:latin typeface="Palatino Linotype" panose="02040502050505030304" pitchFamily="18" charset="0"/>
-              </a:rPr>
-              <a:t> Image Basics</a:t>
-            </a:r>
-          </a:p>
-        </p:txBody>
-      </p:sp>
-      <p:sp>
-        <p:nvSpPr>
-          <p:cNvPr id="7" name="Content Placeholder 2">
-            <a:extLst>
-              <a:ext uri="{FF2B5EF4-FFF2-40B4-BE49-F238E27FC236}">
-                <a16:creationId xmlns:a16="http://schemas.microsoft.com/office/drawing/2014/main" id="{6D3279E5-D518-B484-9FCF-B12663A4E8FF}"/>
-              </a:ext>
-            </a:extLst>
-          </p:cNvPr>
-          <p:cNvSpPr txBox="1">
-            <a:spLocks/>
-          </p:cNvSpPr>
-          <p:nvPr/>
-        </p:nvSpPr>
-        <p:spPr>
-          <a:xfrm>
-            <a:off x="1013564" y="3743082"/>
-            <a:ext cx="10515600" cy="504215"/>
-          </a:xfrm>
-          <a:prstGeom prst="rect">
-            <a:avLst/>
-          </a:prstGeom>
-        </p:spPr>
-        <p:txBody>
-          <a:bodyPr vert="horz" lIns="91440" tIns="45720" rIns="91440" bIns="45720" rtlCol="0">
-            <a:normAutofit/>
-          </a:bodyPr>
-          <a:lstStyle>
-            <a:lvl1pPr marL="228600" indent="-228600" algn="l" defTabSz="914400" rtl="0" eaLnBrk="1" latinLnBrk="0" hangingPunct="1">
-              <a:lnSpc>
-                <a:spcPct val="90000"/>
-              </a:lnSpc>
-              <a:spcBef>
-                <a:spcPts val="1000"/>
-              </a:spcBef>
-              <a:buFont typeface="Arial" panose="020B0604020202020204" pitchFamily="34" charset="0"/>
-              <a:buChar char="•"/>
-              <a:defRPr sz="2800" kern="1200">
-                <a:solidFill>
-                  <a:schemeClr val="tx1"/>
-                </a:solidFill>
-                <a:latin typeface="+mn-lt"/>
-                <a:ea typeface="+mn-ea"/>
-                <a:cs typeface="+mn-cs"/>
-              </a:defRPr>
-            </a:lvl1pPr>
-            <a:lvl2pPr marL="685800" indent="-228600" algn="l" defTabSz="914400" rtl="0" eaLnBrk="1" latinLnBrk="0" hangingPunct="1">
-              <a:lnSpc>
-                <a:spcPct val="90000"/>
-              </a:lnSpc>
-              <a:spcBef>
-                <a:spcPts val="500"/>
-              </a:spcBef>
-              <a:buFont typeface="Arial" panose="020B0604020202020204" pitchFamily="34" charset="0"/>
-              <a:buChar char="•"/>
-              <a:defRPr sz="2400" kern="1200">
-                <a:solidFill>
-                  <a:schemeClr val="tx1"/>
-                </a:solidFill>
-                <a:latin typeface="+mn-lt"/>
-                <a:ea typeface="+mn-ea"/>
-                <a:cs typeface="+mn-cs"/>
-              </a:defRPr>
-            </a:lvl2pPr>
-            <a:lvl3pPr marL="1143000" indent="-228600" algn="l" defTabSz="914400" rtl="0" eaLnBrk="1" latinLnBrk="0" hangingPunct="1">
-              <a:lnSpc>
-                <a:spcPct val="90000"/>
-              </a:lnSpc>
-              <a:spcBef>
-                <a:spcPts val="500"/>
-              </a:spcBef>
-              <a:buFont typeface="Arial" panose="020B0604020202020204" pitchFamily="34" charset="0"/>
-              <a:buChar char="•"/>
-              <a:defRPr sz="2000" kern="1200">
-                <a:solidFill>
-                  <a:schemeClr val="tx1"/>
-                </a:solidFill>
-                <a:latin typeface="+mn-lt"/>
-                <a:ea typeface="+mn-ea"/>
-                <a:cs typeface="+mn-cs"/>
-              </a:defRPr>
-            </a:lvl3pPr>
-            <a:lvl4pPr marL="1600200" indent="-228600" algn="l" defTabSz="914400" rtl="0" eaLnBrk="1" latinLnBrk="0" hangingPunct="1">
-              <a:lnSpc>
-                <a:spcPct val="90000"/>
-              </a:lnSpc>
-              <a:spcBef>
-                <a:spcPts val="500"/>
-              </a:spcBef>
-              <a:buFont typeface="Arial" panose="020B0604020202020204" pitchFamily="34" charset="0"/>
-              <a:buChar char="•"/>
-              <a:defRPr sz="1800" kern="1200">
-                <a:solidFill>
-                  <a:schemeClr val="tx1"/>
-                </a:solidFill>
-                <a:latin typeface="+mn-lt"/>
-                <a:ea typeface="+mn-ea"/>
-                <a:cs typeface="+mn-cs"/>
-              </a:defRPr>
-            </a:lvl4pPr>
-            <a:lvl5pPr marL="2057400" indent="-228600" algn="l" defTabSz="914400" rtl="0" eaLnBrk="1" latinLnBrk="0" hangingPunct="1">
-              <a:lnSpc>
-                <a:spcPct val="90000"/>
-              </a:lnSpc>
-              <a:spcBef>
-                <a:spcPts val="500"/>
-              </a:spcBef>
-              <a:buFont typeface="Arial" panose="020B0604020202020204" pitchFamily="34" charset="0"/>
-              <a:buChar char="•"/>
-              <a:defRPr sz="1800" kern="1200">
-                <a:solidFill>
-                  <a:schemeClr val="tx1"/>
-                </a:solidFill>
-                <a:latin typeface="+mn-lt"/>
-                <a:ea typeface="+mn-ea"/>
-                <a:cs typeface="+mn-cs"/>
-              </a:defRPr>
-            </a:lvl5pPr>
-            <a:lvl6pPr marL="2514600" indent="-228600" algn="l" defTabSz="914400" rtl="0" eaLnBrk="1" latinLnBrk="0" hangingPunct="1">
-              <a:lnSpc>
-                <a:spcPct val="90000"/>
-              </a:lnSpc>
-              <a:spcBef>
-                <a:spcPts val="500"/>
-              </a:spcBef>
-              <a:buFont typeface="Arial" panose="020B0604020202020204" pitchFamily="34" charset="0"/>
-              <a:buChar char="•"/>
-              <a:defRPr sz="1800" kern="1200">
-                <a:solidFill>
-                  <a:schemeClr val="tx1"/>
-                </a:solidFill>
-                <a:latin typeface="+mn-lt"/>
-                <a:ea typeface="+mn-ea"/>
-                <a:cs typeface="+mn-cs"/>
-              </a:defRPr>
-            </a:lvl6pPr>
-            <a:lvl7pPr marL="2971800" indent="-228600" algn="l" defTabSz="914400" rtl="0" eaLnBrk="1" latinLnBrk="0" hangingPunct="1">
-              <a:lnSpc>
-                <a:spcPct val="90000"/>
-              </a:lnSpc>
-              <a:spcBef>
-                <a:spcPts val="500"/>
-              </a:spcBef>
-              <a:buFont typeface="Arial" panose="020B0604020202020204" pitchFamily="34" charset="0"/>
-              <a:buChar char="•"/>
-              <a:defRPr sz="1800" kern="1200">
-                <a:solidFill>
-                  <a:schemeClr val="tx1"/>
-                </a:solidFill>
-                <a:latin typeface="+mn-lt"/>
-                <a:ea typeface="+mn-ea"/>
-                <a:cs typeface="+mn-cs"/>
-              </a:defRPr>
-            </a:lvl7pPr>
-            <a:lvl8pPr marL="3429000" indent="-228600" algn="l" defTabSz="914400" rtl="0" eaLnBrk="1" latinLnBrk="0" hangingPunct="1">
-              <a:lnSpc>
-                <a:spcPct val="90000"/>
-              </a:lnSpc>
-              <a:spcBef>
-                <a:spcPts val="500"/>
-              </a:spcBef>
-              <a:buFont typeface="Arial" panose="020B0604020202020204" pitchFamily="34" charset="0"/>
-              <a:buChar char="•"/>
-              <a:defRPr sz="1800" kern="1200">
-                <a:solidFill>
-                  <a:schemeClr val="tx1"/>
-                </a:solidFill>
-                <a:latin typeface="+mn-lt"/>
-                <a:ea typeface="+mn-ea"/>
-                <a:cs typeface="+mn-cs"/>
-              </a:defRPr>
-            </a:lvl8pPr>
-            <a:lvl9pPr marL="3886200" indent="-228600" algn="l" defTabSz="914400" rtl="0" eaLnBrk="1" latinLnBrk="0" hangingPunct="1">
-              <a:lnSpc>
-                <a:spcPct val="90000"/>
-              </a:lnSpc>
-              <a:spcBef>
-                <a:spcPts val="500"/>
-              </a:spcBef>
-              <a:buFont typeface="Arial" panose="020B0604020202020204" pitchFamily="34" charset="0"/>
-              <a:buChar char="•"/>
-              <a:defRPr sz="1800" kern="1200">
-                <a:solidFill>
-                  <a:schemeClr val="tx1"/>
-                </a:solidFill>
-                <a:latin typeface="+mn-lt"/>
-                <a:ea typeface="+mn-ea"/>
-                <a:cs typeface="+mn-cs"/>
-              </a:defRPr>
-            </a:lvl9pPr>
-          </a:lstStyle>
-          <a:p>
-            <a:pPr>
-              <a:buFont typeface="Wingdings" panose="05000000000000000000" pitchFamily="2" charset="2"/>
-              <a:buChar char="Ø"/>
-            </a:pPr>
-            <a:r>
-              <a:rPr lang="en-US" dirty="0">
-                <a:solidFill>
-                  <a:schemeClr val="tx1">
-                    <a:lumMod val="75000"/>
-                    <a:lumOff val="25000"/>
-                  </a:schemeClr>
-                </a:solidFill>
-              </a:rPr>
-              <a:t> </a:t>
-            </a:r>
-            <a:r>
-              <a:rPr lang="en-US" dirty="0">
-                <a:solidFill>
-                  <a:schemeClr val="tx1">
-                    <a:lumMod val="75000"/>
-                    <a:lumOff val="25000"/>
-                  </a:schemeClr>
-                </a:solidFill>
-                <a:latin typeface="Palatino Linotype" panose="02040502050505030304" pitchFamily="18" charset="0"/>
-              </a:rPr>
-              <a:t>Vocabulary</a:t>
-            </a:r>
-          </a:p>
-        </p:txBody>
-      </p:sp>
-    </p:spTree>
-    <p:extLst>
-      <p:ext uri="{BB962C8B-B14F-4D97-AF65-F5344CB8AC3E}">
-        <p14:creationId xmlns:p14="http://schemas.microsoft.com/office/powerpoint/2010/main" val="1416141381"/>
-      </p:ext>
-    </p:extLst>
-  </p:cSld>
-  <p:clrMapOvr>
-    <a:masterClrMapping/>
-  </p:clrMapOvr>
-</p:sld>
-</file>
-
-<file path=ppt/slides/slide20.xml><?xml version="1.0" encoding="utf-8"?>
+<file path=ppt/slides/slide21.xml><?xml version="1.0" encoding="utf-8"?>
 <p:sld xmlns:a="http://schemas.openxmlformats.org/drawingml/2006/main" xmlns:r="http://schemas.openxmlformats.org/officeDocument/2006/relationships" xmlns:p="http://schemas.openxmlformats.org/presentationml/2006/main">
   <p:cSld>
     <p:spTree>
@@ -13335,15 +13662,15 @@
       </p:grpSpPr>
       <p:pic>
         <p:nvPicPr>
-          <p:cNvPr id="7" name="Picture 6">
+          <p:cNvPr id="1026" name="Picture 2" descr="Sketches of Torsten Wiesel and David Hubel.">
             <a:extLst>
               <a:ext uri="{FF2B5EF4-FFF2-40B4-BE49-F238E27FC236}">
-                <a16:creationId xmlns:a16="http://schemas.microsoft.com/office/drawing/2014/main" id="{77F10DEB-D541-45FB-82D3-3BBCF138752E}"/>
+                <a16:creationId xmlns:a16="http://schemas.microsoft.com/office/drawing/2014/main" id="{F2AAC0E1-E245-0F23-E79A-EA02BA57EDBA}"/>
               </a:ext>
             </a:extLst>
           </p:cNvPr>
           <p:cNvPicPr>
-            <a:picLocks noChangeAspect="1"/>
+            <a:picLocks noChangeAspect="1" noChangeArrowheads="1"/>
           </p:cNvPicPr>
           <p:nvPr/>
         </p:nvPicPr>
@@ -13355,20 +13682,160 @@
               </a:ext>
             </a:extLst>
           </a:blip>
+          <a:srcRect/>
           <a:stretch>
             <a:fillRect/>
           </a:stretch>
         </p:blipFill>
-        <p:spPr>
+        <p:spPr bwMode="auto">
           <a:xfrm>
-            <a:off x="4420953" y="2075305"/>
-            <a:ext cx="2870914" cy="2406754"/>
+            <a:off x="3357208" y="1619249"/>
+            <a:ext cx="5477583" cy="3619501"/>
           </a:xfrm>
           <a:prstGeom prst="rect">
             <a:avLst/>
           </a:prstGeom>
+          <a:noFill/>
+          <a:extLst>
+            <a:ext uri="{909E8E84-426E-40DD-AFC4-6F175D3DCCD1}">
+              <a14:hiddenFill xmlns:a14="http://schemas.microsoft.com/office/drawing/2010/main">
+                <a:solidFill>
+                  <a:srgbClr val="FFFFFF"/>
+                </a:solidFill>
+              </a14:hiddenFill>
+            </a:ext>
+          </a:extLst>
         </p:spPr>
       </p:pic>
+      <p:sp>
+        <p:nvSpPr>
+          <p:cNvPr id="2" name="TextBox 1">
+            <a:extLst>
+              <a:ext uri="{FF2B5EF4-FFF2-40B4-BE49-F238E27FC236}">
+                <a16:creationId xmlns:a16="http://schemas.microsoft.com/office/drawing/2014/main" id="{583AAC48-8E1A-A686-9709-D6EFF75AB802}"/>
+              </a:ext>
+            </a:extLst>
+          </p:cNvPr>
+          <p:cNvSpPr txBox="1"/>
+          <p:nvPr/>
+        </p:nvSpPr>
+        <p:spPr>
+          <a:xfrm>
+            <a:off x="3257195" y="5586414"/>
+            <a:ext cx="5577596" cy="457200"/>
+          </a:xfrm>
+          <a:prstGeom prst="rect">
+            <a:avLst/>
+          </a:prstGeom>
+          <a:noFill/>
+        </p:spPr>
+        <p:txBody>
+          <a:bodyPr wrap="square" rtlCol="0">
+            <a:spAutoFit/>
+          </a:bodyPr>
+          <a:lstStyle/>
+          <a:p>
+            <a:r>
+              <a:rPr lang="en-US" sz="2400" dirty="0"/>
+              <a:t>     Torsten Wiesel	            David Hubel</a:t>
+            </a:r>
+          </a:p>
+        </p:txBody>
+      </p:sp>
+      <p:sp>
+        <p:nvSpPr>
+          <p:cNvPr id="5" name="TextBox 4">
+            <a:extLst>
+              <a:ext uri="{FF2B5EF4-FFF2-40B4-BE49-F238E27FC236}">
+                <a16:creationId xmlns:a16="http://schemas.microsoft.com/office/drawing/2014/main" id="{7145A311-6BBF-877D-64DF-8745DE1B5E76}"/>
+              </a:ext>
+            </a:extLst>
+          </p:cNvPr>
+          <p:cNvSpPr txBox="1"/>
+          <p:nvPr/>
+        </p:nvSpPr>
+        <p:spPr>
+          <a:xfrm>
+            <a:off x="0" y="6550223"/>
+            <a:ext cx="12192000" cy="307777"/>
+          </a:xfrm>
+          <a:prstGeom prst="rect">
+            <a:avLst/>
+          </a:prstGeom>
+          <a:noFill/>
+        </p:spPr>
+        <p:txBody>
+          <a:bodyPr wrap="square" rtlCol="0">
+            <a:spAutoFit/>
+          </a:bodyPr>
+          <a:lstStyle/>
+          <a:p>
+            <a:r>
+              <a:rPr lang="en-US" sz="1400" dirty="0">
+                <a:solidFill>
+                  <a:schemeClr val="tx1">
+                    <a:lumMod val="65000"/>
+                    <a:lumOff val="35000"/>
+                  </a:schemeClr>
+                </a:solidFill>
+                <a:latin typeface="+mj-lt"/>
+                <a:ea typeface="Verdana" panose="020B0604030504040204" pitchFamily="34" charset="0"/>
+              </a:rPr>
+              <a:t>Source: Krohn, J. (2020). </a:t>
+            </a:r>
+            <a:r>
+              <a:rPr lang="en-US" sz="1400" i="1" dirty="0">
+                <a:solidFill>
+                  <a:schemeClr val="tx1">
+                    <a:lumMod val="65000"/>
+                    <a:lumOff val="35000"/>
+                  </a:schemeClr>
+                </a:solidFill>
+                <a:latin typeface="+mj-lt"/>
+                <a:ea typeface="Verdana" panose="020B0604030504040204" pitchFamily="34" charset="0"/>
+              </a:rPr>
+              <a:t>Deep Learning Illustrated.</a:t>
+            </a:r>
+            <a:r>
+              <a:rPr lang="en-US" sz="1400" dirty="0">
+                <a:solidFill>
+                  <a:schemeClr val="tx1">
+                    <a:lumMod val="65000"/>
+                    <a:lumOff val="35000"/>
+                  </a:schemeClr>
+                </a:solidFill>
+                <a:latin typeface="+mj-lt"/>
+                <a:ea typeface="Verdana" panose="020B0604030504040204" pitchFamily="34" charset="0"/>
+              </a:rPr>
+              <a:t> New York, NY</a:t>
+            </a:r>
+            <a:r>
+              <a:rPr lang="en-US" sz="1400" b="0" i="0" dirty="0">
+                <a:solidFill>
+                  <a:schemeClr val="tx1">
+                    <a:lumMod val="65000"/>
+                    <a:lumOff val="35000"/>
+                  </a:schemeClr>
+                </a:solidFill>
+                <a:effectLst/>
+                <a:latin typeface="+mj-lt"/>
+                <a:ea typeface="Verdana" panose="020B0604030504040204" pitchFamily="34" charset="0"/>
+              </a:rPr>
+              <a:t>: Addison-Wesley. (Chapter 1)</a:t>
+            </a:r>
+            <a:endParaRPr lang="en-US" sz="1400" dirty="0">
+              <a:solidFill>
+                <a:schemeClr val="tx1">
+                  <a:lumMod val="65000"/>
+                  <a:lumOff val="35000"/>
+                </a:schemeClr>
+              </a:solidFill>
+              <a:latin typeface="+mj-lt"/>
+              <a:ea typeface="Verdana" panose="020B0604030504040204" pitchFamily="34" charset="0"/>
+            </a:endParaRPr>
+          </a:p>
+        </p:txBody>
+      </p:sp>
     </p:spTree>
     <p:extLst>
       <p:ext uri="{BB962C8B-B14F-4D97-AF65-F5344CB8AC3E}">
@@ -13579,6 +14046,171 @@
       </p:grpSpPr>
       <p:pic>
         <p:nvPicPr>
+          <p:cNvPr id="2" name="Picture 1" descr="A figure shows electrical activity for various orientations of line.">
+            <a:extLst>
+              <a:ext uri="{FF2B5EF4-FFF2-40B4-BE49-F238E27FC236}">
+                <a16:creationId xmlns:a16="http://schemas.microsoft.com/office/drawing/2014/main" id="{5C82F459-A1FE-0FDC-2C5C-41A18CB4C686}"/>
+              </a:ext>
+            </a:extLst>
+          </p:cNvPr>
+          <p:cNvPicPr>
+            <a:picLocks noChangeAspect="1"/>
+          </p:cNvPicPr>
+          <p:nvPr/>
+        </p:nvPicPr>
+        <p:blipFill>
+          <a:blip r:embed="rId3">
+            <a:extLst>
+              <a:ext uri="{28A0092B-C50C-407E-A947-70E740481C1C}">
+                <a14:useLocalDpi xmlns:a14="http://schemas.microsoft.com/office/drawing/2010/main" val="0"/>
+              </a:ext>
+            </a:extLst>
+          </a:blip>
+          <a:srcRect/>
+          <a:stretch>
+            <a:fillRect/>
+          </a:stretch>
+        </p:blipFill>
+        <p:spPr bwMode="auto">
+          <a:xfrm>
+            <a:off x="4552950" y="628650"/>
+            <a:ext cx="3086100" cy="5600700"/>
+          </a:xfrm>
+          <a:prstGeom prst="rect">
+            <a:avLst/>
+          </a:prstGeom>
+          <a:noFill/>
+          <a:ln>
+            <a:noFill/>
+          </a:ln>
+        </p:spPr>
+      </p:pic>
+      <p:sp>
+        <p:nvSpPr>
+          <p:cNvPr id="3" name="TextBox 2">
+            <a:extLst>
+              <a:ext uri="{FF2B5EF4-FFF2-40B4-BE49-F238E27FC236}">
+                <a16:creationId xmlns:a16="http://schemas.microsoft.com/office/drawing/2014/main" id="{466E2530-85F1-CE5E-AE8D-588C0F2C4658}"/>
+              </a:ext>
+            </a:extLst>
+          </p:cNvPr>
+          <p:cNvSpPr txBox="1"/>
+          <p:nvPr/>
+        </p:nvSpPr>
+        <p:spPr>
+          <a:xfrm>
+            <a:off x="0" y="6550223"/>
+            <a:ext cx="12192000" cy="307777"/>
+          </a:xfrm>
+          <a:prstGeom prst="rect">
+            <a:avLst/>
+          </a:prstGeom>
+          <a:noFill/>
+        </p:spPr>
+        <p:txBody>
+          <a:bodyPr wrap="square" rtlCol="0">
+            <a:spAutoFit/>
+          </a:bodyPr>
+          <a:lstStyle/>
+          <a:p>
+            <a:r>
+              <a:rPr lang="en-US" sz="1400" dirty="0">
+                <a:solidFill>
+                  <a:schemeClr val="tx1">
+                    <a:lumMod val="65000"/>
+                    <a:lumOff val="35000"/>
+                  </a:schemeClr>
+                </a:solidFill>
+                <a:latin typeface="+mj-lt"/>
+                <a:ea typeface="Verdana" panose="020B0604030504040204" pitchFamily="34" charset="0"/>
+              </a:rPr>
+              <a:t>Source: Krohn, J. (2020). </a:t>
+            </a:r>
+            <a:r>
+              <a:rPr lang="en-US" sz="1400" i="1" dirty="0">
+                <a:solidFill>
+                  <a:schemeClr val="tx1">
+                    <a:lumMod val="65000"/>
+                    <a:lumOff val="35000"/>
+                  </a:schemeClr>
+                </a:solidFill>
+                <a:latin typeface="+mj-lt"/>
+                <a:ea typeface="Verdana" panose="020B0604030504040204" pitchFamily="34" charset="0"/>
+              </a:rPr>
+              <a:t>Deep Learning Illustrated.</a:t>
+            </a:r>
+            <a:r>
+              <a:rPr lang="en-US" sz="1400" dirty="0">
+                <a:solidFill>
+                  <a:schemeClr val="tx1">
+                    <a:lumMod val="65000"/>
+                    <a:lumOff val="35000"/>
+                  </a:schemeClr>
+                </a:solidFill>
+                <a:latin typeface="+mj-lt"/>
+                <a:ea typeface="Verdana" panose="020B0604030504040204" pitchFamily="34" charset="0"/>
+              </a:rPr>
+              <a:t> New York, NY</a:t>
+            </a:r>
+            <a:r>
+              <a:rPr lang="en-US" sz="1400" b="0" i="0" dirty="0">
+                <a:solidFill>
+                  <a:schemeClr val="tx1">
+                    <a:lumMod val="65000"/>
+                    <a:lumOff val="35000"/>
+                  </a:schemeClr>
+                </a:solidFill>
+                <a:effectLst/>
+                <a:latin typeface="+mj-lt"/>
+                <a:ea typeface="Verdana" panose="020B0604030504040204" pitchFamily="34" charset="0"/>
+              </a:rPr>
+              <a:t>: Addison-Wesley. (Chapter 1)</a:t>
+            </a:r>
+            <a:endParaRPr lang="en-US" sz="1400" dirty="0">
+              <a:solidFill>
+                <a:schemeClr val="tx1">
+                  <a:lumMod val="65000"/>
+                  <a:lumOff val="35000"/>
+                </a:schemeClr>
+              </a:solidFill>
+              <a:latin typeface="+mj-lt"/>
+              <a:ea typeface="Verdana" panose="020B0604030504040204" pitchFamily="34" charset="0"/>
+            </a:endParaRPr>
+          </a:p>
+        </p:txBody>
+      </p:sp>
+    </p:spTree>
+    <p:extLst>
+      <p:ext uri="{BB962C8B-B14F-4D97-AF65-F5344CB8AC3E}">
+        <p14:creationId xmlns:p14="http://schemas.microsoft.com/office/powerpoint/2010/main" val="3712892849"/>
+      </p:ext>
+    </p:extLst>
+  </p:cSld>
+  <p:clrMapOvr>
+    <a:masterClrMapping/>
+  </p:clrMapOvr>
+</p:sld>
+</file>
+
+<file path=ppt/slides/slide8.xml><?xml version="1.0" encoding="utf-8"?>
+<p:sld xmlns:a="http://schemas.openxmlformats.org/drawingml/2006/main" xmlns:r="http://schemas.openxmlformats.org/officeDocument/2006/relationships" xmlns:p="http://schemas.openxmlformats.org/presentationml/2006/main">
+  <p:cSld>
+    <p:spTree>
+      <p:nvGrpSpPr>
+        <p:cNvPr id="1" name=""/>
+        <p:cNvGrpSpPr/>
+        <p:nvPr/>
+      </p:nvGrpSpPr>
+      <p:grpSpPr>
+        <a:xfrm>
+          <a:off x="0" y="0"/>
+          <a:ext cx="0" cy="0"/>
+          <a:chOff x="0" y="0"/>
+          <a:chExt cx="0" cy="0"/>
+        </a:xfrm>
+      </p:grpSpPr>
+      <p:pic>
+        <p:nvPicPr>
           <p:cNvPr id="3" name="Picture 2">
             <a:extLst>
               <a:ext uri="{FF2B5EF4-FFF2-40B4-BE49-F238E27FC236}">
@@ -13765,197 +14397,6 @@
     <p:extLst>
       <p:ext uri="{BB962C8B-B14F-4D97-AF65-F5344CB8AC3E}">
         <p14:creationId xmlns:p14="http://schemas.microsoft.com/office/powerpoint/2010/main" val="2579919833"/>
-      </p:ext>
-    </p:extLst>
-  </p:cSld>
-  <p:clrMapOvr>
-    <a:masterClrMapping/>
-  </p:clrMapOvr>
-  <mc:AlternateContent xmlns:mc="http://schemas.openxmlformats.org/markup-compatibility/2006" xmlns:p14="http://schemas.microsoft.com/office/powerpoint/2010/main">
-    <mc:Choice Requires="p14">
-      <p:transition spd="med" p14:dur="700">
-        <p:fade/>
-      </p:transition>
-    </mc:Choice>
-    <mc:Fallback xmlns="">
-      <p:transition spd="med">
-        <p:fade/>
-      </p:transition>
-    </mc:Fallback>
-  </mc:AlternateContent>
-</p:sld>
-</file>
-
-<file path=ppt/slides/slide8.xml><?xml version="1.0" encoding="utf-8"?>
-<p:sld xmlns:a="http://schemas.openxmlformats.org/drawingml/2006/main" xmlns:r="http://schemas.openxmlformats.org/officeDocument/2006/relationships" xmlns:p="http://schemas.openxmlformats.org/presentationml/2006/main">
-  <p:cSld>
-    <p:spTree>
-      <p:nvGrpSpPr>
-        <p:cNvPr id="1" name=""/>
-        <p:cNvGrpSpPr/>
-        <p:nvPr/>
-      </p:nvGrpSpPr>
-      <p:grpSpPr>
-        <a:xfrm>
-          <a:off x="0" y="0"/>
-          <a:ext cx="0" cy="0"/>
-          <a:chOff x="0" y="0"/>
-          <a:chExt cx="0" cy="0"/>
-        </a:xfrm>
-      </p:grpSpPr>
-      <p:sp>
-        <p:nvSpPr>
-          <p:cNvPr id="3" name="Text Placeholder 2">
-            <a:extLst>
-              <a:ext uri="{FF2B5EF4-FFF2-40B4-BE49-F238E27FC236}">
-                <a16:creationId xmlns:a16="http://schemas.microsoft.com/office/drawing/2014/main" id="{098BC2D2-CCF7-4C63-8489-B46BF394FCA2}"/>
-              </a:ext>
-            </a:extLst>
-          </p:cNvPr>
-          <p:cNvSpPr>
-            <a:spLocks noGrp="1"/>
-          </p:cNvSpPr>
-          <p:nvPr>
-            <p:ph type="body" idx="1"/>
-          </p:nvPr>
-        </p:nvSpPr>
-        <p:spPr>
-          <a:xfrm>
-            <a:off x="0" y="4285400"/>
-            <a:ext cx="12192000" cy="518830"/>
-          </a:xfrm>
-        </p:spPr>
-        <p:txBody>
-          <a:bodyPr>
-            <a:normAutofit/>
-          </a:bodyPr>
-          <a:lstStyle/>
-          <a:p>
-            <a:endParaRPr lang="en-US" dirty="0">
-              <a:latin typeface="Palatino Linotype" panose="02040502050505030304" pitchFamily="18" charset="0"/>
-              <a:cs typeface="Segoe UI" panose="020B0502040204020203" pitchFamily="34" charset="0"/>
-            </a:endParaRPr>
-          </a:p>
-          <a:p>
-            <a:endParaRPr lang="en-US" dirty="0">
-              <a:latin typeface="Palatino Linotype" panose="02040502050505030304" pitchFamily="18" charset="0"/>
-              <a:cs typeface="Segoe UI" panose="020B0502040204020203" pitchFamily="34" charset="0"/>
-            </a:endParaRPr>
-          </a:p>
-          <a:p>
-            <a:endParaRPr lang="en-US" dirty="0">
-              <a:latin typeface="Palatino Linotype" panose="02040502050505030304" pitchFamily="18" charset="0"/>
-              <a:cs typeface="Segoe UI" panose="020B0502040204020203" pitchFamily="34" charset="0"/>
-            </a:endParaRPr>
-          </a:p>
-          <a:p>
-            <a:endParaRPr lang="en-US" dirty="0">
-              <a:latin typeface="Palatino Linotype" panose="02040502050505030304" pitchFamily="18" charset="0"/>
-              <a:cs typeface="Segoe UI" panose="020B0502040204020203" pitchFamily="34" charset="0"/>
-            </a:endParaRPr>
-          </a:p>
-          <a:p>
-            <a:endParaRPr lang="en-US" dirty="0">
-              <a:latin typeface="Palatino Linotype" panose="02040502050505030304" pitchFamily="18" charset="0"/>
-              <a:cs typeface="Segoe UI" panose="020B0502040204020203" pitchFamily="34" charset="0"/>
-            </a:endParaRPr>
-          </a:p>
-        </p:txBody>
-      </p:sp>
-      <p:pic>
-        <p:nvPicPr>
-          <p:cNvPr id="6" name="Picture 5">
-            <a:extLst>
-              <a:ext uri="{FF2B5EF4-FFF2-40B4-BE49-F238E27FC236}">
-                <a16:creationId xmlns:a16="http://schemas.microsoft.com/office/drawing/2014/main" id="{4FD57F50-B889-4603-9436-B0404F566685}"/>
-              </a:ext>
-            </a:extLst>
-          </p:cNvPr>
-          <p:cNvPicPr>
-            <a:picLocks noChangeAspect="1"/>
-          </p:cNvPicPr>
-          <p:nvPr/>
-        </p:nvPicPr>
-        <p:blipFill>
-          <a:blip r:embed="rId3"/>
-          <a:stretch>
-            <a:fillRect/>
-          </a:stretch>
-        </p:blipFill>
-        <p:spPr>
-          <a:xfrm>
-            <a:off x="0" y="365760"/>
-            <a:ext cx="3233668" cy="805144"/>
-          </a:xfrm>
-          <a:prstGeom prst="rect">
-            <a:avLst/>
-          </a:prstGeom>
-        </p:spPr>
-      </p:pic>
-      <p:sp>
-        <p:nvSpPr>
-          <p:cNvPr id="5" name="TextBox 4">
-            <a:extLst>
-              <a:ext uri="{FF2B5EF4-FFF2-40B4-BE49-F238E27FC236}">
-                <a16:creationId xmlns:a16="http://schemas.microsoft.com/office/drawing/2014/main" id="{3FB0C709-F873-4998-9262-CCFA219A0026}"/>
-              </a:ext>
-            </a:extLst>
-          </p:cNvPr>
-          <p:cNvSpPr txBox="1"/>
-          <p:nvPr/>
-        </p:nvSpPr>
-        <p:spPr>
-          <a:xfrm>
-            <a:off x="0" y="3291840"/>
-            <a:ext cx="12192000" cy="1200329"/>
-          </a:xfrm>
-          <a:prstGeom prst="rect">
-            <a:avLst/>
-          </a:prstGeom>
-          <a:noFill/>
-        </p:spPr>
-        <p:txBody>
-          <a:bodyPr wrap="square" rtlCol="0">
-            <a:spAutoFit/>
-          </a:bodyPr>
-          <a:lstStyle/>
-          <a:p>
-            <a:pPr algn="ctr"/>
-            <a:r>
-              <a:rPr lang="en-US" sz="3600" dirty="0">
-                <a:solidFill>
-                  <a:schemeClr val="tx1">
-                    <a:lumMod val="65000"/>
-                    <a:lumOff val="35000"/>
-                  </a:schemeClr>
-                </a:solidFill>
-                <a:latin typeface="Palatino Linotype" panose="02040502050505030304" pitchFamily="18" charset="0"/>
-              </a:rPr>
-              <a:t>Computer Vision</a:t>
-            </a:r>
-          </a:p>
-          <a:p>
-            <a:pPr algn="ctr"/>
-            <a:r>
-              <a:rPr lang="en-US" sz="3600" dirty="0">
-                <a:solidFill>
-                  <a:schemeClr val="tx1">
-                    <a:lumMod val="65000"/>
-                    <a:lumOff val="35000"/>
-                  </a:schemeClr>
-                </a:solidFill>
-                <a:latin typeface="Palatino Linotype" panose="02040502050505030304" pitchFamily="18" charset="0"/>
-              </a:rPr>
-              <a:t>01.1_vision.ipynb</a:t>
-            </a:r>
-            <a:endParaRPr lang="en-US" sz="3600" dirty="0"/>
-          </a:p>
-        </p:txBody>
-      </p:sp>
-    </p:spTree>
-    <p:extLst>
-      <p:ext uri="{BB962C8B-B14F-4D97-AF65-F5344CB8AC3E}">
-        <p14:creationId xmlns:p14="http://schemas.microsoft.com/office/powerpoint/2010/main" val="4276067362"/>
       </p:ext>
     </p:extLst>
   </p:cSld>
@@ -13996,10 +14437,10 @@
       </p:grpSpPr>
       <p:sp>
         <p:nvSpPr>
-          <p:cNvPr id="3" name="Title 4">
+          <p:cNvPr id="3" name="Text Placeholder 2">
             <a:extLst>
               <a:ext uri="{FF2B5EF4-FFF2-40B4-BE49-F238E27FC236}">
-                <a16:creationId xmlns:a16="http://schemas.microsoft.com/office/drawing/2014/main" id="{45016518-B093-4034-A04C-3B258BCD544E}"/>
+                <a16:creationId xmlns:a16="http://schemas.microsoft.com/office/drawing/2014/main" id="{098BC2D2-CCF7-4C63-8489-B46BF394FCA2}"/>
               </a:ext>
             </a:extLst>
           </p:cNvPr>
@@ -14007,13 +14448,13 @@
             <a:spLocks noGrp="1"/>
           </p:cNvSpPr>
           <p:nvPr>
-            <p:ph type="title"/>
+            <p:ph type="body" idx="1"/>
           </p:nvPr>
         </p:nvSpPr>
         <p:spPr>
           <a:xfrm>
-            <a:off x="0" y="2849217"/>
-            <a:ext cx="12192000" cy="778736"/>
+            <a:off x="0" y="4285400"/>
+            <a:ext cx="12192000" cy="518830"/>
           </a:xfrm>
         </p:spPr>
         <p:txBody>
@@ -14022,22 +14463,73 @@
           </a:bodyPr>
           <a:lstStyle/>
           <a:p>
-            <a:pPr algn="ctr"/>
-            <a:r>
-              <a:rPr lang="en-US" sz="4000" dirty="0">
-                <a:latin typeface="Palatino Linotype" panose="02040502050505030304" pitchFamily="18" charset="0"/>
-              </a:rPr>
-              <a:t>Why do we need Convolutional Neural Networks?</a:t>
-            </a:r>
+            <a:endParaRPr lang="en-US" dirty="0">
+              <a:latin typeface="Palatino Linotype" panose="02040502050505030304" pitchFamily="18" charset="0"/>
+              <a:cs typeface="Segoe UI" panose="020B0502040204020203" pitchFamily="34" charset="0"/>
+            </a:endParaRPr>
+          </a:p>
+          <a:p>
+            <a:endParaRPr lang="en-US" dirty="0">
+              <a:latin typeface="Palatino Linotype" panose="02040502050505030304" pitchFamily="18" charset="0"/>
+              <a:cs typeface="Segoe UI" panose="020B0502040204020203" pitchFamily="34" charset="0"/>
+            </a:endParaRPr>
+          </a:p>
+          <a:p>
+            <a:endParaRPr lang="en-US" dirty="0">
+              <a:latin typeface="Palatino Linotype" panose="02040502050505030304" pitchFamily="18" charset="0"/>
+              <a:cs typeface="Segoe UI" panose="020B0502040204020203" pitchFamily="34" charset="0"/>
+            </a:endParaRPr>
+          </a:p>
+          <a:p>
+            <a:endParaRPr lang="en-US" dirty="0">
+              <a:latin typeface="Palatino Linotype" panose="02040502050505030304" pitchFamily="18" charset="0"/>
+              <a:cs typeface="Segoe UI" panose="020B0502040204020203" pitchFamily="34" charset="0"/>
+            </a:endParaRPr>
+          </a:p>
+          <a:p>
+            <a:endParaRPr lang="en-US" dirty="0">
+              <a:latin typeface="Palatino Linotype" panose="02040502050505030304" pitchFamily="18" charset="0"/>
+              <a:cs typeface="Segoe UI" panose="020B0502040204020203" pitchFamily="34" charset="0"/>
+            </a:endParaRPr>
           </a:p>
         </p:txBody>
       </p:sp>
+      <p:pic>
+        <p:nvPicPr>
+          <p:cNvPr id="6" name="Picture 5">
+            <a:extLst>
+              <a:ext uri="{FF2B5EF4-FFF2-40B4-BE49-F238E27FC236}">
+                <a16:creationId xmlns:a16="http://schemas.microsoft.com/office/drawing/2014/main" id="{4FD57F50-B889-4603-9436-B0404F566685}"/>
+              </a:ext>
+            </a:extLst>
+          </p:cNvPr>
+          <p:cNvPicPr>
+            <a:picLocks noChangeAspect="1"/>
+          </p:cNvPicPr>
+          <p:nvPr/>
+        </p:nvPicPr>
+        <p:blipFill>
+          <a:blip r:embed="rId3"/>
+          <a:stretch>
+            <a:fillRect/>
+          </a:stretch>
+        </p:blipFill>
+        <p:spPr>
+          <a:xfrm>
+            <a:off x="0" y="365760"/>
+            <a:ext cx="3233668" cy="805144"/>
+          </a:xfrm>
+          <a:prstGeom prst="rect">
+            <a:avLst/>
+          </a:prstGeom>
+        </p:spPr>
+      </p:pic>
       <p:sp>
         <p:nvSpPr>
           <p:cNvPr id="5" name="TextBox 4">
             <a:extLst>
               <a:ext uri="{FF2B5EF4-FFF2-40B4-BE49-F238E27FC236}">
-                <a16:creationId xmlns:a16="http://schemas.microsoft.com/office/drawing/2014/main" id="{0CCD5364-5B0B-4E7A-B2C3-BB41CF8A80DA}"/>
+                <a16:creationId xmlns:a16="http://schemas.microsoft.com/office/drawing/2014/main" id="{3FB0C709-F873-4998-9262-CCFA219A0026}"/>
               </a:ext>
             </a:extLst>
           </p:cNvPr>
@@ -14046,8 +14538,8 @@
         </p:nvSpPr>
         <p:spPr>
           <a:xfrm>
-            <a:off x="0" y="6550223"/>
-            <a:ext cx="12192000" cy="307777"/>
+            <a:off x="-20877" y="2960813"/>
+            <a:ext cx="12192000" cy="1200329"/>
           </a:xfrm>
           <a:prstGeom prst="rect">
             <a:avLst/>
@@ -14060,76 +14552,130 @@
           </a:bodyPr>
           <a:lstStyle/>
           <a:p>
-            <a:r>
-              <a:rPr lang="en-US" sz="1400" dirty="0">
+            <a:pPr algn="ctr"/>
+            <a:r>
+              <a:rPr lang="en-US" sz="3600" dirty="0">
                 <a:solidFill>
                   <a:schemeClr val="tx1">
                     <a:lumMod val="65000"/>
                     <a:lumOff val="35000"/>
                   </a:schemeClr>
                 </a:solidFill>
-                <a:latin typeface="+mj-lt"/>
-                <a:ea typeface="Verdana" panose="020B0604030504040204" pitchFamily="34" charset="0"/>
-              </a:rPr>
-              <a:t>Source: Geron, A. (2019). </a:t>
-            </a:r>
-            <a:r>
-              <a:rPr lang="en-US" sz="1400" i="1" dirty="0">
+                <a:latin typeface="Palatino Linotype" panose="02040502050505030304" pitchFamily="18" charset="0"/>
+              </a:rPr>
+              <a:t>Computer Vision</a:t>
+            </a:r>
+          </a:p>
+          <a:p>
+            <a:pPr algn="ctr"/>
+            <a:r>
+              <a:rPr lang="en-US" sz="3600" dirty="0">
                 <a:solidFill>
                   <a:schemeClr val="tx1">
                     <a:lumMod val="65000"/>
                     <a:lumOff val="35000"/>
                   </a:schemeClr>
                 </a:solidFill>
-                <a:latin typeface="+mj-lt"/>
-                <a:ea typeface="Verdana" panose="020B0604030504040204" pitchFamily="34" charset="0"/>
-              </a:rPr>
-              <a:t>Hands-on machine learning with Sci-Kit learn, Keras, &amp; Tensorflow.</a:t>
-            </a:r>
-            <a:r>
-              <a:rPr lang="en-US" sz="1400" dirty="0">
-                <a:solidFill>
-                  <a:schemeClr val="tx1">
-                    <a:lumMod val="65000"/>
-                    <a:lumOff val="35000"/>
-                  </a:schemeClr>
-                </a:solidFill>
-                <a:latin typeface="+mj-lt"/>
-                <a:ea typeface="Verdana" panose="020B0604030504040204" pitchFamily="34" charset="0"/>
-              </a:rPr>
-              <a:t> Sebastopol, CA</a:t>
-            </a:r>
-            <a:r>
-              <a:rPr lang="en-US" sz="1400" b="0" i="0" dirty="0">
-                <a:solidFill>
-                  <a:schemeClr val="tx1">
-                    <a:lumMod val="65000"/>
-                    <a:lumOff val="35000"/>
-                  </a:schemeClr>
-                </a:solidFill>
-                <a:effectLst/>
-                <a:latin typeface="+mj-lt"/>
-                <a:ea typeface="Verdana" panose="020B0604030504040204" pitchFamily="34" charset="0"/>
-              </a:rPr>
-              <a:t>: O’Reilly Media. (Chapter 14)</a:t>
-            </a:r>
-            <a:endParaRPr lang="en-US" sz="1400" dirty="0">
-              <a:solidFill>
-                <a:schemeClr val="tx1">
-                  <a:lumMod val="65000"/>
-                  <a:lumOff val="35000"/>
-                </a:schemeClr>
-              </a:solidFill>
-              <a:latin typeface="+mj-lt"/>
-              <a:ea typeface="Verdana" panose="020B0604030504040204" pitchFamily="34" charset="0"/>
-            </a:endParaRPr>
+                <a:latin typeface="Palatino Linotype" panose="02040502050505030304" pitchFamily="18" charset="0"/>
+              </a:rPr>
+              <a:t>01.1_vision.ipynb</a:t>
+            </a:r>
+            <a:endParaRPr lang="en-US" sz="3600" dirty="0"/>
+          </a:p>
+        </p:txBody>
+      </p:sp>
+      <p:pic>
+        <p:nvPicPr>
+          <p:cNvPr id="4" name="Picture 3" descr="Diagram, text&#10;&#10;Description automatically generated">
+            <a:extLst>
+              <a:ext uri="{FF2B5EF4-FFF2-40B4-BE49-F238E27FC236}">
+                <a16:creationId xmlns:a16="http://schemas.microsoft.com/office/drawing/2014/main" id="{03824912-22A1-8690-97FA-0EE3680F1412}"/>
+              </a:ext>
+            </a:extLst>
+          </p:cNvPr>
+          <p:cNvPicPr>
+            <a:picLocks noChangeAspect="1"/>
+          </p:cNvPicPr>
+          <p:nvPr/>
+        </p:nvPicPr>
+        <p:blipFill>
+          <a:blip r:embed="rId4">
+            <a:extLst>
+              <a:ext uri="{28A0092B-C50C-407E-A947-70E740481C1C}">
+                <a14:useLocalDpi xmlns:a14="http://schemas.microsoft.com/office/drawing/2010/main" val="0"/>
+              </a:ext>
+            </a:extLst>
+          </a:blip>
+          <a:stretch>
+            <a:fillRect/>
+          </a:stretch>
+        </p:blipFill>
+        <p:spPr>
+          <a:xfrm>
+            <a:off x="4753095" y="4738477"/>
+            <a:ext cx="2685809" cy="1562073"/>
+          </a:xfrm>
+          <a:prstGeom prst="rect">
+            <a:avLst/>
+          </a:prstGeom>
+        </p:spPr>
+      </p:pic>
+      <p:sp>
+        <p:nvSpPr>
+          <p:cNvPr id="7" name="Oval 6">
+            <a:extLst>
+              <a:ext uri="{FF2B5EF4-FFF2-40B4-BE49-F238E27FC236}">
+                <a16:creationId xmlns:a16="http://schemas.microsoft.com/office/drawing/2014/main" id="{CFE9395E-0878-4D64-4513-E31F77144E50}"/>
+              </a:ext>
+            </a:extLst>
+          </p:cNvPr>
+          <p:cNvSpPr/>
+          <p:nvPr/>
+        </p:nvSpPr>
+        <p:spPr>
+          <a:xfrm>
+            <a:off x="5210827" y="4646112"/>
+            <a:ext cx="1728592" cy="1778696"/>
+          </a:xfrm>
+          <a:prstGeom prst="ellipse">
+            <a:avLst/>
+          </a:prstGeom>
+          <a:noFill/>
+          <a:ln>
+            <a:solidFill>
+              <a:srgbClr val="FF0000"/>
+            </a:solidFill>
+          </a:ln>
+        </p:spPr>
+        <p:style>
+          <a:lnRef idx="2">
+            <a:schemeClr val="accent1">
+              <a:shade val="50000"/>
+            </a:schemeClr>
+          </a:lnRef>
+          <a:fillRef idx="1">
+            <a:schemeClr val="accent1"/>
+          </a:fillRef>
+          <a:effectRef idx="0">
+            <a:schemeClr val="accent1"/>
+          </a:effectRef>
+          <a:fontRef idx="minor">
+            <a:schemeClr val="lt1"/>
+          </a:fontRef>
+        </p:style>
+        <p:txBody>
+          <a:bodyPr rtlCol="0" anchor="ctr"/>
+          <a:lstStyle/>
+          <a:p>
+            <a:pPr algn="ctr"/>
+            <a:endParaRPr lang="en-US"/>
           </a:p>
         </p:txBody>
       </p:sp>
     </p:spTree>
     <p:extLst>
       <p:ext uri="{BB962C8B-B14F-4D97-AF65-F5344CB8AC3E}">
-        <p14:creationId xmlns:p14="http://schemas.microsoft.com/office/powerpoint/2010/main" val="1768424717"/>
+        <p14:creationId xmlns:p14="http://schemas.microsoft.com/office/powerpoint/2010/main" val="4276067362"/>
       </p:ext>
     </p:extLst>
   </p:cSld>

--- a/presentations/01_cnn_intro.pptx
+++ b/presentations/01_cnn_intro.pptx
@@ -228,7 +228,7 @@
           <a:p>
             <a:fld id="{FD93C9B2-20F6-4DB1-B471-224337D0AC79}" type="datetimeFigureOut">
               <a:rPr lang="en-US" smtClean="0"/>
-              <a:t>9/11/2022</a:t>
+              <a:t>9/12/2022</a:t>
             </a:fld>
             <a:endParaRPr lang="en-US"/>
           </a:p>
@@ -4078,7 +4078,29 @@
                 <a:latin typeface="Noto Serif" panose="02020600060500020200" pitchFamily="18" charset="0"/>
                 <a:ea typeface="Times New Roman" panose="02020603050405020304" pitchFamily="18" charset="0"/>
               </a:rPr>
-              <a:t>Here we see a simple cell in the primary visual cortex of a cat firing at different rates, depending on the orientation of the line shown to it.</a:t>
+              <a:t>In this </a:t>
+            </a:r>
+            <a:r>
+              <a:rPr lang="en-US" sz="1800">
+                <a:solidFill>
+                  <a:srgbClr val="000000"/>
+                </a:solidFill>
+                <a:effectLst/>
+                <a:latin typeface="Noto Serif" panose="02020600060500020200" pitchFamily="18" charset="0"/>
+                <a:ea typeface="Times New Roman" panose="02020603050405020304" pitchFamily="18" charset="0"/>
+              </a:rPr>
+              <a:t>image, we </a:t>
+            </a:r>
+            <a:r>
+              <a:rPr lang="en-US" sz="1800" dirty="0">
+                <a:solidFill>
+                  <a:srgbClr val="000000"/>
+                </a:solidFill>
+                <a:effectLst/>
+                <a:latin typeface="Noto Serif" panose="02020600060500020200" pitchFamily="18" charset="0"/>
+                <a:ea typeface="Times New Roman" panose="02020603050405020304" pitchFamily="18" charset="0"/>
+              </a:rPr>
+              <a:t>see a simple cell in the primary visual cortex of a cat firing at different rates, depending on the orientation of the line shown to it.</a:t>
             </a:r>
             <a:endParaRPr lang="en-US" sz="1200" dirty="0">
               <a:solidFill>
@@ -5039,7 +5061,7 @@
           <a:p>
             <a:fld id="{C3F78080-8D0A-4BE8-A5B4-CB115102D524}" type="datetimeFigureOut">
               <a:rPr lang="en-US" smtClean="0"/>
-              <a:t>9/11/2022</a:t>
+              <a:t>9/12/2022</a:t>
             </a:fld>
             <a:endParaRPr lang="en-US"/>
           </a:p>
@@ -5237,7 +5259,7 @@
           <a:p>
             <a:fld id="{C3F78080-8D0A-4BE8-A5B4-CB115102D524}" type="datetimeFigureOut">
               <a:rPr lang="en-US" smtClean="0"/>
-              <a:t>9/11/2022</a:t>
+              <a:t>9/12/2022</a:t>
             </a:fld>
             <a:endParaRPr lang="en-US"/>
           </a:p>
@@ -5445,7 +5467,7 @@
           <a:p>
             <a:fld id="{C3F78080-8D0A-4BE8-A5B4-CB115102D524}" type="datetimeFigureOut">
               <a:rPr lang="en-US" smtClean="0"/>
-              <a:t>9/11/2022</a:t>
+              <a:t>9/12/2022</a:t>
             </a:fld>
             <a:endParaRPr lang="en-US"/>
           </a:p>
@@ -5643,7 +5665,7 @@
           <a:p>
             <a:fld id="{C3F78080-8D0A-4BE8-A5B4-CB115102D524}" type="datetimeFigureOut">
               <a:rPr lang="en-US" smtClean="0"/>
-              <a:t>9/11/2022</a:t>
+              <a:t>9/12/2022</a:t>
             </a:fld>
             <a:endParaRPr lang="en-US"/>
           </a:p>
@@ -5918,7 +5940,7 @@
           <a:p>
             <a:fld id="{C3F78080-8D0A-4BE8-A5B4-CB115102D524}" type="datetimeFigureOut">
               <a:rPr lang="en-US" smtClean="0"/>
-              <a:t>9/11/2022</a:t>
+              <a:t>9/12/2022</a:t>
             </a:fld>
             <a:endParaRPr lang="en-US"/>
           </a:p>
@@ -6183,7 +6205,7 @@
           <a:p>
             <a:fld id="{C3F78080-8D0A-4BE8-A5B4-CB115102D524}" type="datetimeFigureOut">
               <a:rPr lang="en-US" smtClean="0"/>
-              <a:t>9/11/2022</a:t>
+              <a:t>9/12/2022</a:t>
             </a:fld>
             <a:endParaRPr lang="en-US"/>
           </a:p>
@@ -6595,7 +6617,7 @@
           <a:p>
             <a:fld id="{C3F78080-8D0A-4BE8-A5B4-CB115102D524}" type="datetimeFigureOut">
               <a:rPr lang="en-US" smtClean="0"/>
-              <a:t>9/11/2022</a:t>
+              <a:t>9/12/2022</a:t>
             </a:fld>
             <a:endParaRPr lang="en-US"/>
           </a:p>
@@ -6736,7 +6758,7 @@
           <a:p>
             <a:fld id="{C3F78080-8D0A-4BE8-A5B4-CB115102D524}" type="datetimeFigureOut">
               <a:rPr lang="en-US" smtClean="0"/>
-              <a:t>9/11/2022</a:t>
+              <a:t>9/12/2022</a:t>
             </a:fld>
             <a:endParaRPr lang="en-US"/>
           </a:p>
@@ -6849,7 +6871,7 @@
           <a:p>
             <a:fld id="{C3F78080-8D0A-4BE8-A5B4-CB115102D524}" type="datetimeFigureOut">
               <a:rPr lang="en-US" smtClean="0"/>
-              <a:t>9/11/2022</a:t>
+              <a:t>9/12/2022</a:t>
             </a:fld>
             <a:endParaRPr lang="en-US"/>
           </a:p>
@@ -7160,7 +7182,7 @@
           <a:p>
             <a:fld id="{C3F78080-8D0A-4BE8-A5B4-CB115102D524}" type="datetimeFigureOut">
               <a:rPr lang="en-US" smtClean="0"/>
-              <a:t>9/11/2022</a:t>
+              <a:t>9/12/2022</a:t>
             </a:fld>
             <a:endParaRPr lang="en-US"/>
           </a:p>
@@ -7448,7 +7470,7 @@
           <a:p>
             <a:fld id="{C3F78080-8D0A-4BE8-A5B4-CB115102D524}" type="datetimeFigureOut">
               <a:rPr lang="en-US" smtClean="0"/>
-              <a:t>9/11/2022</a:t>
+              <a:t>9/12/2022</a:t>
             </a:fld>
             <a:endParaRPr lang="en-US"/>
           </a:p>
@@ -7689,7 +7711,7 @@
           <a:p>
             <a:fld id="{C3F78080-8D0A-4BE8-A5B4-CB115102D524}" type="datetimeFigureOut">
               <a:rPr lang="en-US" smtClean="0"/>
-              <a:t>9/11/2022</a:t>
+              <a:t>9/12/2022</a:t>
             </a:fld>
             <a:endParaRPr lang="en-US"/>
           </a:p>
